--- a/Documents/Molopt - Full Project Presentation.pptx
+++ b/Documents/Molopt - Full Project Presentation.pptx
@@ -5818,7 +5818,7 @@
   <dgm:whole/>
   <dgm:extLst>
     <a:ext uri="http://schemas.microsoft.com/office/drawing/2008/diagram">
-      <dsp:dataModelExt xmlns:dsp="http://schemas.microsoft.com/office/drawing/2008/diagram" relId="rId7" minVer="http://schemas.openxmlformats.org/drawingml/2006/diagram"/>
+      <dsp:dataModelExt xmlns:dsp="http://schemas.microsoft.com/office/drawing/2008/diagram" relId="rId8" minVer="http://schemas.openxmlformats.org/drawingml/2006/diagram"/>
     </a:ext>
   </dgm:extLst>
 </dgm:dataModel>
@@ -6800,7 +6800,7 @@
   <dgm:whole/>
   <dgm:extLst>
     <a:ext uri="http://schemas.microsoft.com/office/drawing/2008/diagram">
-      <dsp:dataModelExt xmlns:dsp="http://schemas.microsoft.com/office/drawing/2008/diagram" relId="rId6" minVer="http://schemas.openxmlformats.org/drawingml/2006/diagram"/>
+      <dsp:dataModelExt xmlns:dsp="http://schemas.microsoft.com/office/drawing/2008/diagram" relId="rId7" minVer="http://schemas.openxmlformats.org/drawingml/2006/diagram"/>
     </a:ext>
   </dgm:extLst>
 </dgm:dataModel>
@@ -7342,7 +7342,7 @@
   <dgm:whole/>
   <dgm:extLst>
     <a:ext uri="http://schemas.microsoft.com/office/drawing/2008/diagram">
-      <dsp:dataModelExt xmlns:dsp="http://schemas.microsoft.com/office/drawing/2008/diagram" relId="rId6" minVer="http://schemas.openxmlformats.org/drawingml/2006/diagram"/>
+      <dsp:dataModelExt xmlns:dsp="http://schemas.microsoft.com/office/drawing/2008/diagram" relId="rId7" minVer="http://schemas.openxmlformats.org/drawingml/2006/diagram"/>
     </a:ext>
   </dgm:extLst>
 </dgm:dataModel>
@@ -7719,7 +7719,7 @@
   <dgm:whole/>
   <dgm:extLst>
     <a:ext uri="http://schemas.microsoft.com/office/drawing/2008/diagram">
-      <dsp:dataModelExt xmlns:dsp="http://schemas.microsoft.com/office/drawing/2008/diagram" relId="rId6" minVer="http://schemas.openxmlformats.org/drawingml/2006/diagram"/>
+      <dsp:dataModelExt xmlns:dsp="http://schemas.microsoft.com/office/drawing/2008/diagram" relId="rId7" minVer="http://schemas.openxmlformats.org/drawingml/2006/diagram"/>
     </a:ext>
   </dgm:extLst>
 </dgm:dataModel>
@@ -20013,7 +20013,7 @@
           <a:p>
             <a:fld id="{2046D6FB-4460-4DEF-B71B-7631DC3490B3}" type="datetimeFigureOut">
               <a:rPr lang="en-US" smtClean="0"/>
-              <a:t>5/25/2023</a:t>
+              <a:t>5/26/2023</a:t>
             </a:fld>
             <a:endParaRPr lang="en-US"/>
           </a:p>
@@ -20324,7 +20324,10 @@
           <a:bodyPr/>
           <a:lstStyle/>
           <a:p>
-            <a:endParaRPr lang="en-US" dirty="0"/>
+            <a:r>
+              <a:rPr lang="en-US" dirty="0"/>
+              <a:t>Amit</a:t>
+            </a:r>
           </a:p>
         </p:txBody>
       </p:sp>
@@ -20345,7 +20348,7 @@
           <a:p>
             <a:fld id="{9CF5519E-C510-498D-AF62-1D020606B9F5}" type="slidenum">
               <a:rPr lang="en-US" smtClean="0"/>
-              <a:t>4</a:t>
+              <a:t>2</a:t>
             </a:fld>
             <a:endParaRPr lang="en-US"/>
           </a:p>
@@ -20354,7 +20357,7 @@
     </p:spTree>
     <p:extLst>
       <p:ext uri="{BB962C8B-B14F-4D97-AF65-F5344CB8AC3E}">
-        <p14:creationId xmlns:p14="http://schemas.microsoft.com/office/powerpoint/2010/main" val="2930861410"/>
+        <p14:creationId xmlns:p14="http://schemas.microsoft.com/office/powerpoint/2010/main" val="4066669954"/>
       </p:ext>
     </p:extLst>
   </p:cSld>
@@ -20408,7 +20411,271 @@
           <a:bodyPr/>
           <a:lstStyle/>
           <a:p>
-            <a:endParaRPr lang="en-US" dirty="0"/>
+            <a:r>
+              <a:rPr lang="en-US" dirty="0"/>
+              <a:t>Amit</a:t>
+            </a:r>
+          </a:p>
+        </p:txBody>
+      </p:sp>
+      <p:sp>
+        <p:nvSpPr>
+          <p:cNvPr id="4" name="Slide Number Placeholder 3"/>
+          <p:cNvSpPr>
+            <a:spLocks noGrp="1"/>
+          </p:cNvSpPr>
+          <p:nvPr>
+            <p:ph type="sldNum" sz="quarter" idx="5"/>
+          </p:nvPr>
+        </p:nvSpPr>
+        <p:spPr/>
+        <p:txBody>
+          <a:bodyPr/>
+          <a:lstStyle/>
+          <a:p>
+            <a:fld id="{9CF5519E-C510-498D-AF62-1D020606B9F5}" type="slidenum">
+              <a:rPr lang="en-US" smtClean="0"/>
+              <a:t>3</a:t>
+            </a:fld>
+            <a:endParaRPr lang="en-US"/>
+          </a:p>
+        </p:txBody>
+      </p:sp>
+    </p:spTree>
+    <p:extLst>
+      <p:ext uri="{BB962C8B-B14F-4D97-AF65-F5344CB8AC3E}">
+        <p14:creationId xmlns:p14="http://schemas.microsoft.com/office/powerpoint/2010/main" val="3077341235"/>
+      </p:ext>
+    </p:extLst>
+  </p:cSld>
+  <p:clrMapOvr>
+    <a:masterClrMapping/>
+  </p:clrMapOvr>
+</p:notes>
+</file>
+
+<file path=ppt/notesSlides/notesSlide3.xml><?xml version="1.0" encoding="utf-8"?>
+<p:notes xmlns:a="http://schemas.openxmlformats.org/drawingml/2006/main" xmlns:r="http://schemas.openxmlformats.org/officeDocument/2006/relationships" xmlns:p="http://schemas.openxmlformats.org/presentationml/2006/main">
+  <p:cSld>
+    <p:spTree>
+      <p:nvGrpSpPr>
+        <p:cNvPr id="1" name=""/>
+        <p:cNvGrpSpPr/>
+        <p:nvPr/>
+      </p:nvGrpSpPr>
+      <p:grpSpPr>
+        <a:xfrm>
+          <a:off x="0" y="0"/>
+          <a:ext cx="0" cy="0"/>
+          <a:chOff x="0" y="0"/>
+          <a:chExt cx="0" cy="0"/>
+        </a:xfrm>
+      </p:grpSpPr>
+      <p:sp>
+        <p:nvSpPr>
+          <p:cNvPr id="2" name="Slide Image Placeholder 1"/>
+          <p:cNvSpPr>
+            <a:spLocks noGrp="1" noRot="1" noChangeAspect="1"/>
+          </p:cNvSpPr>
+          <p:nvPr>
+            <p:ph type="sldImg"/>
+          </p:nvPr>
+        </p:nvSpPr>
+        <p:spPr/>
+      </p:sp>
+      <p:sp>
+        <p:nvSpPr>
+          <p:cNvPr id="3" name="Notes Placeholder 2"/>
+          <p:cNvSpPr>
+            <a:spLocks noGrp="1"/>
+          </p:cNvSpPr>
+          <p:nvPr>
+            <p:ph type="body" idx="1"/>
+          </p:nvPr>
+        </p:nvSpPr>
+        <p:spPr/>
+        <p:txBody>
+          <a:bodyPr/>
+          <a:lstStyle/>
+          <a:p>
+            <a:r>
+              <a:rPr lang="en-US" dirty="0"/>
+              <a:t>Daniel</a:t>
+            </a:r>
+          </a:p>
+        </p:txBody>
+      </p:sp>
+      <p:sp>
+        <p:nvSpPr>
+          <p:cNvPr id="4" name="Slide Number Placeholder 3"/>
+          <p:cNvSpPr>
+            <a:spLocks noGrp="1"/>
+          </p:cNvSpPr>
+          <p:nvPr>
+            <p:ph type="sldNum" sz="quarter" idx="5"/>
+          </p:nvPr>
+        </p:nvSpPr>
+        <p:spPr/>
+        <p:txBody>
+          <a:bodyPr/>
+          <a:lstStyle/>
+          <a:p>
+            <a:fld id="{9CF5519E-C510-498D-AF62-1D020606B9F5}" type="slidenum">
+              <a:rPr lang="en-US" smtClean="0"/>
+              <a:t>4</a:t>
+            </a:fld>
+            <a:endParaRPr lang="en-US"/>
+          </a:p>
+        </p:txBody>
+      </p:sp>
+    </p:spTree>
+    <p:extLst>
+      <p:ext uri="{BB962C8B-B14F-4D97-AF65-F5344CB8AC3E}">
+        <p14:creationId xmlns:p14="http://schemas.microsoft.com/office/powerpoint/2010/main" val="2930861410"/>
+      </p:ext>
+    </p:extLst>
+  </p:cSld>
+  <p:clrMapOvr>
+    <a:masterClrMapping/>
+  </p:clrMapOvr>
+</p:notes>
+</file>
+
+<file path=ppt/notesSlides/notesSlide4.xml><?xml version="1.0" encoding="utf-8"?>
+<p:notes xmlns:a="http://schemas.openxmlformats.org/drawingml/2006/main" xmlns:r="http://schemas.openxmlformats.org/officeDocument/2006/relationships" xmlns:p="http://schemas.openxmlformats.org/presentationml/2006/main">
+  <p:cSld>
+    <p:spTree>
+      <p:nvGrpSpPr>
+        <p:cNvPr id="1" name=""/>
+        <p:cNvGrpSpPr/>
+        <p:nvPr/>
+      </p:nvGrpSpPr>
+      <p:grpSpPr>
+        <a:xfrm>
+          <a:off x="0" y="0"/>
+          <a:ext cx="0" cy="0"/>
+          <a:chOff x="0" y="0"/>
+          <a:chExt cx="0" cy="0"/>
+        </a:xfrm>
+      </p:grpSpPr>
+      <p:sp>
+        <p:nvSpPr>
+          <p:cNvPr id="2" name="Slide Image Placeholder 1"/>
+          <p:cNvSpPr>
+            <a:spLocks noGrp="1" noRot="1" noChangeAspect="1"/>
+          </p:cNvSpPr>
+          <p:nvPr>
+            <p:ph type="sldImg"/>
+          </p:nvPr>
+        </p:nvSpPr>
+        <p:spPr/>
+      </p:sp>
+      <p:sp>
+        <p:nvSpPr>
+          <p:cNvPr id="3" name="Notes Placeholder 2"/>
+          <p:cNvSpPr>
+            <a:spLocks noGrp="1"/>
+          </p:cNvSpPr>
+          <p:nvPr>
+            <p:ph type="body" idx="1"/>
+          </p:nvPr>
+        </p:nvSpPr>
+        <p:spPr/>
+        <p:txBody>
+          <a:bodyPr/>
+          <a:lstStyle/>
+          <a:p>
+            <a:r>
+              <a:rPr lang="en-US" dirty="0"/>
+              <a:t>Nofar</a:t>
+            </a:r>
+          </a:p>
+        </p:txBody>
+      </p:sp>
+      <p:sp>
+        <p:nvSpPr>
+          <p:cNvPr id="4" name="Slide Number Placeholder 3"/>
+          <p:cNvSpPr>
+            <a:spLocks noGrp="1"/>
+          </p:cNvSpPr>
+          <p:nvPr>
+            <p:ph type="sldNum" sz="quarter" idx="5"/>
+          </p:nvPr>
+        </p:nvSpPr>
+        <p:spPr/>
+        <p:txBody>
+          <a:bodyPr/>
+          <a:lstStyle/>
+          <a:p>
+            <a:fld id="{9CF5519E-C510-498D-AF62-1D020606B9F5}" type="slidenum">
+              <a:rPr lang="en-US" smtClean="0"/>
+              <a:t>5</a:t>
+            </a:fld>
+            <a:endParaRPr lang="en-US"/>
+          </a:p>
+        </p:txBody>
+      </p:sp>
+    </p:spTree>
+    <p:extLst>
+      <p:ext uri="{BB962C8B-B14F-4D97-AF65-F5344CB8AC3E}">
+        <p14:creationId xmlns:p14="http://schemas.microsoft.com/office/powerpoint/2010/main" val="4267904832"/>
+      </p:ext>
+    </p:extLst>
+  </p:cSld>
+  <p:clrMapOvr>
+    <a:masterClrMapping/>
+  </p:clrMapOvr>
+</p:notes>
+</file>
+
+<file path=ppt/notesSlides/notesSlide5.xml><?xml version="1.0" encoding="utf-8"?>
+<p:notes xmlns:a="http://schemas.openxmlformats.org/drawingml/2006/main" xmlns:r="http://schemas.openxmlformats.org/officeDocument/2006/relationships" xmlns:p="http://schemas.openxmlformats.org/presentationml/2006/main">
+  <p:cSld>
+    <p:spTree>
+      <p:nvGrpSpPr>
+        <p:cNvPr id="1" name=""/>
+        <p:cNvGrpSpPr/>
+        <p:nvPr/>
+      </p:nvGrpSpPr>
+      <p:grpSpPr>
+        <a:xfrm>
+          <a:off x="0" y="0"/>
+          <a:ext cx="0" cy="0"/>
+          <a:chOff x="0" y="0"/>
+          <a:chExt cx="0" cy="0"/>
+        </a:xfrm>
+      </p:grpSpPr>
+      <p:sp>
+        <p:nvSpPr>
+          <p:cNvPr id="2" name="Slide Image Placeholder 1"/>
+          <p:cNvSpPr>
+            <a:spLocks noGrp="1" noRot="1" noChangeAspect="1"/>
+          </p:cNvSpPr>
+          <p:nvPr>
+            <p:ph type="sldImg"/>
+          </p:nvPr>
+        </p:nvSpPr>
+        <p:spPr/>
+      </p:sp>
+      <p:sp>
+        <p:nvSpPr>
+          <p:cNvPr id="3" name="Notes Placeholder 2"/>
+          <p:cNvSpPr>
+            <a:spLocks noGrp="1"/>
+          </p:cNvSpPr>
+          <p:nvPr>
+            <p:ph type="body" idx="1"/>
+          </p:nvPr>
+        </p:nvSpPr>
+        <p:spPr/>
+        <p:txBody>
+          <a:bodyPr/>
+          <a:lstStyle/>
+          <a:p>
+            <a:r>
+              <a:rPr lang="en-US" dirty="0"/>
+              <a:t>Nofar</a:t>
+            </a:r>
           </a:p>
         </p:txBody>
       </p:sp>
@@ -20439,6 +20706,267 @@
     <p:extLst>
       <p:ext uri="{BB962C8B-B14F-4D97-AF65-F5344CB8AC3E}">
         <p14:creationId xmlns:p14="http://schemas.microsoft.com/office/powerpoint/2010/main" val="911801202"/>
+      </p:ext>
+    </p:extLst>
+  </p:cSld>
+  <p:clrMapOvr>
+    <a:masterClrMapping/>
+  </p:clrMapOvr>
+</p:notes>
+</file>
+
+<file path=ppt/notesSlides/notesSlide6.xml><?xml version="1.0" encoding="utf-8"?>
+<p:notes xmlns:a="http://schemas.openxmlformats.org/drawingml/2006/main" xmlns:r="http://schemas.openxmlformats.org/officeDocument/2006/relationships" xmlns:p="http://schemas.openxmlformats.org/presentationml/2006/main">
+  <p:cSld>
+    <p:spTree>
+      <p:nvGrpSpPr>
+        <p:cNvPr id="1" name=""/>
+        <p:cNvGrpSpPr/>
+        <p:nvPr/>
+      </p:nvGrpSpPr>
+      <p:grpSpPr>
+        <a:xfrm>
+          <a:off x="0" y="0"/>
+          <a:ext cx="0" cy="0"/>
+          <a:chOff x="0" y="0"/>
+          <a:chExt cx="0" cy="0"/>
+        </a:xfrm>
+      </p:grpSpPr>
+      <p:sp>
+        <p:nvSpPr>
+          <p:cNvPr id="2" name="Slide Image Placeholder 1"/>
+          <p:cNvSpPr>
+            <a:spLocks noGrp="1" noRot="1" noChangeAspect="1"/>
+          </p:cNvSpPr>
+          <p:nvPr>
+            <p:ph type="sldImg"/>
+          </p:nvPr>
+        </p:nvSpPr>
+        <p:spPr/>
+      </p:sp>
+      <p:sp>
+        <p:nvSpPr>
+          <p:cNvPr id="3" name="Notes Placeholder 2"/>
+          <p:cNvSpPr>
+            <a:spLocks noGrp="1"/>
+          </p:cNvSpPr>
+          <p:nvPr>
+            <p:ph type="body" idx="1"/>
+          </p:nvPr>
+        </p:nvSpPr>
+        <p:spPr/>
+        <p:txBody>
+          <a:bodyPr/>
+          <a:lstStyle/>
+          <a:p>
+            <a:r>
+              <a:rPr lang="en-US" dirty="0"/>
+              <a:t>Shahar / Daniel</a:t>
+            </a:r>
+          </a:p>
+        </p:txBody>
+      </p:sp>
+      <p:sp>
+        <p:nvSpPr>
+          <p:cNvPr id="4" name="Slide Number Placeholder 3"/>
+          <p:cNvSpPr>
+            <a:spLocks noGrp="1"/>
+          </p:cNvSpPr>
+          <p:nvPr>
+            <p:ph type="sldNum" sz="quarter" idx="5"/>
+          </p:nvPr>
+        </p:nvSpPr>
+        <p:spPr/>
+        <p:txBody>
+          <a:bodyPr/>
+          <a:lstStyle/>
+          <a:p>
+            <a:fld id="{9CF5519E-C510-498D-AF62-1D020606B9F5}" type="slidenum">
+              <a:rPr lang="en-US" smtClean="0"/>
+              <a:t>7</a:t>
+            </a:fld>
+            <a:endParaRPr lang="en-US"/>
+          </a:p>
+        </p:txBody>
+      </p:sp>
+    </p:spTree>
+    <p:extLst>
+      <p:ext uri="{BB962C8B-B14F-4D97-AF65-F5344CB8AC3E}">
+        <p14:creationId xmlns:p14="http://schemas.microsoft.com/office/powerpoint/2010/main" val="2044418281"/>
+      </p:ext>
+    </p:extLst>
+  </p:cSld>
+  <p:clrMapOvr>
+    <a:masterClrMapping/>
+  </p:clrMapOvr>
+</p:notes>
+</file>
+
+<file path=ppt/notesSlides/notesSlide7.xml><?xml version="1.0" encoding="utf-8"?>
+<p:notes xmlns:a="http://schemas.openxmlformats.org/drawingml/2006/main" xmlns:r="http://schemas.openxmlformats.org/officeDocument/2006/relationships" xmlns:p="http://schemas.openxmlformats.org/presentationml/2006/main">
+  <p:cSld>
+    <p:spTree>
+      <p:nvGrpSpPr>
+        <p:cNvPr id="1" name=""/>
+        <p:cNvGrpSpPr/>
+        <p:nvPr/>
+      </p:nvGrpSpPr>
+      <p:grpSpPr>
+        <a:xfrm>
+          <a:off x="0" y="0"/>
+          <a:ext cx="0" cy="0"/>
+          <a:chOff x="0" y="0"/>
+          <a:chExt cx="0" cy="0"/>
+        </a:xfrm>
+      </p:grpSpPr>
+      <p:sp>
+        <p:nvSpPr>
+          <p:cNvPr id="2" name="Slide Image Placeholder 1"/>
+          <p:cNvSpPr>
+            <a:spLocks noGrp="1" noRot="1" noChangeAspect="1"/>
+          </p:cNvSpPr>
+          <p:nvPr>
+            <p:ph type="sldImg"/>
+          </p:nvPr>
+        </p:nvSpPr>
+        <p:spPr/>
+      </p:sp>
+      <p:sp>
+        <p:nvSpPr>
+          <p:cNvPr id="3" name="Notes Placeholder 2"/>
+          <p:cNvSpPr>
+            <a:spLocks noGrp="1"/>
+          </p:cNvSpPr>
+          <p:nvPr>
+            <p:ph type="body" idx="1"/>
+          </p:nvPr>
+        </p:nvSpPr>
+        <p:spPr/>
+        <p:txBody>
+          <a:bodyPr/>
+          <a:lstStyle/>
+          <a:p>
+            <a:r>
+              <a:rPr lang="en-US" dirty="0"/>
+              <a:t>Shahar</a:t>
+            </a:r>
+          </a:p>
+        </p:txBody>
+      </p:sp>
+      <p:sp>
+        <p:nvSpPr>
+          <p:cNvPr id="4" name="Slide Number Placeholder 3"/>
+          <p:cNvSpPr>
+            <a:spLocks noGrp="1"/>
+          </p:cNvSpPr>
+          <p:nvPr>
+            <p:ph type="sldNum" sz="quarter" idx="5"/>
+          </p:nvPr>
+        </p:nvSpPr>
+        <p:spPr/>
+        <p:txBody>
+          <a:bodyPr/>
+          <a:lstStyle/>
+          <a:p>
+            <a:fld id="{9CF5519E-C510-498D-AF62-1D020606B9F5}" type="slidenum">
+              <a:rPr lang="en-US" smtClean="0"/>
+              <a:t>8</a:t>
+            </a:fld>
+            <a:endParaRPr lang="en-US"/>
+          </a:p>
+        </p:txBody>
+      </p:sp>
+    </p:spTree>
+    <p:extLst>
+      <p:ext uri="{BB962C8B-B14F-4D97-AF65-F5344CB8AC3E}">
+        <p14:creationId xmlns:p14="http://schemas.microsoft.com/office/powerpoint/2010/main" val="1077875485"/>
+      </p:ext>
+    </p:extLst>
+  </p:cSld>
+  <p:clrMapOvr>
+    <a:masterClrMapping/>
+  </p:clrMapOvr>
+</p:notes>
+</file>
+
+<file path=ppt/notesSlides/notesSlide8.xml><?xml version="1.0" encoding="utf-8"?>
+<p:notes xmlns:a="http://schemas.openxmlformats.org/drawingml/2006/main" xmlns:r="http://schemas.openxmlformats.org/officeDocument/2006/relationships" xmlns:p="http://schemas.openxmlformats.org/presentationml/2006/main">
+  <p:cSld>
+    <p:spTree>
+      <p:nvGrpSpPr>
+        <p:cNvPr id="1" name=""/>
+        <p:cNvGrpSpPr/>
+        <p:nvPr/>
+      </p:nvGrpSpPr>
+      <p:grpSpPr>
+        <a:xfrm>
+          <a:off x="0" y="0"/>
+          <a:ext cx="0" cy="0"/>
+          <a:chOff x="0" y="0"/>
+          <a:chExt cx="0" cy="0"/>
+        </a:xfrm>
+      </p:grpSpPr>
+      <p:sp>
+        <p:nvSpPr>
+          <p:cNvPr id="2" name="Slide Image Placeholder 1"/>
+          <p:cNvSpPr>
+            <a:spLocks noGrp="1" noRot="1" noChangeAspect="1"/>
+          </p:cNvSpPr>
+          <p:nvPr>
+            <p:ph type="sldImg"/>
+          </p:nvPr>
+        </p:nvSpPr>
+        <p:spPr/>
+      </p:sp>
+      <p:sp>
+        <p:nvSpPr>
+          <p:cNvPr id="3" name="Notes Placeholder 2"/>
+          <p:cNvSpPr>
+            <a:spLocks noGrp="1"/>
+          </p:cNvSpPr>
+          <p:nvPr>
+            <p:ph type="body" idx="1"/>
+          </p:nvPr>
+        </p:nvSpPr>
+        <p:spPr/>
+        <p:txBody>
+          <a:bodyPr/>
+          <a:lstStyle/>
+          <a:p>
+            <a:r>
+              <a:rPr lang="en-US" dirty="0"/>
+              <a:t>Amit</a:t>
+            </a:r>
+          </a:p>
+        </p:txBody>
+      </p:sp>
+      <p:sp>
+        <p:nvSpPr>
+          <p:cNvPr id="4" name="Slide Number Placeholder 3"/>
+          <p:cNvSpPr>
+            <a:spLocks noGrp="1"/>
+          </p:cNvSpPr>
+          <p:nvPr>
+            <p:ph type="sldNum" sz="quarter" idx="5"/>
+          </p:nvPr>
+        </p:nvSpPr>
+        <p:spPr/>
+        <p:txBody>
+          <a:bodyPr/>
+          <a:lstStyle/>
+          <a:p>
+            <a:fld id="{9CF5519E-C510-498D-AF62-1D020606B9F5}" type="slidenum">
+              <a:rPr lang="en-US" smtClean="0"/>
+              <a:t>9</a:t>
+            </a:fld>
+            <a:endParaRPr lang="en-US"/>
+          </a:p>
+        </p:txBody>
+      </p:sp>
+    </p:spTree>
+    <p:extLst>
+      <p:ext uri="{BB962C8B-B14F-4D97-AF65-F5344CB8AC3E}">
+        <p14:creationId xmlns:p14="http://schemas.microsoft.com/office/powerpoint/2010/main" val="2091153366"/>
       </p:ext>
     </p:extLst>
   </p:cSld>
@@ -20950,7 +21478,7 @@
           <a:p>
             <a:fld id="{EFBA5EAA-4DAB-45C1-9CCB-89B72C47B331}" type="datetimeFigureOut">
               <a:rPr lang="en-US" smtClean="0"/>
-              <a:t>5/25/2023</a:t>
+              <a:t>5/26/2023</a:t>
             </a:fld>
             <a:endParaRPr lang="en-US"/>
           </a:p>
@@ -21246,7 +21774,7 @@
           <a:p>
             <a:fld id="{EFBA5EAA-4DAB-45C1-9CCB-89B72C47B331}" type="datetimeFigureOut">
               <a:rPr lang="en-US" smtClean="0"/>
-              <a:t>5/25/2023</a:t>
+              <a:t>5/26/2023</a:t>
             </a:fld>
             <a:endParaRPr lang="en-US"/>
           </a:p>
@@ -21494,7 +22022,7 @@
           <a:p>
             <a:fld id="{EFBA5EAA-4DAB-45C1-9CCB-89B72C47B331}" type="datetimeFigureOut">
               <a:rPr lang="en-US" smtClean="0"/>
-              <a:t>5/25/2023</a:t>
+              <a:t>5/26/2023</a:t>
             </a:fld>
             <a:endParaRPr lang="en-US"/>
           </a:p>
@@ -22034,7 +22562,7 @@
           <a:p>
             <a:fld id="{EFBA5EAA-4DAB-45C1-9CCB-89B72C47B331}" type="datetimeFigureOut">
               <a:rPr lang="en-US" smtClean="0"/>
-              <a:t>5/25/2023</a:t>
+              <a:t>5/26/2023</a:t>
             </a:fld>
             <a:endParaRPr lang="en-US"/>
           </a:p>
@@ -22282,7 +22810,7 @@
           <a:p>
             <a:fld id="{EFBA5EAA-4DAB-45C1-9CCB-89B72C47B331}" type="datetimeFigureOut">
               <a:rPr lang="en-US" smtClean="0"/>
-              <a:t>5/25/2023</a:t>
+              <a:t>5/26/2023</a:t>
             </a:fld>
             <a:endParaRPr lang="en-US"/>
           </a:p>
@@ -22814,7 +23342,7 @@
           <a:p>
             <a:fld id="{EFBA5EAA-4DAB-45C1-9CCB-89B72C47B331}" type="datetimeFigureOut">
               <a:rPr lang="en-US" smtClean="0"/>
-              <a:t>5/25/2023</a:t>
+              <a:t>5/26/2023</a:t>
             </a:fld>
             <a:endParaRPr lang="en-US"/>
           </a:p>
@@ -23111,7 +23639,7 @@
           <a:p>
             <a:fld id="{EFBA5EAA-4DAB-45C1-9CCB-89B72C47B331}" type="datetimeFigureOut">
               <a:rPr lang="en-US" smtClean="0"/>
-              <a:t>5/25/2023</a:t>
+              <a:t>5/26/2023</a:t>
             </a:fld>
             <a:endParaRPr lang="en-US"/>
           </a:p>
@@ -23285,7 +23813,7 @@
           <a:p>
             <a:fld id="{EFBA5EAA-4DAB-45C1-9CCB-89B72C47B331}" type="datetimeFigureOut">
               <a:rPr lang="en-US" smtClean="0"/>
-              <a:t>5/25/2023</a:t>
+              <a:t>5/26/2023</a:t>
             </a:fld>
             <a:endParaRPr lang="en-US"/>
           </a:p>
@@ -23465,7 +23993,7 @@
           <a:p>
             <a:fld id="{EFBA5EAA-4DAB-45C1-9CCB-89B72C47B331}" type="datetimeFigureOut">
               <a:rPr lang="en-US" smtClean="0"/>
-              <a:t>5/25/2023</a:t>
+              <a:t>5/26/2023</a:t>
             </a:fld>
             <a:endParaRPr lang="en-US"/>
           </a:p>
@@ -23635,7 +24163,7 @@
           <a:p>
             <a:fld id="{EFBA5EAA-4DAB-45C1-9CCB-89B72C47B331}" type="datetimeFigureOut">
               <a:rPr lang="en-US" smtClean="0"/>
-              <a:t>5/25/2023</a:t>
+              <a:t>5/26/2023</a:t>
             </a:fld>
             <a:endParaRPr lang="en-US"/>
           </a:p>
@@ -23886,7 +24414,7 @@
           <a:p>
             <a:fld id="{EFBA5EAA-4DAB-45C1-9CCB-89B72C47B331}" type="datetimeFigureOut">
               <a:rPr lang="en-US" smtClean="0"/>
-              <a:t>5/25/2023</a:t>
+              <a:t>5/26/2023</a:t>
             </a:fld>
             <a:endParaRPr lang="en-US"/>
           </a:p>
@@ -24183,7 +24711,7 @@
           <a:p>
             <a:fld id="{EFBA5EAA-4DAB-45C1-9CCB-89B72C47B331}" type="datetimeFigureOut">
               <a:rPr lang="en-US" smtClean="0"/>
-              <a:t>5/25/2023</a:t>
+              <a:t>5/26/2023</a:t>
             </a:fld>
             <a:endParaRPr lang="en-US"/>
           </a:p>
@@ -24625,7 +25153,7 @@
           <a:p>
             <a:fld id="{EFBA5EAA-4DAB-45C1-9CCB-89B72C47B331}" type="datetimeFigureOut">
               <a:rPr lang="en-US" smtClean="0"/>
-              <a:t>5/25/2023</a:t>
+              <a:t>5/26/2023</a:t>
             </a:fld>
             <a:endParaRPr lang="en-US"/>
           </a:p>
@@ -24743,7 +25271,7 @@
           <a:p>
             <a:fld id="{EFBA5EAA-4DAB-45C1-9CCB-89B72C47B331}" type="datetimeFigureOut">
               <a:rPr lang="en-US" smtClean="0"/>
-              <a:t>5/25/2023</a:t>
+              <a:t>5/26/2023</a:t>
             </a:fld>
             <a:endParaRPr lang="en-US"/>
           </a:p>
@@ -24838,7 +25366,7 @@
           <a:p>
             <a:fld id="{EFBA5EAA-4DAB-45C1-9CCB-89B72C47B331}" type="datetimeFigureOut">
               <a:rPr lang="en-US" smtClean="0"/>
-              <a:t>5/25/2023</a:t>
+              <a:t>5/26/2023</a:t>
             </a:fld>
             <a:endParaRPr lang="en-US"/>
           </a:p>
@@ -25121,7 +25649,7 @@
           <a:p>
             <a:fld id="{EFBA5EAA-4DAB-45C1-9CCB-89B72C47B331}" type="datetimeFigureOut">
               <a:rPr lang="en-US" smtClean="0"/>
-              <a:t>5/25/2023</a:t>
+              <a:t>5/26/2023</a:t>
             </a:fld>
             <a:endParaRPr lang="en-US"/>
           </a:p>
@@ -25412,7 +25940,7 @@
           <a:p>
             <a:fld id="{EFBA5EAA-4DAB-45C1-9CCB-89B72C47B331}" type="datetimeFigureOut">
               <a:rPr lang="en-US" smtClean="0"/>
-              <a:t>5/25/2023</a:t>
+              <a:t>5/26/2023</a:t>
             </a:fld>
             <a:endParaRPr lang="en-US"/>
           </a:p>
@@ -25942,7 +26470,7 @@
           <a:p>
             <a:fld id="{EFBA5EAA-4DAB-45C1-9CCB-89B72C47B331}" type="datetimeFigureOut">
               <a:rPr lang="en-US" smtClean="0"/>
-              <a:t>5/25/2023</a:t>
+              <a:t>5/26/2023</a:t>
             </a:fld>
             <a:endParaRPr lang="en-US"/>
           </a:p>
@@ -28589,7 +29117,7 @@
     <p:bg>
       <p:bgPr>
         <a:blipFill rotWithShape="1">
-          <a:blip r:embed="rId2">
+          <a:blip r:embed="rId3">
             <a:duotone>
               <a:schemeClr val="bg2">
                 <a:shade val="76000"/>
@@ -28800,7 +29328,7 @@
     <p:bg>
       <p:bgPr>
         <a:blipFill rotWithShape="1">
-          <a:blip r:embed="rId2">
+          <a:blip r:embed="rId3">
             <a:duotone>
               <a:schemeClr val="bg2">
                 <a:shade val="76000"/>
@@ -28915,7 +29443,7 @@
         </p:xfrm>
         <a:graphic>
           <a:graphicData uri="http://schemas.openxmlformats.org/drawingml/2006/diagram">
-            <dgm:relIds xmlns:dgm="http://schemas.openxmlformats.org/drawingml/2006/diagram" xmlns:r="http://schemas.openxmlformats.org/officeDocument/2006/relationships" r:dm="rId3" r:lo="rId4" r:qs="rId5" r:cs="rId6"/>
+            <dgm:relIds xmlns:dgm="http://schemas.openxmlformats.org/drawingml/2006/diagram" xmlns:r="http://schemas.openxmlformats.org/officeDocument/2006/relationships" r:dm="rId4" r:lo="rId5" r:qs="rId6" r:cs="rId7"/>
           </a:graphicData>
         </a:graphic>
       </p:graphicFrame>
@@ -29617,7 +30145,7 @@
           <p:nvPr/>
         </p:nvPicPr>
         <p:blipFill>
-          <a:blip r:embed="rId2"/>
+          <a:blip r:embed="rId3"/>
           <a:stretch>
             <a:fillRect/>
           </a:stretch>
@@ -29647,7 +30175,7 @@
           <p:nvPr/>
         </p:nvPicPr>
         <p:blipFill>
-          <a:blip r:embed="rId3"/>
+          <a:blip r:embed="rId4"/>
           <a:stretch>
             <a:fillRect/>
           </a:stretch>
@@ -30177,7 +30705,7 @@
         </p:xfrm>
         <a:graphic>
           <a:graphicData uri="http://schemas.openxmlformats.org/drawingml/2006/diagram">
-            <dgm:relIds xmlns:dgm="http://schemas.openxmlformats.org/drawingml/2006/diagram" xmlns:r="http://schemas.openxmlformats.org/officeDocument/2006/relationships" r:dm="rId2" r:lo="rId3" r:qs="rId4" r:cs="rId5"/>
+            <dgm:relIds xmlns:dgm="http://schemas.openxmlformats.org/drawingml/2006/diagram" xmlns:r="http://schemas.openxmlformats.org/officeDocument/2006/relationships" r:dm="rId3" r:lo="rId4" r:qs="rId5" r:cs="rId6"/>
           </a:graphicData>
         </a:graphic>
       </p:graphicFrame>
@@ -30295,7 +30823,7 @@
         </p:xfrm>
         <a:graphic>
           <a:graphicData uri="http://schemas.openxmlformats.org/drawingml/2006/diagram">
-            <dgm:relIds xmlns:dgm="http://schemas.openxmlformats.org/drawingml/2006/diagram" xmlns:r="http://schemas.openxmlformats.org/officeDocument/2006/relationships" r:dm="rId2" r:lo="rId3" r:qs="rId4" r:cs="rId5"/>
+            <dgm:relIds xmlns:dgm="http://schemas.openxmlformats.org/drawingml/2006/diagram" xmlns:r="http://schemas.openxmlformats.org/officeDocument/2006/relationships" r:dm="rId3" r:lo="rId4" r:qs="rId5" r:cs="rId6"/>
           </a:graphicData>
         </a:graphic>
       </p:graphicFrame>
@@ -30414,7 +30942,7 @@
         </p:xfrm>
         <a:graphic>
           <a:graphicData uri="http://schemas.openxmlformats.org/drawingml/2006/diagram">
-            <dgm:relIds xmlns:dgm="http://schemas.openxmlformats.org/drawingml/2006/diagram" xmlns:r="http://schemas.openxmlformats.org/officeDocument/2006/relationships" r:dm="rId2" r:lo="rId3" r:qs="rId4" r:cs="rId5"/>
+            <dgm:relIds xmlns:dgm="http://schemas.openxmlformats.org/drawingml/2006/diagram" xmlns:r="http://schemas.openxmlformats.org/officeDocument/2006/relationships" r:dm="rId3" r:lo="rId4" r:qs="rId5" r:cs="rId6"/>
           </a:graphicData>
         </a:graphic>
       </p:graphicFrame>

--- a/Documents/Molopt - Full Project Presentation.pptx
+++ b/Documents/Molopt - Full Project Presentation.pptx
@@ -20013,7 +20013,7 @@
           <a:p>
             <a:fld id="{2046D6FB-4460-4DEF-B71B-7631DC3490B3}" type="datetimeFigureOut">
               <a:rPr lang="en-US" smtClean="0"/>
-              <a:t>5/26/2023</a:t>
+              <a:t>6/4/2023</a:t>
             </a:fld>
             <a:endParaRPr lang="en-US"/>
           </a:p>
@@ -21478,7 +21478,7 @@
           <a:p>
             <a:fld id="{EFBA5EAA-4DAB-45C1-9CCB-89B72C47B331}" type="datetimeFigureOut">
               <a:rPr lang="en-US" smtClean="0"/>
-              <a:t>5/26/2023</a:t>
+              <a:t>6/4/2023</a:t>
             </a:fld>
             <a:endParaRPr lang="en-US"/>
           </a:p>
@@ -21774,7 +21774,7 @@
           <a:p>
             <a:fld id="{EFBA5EAA-4DAB-45C1-9CCB-89B72C47B331}" type="datetimeFigureOut">
               <a:rPr lang="en-US" smtClean="0"/>
-              <a:t>5/26/2023</a:t>
+              <a:t>6/4/2023</a:t>
             </a:fld>
             <a:endParaRPr lang="en-US"/>
           </a:p>
@@ -22022,7 +22022,7 @@
           <a:p>
             <a:fld id="{EFBA5EAA-4DAB-45C1-9CCB-89B72C47B331}" type="datetimeFigureOut">
               <a:rPr lang="en-US" smtClean="0"/>
-              <a:t>5/26/2023</a:t>
+              <a:t>6/4/2023</a:t>
             </a:fld>
             <a:endParaRPr lang="en-US"/>
           </a:p>
@@ -22562,7 +22562,7 @@
           <a:p>
             <a:fld id="{EFBA5EAA-4DAB-45C1-9CCB-89B72C47B331}" type="datetimeFigureOut">
               <a:rPr lang="en-US" smtClean="0"/>
-              <a:t>5/26/2023</a:t>
+              <a:t>6/4/2023</a:t>
             </a:fld>
             <a:endParaRPr lang="en-US"/>
           </a:p>
@@ -22810,7 +22810,7 @@
           <a:p>
             <a:fld id="{EFBA5EAA-4DAB-45C1-9CCB-89B72C47B331}" type="datetimeFigureOut">
               <a:rPr lang="en-US" smtClean="0"/>
-              <a:t>5/26/2023</a:t>
+              <a:t>6/4/2023</a:t>
             </a:fld>
             <a:endParaRPr lang="en-US"/>
           </a:p>
@@ -23342,7 +23342,7 @@
           <a:p>
             <a:fld id="{EFBA5EAA-4DAB-45C1-9CCB-89B72C47B331}" type="datetimeFigureOut">
               <a:rPr lang="en-US" smtClean="0"/>
-              <a:t>5/26/2023</a:t>
+              <a:t>6/4/2023</a:t>
             </a:fld>
             <a:endParaRPr lang="en-US"/>
           </a:p>
@@ -23639,7 +23639,7 @@
           <a:p>
             <a:fld id="{EFBA5EAA-4DAB-45C1-9CCB-89B72C47B331}" type="datetimeFigureOut">
               <a:rPr lang="en-US" smtClean="0"/>
-              <a:t>5/26/2023</a:t>
+              <a:t>6/4/2023</a:t>
             </a:fld>
             <a:endParaRPr lang="en-US"/>
           </a:p>
@@ -23813,7 +23813,7 @@
           <a:p>
             <a:fld id="{EFBA5EAA-4DAB-45C1-9CCB-89B72C47B331}" type="datetimeFigureOut">
               <a:rPr lang="en-US" smtClean="0"/>
-              <a:t>5/26/2023</a:t>
+              <a:t>6/4/2023</a:t>
             </a:fld>
             <a:endParaRPr lang="en-US"/>
           </a:p>
@@ -23993,7 +23993,7 @@
           <a:p>
             <a:fld id="{EFBA5EAA-4DAB-45C1-9CCB-89B72C47B331}" type="datetimeFigureOut">
               <a:rPr lang="en-US" smtClean="0"/>
-              <a:t>5/26/2023</a:t>
+              <a:t>6/4/2023</a:t>
             </a:fld>
             <a:endParaRPr lang="en-US"/>
           </a:p>
@@ -24163,7 +24163,7 @@
           <a:p>
             <a:fld id="{EFBA5EAA-4DAB-45C1-9CCB-89B72C47B331}" type="datetimeFigureOut">
               <a:rPr lang="en-US" smtClean="0"/>
-              <a:t>5/26/2023</a:t>
+              <a:t>6/4/2023</a:t>
             </a:fld>
             <a:endParaRPr lang="en-US"/>
           </a:p>
@@ -24414,7 +24414,7 @@
           <a:p>
             <a:fld id="{EFBA5EAA-4DAB-45C1-9CCB-89B72C47B331}" type="datetimeFigureOut">
               <a:rPr lang="en-US" smtClean="0"/>
-              <a:t>5/26/2023</a:t>
+              <a:t>6/4/2023</a:t>
             </a:fld>
             <a:endParaRPr lang="en-US"/>
           </a:p>
@@ -24711,7 +24711,7 @@
           <a:p>
             <a:fld id="{EFBA5EAA-4DAB-45C1-9CCB-89B72C47B331}" type="datetimeFigureOut">
               <a:rPr lang="en-US" smtClean="0"/>
-              <a:t>5/26/2023</a:t>
+              <a:t>6/4/2023</a:t>
             </a:fld>
             <a:endParaRPr lang="en-US"/>
           </a:p>
@@ -25153,7 +25153,7 @@
           <a:p>
             <a:fld id="{EFBA5EAA-4DAB-45C1-9CCB-89B72C47B331}" type="datetimeFigureOut">
               <a:rPr lang="en-US" smtClean="0"/>
-              <a:t>5/26/2023</a:t>
+              <a:t>6/4/2023</a:t>
             </a:fld>
             <a:endParaRPr lang="en-US"/>
           </a:p>
@@ -25271,7 +25271,7 @@
           <a:p>
             <a:fld id="{EFBA5EAA-4DAB-45C1-9CCB-89B72C47B331}" type="datetimeFigureOut">
               <a:rPr lang="en-US" smtClean="0"/>
-              <a:t>5/26/2023</a:t>
+              <a:t>6/4/2023</a:t>
             </a:fld>
             <a:endParaRPr lang="en-US"/>
           </a:p>
@@ -25366,7 +25366,7 @@
           <a:p>
             <a:fld id="{EFBA5EAA-4DAB-45C1-9CCB-89B72C47B331}" type="datetimeFigureOut">
               <a:rPr lang="en-US" smtClean="0"/>
-              <a:t>5/26/2023</a:t>
+              <a:t>6/4/2023</a:t>
             </a:fld>
             <a:endParaRPr lang="en-US"/>
           </a:p>
@@ -25649,7 +25649,7 @@
           <a:p>
             <a:fld id="{EFBA5EAA-4DAB-45C1-9CCB-89B72C47B331}" type="datetimeFigureOut">
               <a:rPr lang="en-US" smtClean="0"/>
-              <a:t>5/26/2023</a:t>
+              <a:t>6/4/2023</a:t>
             </a:fld>
             <a:endParaRPr lang="en-US"/>
           </a:p>
@@ -25940,7 +25940,7 @@
           <a:p>
             <a:fld id="{EFBA5EAA-4DAB-45C1-9CCB-89B72C47B331}" type="datetimeFigureOut">
               <a:rPr lang="en-US" smtClean="0"/>
-              <a:t>5/26/2023</a:t>
+              <a:t>6/4/2023</a:t>
             </a:fld>
             <a:endParaRPr lang="en-US"/>
           </a:p>
@@ -26470,7 +26470,7 @@
           <a:p>
             <a:fld id="{EFBA5EAA-4DAB-45C1-9CCB-89B72C47B331}" type="datetimeFigureOut">
               <a:rPr lang="en-US" smtClean="0"/>
-              <a:t>5/26/2023</a:t>
+              <a:t>6/4/2023</a:t>
             </a:fld>
             <a:endParaRPr lang="en-US"/>
           </a:p>
@@ -29222,30 +29222,7 @@
                 </a:solidFill>
                 <a:latin typeface="-apple-system"/>
               </a:rPr>
-              <a:t>MolOpt is a global web-application that developed to be used by researchers working in the   </a:t>
-            </a:r>
-          </a:p>
-          <a:p>
-            <a:pPr marL="0" marR="0" indent="0">
-              <a:lnSpc>
-                <a:spcPct val="107000"/>
-              </a:lnSpc>
-              <a:spcBef>
-                <a:spcPts val="0"/>
-              </a:spcBef>
-              <a:spcAft>
-                <a:spcPts val="0"/>
-              </a:spcAft>
-              <a:buNone/>
-            </a:pPr>
-            <a:r>
-              <a:rPr lang="en-US" sz="2900" dirty="0">
-                <a:solidFill>
-                  <a:srgbClr val="1F2328"/>
-                </a:solidFill>
-                <a:latin typeface="-apple-system"/>
-              </a:rPr>
-              <a:t>field of small fragment-based inhibitors and is intended to be helpful in optimization of ligand databases.</a:t>
+              <a:t>MolOpt is a global web-application that developed to be used by researchers working in the   field of small fragment-based inhibitors and is intended to be helpful in optimization of ligand databases.</a:t>
             </a:r>
           </a:p>
           <a:p>

--- a/Documents/Molopt - Full Project Presentation.pptx
+++ b/Documents/Molopt - Full Project Presentation.pptx
@@ -5,19 +5,21 @@
     <p:sldMasterId id="2147483732" r:id="rId1"/>
   </p:sldMasterIdLst>
   <p:notesMasterIdLst>
-    <p:notesMasterId r:id="rId12"/>
+    <p:notesMasterId r:id="rId14"/>
   </p:notesMasterIdLst>
   <p:sldIdLst>
     <p:sldId id="256" r:id="rId2"/>
     <p:sldId id="270" r:id="rId3"/>
-    <p:sldId id="262" r:id="rId4"/>
-    <p:sldId id="263" r:id="rId5"/>
-    <p:sldId id="264" r:id="rId6"/>
-    <p:sldId id="271" r:id="rId7"/>
-    <p:sldId id="267" r:id="rId8"/>
-    <p:sldId id="272" r:id="rId9"/>
-    <p:sldId id="273" r:id="rId10"/>
-    <p:sldId id="261" r:id="rId11"/>
+    <p:sldId id="274" r:id="rId4"/>
+    <p:sldId id="262" r:id="rId5"/>
+    <p:sldId id="275" r:id="rId6"/>
+    <p:sldId id="263" r:id="rId7"/>
+    <p:sldId id="264" r:id="rId8"/>
+    <p:sldId id="271" r:id="rId9"/>
+    <p:sldId id="267" r:id="rId10"/>
+    <p:sldId id="272" r:id="rId11"/>
+    <p:sldId id="273" r:id="rId12"/>
+    <p:sldId id="261" r:id="rId13"/>
   </p:sldIdLst>
   <p:sldSz cx="12192000" cy="6858000"/>
   <p:notesSz cx="6858000" cy="9144000"/>
@@ -20013,7 +20015,7 @@
           <a:p>
             <a:fld id="{2046D6FB-4460-4DEF-B71B-7631DC3490B3}" type="datetimeFigureOut">
               <a:rPr lang="en-US" smtClean="0"/>
-              <a:t>6/4/2023</a:t>
+              <a:t>6/11/2023</a:t>
             </a:fld>
             <a:endParaRPr lang="en-US"/>
           </a:p>
@@ -20367,6 +20369,93 @@
 </p:notes>
 </file>
 
+<file path=ppt/notesSlides/notesSlide10.xml><?xml version="1.0" encoding="utf-8"?>
+<p:notes xmlns:a="http://schemas.openxmlformats.org/drawingml/2006/main" xmlns:r="http://schemas.openxmlformats.org/officeDocument/2006/relationships" xmlns:p="http://schemas.openxmlformats.org/presentationml/2006/main">
+  <p:cSld>
+    <p:spTree>
+      <p:nvGrpSpPr>
+        <p:cNvPr id="1" name=""/>
+        <p:cNvGrpSpPr/>
+        <p:nvPr/>
+      </p:nvGrpSpPr>
+      <p:grpSpPr>
+        <a:xfrm>
+          <a:off x="0" y="0"/>
+          <a:ext cx="0" cy="0"/>
+          <a:chOff x="0" y="0"/>
+          <a:chExt cx="0" cy="0"/>
+        </a:xfrm>
+      </p:grpSpPr>
+      <p:sp>
+        <p:nvSpPr>
+          <p:cNvPr id="2" name="Slide Image Placeholder 1"/>
+          <p:cNvSpPr>
+            <a:spLocks noGrp="1" noRot="1" noChangeAspect="1"/>
+          </p:cNvSpPr>
+          <p:nvPr>
+            <p:ph type="sldImg"/>
+          </p:nvPr>
+        </p:nvSpPr>
+        <p:spPr/>
+      </p:sp>
+      <p:sp>
+        <p:nvSpPr>
+          <p:cNvPr id="3" name="Notes Placeholder 2"/>
+          <p:cNvSpPr>
+            <a:spLocks noGrp="1"/>
+          </p:cNvSpPr>
+          <p:nvPr>
+            <p:ph type="body" idx="1"/>
+          </p:nvPr>
+        </p:nvSpPr>
+        <p:spPr/>
+        <p:txBody>
+          <a:bodyPr/>
+          <a:lstStyle/>
+          <a:p>
+            <a:r>
+              <a:rPr lang="en-US" dirty="0"/>
+              <a:t>Amit</a:t>
+            </a:r>
+          </a:p>
+        </p:txBody>
+      </p:sp>
+      <p:sp>
+        <p:nvSpPr>
+          <p:cNvPr id="4" name="Slide Number Placeholder 3"/>
+          <p:cNvSpPr>
+            <a:spLocks noGrp="1"/>
+          </p:cNvSpPr>
+          <p:nvPr>
+            <p:ph type="sldNum" sz="quarter" idx="5"/>
+          </p:nvPr>
+        </p:nvSpPr>
+        <p:spPr/>
+        <p:txBody>
+          <a:bodyPr/>
+          <a:lstStyle/>
+          <a:p>
+            <a:fld id="{9CF5519E-C510-498D-AF62-1D020606B9F5}" type="slidenum">
+              <a:rPr lang="en-US" smtClean="0"/>
+              <a:t>11</a:t>
+            </a:fld>
+            <a:endParaRPr lang="en-US"/>
+          </a:p>
+        </p:txBody>
+      </p:sp>
+    </p:spTree>
+    <p:extLst>
+      <p:ext uri="{BB962C8B-B14F-4D97-AF65-F5344CB8AC3E}">
+        <p14:creationId xmlns:p14="http://schemas.microsoft.com/office/powerpoint/2010/main" val="2091153366"/>
+      </p:ext>
+    </p:extLst>
+  </p:cSld>
+  <p:clrMapOvr>
+    <a:masterClrMapping/>
+  </p:clrMapOvr>
+</p:notes>
+</file>
+
 <file path=ppt/notesSlides/notesSlide2.xml><?xml version="1.0" encoding="utf-8"?>
 <p:notes xmlns:a="http://schemas.openxmlformats.org/drawingml/2006/main" xmlns:r="http://schemas.openxmlformats.org/officeDocument/2006/relationships" xmlns:p="http://schemas.openxmlformats.org/presentationml/2006/main">
   <p:cSld>
@@ -20444,6 +20533,93 @@
     </p:spTree>
     <p:extLst>
       <p:ext uri="{BB962C8B-B14F-4D97-AF65-F5344CB8AC3E}">
+        <p14:creationId xmlns:p14="http://schemas.microsoft.com/office/powerpoint/2010/main" val="1879903822"/>
+      </p:ext>
+    </p:extLst>
+  </p:cSld>
+  <p:clrMapOvr>
+    <a:masterClrMapping/>
+  </p:clrMapOvr>
+</p:notes>
+</file>
+
+<file path=ppt/notesSlides/notesSlide3.xml><?xml version="1.0" encoding="utf-8"?>
+<p:notes xmlns:a="http://schemas.openxmlformats.org/drawingml/2006/main" xmlns:r="http://schemas.openxmlformats.org/officeDocument/2006/relationships" xmlns:p="http://schemas.openxmlformats.org/presentationml/2006/main">
+  <p:cSld>
+    <p:spTree>
+      <p:nvGrpSpPr>
+        <p:cNvPr id="1" name=""/>
+        <p:cNvGrpSpPr/>
+        <p:nvPr/>
+      </p:nvGrpSpPr>
+      <p:grpSpPr>
+        <a:xfrm>
+          <a:off x="0" y="0"/>
+          <a:ext cx="0" cy="0"/>
+          <a:chOff x="0" y="0"/>
+          <a:chExt cx="0" cy="0"/>
+        </a:xfrm>
+      </p:grpSpPr>
+      <p:sp>
+        <p:nvSpPr>
+          <p:cNvPr id="2" name="Slide Image Placeholder 1"/>
+          <p:cNvSpPr>
+            <a:spLocks noGrp="1" noRot="1" noChangeAspect="1"/>
+          </p:cNvSpPr>
+          <p:nvPr>
+            <p:ph type="sldImg"/>
+          </p:nvPr>
+        </p:nvSpPr>
+        <p:spPr/>
+      </p:sp>
+      <p:sp>
+        <p:nvSpPr>
+          <p:cNvPr id="3" name="Notes Placeholder 2"/>
+          <p:cNvSpPr>
+            <a:spLocks noGrp="1"/>
+          </p:cNvSpPr>
+          <p:nvPr>
+            <p:ph type="body" idx="1"/>
+          </p:nvPr>
+        </p:nvSpPr>
+        <p:spPr/>
+        <p:txBody>
+          <a:bodyPr/>
+          <a:lstStyle/>
+          <a:p>
+            <a:r>
+              <a:rPr lang="en-US" dirty="0"/>
+              <a:t>Amit</a:t>
+            </a:r>
+          </a:p>
+        </p:txBody>
+      </p:sp>
+      <p:sp>
+        <p:nvSpPr>
+          <p:cNvPr id="4" name="Slide Number Placeholder 3"/>
+          <p:cNvSpPr>
+            <a:spLocks noGrp="1"/>
+          </p:cNvSpPr>
+          <p:nvPr>
+            <p:ph type="sldNum" sz="quarter" idx="5"/>
+          </p:nvPr>
+        </p:nvSpPr>
+        <p:spPr/>
+        <p:txBody>
+          <a:bodyPr/>
+          <a:lstStyle/>
+          <a:p>
+            <a:fld id="{9CF5519E-C510-498D-AF62-1D020606B9F5}" type="slidenum">
+              <a:rPr lang="en-US" smtClean="0"/>
+              <a:t>4</a:t>
+            </a:fld>
+            <a:endParaRPr lang="en-US"/>
+          </a:p>
+        </p:txBody>
+      </p:sp>
+    </p:spTree>
+    <p:extLst>
+      <p:ext uri="{BB962C8B-B14F-4D97-AF65-F5344CB8AC3E}">
         <p14:creationId xmlns:p14="http://schemas.microsoft.com/office/powerpoint/2010/main" val="3077341235"/>
       </p:ext>
     </p:extLst>
@@ -20454,7 +20630,94 @@
 </p:notes>
 </file>
 
-<file path=ppt/notesSlides/notesSlide3.xml><?xml version="1.0" encoding="utf-8"?>
+<file path=ppt/notesSlides/notesSlide4.xml><?xml version="1.0" encoding="utf-8"?>
+<p:notes xmlns:a="http://schemas.openxmlformats.org/drawingml/2006/main" xmlns:r="http://schemas.openxmlformats.org/officeDocument/2006/relationships" xmlns:p="http://schemas.openxmlformats.org/presentationml/2006/main">
+  <p:cSld>
+    <p:spTree>
+      <p:nvGrpSpPr>
+        <p:cNvPr id="1" name=""/>
+        <p:cNvGrpSpPr/>
+        <p:nvPr/>
+      </p:nvGrpSpPr>
+      <p:grpSpPr>
+        <a:xfrm>
+          <a:off x="0" y="0"/>
+          <a:ext cx="0" cy="0"/>
+          <a:chOff x="0" y="0"/>
+          <a:chExt cx="0" cy="0"/>
+        </a:xfrm>
+      </p:grpSpPr>
+      <p:sp>
+        <p:nvSpPr>
+          <p:cNvPr id="2" name="Slide Image Placeholder 1"/>
+          <p:cNvSpPr>
+            <a:spLocks noGrp="1" noRot="1" noChangeAspect="1"/>
+          </p:cNvSpPr>
+          <p:nvPr>
+            <p:ph type="sldImg"/>
+          </p:nvPr>
+        </p:nvSpPr>
+        <p:spPr/>
+      </p:sp>
+      <p:sp>
+        <p:nvSpPr>
+          <p:cNvPr id="3" name="Notes Placeholder 2"/>
+          <p:cNvSpPr>
+            <a:spLocks noGrp="1"/>
+          </p:cNvSpPr>
+          <p:nvPr>
+            <p:ph type="body" idx="1"/>
+          </p:nvPr>
+        </p:nvSpPr>
+        <p:spPr/>
+        <p:txBody>
+          <a:bodyPr/>
+          <a:lstStyle/>
+          <a:p>
+            <a:r>
+              <a:rPr lang="en-US" dirty="0"/>
+              <a:t>Amit</a:t>
+            </a:r>
+          </a:p>
+        </p:txBody>
+      </p:sp>
+      <p:sp>
+        <p:nvSpPr>
+          <p:cNvPr id="4" name="Slide Number Placeholder 3"/>
+          <p:cNvSpPr>
+            <a:spLocks noGrp="1"/>
+          </p:cNvSpPr>
+          <p:nvPr>
+            <p:ph type="sldNum" sz="quarter" idx="5"/>
+          </p:nvPr>
+        </p:nvSpPr>
+        <p:spPr/>
+        <p:txBody>
+          <a:bodyPr/>
+          <a:lstStyle/>
+          <a:p>
+            <a:fld id="{9CF5519E-C510-498D-AF62-1D020606B9F5}" type="slidenum">
+              <a:rPr lang="en-US" smtClean="0"/>
+              <a:t>5</a:t>
+            </a:fld>
+            <a:endParaRPr lang="en-US"/>
+          </a:p>
+        </p:txBody>
+      </p:sp>
+    </p:spTree>
+    <p:extLst>
+      <p:ext uri="{BB962C8B-B14F-4D97-AF65-F5344CB8AC3E}">
+        <p14:creationId xmlns:p14="http://schemas.microsoft.com/office/powerpoint/2010/main" val="560845896"/>
+      </p:ext>
+    </p:extLst>
+  </p:cSld>
+  <p:clrMapOvr>
+    <a:masterClrMapping/>
+  </p:clrMapOvr>
+</p:notes>
+</file>
+
+<file path=ppt/notesSlides/notesSlide5.xml><?xml version="1.0" encoding="utf-8"?>
 <p:notes xmlns:a="http://schemas.openxmlformats.org/drawingml/2006/main" xmlns:r="http://schemas.openxmlformats.org/officeDocument/2006/relationships" xmlns:p="http://schemas.openxmlformats.org/presentationml/2006/main">
   <p:cSld>
     <p:spTree>
@@ -20522,7 +20785,7 @@
           <a:p>
             <a:fld id="{9CF5519E-C510-498D-AF62-1D020606B9F5}" type="slidenum">
               <a:rPr lang="en-US" smtClean="0"/>
-              <a:t>4</a:t>
+              <a:t>6</a:t>
             </a:fld>
             <a:endParaRPr lang="en-US"/>
           </a:p>
@@ -20541,7 +20804,7 @@
 </p:notes>
 </file>
 
-<file path=ppt/notesSlides/notesSlide4.xml><?xml version="1.0" encoding="utf-8"?>
+<file path=ppt/notesSlides/notesSlide6.xml><?xml version="1.0" encoding="utf-8"?>
 <p:notes xmlns:a="http://schemas.openxmlformats.org/drawingml/2006/main" xmlns:r="http://schemas.openxmlformats.org/officeDocument/2006/relationships" xmlns:p="http://schemas.openxmlformats.org/presentationml/2006/main">
   <p:cSld>
     <p:spTree>
@@ -20609,7 +20872,7 @@
           <a:p>
             <a:fld id="{9CF5519E-C510-498D-AF62-1D020606B9F5}" type="slidenum">
               <a:rPr lang="en-US" smtClean="0"/>
-              <a:t>5</a:t>
+              <a:t>7</a:t>
             </a:fld>
             <a:endParaRPr lang="en-US"/>
           </a:p>
@@ -20628,7 +20891,7 @@
 </p:notes>
 </file>
 
-<file path=ppt/notesSlides/notesSlide5.xml><?xml version="1.0" encoding="utf-8"?>
+<file path=ppt/notesSlides/notesSlide7.xml><?xml version="1.0" encoding="utf-8"?>
 <p:notes xmlns:a="http://schemas.openxmlformats.org/drawingml/2006/main" xmlns:r="http://schemas.openxmlformats.org/officeDocument/2006/relationships" xmlns:p="http://schemas.openxmlformats.org/presentationml/2006/main">
   <p:cSld>
     <p:spTree>
@@ -20696,7 +20959,7 @@
           <a:p>
             <a:fld id="{9CF5519E-C510-498D-AF62-1D020606B9F5}" type="slidenum">
               <a:rPr lang="en-US" smtClean="0"/>
-              <a:t>6</a:t>
+              <a:t>8</a:t>
             </a:fld>
             <a:endParaRPr lang="en-US"/>
           </a:p>
@@ -20715,7 +20978,7 @@
 </p:notes>
 </file>
 
-<file path=ppt/notesSlides/notesSlide6.xml><?xml version="1.0" encoding="utf-8"?>
+<file path=ppt/notesSlides/notesSlide8.xml><?xml version="1.0" encoding="utf-8"?>
 <p:notes xmlns:a="http://schemas.openxmlformats.org/drawingml/2006/main" xmlns:r="http://schemas.openxmlformats.org/officeDocument/2006/relationships" xmlns:p="http://schemas.openxmlformats.org/presentationml/2006/main">
   <p:cSld>
     <p:spTree>
@@ -20783,7 +21046,7 @@
           <a:p>
             <a:fld id="{9CF5519E-C510-498D-AF62-1D020606B9F5}" type="slidenum">
               <a:rPr lang="en-US" smtClean="0"/>
-              <a:t>7</a:t>
+              <a:t>9</a:t>
             </a:fld>
             <a:endParaRPr lang="en-US"/>
           </a:p>
@@ -20802,7 +21065,7 @@
 </p:notes>
 </file>
 
-<file path=ppt/notesSlides/notesSlide7.xml><?xml version="1.0" encoding="utf-8"?>
+<file path=ppt/notesSlides/notesSlide9.xml><?xml version="1.0" encoding="utf-8"?>
 <p:notes xmlns:a="http://schemas.openxmlformats.org/drawingml/2006/main" xmlns:r="http://schemas.openxmlformats.org/officeDocument/2006/relationships" xmlns:p="http://schemas.openxmlformats.org/presentationml/2006/main">
   <p:cSld>
     <p:spTree>
@@ -20870,7 +21133,7 @@
           <a:p>
             <a:fld id="{9CF5519E-C510-498D-AF62-1D020606B9F5}" type="slidenum">
               <a:rPr lang="en-US" smtClean="0"/>
-              <a:t>8</a:t>
+              <a:t>10</a:t>
             </a:fld>
             <a:endParaRPr lang="en-US"/>
           </a:p>
@@ -20880,93 +21143,6 @@
     <p:extLst>
       <p:ext uri="{BB962C8B-B14F-4D97-AF65-F5344CB8AC3E}">
         <p14:creationId xmlns:p14="http://schemas.microsoft.com/office/powerpoint/2010/main" val="1077875485"/>
-      </p:ext>
-    </p:extLst>
-  </p:cSld>
-  <p:clrMapOvr>
-    <a:masterClrMapping/>
-  </p:clrMapOvr>
-</p:notes>
-</file>
-
-<file path=ppt/notesSlides/notesSlide8.xml><?xml version="1.0" encoding="utf-8"?>
-<p:notes xmlns:a="http://schemas.openxmlformats.org/drawingml/2006/main" xmlns:r="http://schemas.openxmlformats.org/officeDocument/2006/relationships" xmlns:p="http://schemas.openxmlformats.org/presentationml/2006/main">
-  <p:cSld>
-    <p:spTree>
-      <p:nvGrpSpPr>
-        <p:cNvPr id="1" name=""/>
-        <p:cNvGrpSpPr/>
-        <p:nvPr/>
-      </p:nvGrpSpPr>
-      <p:grpSpPr>
-        <a:xfrm>
-          <a:off x="0" y="0"/>
-          <a:ext cx="0" cy="0"/>
-          <a:chOff x="0" y="0"/>
-          <a:chExt cx="0" cy="0"/>
-        </a:xfrm>
-      </p:grpSpPr>
-      <p:sp>
-        <p:nvSpPr>
-          <p:cNvPr id="2" name="Slide Image Placeholder 1"/>
-          <p:cNvSpPr>
-            <a:spLocks noGrp="1" noRot="1" noChangeAspect="1"/>
-          </p:cNvSpPr>
-          <p:nvPr>
-            <p:ph type="sldImg"/>
-          </p:nvPr>
-        </p:nvSpPr>
-        <p:spPr/>
-      </p:sp>
-      <p:sp>
-        <p:nvSpPr>
-          <p:cNvPr id="3" name="Notes Placeholder 2"/>
-          <p:cNvSpPr>
-            <a:spLocks noGrp="1"/>
-          </p:cNvSpPr>
-          <p:nvPr>
-            <p:ph type="body" idx="1"/>
-          </p:nvPr>
-        </p:nvSpPr>
-        <p:spPr/>
-        <p:txBody>
-          <a:bodyPr/>
-          <a:lstStyle/>
-          <a:p>
-            <a:r>
-              <a:rPr lang="en-US" dirty="0"/>
-              <a:t>Amit</a:t>
-            </a:r>
-          </a:p>
-        </p:txBody>
-      </p:sp>
-      <p:sp>
-        <p:nvSpPr>
-          <p:cNvPr id="4" name="Slide Number Placeholder 3"/>
-          <p:cNvSpPr>
-            <a:spLocks noGrp="1"/>
-          </p:cNvSpPr>
-          <p:nvPr>
-            <p:ph type="sldNum" sz="quarter" idx="5"/>
-          </p:nvPr>
-        </p:nvSpPr>
-        <p:spPr/>
-        <p:txBody>
-          <a:bodyPr/>
-          <a:lstStyle/>
-          <a:p>
-            <a:fld id="{9CF5519E-C510-498D-AF62-1D020606B9F5}" type="slidenum">
-              <a:rPr lang="en-US" smtClean="0"/>
-              <a:t>9</a:t>
-            </a:fld>
-            <a:endParaRPr lang="en-US"/>
-          </a:p>
-        </p:txBody>
-      </p:sp>
-    </p:spTree>
-    <p:extLst>
-      <p:ext uri="{BB962C8B-B14F-4D97-AF65-F5344CB8AC3E}">
-        <p14:creationId xmlns:p14="http://schemas.microsoft.com/office/powerpoint/2010/main" val="2091153366"/>
       </p:ext>
     </p:extLst>
   </p:cSld>
@@ -21478,7 +21654,7 @@
           <a:p>
             <a:fld id="{EFBA5EAA-4DAB-45C1-9CCB-89B72C47B331}" type="datetimeFigureOut">
               <a:rPr lang="en-US" smtClean="0"/>
-              <a:t>6/4/2023</a:t>
+              <a:t>6/11/2023</a:t>
             </a:fld>
             <a:endParaRPr lang="en-US"/>
           </a:p>
@@ -21774,7 +21950,7 @@
           <a:p>
             <a:fld id="{EFBA5EAA-4DAB-45C1-9CCB-89B72C47B331}" type="datetimeFigureOut">
               <a:rPr lang="en-US" smtClean="0"/>
-              <a:t>6/4/2023</a:t>
+              <a:t>6/11/2023</a:t>
             </a:fld>
             <a:endParaRPr lang="en-US"/>
           </a:p>
@@ -22022,7 +22198,7 @@
           <a:p>
             <a:fld id="{EFBA5EAA-4DAB-45C1-9CCB-89B72C47B331}" type="datetimeFigureOut">
               <a:rPr lang="en-US" smtClean="0"/>
-              <a:t>6/4/2023</a:t>
+              <a:t>6/11/2023</a:t>
             </a:fld>
             <a:endParaRPr lang="en-US"/>
           </a:p>
@@ -22562,7 +22738,7 @@
           <a:p>
             <a:fld id="{EFBA5EAA-4DAB-45C1-9CCB-89B72C47B331}" type="datetimeFigureOut">
               <a:rPr lang="en-US" smtClean="0"/>
-              <a:t>6/4/2023</a:t>
+              <a:t>6/11/2023</a:t>
             </a:fld>
             <a:endParaRPr lang="en-US"/>
           </a:p>
@@ -22810,7 +22986,7 @@
           <a:p>
             <a:fld id="{EFBA5EAA-4DAB-45C1-9CCB-89B72C47B331}" type="datetimeFigureOut">
               <a:rPr lang="en-US" smtClean="0"/>
-              <a:t>6/4/2023</a:t>
+              <a:t>6/11/2023</a:t>
             </a:fld>
             <a:endParaRPr lang="en-US"/>
           </a:p>
@@ -23342,7 +23518,7 @@
           <a:p>
             <a:fld id="{EFBA5EAA-4DAB-45C1-9CCB-89B72C47B331}" type="datetimeFigureOut">
               <a:rPr lang="en-US" smtClean="0"/>
-              <a:t>6/4/2023</a:t>
+              <a:t>6/11/2023</a:t>
             </a:fld>
             <a:endParaRPr lang="en-US"/>
           </a:p>
@@ -23639,7 +23815,7 @@
           <a:p>
             <a:fld id="{EFBA5EAA-4DAB-45C1-9CCB-89B72C47B331}" type="datetimeFigureOut">
               <a:rPr lang="en-US" smtClean="0"/>
-              <a:t>6/4/2023</a:t>
+              <a:t>6/11/2023</a:t>
             </a:fld>
             <a:endParaRPr lang="en-US"/>
           </a:p>
@@ -23813,7 +23989,7 @@
           <a:p>
             <a:fld id="{EFBA5EAA-4DAB-45C1-9CCB-89B72C47B331}" type="datetimeFigureOut">
               <a:rPr lang="en-US" smtClean="0"/>
-              <a:t>6/4/2023</a:t>
+              <a:t>6/11/2023</a:t>
             </a:fld>
             <a:endParaRPr lang="en-US"/>
           </a:p>
@@ -23993,7 +24169,7 @@
           <a:p>
             <a:fld id="{EFBA5EAA-4DAB-45C1-9CCB-89B72C47B331}" type="datetimeFigureOut">
               <a:rPr lang="en-US" smtClean="0"/>
-              <a:t>6/4/2023</a:t>
+              <a:t>6/11/2023</a:t>
             </a:fld>
             <a:endParaRPr lang="en-US"/>
           </a:p>
@@ -24163,7 +24339,7 @@
           <a:p>
             <a:fld id="{EFBA5EAA-4DAB-45C1-9CCB-89B72C47B331}" type="datetimeFigureOut">
               <a:rPr lang="en-US" smtClean="0"/>
-              <a:t>6/4/2023</a:t>
+              <a:t>6/11/2023</a:t>
             </a:fld>
             <a:endParaRPr lang="en-US"/>
           </a:p>
@@ -24414,7 +24590,7 @@
           <a:p>
             <a:fld id="{EFBA5EAA-4DAB-45C1-9CCB-89B72C47B331}" type="datetimeFigureOut">
               <a:rPr lang="en-US" smtClean="0"/>
-              <a:t>6/4/2023</a:t>
+              <a:t>6/11/2023</a:t>
             </a:fld>
             <a:endParaRPr lang="en-US"/>
           </a:p>
@@ -24711,7 +24887,7 @@
           <a:p>
             <a:fld id="{EFBA5EAA-4DAB-45C1-9CCB-89B72C47B331}" type="datetimeFigureOut">
               <a:rPr lang="en-US" smtClean="0"/>
-              <a:t>6/4/2023</a:t>
+              <a:t>6/11/2023</a:t>
             </a:fld>
             <a:endParaRPr lang="en-US"/>
           </a:p>
@@ -25153,7 +25329,7 @@
           <a:p>
             <a:fld id="{EFBA5EAA-4DAB-45C1-9CCB-89B72C47B331}" type="datetimeFigureOut">
               <a:rPr lang="en-US" smtClean="0"/>
-              <a:t>6/4/2023</a:t>
+              <a:t>6/11/2023</a:t>
             </a:fld>
             <a:endParaRPr lang="en-US"/>
           </a:p>
@@ -25271,7 +25447,7 @@
           <a:p>
             <a:fld id="{EFBA5EAA-4DAB-45C1-9CCB-89B72C47B331}" type="datetimeFigureOut">
               <a:rPr lang="en-US" smtClean="0"/>
-              <a:t>6/4/2023</a:t>
+              <a:t>6/11/2023</a:t>
             </a:fld>
             <a:endParaRPr lang="en-US"/>
           </a:p>
@@ -25366,7 +25542,7 @@
           <a:p>
             <a:fld id="{EFBA5EAA-4DAB-45C1-9CCB-89B72C47B331}" type="datetimeFigureOut">
               <a:rPr lang="en-US" smtClean="0"/>
-              <a:t>6/4/2023</a:t>
+              <a:t>6/11/2023</a:t>
             </a:fld>
             <a:endParaRPr lang="en-US"/>
           </a:p>
@@ -25649,7 +25825,7 @@
           <a:p>
             <a:fld id="{EFBA5EAA-4DAB-45C1-9CCB-89B72C47B331}" type="datetimeFigureOut">
               <a:rPr lang="en-US" smtClean="0"/>
-              <a:t>6/4/2023</a:t>
+              <a:t>6/11/2023</a:t>
             </a:fld>
             <a:endParaRPr lang="en-US"/>
           </a:p>
@@ -25940,7 +26116,7 @@
           <a:p>
             <a:fld id="{EFBA5EAA-4DAB-45C1-9CCB-89B72C47B331}" type="datetimeFigureOut">
               <a:rPr lang="en-US" smtClean="0"/>
-              <a:t>6/4/2023</a:t>
+              <a:t>6/11/2023</a:t>
             </a:fld>
             <a:endParaRPr lang="en-US"/>
           </a:p>
@@ -26470,7 +26646,7 @@
           <a:p>
             <a:fld id="{EFBA5EAA-4DAB-45C1-9CCB-89B72C47B331}" type="datetimeFigureOut">
               <a:rPr lang="en-US" smtClean="0"/>
-              <a:t>6/4/2023</a:t>
+              <a:t>6/11/2023</a:t>
             </a:fld>
             <a:endParaRPr lang="en-US"/>
           </a:p>
@@ -28144,6 +28320,243 @@
   <p:cSld>
     <p:bg>
       <p:bgPr>
+        <a:gradFill rotWithShape="1">
+          <a:gsLst>
+            <a:gs pos="0">
+              <a:schemeClr val="bg2">
+                <a:tint val="90000"/>
+                <a:lumMod val="110000"/>
+              </a:schemeClr>
+            </a:gs>
+            <a:gs pos="100000">
+              <a:schemeClr val="bg2">
+                <a:shade val="64000"/>
+                <a:lumMod val="98000"/>
+              </a:schemeClr>
+            </a:gs>
+          </a:gsLst>
+          <a:lin ang="5400000" scaled="0"/>
+        </a:gradFill>
+        <a:effectLst/>
+      </p:bgPr>
+    </p:bg>
+    <p:spTree>
+      <p:nvGrpSpPr>
+        <p:cNvPr id="1" name=""/>
+        <p:cNvGrpSpPr/>
+        <p:nvPr/>
+      </p:nvGrpSpPr>
+      <p:grpSpPr>
+        <a:xfrm>
+          <a:off x="0" y="0"/>
+          <a:ext cx="0" cy="0"/>
+          <a:chOff x="0" y="0"/>
+          <a:chExt cx="0" cy="0"/>
+        </a:xfrm>
+      </p:grpSpPr>
+      <p:sp>
+        <p:nvSpPr>
+          <p:cNvPr id="2" name="Title 1">
+            <a:extLst>
+              <a:ext uri="{FF2B5EF4-FFF2-40B4-BE49-F238E27FC236}">
+                <a16:creationId xmlns:a16="http://schemas.microsoft.com/office/drawing/2014/main" id="{E8476F5E-8F6F-2960-0808-568FF632992E}"/>
+              </a:ext>
+            </a:extLst>
+          </p:cNvPr>
+          <p:cNvSpPr>
+            <a:spLocks noGrp="1"/>
+          </p:cNvSpPr>
+          <p:nvPr>
+            <p:ph type="title"/>
+          </p:nvPr>
+        </p:nvSpPr>
+        <p:spPr>
+          <a:xfrm>
+            <a:off x="1760706" y="685800"/>
+            <a:ext cx="9742318" cy="1752599"/>
+          </a:xfrm>
+        </p:spPr>
+        <p:txBody>
+          <a:bodyPr>
+            <a:normAutofit/>
+          </a:bodyPr>
+          <a:lstStyle/>
+          <a:p>
+            <a:r>
+              <a:rPr lang="en-US" b="1" u="sng" dirty="0"/>
+              <a:t>Algorithms Improvements &amp; Optimizations</a:t>
+            </a:r>
+          </a:p>
+        </p:txBody>
+      </p:sp>
+      <p:graphicFrame>
+        <p:nvGraphicFramePr>
+          <p:cNvPr id="5" name="Content Placeholder 2">
+            <a:extLst>
+              <a:ext uri="{FF2B5EF4-FFF2-40B4-BE49-F238E27FC236}">
+                <a16:creationId xmlns:a16="http://schemas.microsoft.com/office/drawing/2014/main" id="{4F340884-7CDA-36CE-2D74-B99CFF2B4C10}"/>
+              </a:ext>
+            </a:extLst>
+          </p:cNvPr>
+          <p:cNvGraphicFramePr>
+            <a:graphicFrameLocks noGrp="1"/>
+          </p:cNvGraphicFramePr>
+          <p:nvPr>
+            <p:ph idx="1"/>
+            <p:extLst>
+              <p:ext uri="{D42A27DB-BD31-4B8C-83A1-F6EECF244321}">
+                <p14:modId xmlns:p14="http://schemas.microsoft.com/office/powerpoint/2010/main" val="1942376385"/>
+              </p:ext>
+            </p:extLst>
+          </p:nvPr>
+        </p:nvGraphicFramePr>
+        <p:xfrm>
+          <a:off x="1760705" y="2694562"/>
+          <a:ext cx="9742319" cy="3096638"/>
+        </p:xfrm>
+        <a:graphic>
+          <a:graphicData uri="http://schemas.openxmlformats.org/drawingml/2006/diagram">
+            <dgm:relIds xmlns:dgm="http://schemas.openxmlformats.org/drawingml/2006/diagram" xmlns:r="http://schemas.openxmlformats.org/officeDocument/2006/relationships" r:dm="rId3" r:lo="rId4" r:qs="rId5" r:cs="rId6"/>
+          </a:graphicData>
+        </a:graphic>
+      </p:graphicFrame>
+    </p:spTree>
+    <p:extLst>
+      <p:ext uri="{BB962C8B-B14F-4D97-AF65-F5344CB8AC3E}">
+        <p14:creationId xmlns:p14="http://schemas.microsoft.com/office/powerpoint/2010/main" val="166759920"/>
+      </p:ext>
+    </p:extLst>
+  </p:cSld>
+  <p:clrMapOvr>
+    <a:masterClrMapping/>
+  </p:clrMapOvr>
+</p:sld>
+</file>
+
+<file path=ppt/slides/slide11.xml><?xml version="1.0" encoding="utf-8"?>
+<p:sld xmlns:a="http://schemas.openxmlformats.org/drawingml/2006/main" xmlns:r="http://schemas.openxmlformats.org/officeDocument/2006/relationships" xmlns:p="http://schemas.openxmlformats.org/presentationml/2006/main">
+  <p:cSld>
+    <p:bg>
+      <p:bgPr>
+        <a:gradFill rotWithShape="1">
+          <a:gsLst>
+            <a:gs pos="0">
+              <a:schemeClr val="bg2">
+                <a:tint val="90000"/>
+                <a:lumMod val="110000"/>
+              </a:schemeClr>
+            </a:gs>
+            <a:gs pos="100000">
+              <a:schemeClr val="bg2">
+                <a:shade val="64000"/>
+                <a:lumMod val="98000"/>
+              </a:schemeClr>
+            </a:gs>
+          </a:gsLst>
+          <a:lin ang="5400000" scaled="0"/>
+        </a:gradFill>
+        <a:effectLst/>
+      </p:bgPr>
+    </p:bg>
+    <p:spTree>
+      <p:nvGrpSpPr>
+        <p:cNvPr id="1" name=""/>
+        <p:cNvGrpSpPr/>
+        <p:nvPr/>
+      </p:nvGrpSpPr>
+      <p:grpSpPr>
+        <a:xfrm>
+          <a:off x="0" y="0"/>
+          <a:ext cx="0" cy="0"/>
+          <a:chOff x="0" y="0"/>
+          <a:chExt cx="0" cy="0"/>
+        </a:xfrm>
+      </p:grpSpPr>
+      <p:sp>
+        <p:nvSpPr>
+          <p:cNvPr id="2" name="Title 1">
+            <a:extLst>
+              <a:ext uri="{FF2B5EF4-FFF2-40B4-BE49-F238E27FC236}">
+                <a16:creationId xmlns:a16="http://schemas.microsoft.com/office/drawing/2014/main" id="{E8476F5E-8F6F-2960-0808-568FF632992E}"/>
+              </a:ext>
+            </a:extLst>
+          </p:cNvPr>
+          <p:cNvSpPr>
+            <a:spLocks noGrp="1"/>
+          </p:cNvSpPr>
+          <p:nvPr>
+            <p:ph type="title"/>
+          </p:nvPr>
+        </p:nvSpPr>
+        <p:spPr>
+          <a:xfrm>
+            <a:off x="1760706" y="685800"/>
+            <a:ext cx="9742318" cy="1752599"/>
+          </a:xfrm>
+        </p:spPr>
+        <p:txBody>
+          <a:bodyPr>
+            <a:normAutofit/>
+          </a:bodyPr>
+          <a:lstStyle/>
+          <a:p>
+            <a:r>
+              <a:rPr lang="en-US" b="1" u="sng" dirty="0"/>
+              <a:t>System’s Tests/Maintenance/Add-ons</a:t>
+            </a:r>
+            <a:endParaRPr lang="en-US" b="1" u="sng"/>
+          </a:p>
+        </p:txBody>
+      </p:sp>
+      <p:graphicFrame>
+        <p:nvGraphicFramePr>
+          <p:cNvPr id="5" name="Content Placeholder 2">
+            <a:extLst>
+              <a:ext uri="{FF2B5EF4-FFF2-40B4-BE49-F238E27FC236}">
+                <a16:creationId xmlns:a16="http://schemas.microsoft.com/office/drawing/2014/main" id="{4F340884-7CDA-36CE-2D74-B99CFF2B4C10}"/>
+              </a:ext>
+            </a:extLst>
+          </p:cNvPr>
+          <p:cNvGraphicFramePr>
+            <a:graphicFrameLocks noGrp="1"/>
+          </p:cNvGraphicFramePr>
+          <p:nvPr>
+            <p:ph idx="1"/>
+            <p:extLst>
+              <p:ext uri="{D42A27DB-BD31-4B8C-83A1-F6EECF244321}">
+                <p14:modId xmlns:p14="http://schemas.microsoft.com/office/powerpoint/2010/main" val="552175845"/>
+              </p:ext>
+            </p:extLst>
+          </p:nvPr>
+        </p:nvGraphicFramePr>
+        <p:xfrm>
+          <a:off x="1760705" y="2694562"/>
+          <a:ext cx="9742319" cy="3096638"/>
+        </p:xfrm>
+        <a:graphic>
+          <a:graphicData uri="http://schemas.openxmlformats.org/drawingml/2006/diagram">
+            <dgm:relIds xmlns:dgm="http://schemas.openxmlformats.org/drawingml/2006/diagram" xmlns:r="http://schemas.openxmlformats.org/officeDocument/2006/relationships" r:dm="rId3" r:lo="rId4" r:qs="rId5" r:cs="rId6"/>
+          </a:graphicData>
+        </a:graphic>
+      </p:graphicFrame>
+    </p:spTree>
+    <p:extLst>
+      <p:ext uri="{BB962C8B-B14F-4D97-AF65-F5344CB8AC3E}">
+        <p14:creationId xmlns:p14="http://schemas.microsoft.com/office/powerpoint/2010/main" val="2157888283"/>
+      </p:ext>
+    </p:extLst>
+  </p:cSld>
+  <p:clrMapOvr>
+    <a:masterClrMapping/>
+  </p:clrMapOvr>
+</p:sld>
+</file>
+
+<file path=ppt/slides/slide12.xml><?xml version="1.0" encoding="utf-8"?>
+<p:sld xmlns:a="http://schemas.openxmlformats.org/drawingml/2006/main" xmlns:r="http://schemas.openxmlformats.org/officeDocument/2006/relationships" xmlns:p="http://schemas.openxmlformats.org/presentationml/2006/main">
+  <p:cSld>
+    <p:bg>
+      <p:bgPr>
         <a:blipFill rotWithShape="1">
           <a:blip r:embed="rId2">
             <a:duotone>
@@ -29354,9 +29767,196 @@
           </p:nvPr>
         </p:nvSpPr>
         <p:spPr>
+          <a:effectLst/>
+        </p:spPr>
+        <p:txBody>
+          <a:bodyPr anchor="ctr">
+            <a:normAutofit/>
+          </a:bodyPr>
+          <a:lstStyle/>
+          <a:p>
+            <a:r>
+              <a:rPr lang="en-US" sz="3200" b="1" u="sng" dirty="0"/>
+              <a:t>Project’s Motivation</a:t>
+            </a:r>
+          </a:p>
+        </p:txBody>
+      </p:sp>
+      <p:sp>
+        <p:nvSpPr>
+          <p:cNvPr id="3" name="Content Placeholder 2">
+            <a:extLst>
+              <a:ext uri="{FF2B5EF4-FFF2-40B4-BE49-F238E27FC236}">
+                <a16:creationId xmlns:a16="http://schemas.microsoft.com/office/drawing/2014/main" id="{A6BC5341-A928-9BC4-FADF-88E3B7BCF038}"/>
+              </a:ext>
+            </a:extLst>
+          </p:cNvPr>
+          <p:cNvSpPr>
+            <a:spLocks noGrp="1"/>
+          </p:cNvSpPr>
+          <p:nvPr>
+            <p:ph idx="1"/>
+          </p:nvPr>
+        </p:nvSpPr>
+        <p:spPr/>
+        <p:txBody>
+          <a:bodyPr anchor="ctr">
+            <a:normAutofit/>
+          </a:bodyPr>
+          <a:lstStyle/>
+          <a:p>
+            <a:pPr marL="0" marR="0">
+              <a:lnSpc>
+                <a:spcPct val="107000"/>
+              </a:lnSpc>
+              <a:spcBef>
+                <a:spcPts val="0"/>
+              </a:spcBef>
+              <a:spcAft>
+                <a:spcPts val="0"/>
+              </a:spcAft>
+            </a:pPr>
+            <a:r>
+              <a:rPr lang="en-US" dirty="0">
+                <a:solidFill>
+                  <a:srgbClr val="1F2328"/>
+                </a:solidFill>
+                <a:latin typeface="-apple-system"/>
+              </a:rPr>
+              <a:t>Our motivation was to create the most user-friendly, easy to use </a:t>
+            </a:r>
+            <a:br>
+              <a:rPr lang="en-US" dirty="0">
+                <a:solidFill>
+                  <a:srgbClr val="1F2328"/>
+                </a:solidFill>
+                <a:latin typeface="-apple-system"/>
+              </a:rPr>
+            </a:br>
+            <a:r>
+              <a:rPr lang="en-US" dirty="0">
+                <a:solidFill>
+                  <a:srgbClr val="1F2328"/>
+                </a:solidFill>
+                <a:latin typeface="-apple-system"/>
+              </a:rPr>
+              <a:t>web-application that will allow users from all over the globe to use the MolOptimizer tool.</a:t>
+            </a:r>
+          </a:p>
+          <a:p>
+            <a:pPr marL="0" marR="0">
+              <a:lnSpc>
+                <a:spcPct val="107000"/>
+              </a:lnSpc>
+              <a:spcBef>
+                <a:spcPts val="0"/>
+              </a:spcBef>
+              <a:spcAft>
+                <a:spcPts val="0"/>
+              </a:spcAft>
+            </a:pPr>
+            <a:endParaRPr lang="en-US" dirty="0">
+              <a:solidFill>
+                <a:srgbClr val="1F2328"/>
+              </a:solidFill>
+              <a:latin typeface="-apple-system"/>
+            </a:endParaRPr>
+          </a:p>
+          <a:p>
+            <a:pPr marL="0" marR="0">
+              <a:lnSpc>
+                <a:spcPct val="107000"/>
+              </a:lnSpc>
+              <a:spcBef>
+                <a:spcPts val="0"/>
+              </a:spcBef>
+              <a:spcAft>
+                <a:spcPts val="0"/>
+              </a:spcAft>
+            </a:pPr>
+            <a:r>
+              <a:rPr lang="en-US" dirty="0">
+                <a:solidFill>
+                  <a:srgbClr val="1F2328"/>
+                </a:solidFill>
+                <a:latin typeface="-apple-system"/>
+              </a:rPr>
+              <a:t>We hope that this web-application will help anyone who use it, to achieve the best results he can get in the field of small fragment-based inhibitors.</a:t>
+            </a:r>
+          </a:p>
+        </p:txBody>
+      </p:sp>
+    </p:spTree>
+    <p:extLst>
+      <p:ext uri="{BB962C8B-B14F-4D97-AF65-F5344CB8AC3E}">
+        <p14:creationId xmlns:p14="http://schemas.microsoft.com/office/powerpoint/2010/main" val="4174714693"/>
+      </p:ext>
+    </p:extLst>
+  </p:cSld>
+  <p:clrMapOvr>
+    <a:masterClrMapping/>
+  </p:clrMapOvr>
+</p:sld>
+</file>
+
+<file path=ppt/slides/slide4.xml><?xml version="1.0" encoding="utf-8"?>
+<p:sld xmlns:a="http://schemas.openxmlformats.org/drawingml/2006/main" xmlns:r="http://schemas.openxmlformats.org/officeDocument/2006/relationships" xmlns:p="http://schemas.openxmlformats.org/presentationml/2006/main">
+  <p:cSld>
+    <p:bg>
+      <p:bgPr>
+        <a:blipFill rotWithShape="1">
+          <a:blip r:embed="rId3">
+            <a:duotone>
+              <a:schemeClr val="bg2">
+                <a:shade val="76000"/>
+                <a:satMod val="180000"/>
+              </a:schemeClr>
+              <a:schemeClr val="bg2">
+                <a:tint val="80000"/>
+                <a:satMod val="120000"/>
+                <a:lumMod val="180000"/>
+              </a:schemeClr>
+            </a:duotone>
+          </a:blip>
+          <a:stretch/>
+        </a:blipFill>
+        <a:effectLst/>
+      </p:bgPr>
+    </p:bg>
+    <p:spTree>
+      <p:nvGrpSpPr>
+        <p:cNvPr id="1" name=""/>
+        <p:cNvGrpSpPr/>
+        <p:nvPr/>
+      </p:nvGrpSpPr>
+      <p:grpSpPr>
+        <a:xfrm>
+          <a:off x="0" y="0"/>
+          <a:ext cx="0" cy="0"/>
+          <a:chOff x="0" y="0"/>
+          <a:chExt cx="0" cy="0"/>
+        </a:xfrm>
+      </p:grpSpPr>
+      <p:sp>
+        <p:nvSpPr>
+          <p:cNvPr id="2" name="Title 1">
+            <a:extLst>
+              <a:ext uri="{FF2B5EF4-FFF2-40B4-BE49-F238E27FC236}">
+                <a16:creationId xmlns:a16="http://schemas.microsoft.com/office/drawing/2014/main" id="{E8476F5E-8F6F-2960-0808-568FF632992E}"/>
+              </a:ext>
+            </a:extLst>
+          </p:cNvPr>
+          <p:cNvSpPr>
+            <a:spLocks noGrp="1"/>
+          </p:cNvSpPr>
+          <p:nvPr>
+            <p:ph type="title"/>
+          </p:nvPr>
+        </p:nvSpPr>
+        <p:spPr>
           <a:xfrm>
-            <a:off x="1836013" y="1072609"/>
-            <a:ext cx="3041557" cy="4522647"/>
+            <a:off x="1837943" y="1072609"/>
+            <a:ext cx="3039627" cy="4522647"/>
           </a:xfrm>
           <a:effectLst/>
         </p:spPr>
@@ -29373,22 +29973,7 @@
                   <a:schemeClr val="tx2"/>
                 </a:solidFill>
               </a:rPr>
-              <a:t>Project’s</a:t>
-            </a:r>
-            <a:br>
-              <a:rPr lang="en-US" sz="3200" b="1" dirty="0">
-                <a:solidFill>
-                  <a:schemeClr val="tx2"/>
-                </a:solidFill>
-              </a:rPr>
-            </a:br>
-            <a:r>
-              <a:rPr lang="en-US" sz="3200" b="1" dirty="0">
-                <a:solidFill>
-                  <a:schemeClr val="tx2"/>
-                </a:solidFill>
-              </a:rPr>
-              <a:t> Plans, Tasks &amp; Achievements</a:t>
+              <a:t>Project’s Main Requirements &amp; Achievements</a:t>
             </a:r>
           </a:p>
         </p:txBody>
@@ -29437,7 +30022,355 @@
 </p:sld>
 </file>
 
-<file path=ppt/slides/slide4.xml><?xml version="1.0" encoding="utf-8"?>
+<file path=ppt/slides/slide5.xml><?xml version="1.0" encoding="utf-8"?>
+<p:sld xmlns:a="http://schemas.openxmlformats.org/drawingml/2006/main" xmlns:r="http://schemas.openxmlformats.org/officeDocument/2006/relationships" xmlns:p="http://schemas.openxmlformats.org/presentationml/2006/main">
+  <p:cSld>
+    <p:bg>
+      <p:bgPr>
+        <a:blipFill rotWithShape="1">
+          <a:blip r:embed="rId3">
+            <a:duotone>
+              <a:schemeClr val="bg2">
+                <a:shade val="76000"/>
+                <a:satMod val="180000"/>
+              </a:schemeClr>
+              <a:schemeClr val="bg2">
+                <a:tint val="80000"/>
+                <a:satMod val="120000"/>
+                <a:lumMod val="180000"/>
+              </a:schemeClr>
+            </a:duotone>
+          </a:blip>
+          <a:stretch/>
+        </a:blipFill>
+        <a:effectLst/>
+      </p:bgPr>
+    </p:bg>
+    <p:spTree>
+      <p:nvGrpSpPr>
+        <p:cNvPr id="1" name=""/>
+        <p:cNvGrpSpPr/>
+        <p:nvPr/>
+      </p:nvGrpSpPr>
+      <p:grpSpPr>
+        <a:xfrm>
+          <a:off x="0" y="0"/>
+          <a:ext cx="0" cy="0"/>
+          <a:chOff x="0" y="0"/>
+          <a:chExt cx="0" cy="0"/>
+        </a:xfrm>
+      </p:grpSpPr>
+      <p:sp>
+        <p:nvSpPr>
+          <p:cNvPr id="2" name="Title 1">
+            <a:extLst>
+              <a:ext uri="{FF2B5EF4-FFF2-40B4-BE49-F238E27FC236}">
+                <a16:creationId xmlns:a16="http://schemas.microsoft.com/office/drawing/2014/main" id="{E8476F5E-8F6F-2960-0808-568FF632992E}"/>
+              </a:ext>
+            </a:extLst>
+          </p:cNvPr>
+          <p:cNvSpPr>
+            <a:spLocks noGrp="1"/>
+          </p:cNvSpPr>
+          <p:nvPr>
+            <p:ph type="title"/>
+          </p:nvPr>
+        </p:nvSpPr>
+        <p:spPr>
+          <a:effectLst/>
+        </p:spPr>
+        <p:txBody>
+          <a:bodyPr anchor="ctr">
+            <a:normAutofit/>
+          </a:bodyPr>
+          <a:lstStyle/>
+          <a:p>
+            <a:r>
+              <a:rPr lang="en-US" sz="3200" b="1" u="sng" dirty="0"/>
+              <a:t>Project’s Technical Information</a:t>
+            </a:r>
+          </a:p>
+        </p:txBody>
+      </p:sp>
+      <p:sp>
+        <p:nvSpPr>
+          <p:cNvPr id="3" name="Content Placeholder 2">
+            <a:extLst>
+              <a:ext uri="{FF2B5EF4-FFF2-40B4-BE49-F238E27FC236}">
+                <a16:creationId xmlns:a16="http://schemas.microsoft.com/office/drawing/2014/main" id="{A6BC5341-A928-9BC4-FADF-88E3B7BCF038}"/>
+              </a:ext>
+            </a:extLst>
+          </p:cNvPr>
+          <p:cNvSpPr>
+            <a:spLocks noGrp="1"/>
+          </p:cNvSpPr>
+          <p:nvPr>
+            <p:ph idx="1"/>
+          </p:nvPr>
+        </p:nvSpPr>
+        <p:spPr/>
+        <p:txBody>
+          <a:bodyPr anchor="ctr">
+            <a:normAutofit fontScale="77500" lnSpcReduction="20000"/>
+          </a:bodyPr>
+          <a:lstStyle/>
+          <a:p>
+            <a:pPr marL="0" marR="0" indent="0">
+              <a:lnSpc>
+                <a:spcPct val="107000"/>
+              </a:lnSpc>
+              <a:spcBef>
+                <a:spcPts val="0"/>
+              </a:spcBef>
+              <a:spcAft>
+                <a:spcPts val="0"/>
+              </a:spcAft>
+              <a:buNone/>
+            </a:pPr>
+            <a:r>
+              <a:rPr lang="en-US" b="1" u="sng" dirty="0">
+                <a:solidFill>
+                  <a:srgbClr val="1F2328"/>
+                </a:solidFill>
+                <a:latin typeface="-apple-system"/>
+              </a:rPr>
+              <a:t>On the frontend side</a:t>
+            </a:r>
+          </a:p>
+          <a:p>
+            <a:pPr marL="0" marR="0" indent="0">
+              <a:lnSpc>
+                <a:spcPct val="107000"/>
+              </a:lnSpc>
+              <a:spcBef>
+                <a:spcPts val="0"/>
+              </a:spcBef>
+              <a:spcAft>
+                <a:spcPts val="0"/>
+              </a:spcAft>
+              <a:buNone/>
+            </a:pPr>
+            <a:r>
+              <a:rPr lang="en-US" dirty="0">
+                <a:solidFill>
+                  <a:srgbClr val="1F2328"/>
+                </a:solidFill>
+                <a:latin typeface="-apple-system"/>
+              </a:rPr>
+              <a:t>We used React JS and Material UI.</a:t>
+            </a:r>
+          </a:p>
+          <a:p>
+            <a:pPr marL="0" marR="0" indent="0">
+              <a:lnSpc>
+                <a:spcPct val="107000"/>
+              </a:lnSpc>
+              <a:spcBef>
+                <a:spcPts val="0"/>
+              </a:spcBef>
+              <a:spcAft>
+                <a:spcPts val="0"/>
+              </a:spcAft>
+              <a:buNone/>
+            </a:pPr>
+            <a:r>
+              <a:rPr lang="en-US" dirty="0">
+                <a:solidFill>
+                  <a:srgbClr val="1F2328"/>
+                </a:solidFill>
+                <a:latin typeface="-apple-system"/>
+              </a:rPr>
+              <a:t>We used them for 2 main reasons:</a:t>
+            </a:r>
+          </a:p>
+          <a:p>
+            <a:pPr>
+              <a:lnSpc>
+                <a:spcPct val="107000"/>
+              </a:lnSpc>
+              <a:spcBef>
+                <a:spcPts val="0"/>
+              </a:spcBef>
+              <a:spcAft>
+                <a:spcPts val="0"/>
+              </a:spcAft>
+            </a:pPr>
+            <a:r>
+              <a:rPr lang="en-US" dirty="0">
+                <a:solidFill>
+                  <a:srgbClr val="1F2328"/>
+                </a:solidFill>
+                <a:latin typeface="-apple-system"/>
+              </a:rPr>
+              <a:t>React JS has the advantage to be connected easily to any backend code (based on previous experience we knew to use it for our purposes).</a:t>
+            </a:r>
+          </a:p>
+          <a:p>
+            <a:pPr>
+              <a:lnSpc>
+                <a:spcPct val="107000"/>
+              </a:lnSpc>
+              <a:spcBef>
+                <a:spcPts val="0"/>
+              </a:spcBef>
+              <a:spcAft>
+                <a:spcPts val="0"/>
+              </a:spcAft>
+            </a:pPr>
+            <a:r>
+              <a:rPr lang="en-US" dirty="0">
+                <a:solidFill>
+                  <a:srgbClr val="1F2328"/>
+                </a:solidFill>
+                <a:latin typeface="-apple-system"/>
+              </a:rPr>
+              <a:t>We found Material UI (MUI) to be the best package for a great looking and a </a:t>
+            </a:r>
+            <a:br>
+              <a:rPr lang="en-US" dirty="0">
+                <a:solidFill>
+                  <a:srgbClr val="1F2328"/>
+                </a:solidFill>
+                <a:latin typeface="-apple-system"/>
+              </a:rPr>
+            </a:br>
+            <a:r>
+              <a:rPr lang="en-US" dirty="0">
+                <a:solidFill>
+                  <a:srgbClr val="1F2328"/>
+                </a:solidFill>
+                <a:latin typeface="-apple-system"/>
+              </a:rPr>
+              <a:t>user-friendly user-interface. </a:t>
+            </a:r>
+          </a:p>
+          <a:p>
+            <a:pPr marL="0" marR="0">
+              <a:lnSpc>
+                <a:spcPct val="107000"/>
+              </a:lnSpc>
+              <a:spcBef>
+                <a:spcPts val="0"/>
+              </a:spcBef>
+              <a:spcAft>
+                <a:spcPts val="0"/>
+              </a:spcAft>
+            </a:pPr>
+            <a:endParaRPr lang="en-US" dirty="0">
+              <a:solidFill>
+                <a:srgbClr val="1F2328"/>
+              </a:solidFill>
+              <a:latin typeface="-apple-system"/>
+            </a:endParaRPr>
+          </a:p>
+          <a:p>
+            <a:pPr marL="0" marR="0" indent="0">
+              <a:lnSpc>
+                <a:spcPct val="107000"/>
+              </a:lnSpc>
+              <a:spcBef>
+                <a:spcPts val="0"/>
+              </a:spcBef>
+              <a:spcAft>
+                <a:spcPts val="0"/>
+              </a:spcAft>
+              <a:buNone/>
+            </a:pPr>
+            <a:r>
+              <a:rPr lang="en-US" b="1" u="sng" dirty="0">
+                <a:solidFill>
+                  <a:srgbClr val="1F2328"/>
+                </a:solidFill>
+                <a:latin typeface="-apple-system"/>
+              </a:rPr>
+              <a:t>On the backend side</a:t>
+            </a:r>
+          </a:p>
+          <a:p>
+            <a:pPr marL="0" marR="0" indent="0">
+              <a:lnSpc>
+                <a:spcPct val="107000"/>
+              </a:lnSpc>
+              <a:spcBef>
+                <a:spcPts val="0"/>
+              </a:spcBef>
+              <a:spcAft>
+                <a:spcPts val="0"/>
+              </a:spcAft>
+              <a:buNone/>
+            </a:pPr>
+            <a:r>
+              <a:rPr lang="en-US" dirty="0">
+                <a:solidFill>
+                  <a:srgbClr val="1F2328"/>
+                </a:solidFill>
+                <a:latin typeface="-apple-system"/>
+              </a:rPr>
+              <a:t>We used python (Django).</a:t>
+            </a:r>
+          </a:p>
+          <a:p>
+            <a:pPr marL="0" marR="0" indent="0">
+              <a:lnSpc>
+                <a:spcPct val="107000"/>
+              </a:lnSpc>
+              <a:spcBef>
+                <a:spcPts val="0"/>
+              </a:spcBef>
+              <a:spcAft>
+                <a:spcPts val="0"/>
+              </a:spcAft>
+              <a:buNone/>
+            </a:pPr>
+            <a:r>
+              <a:rPr lang="en-US" dirty="0">
+                <a:solidFill>
+                  <a:srgbClr val="1F2328"/>
+                </a:solidFill>
+                <a:latin typeface="-apple-system"/>
+              </a:rPr>
+              <a:t>The main reason we use it was because the previous version of MolOpt was written in Python.</a:t>
+            </a:r>
+          </a:p>
+          <a:p>
+            <a:pPr marL="0" marR="0" indent="0">
+              <a:lnSpc>
+                <a:spcPct val="107000"/>
+              </a:lnSpc>
+              <a:spcBef>
+                <a:spcPts val="0"/>
+              </a:spcBef>
+              <a:spcAft>
+                <a:spcPts val="0"/>
+              </a:spcAft>
+              <a:buNone/>
+            </a:pPr>
+            <a:r>
+              <a:rPr lang="en-US" dirty="0">
+                <a:solidFill>
+                  <a:srgbClr val="1F2328"/>
+                </a:solidFill>
+                <a:latin typeface="-apple-system"/>
+              </a:rPr>
+              <a:t>Therefore, we found it right to keep using Python in the current version of MolOpt.</a:t>
+            </a:r>
+          </a:p>
+        </p:txBody>
+      </p:sp>
+    </p:spTree>
+    <p:extLst>
+      <p:ext uri="{BB962C8B-B14F-4D97-AF65-F5344CB8AC3E}">
+        <p14:creationId xmlns:p14="http://schemas.microsoft.com/office/powerpoint/2010/main" val="2982176286"/>
+      </p:ext>
+    </p:extLst>
+  </p:cSld>
+  <p:clrMapOvr>
+    <a:masterClrMapping/>
+  </p:clrMapOvr>
+</p:sld>
+</file>
+
+<file path=ppt/slides/slide6.xml><?xml version="1.0" encoding="utf-8"?>
 <p:sld xmlns:a="http://schemas.openxmlformats.org/drawingml/2006/main" xmlns:r="http://schemas.openxmlformats.org/officeDocument/2006/relationships" xmlns:p="http://schemas.openxmlformats.org/presentationml/2006/main">
   <p:cSld>
     <p:bg>
@@ -29555,7 +30488,7 @@
 </p:sld>
 </file>
 
-<file path=ppt/slides/slide5.xml><?xml version="1.0" encoding="utf-8"?>
+<file path=ppt/slides/slide7.xml><?xml version="1.0" encoding="utf-8"?>
 <p:sld xmlns:a="http://schemas.openxmlformats.org/drawingml/2006/main" xmlns:r="http://schemas.openxmlformats.org/officeDocument/2006/relationships" xmlns:p="http://schemas.openxmlformats.org/presentationml/2006/main">
   <p:cSld>
     <p:bg>
@@ -30456,7 +31389,7 @@
 </p:sld>
 </file>
 
-<file path=ppt/slides/slide6.xml><?xml version="1.0" encoding="utf-8"?>
+<file path=ppt/slides/slide8.xml><?xml version="1.0" encoding="utf-8"?>
 <p:sld xmlns:a="http://schemas.openxmlformats.org/drawingml/2006/main" xmlns:r="http://schemas.openxmlformats.org/officeDocument/2006/relationships" xmlns:p="http://schemas.openxmlformats.org/presentationml/2006/main">
   <p:cSld>
     <p:bg>
@@ -30574,7 +31507,7 @@
 </p:sld>
 </file>
 
-<file path=ppt/slides/slide7.xml><?xml version="1.0" encoding="utf-8"?>
+<file path=ppt/slides/slide9.xml><?xml version="1.0" encoding="utf-8"?>
 <p:sld xmlns:a="http://schemas.openxmlformats.org/drawingml/2006/main" xmlns:r="http://schemas.openxmlformats.org/officeDocument/2006/relationships" xmlns:p="http://schemas.openxmlformats.org/presentationml/2006/main">
   <p:cSld>
     <p:bg>
@@ -30690,243 +31623,6 @@
     <p:extLst>
       <p:ext uri="{BB962C8B-B14F-4D97-AF65-F5344CB8AC3E}">
         <p14:creationId xmlns:p14="http://schemas.microsoft.com/office/powerpoint/2010/main" val="3368272000"/>
-      </p:ext>
-    </p:extLst>
-  </p:cSld>
-  <p:clrMapOvr>
-    <a:masterClrMapping/>
-  </p:clrMapOvr>
-</p:sld>
-</file>
-
-<file path=ppt/slides/slide8.xml><?xml version="1.0" encoding="utf-8"?>
-<p:sld xmlns:a="http://schemas.openxmlformats.org/drawingml/2006/main" xmlns:r="http://schemas.openxmlformats.org/officeDocument/2006/relationships" xmlns:p="http://schemas.openxmlformats.org/presentationml/2006/main">
-  <p:cSld>
-    <p:bg>
-      <p:bgPr>
-        <a:gradFill rotWithShape="1">
-          <a:gsLst>
-            <a:gs pos="0">
-              <a:schemeClr val="bg2">
-                <a:tint val="90000"/>
-                <a:lumMod val="110000"/>
-              </a:schemeClr>
-            </a:gs>
-            <a:gs pos="100000">
-              <a:schemeClr val="bg2">
-                <a:shade val="64000"/>
-                <a:lumMod val="98000"/>
-              </a:schemeClr>
-            </a:gs>
-          </a:gsLst>
-          <a:lin ang="5400000" scaled="0"/>
-        </a:gradFill>
-        <a:effectLst/>
-      </p:bgPr>
-    </p:bg>
-    <p:spTree>
-      <p:nvGrpSpPr>
-        <p:cNvPr id="1" name=""/>
-        <p:cNvGrpSpPr/>
-        <p:nvPr/>
-      </p:nvGrpSpPr>
-      <p:grpSpPr>
-        <a:xfrm>
-          <a:off x="0" y="0"/>
-          <a:ext cx="0" cy="0"/>
-          <a:chOff x="0" y="0"/>
-          <a:chExt cx="0" cy="0"/>
-        </a:xfrm>
-      </p:grpSpPr>
-      <p:sp>
-        <p:nvSpPr>
-          <p:cNvPr id="2" name="Title 1">
-            <a:extLst>
-              <a:ext uri="{FF2B5EF4-FFF2-40B4-BE49-F238E27FC236}">
-                <a16:creationId xmlns:a16="http://schemas.microsoft.com/office/drawing/2014/main" id="{E8476F5E-8F6F-2960-0808-568FF632992E}"/>
-              </a:ext>
-            </a:extLst>
-          </p:cNvPr>
-          <p:cNvSpPr>
-            <a:spLocks noGrp="1"/>
-          </p:cNvSpPr>
-          <p:nvPr>
-            <p:ph type="title"/>
-          </p:nvPr>
-        </p:nvSpPr>
-        <p:spPr>
-          <a:xfrm>
-            <a:off x="1760706" y="685800"/>
-            <a:ext cx="9742318" cy="1752599"/>
-          </a:xfrm>
-        </p:spPr>
-        <p:txBody>
-          <a:bodyPr>
-            <a:normAutofit/>
-          </a:bodyPr>
-          <a:lstStyle/>
-          <a:p>
-            <a:r>
-              <a:rPr lang="en-US" b="1" u="sng" dirty="0"/>
-              <a:t>Algorithms Improvements &amp; Optimizations</a:t>
-            </a:r>
-          </a:p>
-        </p:txBody>
-      </p:sp>
-      <p:graphicFrame>
-        <p:nvGraphicFramePr>
-          <p:cNvPr id="5" name="Content Placeholder 2">
-            <a:extLst>
-              <a:ext uri="{FF2B5EF4-FFF2-40B4-BE49-F238E27FC236}">
-                <a16:creationId xmlns:a16="http://schemas.microsoft.com/office/drawing/2014/main" id="{4F340884-7CDA-36CE-2D74-B99CFF2B4C10}"/>
-              </a:ext>
-            </a:extLst>
-          </p:cNvPr>
-          <p:cNvGraphicFramePr>
-            <a:graphicFrameLocks noGrp="1"/>
-          </p:cNvGraphicFramePr>
-          <p:nvPr>
-            <p:ph idx="1"/>
-            <p:extLst>
-              <p:ext uri="{D42A27DB-BD31-4B8C-83A1-F6EECF244321}">
-                <p14:modId xmlns:p14="http://schemas.microsoft.com/office/powerpoint/2010/main" val="1942376385"/>
-              </p:ext>
-            </p:extLst>
-          </p:nvPr>
-        </p:nvGraphicFramePr>
-        <p:xfrm>
-          <a:off x="1760705" y="2694562"/>
-          <a:ext cx="9742319" cy="3096638"/>
-        </p:xfrm>
-        <a:graphic>
-          <a:graphicData uri="http://schemas.openxmlformats.org/drawingml/2006/diagram">
-            <dgm:relIds xmlns:dgm="http://schemas.openxmlformats.org/drawingml/2006/diagram" xmlns:r="http://schemas.openxmlformats.org/officeDocument/2006/relationships" r:dm="rId3" r:lo="rId4" r:qs="rId5" r:cs="rId6"/>
-          </a:graphicData>
-        </a:graphic>
-      </p:graphicFrame>
-    </p:spTree>
-    <p:extLst>
-      <p:ext uri="{BB962C8B-B14F-4D97-AF65-F5344CB8AC3E}">
-        <p14:creationId xmlns:p14="http://schemas.microsoft.com/office/powerpoint/2010/main" val="166759920"/>
-      </p:ext>
-    </p:extLst>
-  </p:cSld>
-  <p:clrMapOvr>
-    <a:masterClrMapping/>
-  </p:clrMapOvr>
-</p:sld>
-</file>
-
-<file path=ppt/slides/slide9.xml><?xml version="1.0" encoding="utf-8"?>
-<p:sld xmlns:a="http://schemas.openxmlformats.org/drawingml/2006/main" xmlns:r="http://schemas.openxmlformats.org/officeDocument/2006/relationships" xmlns:p="http://schemas.openxmlformats.org/presentationml/2006/main">
-  <p:cSld>
-    <p:bg>
-      <p:bgPr>
-        <a:gradFill rotWithShape="1">
-          <a:gsLst>
-            <a:gs pos="0">
-              <a:schemeClr val="bg2">
-                <a:tint val="90000"/>
-                <a:lumMod val="110000"/>
-              </a:schemeClr>
-            </a:gs>
-            <a:gs pos="100000">
-              <a:schemeClr val="bg2">
-                <a:shade val="64000"/>
-                <a:lumMod val="98000"/>
-              </a:schemeClr>
-            </a:gs>
-          </a:gsLst>
-          <a:lin ang="5400000" scaled="0"/>
-        </a:gradFill>
-        <a:effectLst/>
-      </p:bgPr>
-    </p:bg>
-    <p:spTree>
-      <p:nvGrpSpPr>
-        <p:cNvPr id="1" name=""/>
-        <p:cNvGrpSpPr/>
-        <p:nvPr/>
-      </p:nvGrpSpPr>
-      <p:grpSpPr>
-        <a:xfrm>
-          <a:off x="0" y="0"/>
-          <a:ext cx="0" cy="0"/>
-          <a:chOff x="0" y="0"/>
-          <a:chExt cx="0" cy="0"/>
-        </a:xfrm>
-      </p:grpSpPr>
-      <p:sp>
-        <p:nvSpPr>
-          <p:cNvPr id="2" name="Title 1">
-            <a:extLst>
-              <a:ext uri="{FF2B5EF4-FFF2-40B4-BE49-F238E27FC236}">
-                <a16:creationId xmlns:a16="http://schemas.microsoft.com/office/drawing/2014/main" id="{E8476F5E-8F6F-2960-0808-568FF632992E}"/>
-              </a:ext>
-            </a:extLst>
-          </p:cNvPr>
-          <p:cNvSpPr>
-            <a:spLocks noGrp="1"/>
-          </p:cNvSpPr>
-          <p:nvPr>
-            <p:ph type="title"/>
-          </p:nvPr>
-        </p:nvSpPr>
-        <p:spPr>
-          <a:xfrm>
-            <a:off x="1760706" y="685800"/>
-            <a:ext cx="9742318" cy="1752599"/>
-          </a:xfrm>
-        </p:spPr>
-        <p:txBody>
-          <a:bodyPr>
-            <a:normAutofit/>
-          </a:bodyPr>
-          <a:lstStyle/>
-          <a:p>
-            <a:r>
-              <a:rPr lang="en-US" b="1" u="sng" dirty="0"/>
-              <a:t>System’s Tests/Maintenance/Add-ons</a:t>
-            </a:r>
-            <a:endParaRPr lang="en-US" b="1" u="sng"/>
-          </a:p>
-        </p:txBody>
-      </p:sp>
-      <p:graphicFrame>
-        <p:nvGraphicFramePr>
-          <p:cNvPr id="5" name="Content Placeholder 2">
-            <a:extLst>
-              <a:ext uri="{FF2B5EF4-FFF2-40B4-BE49-F238E27FC236}">
-                <a16:creationId xmlns:a16="http://schemas.microsoft.com/office/drawing/2014/main" id="{4F340884-7CDA-36CE-2D74-B99CFF2B4C10}"/>
-              </a:ext>
-            </a:extLst>
-          </p:cNvPr>
-          <p:cNvGraphicFramePr>
-            <a:graphicFrameLocks noGrp="1"/>
-          </p:cNvGraphicFramePr>
-          <p:nvPr>
-            <p:ph idx="1"/>
-            <p:extLst>
-              <p:ext uri="{D42A27DB-BD31-4B8C-83A1-F6EECF244321}">
-                <p14:modId xmlns:p14="http://schemas.microsoft.com/office/powerpoint/2010/main" val="552175845"/>
-              </p:ext>
-            </p:extLst>
-          </p:nvPr>
-        </p:nvGraphicFramePr>
-        <p:xfrm>
-          <a:off x="1760705" y="2694562"/>
-          <a:ext cx="9742319" cy="3096638"/>
-        </p:xfrm>
-        <a:graphic>
-          <a:graphicData uri="http://schemas.openxmlformats.org/drawingml/2006/diagram">
-            <dgm:relIds xmlns:dgm="http://schemas.openxmlformats.org/drawingml/2006/diagram" xmlns:r="http://schemas.openxmlformats.org/officeDocument/2006/relationships" r:dm="rId3" r:lo="rId4" r:qs="rId5" r:cs="rId6"/>
-          </a:graphicData>
-        </a:graphic>
-      </p:graphicFrame>
-    </p:spTree>
-    <p:extLst>
-      <p:ext uri="{BB962C8B-B14F-4D97-AF65-F5344CB8AC3E}">
-        <p14:creationId xmlns:p14="http://schemas.microsoft.com/office/powerpoint/2010/main" val="2157888283"/>
       </p:ext>
     </p:extLst>
   </p:cSld>

--- a/Documents/Molopt - Full Project Presentation.pptx
+++ b/Documents/Molopt - Full Project Presentation.pptx
@@ -12,16 +12,16 @@
     <p:sldId id="270" r:id="rId3"/>
     <p:sldId id="274" r:id="rId4"/>
     <p:sldId id="262" r:id="rId5"/>
-    <p:sldId id="275" r:id="rId6"/>
-    <p:sldId id="263" r:id="rId7"/>
-    <p:sldId id="264" r:id="rId8"/>
-    <p:sldId id="271" r:id="rId9"/>
-    <p:sldId id="267" r:id="rId10"/>
+    <p:sldId id="281" r:id="rId6"/>
+    <p:sldId id="275" r:id="rId7"/>
+    <p:sldId id="263" r:id="rId8"/>
+    <p:sldId id="264" r:id="rId9"/>
+    <p:sldId id="271" r:id="rId10"/>
     <p:sldId id="272" r:id="rId11"/>
     <p:sldId id="273" r:id="rId12"/>
-    <p:sldId id="278" r:id="rId13"/>
-    <p:sldId id="276" r:id="rId14"/>
-    <p:sldId id="277" r:id="rId15"/>
+    <p:sldId id="276" r:id="rId13"/>
+    <p:sldId id="277" r:id="rId14"/>
+    <p:sldId id="278" r:id="rId15"/>
     <p:sldId id="261" r:id="rId16"/>
   </p:sldIdLst>
   <p:sldSz cx="12192000" cy="6858000"/>
@@ -1798,7 +1798,7 @@
 </file>
 
 <file path=ppt/diagrams/colors3.xml><?xml version="1.0" encoding="utf-8"?>
-<dgm:colorsDef xmlns:dgm="http://schemas.openxmlformats.org/drawingml/2006/diagram" xmlns:a="http://schemas.openxmlformats.org/drawingml/2006/main" uniqueId="urn:microsoft.com/office/officeart/2018/5/colors/Iconchunking_neutralicon_colorful1">
+<dgm:colorsDef xmlns:dgm="http://schemas.openxmlformats.org/drawingml/2006/diagram" xmlns:a="http://schemas.openxmlformats.org/drawingml/2006/main" uniqueId="urn:microsoft.com/office/officeart/2018/5/colors/Iconchunking_neutralbg_colorful1">
   <dgm:title val=""/>
   <dgm:desc val=""/>
   <dgm:catLst>
@@ -1818,7 +1818,11 @@
   </dgm:styleLbl>
   <dgm:styleLbl name="node1">
     <dgm:fillClrLst meth="repeat">
-      <a:schemeClr val="bg1"/>
+      <a:schemeClr val="accent2"/>
+      <a:schemeClr val="accent3"/>
+      <a:schemeClr val="accent4"/>
+      <a:schemeClr val="accent5"/>
+      <a:schemeClr val="accent6"/>
     </dgm:fillClrLst>
     <dgm:linClrLst meth="repeat">
       <a:schemeClr val="lt1">
@@ -1827,9 +1831,7 @@
     </dgm:linClrLst>
     <dgm:effectClrLst/>
     <dgm:txLinClrLst/>
-    <dgm:txFillClrLst meth="repeat">
-      <a:schemeClr val="dk1"/>
-    </dgm:txFillClrLst>
+    <dgm:txFillClrLst/>
     <dgm:txEffectClrLst/>
   </dgm:styleLbl>
   <dgm:styleLbl name="alignNode1">
@@ -2632,20 +2634,18 @@
   </dgm:styleLbl>
   <dgm:styleLbl name="bgShp">
     <dgm:fillClrLst meth="repeat">
-      <a:schemeClr val="accent2"/>
-      <a:schemeClr val="accent3"/>
-      <a:schemeClr val="accent4"/>
-      <a:schemeClr val="accent5"/>
-      <a:schemeClr val="accent6"/>
+      <a:schemeClr val="bg1">
+        <a:lumMod val="95000"/>
+      </a:schemeClr>
     </dgm:fillClrLst>
     <dgm:linClrLst meth="repeat">
-      <a:schemeClr val="lt1">
-        <a:alpha val="0"/>
-      </a:schemeClr>
+      <a:schemeClr val="dk1"/>
     </dgm:linClrLst>
     <dgm:effectClrLst/>
     <dgm:txLinClrLst/>
-    <dgm:txFillClrLst/>
+    <dgm:txFillClrLst meth="repeat">
+      <a:schemeClr val="dk1"/>
+    </dgm:txFillClrLst>
     <dgm:txEffectClrLst/>
   </dgm:styleLbl>
   <dgm:styleLbl name="dkBgShp">
@@ -3640,7 +3640,7 @@
 </file>
 
 <file path=ppt/diagrams/colors5.xml><?xml version="1.0" encoding="utf-8"?>
-<dgm:colorsDef xmlns:dgm="http://schemas.openxmlformats.org/drawingml/2006/diagram" xmlns:a="http://schemas.openxmlformats.org/drawingml/2006/main" uniqueId="urn:microsoft.com/office/officeart/2005/8/colors/colorful1">
+<dgm:colorsDef xmlns:dgm="http://schemas.openxmlformats.org/drawingml/2006/diagram" xmlns:a="http://schemas.openxmlformats.org/drawingml/2006/main" uniqueId="urn:microsoft.com/office/officeart/2018/5/colors/Iconchunking_neutralicon_colorful1">
   <dgm:title val=""/>
   <dgm:desc val=""/>
   <dgm:catLst>
@@ -3660,18 +3660,18 @@
   </dgm:styleLbl>
   <dgm:styleLbl name="node1">
     <dgm:fillClrLst meth="repeat">
-      <a:schemeClr val="accent2"/>
-      <a:schemeClr val="accent3"/>
-      <a:schemeClr val="accent4"/>
-      <a:schemeClr val="accent5"/>
-      <a:schemeClr val="accent6"/>
+      <a:schemeClr val="bg1"/>
     </dgm:fillClrLst>
     <dgm:linClrLst meth="repeat">
-      <a:schemeClr val="lt1"/>
+      <a:schemeClr val="lt1">
+        <a:alpha val="0"/>
+      </a:schemeClr>
     </dgm:linClrLst>
     <dgm:effectClrLst/>
     <dgm:txLinClrLst/>
-    <dgm:txFillClrLst/>
+    <dgm:txFillClrLst meth="repeat">
+      <a:schemeClr val="dk1"/>
+    </dgm:txFillClrLst>
     <dgm:txEffectClrLst/>
   </dgm:styleLbl>
   <dgm:styleLbl name="alignNode1">
@@ -4474,18 +4474,20 @@
   </dgm:styleLbl>
   <dgm:styleLbl name="bgShp">
     <dgm:fillClrLst meth="repeat">
-      <a:schemeClr val="accent2">
-        <a:tint val="40000"/>
-      </a:schemeClr>
+      <a:schemeClr val="accent2"/>
+      <a:schemeClr val="accent3"/>
+      <a:schemeClr val="accent4"/>
+      <a:schemeClr val="accent5"/>
+      <a:schemeClr val="accent6"/>
     </dgm:fillClrLst>
     <dgm:linClrLst meth="repeat">
-      <a:schemeClr val="dk1"/>
+      <a:schemeClr val="lt1">
+        <a:alpha val="0"/>
+      </a:schemeClr>
     </dgm:linClrLst>
     <dgm:effectClrLst/>
     <dgm:txLinClrLst/>
-    <dgm:txFillClrLst meth="repeat">
-      <a:schemeClr val="dk1"/>
-    </dgm:txFillClrLst>
+    <dgm:txFillClrLst/>
     <dgm:txEffectClrLst/>
   </dgm:styleLbl>
   <dgm:styleLbl name="dkBgShp">
@@ -6879,7 +6881,14 @@
           </a:pPr>
           <a:r>
             <a:rPr lang="en-US" dirty="0"/>
-            <a:t>New Advanced, User Friendly &amp; Responsive UI</a:t>
+            <a:t>New Advanced, User Friendly &amp; </a:t>
+          </a:r>
+          <a:br>
+            <a:rPr lang="en-US" dirty="0"/>
+          </a:br>
+          <a:r>
+            <a:rPr lang="en-US" dirty="0"/>
+            <a:t>Responsive UI</a:t>
           </a:r>
         </a:p>
       </dgm:t>
@@ -6947,88 +6956,6 @@
         </a:p>
       </dgm:t>
     </dgm:pt>
-    <dgm:pt modelId="{4274B234-6BCA-4622-BEA9-5DE98FD9C521}">
-      <dgm:prSet/>
-      <dgm:spPr/>
-      <dgm:t>
-        <a:bodyPr/>
-        <a:lstStyle/>
-        <a:p>
-          <a:pPr>
-            <a:lnSpc>
-              <a:spcPct val="100000"/>
-            </a:lnSpc>
-          </a:pPr>
-          <a:r>
-            <a:rPr lang="en-US" dirty="0"/>
-            <a:t>Adding New Database To The System</a:t>
-          </a:r>
-        </a:p>
-      </dgm:t>
-    </dgm:pt>
-    <dgm:pt modelId="{2D8FD14F-1191-4D8E-8A88-2FA638F7539B}" type="parTrans" cxnId="{2AB0A9FE-0E6D-43F4-A34C-1D876CA2ABD9}">
-      <dgm:prSet/>
-      <dgm:spPr/>
-      <dgm:t>
-        <a:bodyPr/>
-        <a:lstStyle/>
-        <a:p>
-          <a:endParaRPr lang="en-US"/>
-        </a:p>
-      </dgm:t>
-    </dgm:pt>
-    <dgm:pt modelId="{260B21AF-82B0-4C80-9FEB-F86E25757499}" type="sibTrans" cxnId="{2AB0A9FE-0E6D-43F4-A34C-1D876CA2ABD9}">
-      <dgm:prSet/>
-      <dgm:spPr/>
-      <dgm:t>
-        <a:bodyPr/>
-        <a:lstStyle/>
-        <a:p>
-          <a:endParaRPr lang="en-US"/>
-        </a:p>
-      </dgm:t>
-    </dgm:pt>
-    <dgm:pt modelId="{B77A2574-B01B-45AC-BC5D-B11124912280}">
-      <dgm:prSet/>
-      <dgm:spPr/>
-      <dgm:t>
-        <a:bodyPr/>
-        <a:lstStyle/>
-        <a:p>
-          <a:pPr>
-            <a:lnSpc>
-              <a:spcPct val="100000"/>
-            </a:lnSpc>
-          </a:pPr>
-          <a:r>
-            <a:rPr lang="en-US" dirty="0"/>
-            <a:t>Converting The System Into Global &amp; Accessible System</a:t>
-          </a:r>
-        </a:p>
-      </dgm:t>
-    </dgm:pt>
-    <dgm:pt modelId="{85048944-A83C-400B-B2A0-23D4F5213F10}" type="parTrans" cxnId="{067AC11A-1C53-4DD6-9E0B-D24BA1B402AC}">
-      <dgm:prSet/>
-      <dgm:spPr/>
-      <dgm:t>
-        <a:bodyPr/>
-        <a:lstStyle/>
-        <a:p>
-          <a:endParaRPr lang="en-US"/>
-        </a:p>
-      </dgm:t>
-    </dgm:pt>
-    <dgm:pt modelId="{0061BBD8-7B70-4819-B295-8535C7ADF800}" type="sibTrans" cxnId="{067AC11A-1C53-4DD6-9E0B-D24BA1B402AC}">
-      <dgm:prSet/>
-      <dgm:spPr/>
-      <dgm:t>
-        <a:bodyPr/>
-        <a:lstStyle/>
-        <a:p>
-          <a:endParaRPr lang="en-US"/>
-        </a:p>
-      </dgm:t>
-    </dgm:pt>
     <dgm:pt modelId="{2EF57339-55E7-430F-81D7-C81DAD21FB74}">
       <dgm:prSet/>
       <dgm:spPr/>
@@ -7043,7 +6970,7 @@
           </a:pPr>
           <a:r>
             <a:rPr lang="en-US" dirty="0"/>
-            <a:t>Algorithms Repairing, Improvements &amp; Optimizations.</a:t>
+            <a:t>Algorithms Writing, Repairing, Improvements &amp; Optimizations.</a:t>
           </a:r>
         </a:p>
       </dgm:t>
@@ -7084,7 +7011,14 @@
           </a:pPr>
           <a:r>
             <a:rPr lang="en-US" dirty="0"/>
-            <a:t>Fully Tested &amp; Easy To Maintain/Add-on Web-Application.</a:t>
+            <a:t>Easy To Maintain/Add-on </a:t>
+          </a:r>
+          <a:br>
+            <a:rPr lang="en-US" dirty="0"/>
+          </a:br>
+          <a:r>
+            <a:rPr lang="en-US" dirty="0"/>
+            <a:t>Tested Web-Application.</a:t>
           </a:r>
         </a:p>
       </dgm:t>
@@ -7125,11 +7059,11 @@
       <dgm:spPr/>
     </dgm:pt>
     <dgm:pt modelId="{CC31E777-D74B-4932-BB4F-C8C783F57713}" type="pres">
-      <dgm:prSet presAssocID="{41E720EF-29F7-4A2E-9683-911B6505E228}" presName="bgRect" presStyleLbl="bgShp" presStyleIdx="0" presStyleCnt="6"/>
+      <dgm:prSet presAssocID="{41E720EF-29F7-4A2E-9683-911B6505E228}" presName="bgRect" presStyleLbl="bgShp" presStyleIdx="0" presStyleCnt="4"/>
       <dgm:spPr/>
     </dgm:pt>
     <dgm:pt modelId="{010A8C8A-2F22-4C5D-AF49-9DF4E4FFC87D}" type="pres">
-      <dgm:prSet presAssocID="{41E720EF-29F7-4A2E-9683-911B6505E228}" presName="iconRect" presStyleLbl="node1" presStyleIdx="0" presStyleCnt="6"/>
+      <dgm:prSet presAssocID="{41E720EF-29F7-4A2E-9683-911B6505E228}" presName="iconRect" presStyleLbl="node1" presStyleIdx="0" presStyleCnt="4"/>
       <dgm:spPr>
         <a:blipFill>
           <a:blip xmlns:r="http://schemas.openxmlformats.org/officeDocument/2006/relationships" r:embed="rId1">
@@ -7158,7 +7092,7 @@
       <dgm:spPr/>
     </dgm:pt>
     <dgm:pt modelId="{552CC05C-8154-4B46-85D0-5DDF8F86A94B}" type="pres">
-      <dgm:prSet presAssocID="{41E720EF-29F7-4A2E-9683-911B6505E228}" presName="parTx" presStyleLbl="revTx" presStyleIdx="0" presStyleCnt="6">
+      <dgm:prSet presAssocID="{41E720EF-29F7-4A2E-9683-911B6505E228}" presName="parTx" presStyleLbl="revTx" presStyleIdx="0" presStyleCnt="4">
         <dgm:presLayoutVars>
           <dgm:chMax val="0"/>
           <dgm:chPref val="0"/>
@@ -7175,11 +7109,11 @@
       <dgm:spPr/>
     </dgm:pt>
     <dgm:pt modelId="{0309A9CC-2A7F-4CF8-8076-A312CA59B565}" type="pres">
-      <dgm:prSet presAssocID="{E7E7146A-97B0-4AF7-8B31-5720802B4040}" presName="bgRect" presStyleLbl="bgShp" presStyleIdx="1" presStyleCnt="6"/>
+      <dgm:prSet presAssocID="{E7E7146A-97B0-4AF7-8B31-5720802B4040}" presName="bgRect" presStyleLbl="bgShp" presStyleIdx="1" presStyleCnt="4"/>
       <dgm:spPr/>
     </dgm:pt>
     <dgm:pt modelId="{7BC84458-370F-4966-94F7-ACD8E1D918AD}" type="pres">
-      <dgm:prSet presAssocID="{E7E7146A-97B0-4AF7-8B31-5720802B4040}" presName="iconRect" presStyleLbl="node1" presStyleIdx="1" presStyleCnt="6"/>
+      <dgm:prSet presAssocID="{E7E7146A-97B0-4AF7-8B31-5720802B4040}" presName="iconRect" presStyleLbl="node1" presStyleIdx="1" presStyleCnt="4"/>
       <dgm:spPr>
         <a:blipFill>
           <a:blip xmlns:r="http://schemas.openxmlformats.org/officeDocument/2006/relationships" r:embed="rId3">
@@ -7208,7 +7142,7 @@
       <dgm:spPr/>
     </dgm:pt>
     <dgm:pt modelId="{A1EA0F79-77AB-4368-A429-FC05E5D79422}" type="pres">
-      <dgm:prSet presAssocID="{E7E7146A-97B0-4AF7-8B31-5720802B4040}" presName="parTx" presStyleLbl="revTx" presStyleIdx="1" presStyleCnt="6">
+      <dgm:prSet presAssocID="{E7E7146A-97B0-4AF7-8B31-5720802B4040}" presName="parTx" presStyleLbl="revTx" presStyleIdx="1" presStyleCnt="4">
         <dgm:presLayoutVars>
           <dgm:chMax val="0"/>
           <dgm:chPref val="0"/>
@@ -7220,16 +7154,16 @@
       <dgm:prSet presAssocID="{BF1BEF8C-4944-48B6-BA1B-09F0B59A55E1}" presName="sibTrans" presStyleCnt="0"/>
       <dgm:spPr/>
     </dgm:pt>
-    <dgm:pt modelId="{E4211D40-A8BF-4BF4-9AB4-CFDC708FCBA5}" type="pres">
-      <dgm:prSet presAssocID="{4274B234-6BCA-4622-BEA9-5DE98FD9C521}" presName="compNode" presStyleCnt="0"/>
+    <dgm:pt modelId="{73E6389C-2470-433A-9121-195273AED05F}" type="pres">
+      <dgm:prSet presAssocID="{2EF57339-55E7-430F-81D7-C81DAD21FB74}" presName="compNode" presStyleCnt="0"/>
       <dgm:spPr/>
     </dgm:pt>
-    <dgm:pt modelId="{D6C84660-AFA7-487C-BDA8-57291CB63B0D}" type="pres">
-      <dgm:prSet presAssocID="{4274B234-6BCA-4622-BEA9-5DE98FD9C521}" presName="bgRect" presStyleLbl="bgShp" presStyleIdx="2" presStyleCnt="6"/>
+    <dgm:pt modelId="{3F6F87A1-DF0D-4E75-A6A5-DF40FA6F9930}" type="pres">
+      <dgm:prSet presAssocID="{2EF57339-55E7-430F-81D7-C81DAD21FB74}" presName="bgRect" presStyleLbl="bgShp" presStyleIdx="2" presStyleCnt="4"/>
       <dgm:spPr/>
     </dgm:pt>
-    <dgm:pt modelId="{B1EE5A2F-8330-47F0-B1C8-4BB2F492455C}" type="pres">
-      <dgm:prSet presAssocID="{4274B234-6BCA-4622-BEA9-5DE98FD9C521}" presName="iconRect" presStyleLbl="node1" presStyleIdx="2" presStyleCnt="6"/>
+    <dgm:pt modelId="{C2A11F4E-7A5F-4493-8575-CA61303851DF}" type="pres">
+      <dgm:prSet presAssocID="{2EF57339-55E7-430F-81D7-C81DAD21FB74}" presName="iconRect" presStyleLbl="node1" presStyleIdx="2" presStyleCnt="4"/>
       <dgm:spPr>
         <a:blipFill>
           <a:blip xmlns:r="http://schemas.openxmlformats.org/officeDocument/2006/relationships" r:embed="rId5">
@@ -7249,16 +7183,16 @@
       </dgm:spPr>
       <dgm:extLst>
         <a:ext uri="{E40237B7-FDA0-4F09-8148-C483321AD2D9}">
-          <dgm14:cNvPr xmlns:dgm14="http://schemas.microsoft.com/office/drawing/2010/diagram" id="0" name="" descr="Database"/>
+          <dgm14:cNvPr xmlns:dgm14="http://schemas.microsoft.com/office/drawing/2010/diagram" id="0" name="" descr="Gears"/>
         </a:ext>
       </dgm:extLst>
     </dgm:pt>
-    <dgm:pt modelId="{6C239844-3008-4D9C-93F7-2D1E08AB916C}" type="pres">
-      <dgm:prSet presAssocID="{4274B234-6BCA-4622-BEA9-5DE98FD9C521}" presName="spaceRect" presStyleCnt="0"/>
+    <dgm:pt modelId="{B5A66F57-1719-4FF2-A347-9F4AD717E6ED}" type="pres">
+      <dgm:prSet presAssocID="{2EF57339-55E7-430F-81D7-C81DAD21FB74}" presName="spaceRect" presStyleCnt="0"/>
       <dgm:spPr/>
     </dgm:pt>
-    <dgm:pt modelId="{C18E8AF4-9C59-478C-A34D-D87EA6B63A4A}" type="pres">
-      <dgm:prSet presAssocID="{4274B234-6BCA-4622-BEA9-5DE98FD9C521}" presName="parTx" presStyleLbl="revTx" presStyleIdx="2" presStyleCnt="6">
+    <dgm:pt modelId="{524F375D-6FD0-4D1C-822A-33F63A9171FF}" type="pres">
+      <dgm:prSet presAssocID="{2EF57339-55E7-430F-81D7-C81DAD21FB74}" presName="parTx" presStyleLbl="revTx" presStyleIdx="2" presStyleCnt="4">
         <dgm:presLayoutVars>
           <dgm:chMax val="0"/>
           <dgm:chPref val="0"/>
@@ -7266,20 +7200,20 @@
       </dgm:prSet>
       <dgm:spPr/>
     </dgm:pt>
-    <dgm:pt modelId="{38920B42-5CAA-4500-A68C-D89269FC0D1E}" type="pres">
-      <dgm:prSet presAssocID="{260B21AF-82B0-4C80-9FEB-F86E25757499}" presName="sibTrans" presStyleCnt="0"/>
+    <dgm:pt modelId="{BCA74906-57CE-43E9-888E-317CDCD08457}" type="pres">
+      <dgm:prSet presAssocID="{05605612-F43E-41DA-8DA6-A0CBAD3C3549}" presName="sibTrans" presStyleCnt="0"/>
       <dgm:spPr/>
     </dgm:pt>
-    <dgm:pt modelId="{4DB8865E-B892-4939-A138-6FDF4753C8DF}" type="pres">
-      <dgm:prSet presAssocID="{B77A2574-B01B-45AC-BC5D-B11124912280}" presName="compNode" presStyleCnt="0"/>
+    <dgm:pt modelId="{9F65F87B-2DE5-428A-B620-929A92AC7CB8}" type="pres">
+      <dgm:prSet presAssocID="{4645AD9D-342D-4BF7-A646-B1790CB5FDAA}" presName="compNode" presStyleCnt="0"/>
       <dgm:spPr/>
     </dgm:pt>
-    <dgm:pt modelId="{CB63AE84-C724-4944-B78C-D3C61574F140}" type="pres">
-      <dgm:prSet presAssocID="{B77A2574-B01B-45AC-BC5D-B11124912280}" presName="bgRect" presStyleLbl="bgShp" presStyleIdx="3" presStyleCnt="6"/>
+    <dgm:pt modelId="{820C2A1E-A81C-48CF-A3D6-7AA481786DF2}" type="pres">
+      <dgm:prSet presAssocID="{4645AD9D-342D-4BF7-A646-B1790CB5FDAA}" presName="bgRect" presStyleLbl="bgShp" presStyleIdx="3" presStyleCnt="4"/>
       <dgm:spPr/>
     </dgm:pt>
-    <dgm:pt modelId="{9E82CE92-683A-4ECA-9171-D05ED55D0766}" type="pres">
-      <dgm:prSet presAssocID="{B77A2574-B01B-45AC-BC5D-B11124912280}" presName="iconRect" presStyleLbl="node1" presStyleIdx="3" presStyleCnt="6"/>
+    <dgm:pt modelId="{1E711BAA-B467-49E8-B8A0-621A99AD5D25}" type="pres">
+      <dgm:prSet presAssocID="{4645AD9D-342D-4BF7-A646-B1790CB5FDAA}" presName="iconRect" presStyleLbl="node1" presStyleIdx="3" presStyleCnt="4"/>
       <dgm:spPr>
         <a:blipFill>
           <a:blip xmlns:r="http://schemas.openxmlformats.org/officeDocument/2006/relationships" r:embed="rId7">
@@ -7299,106 +7233,6 @@
       </dgm:spPr>
       <dgm:extLst>
         <a:ext uri="{E40237B7-FDA0-4F09-8148-C483321AD2D9}">
-          <dgm14:cNvPr xmlns:dgm14="http://schemas.microsoft.com/office/drawing/2010/diagram" id="0" name="" descr="Programmer"/>
-        </a:ext>
-      </dgm:extLst>
-    </dgm:pt>
-    <dgm:pt modelId="{F4EDE787-7C54-40D8-AB49-FFAF1E284E52}" type="pres">
-      <dgm:prSet presAssocID="{B77A2574-B01B-45AC-BC5D-B11124912280}" presName="spaceRect" presStyleCnt="0"/>
-      <dgm:spPr/>
-    </dgm:pt>
-    <dgm:pt modelId="{161A9441-A262-4C2E-A274-B2A2BA8704D7}" type="pres">
-      <dgm:prSet presAssocID="{B77A2574-B01B-45AC-BC5D-B11124912280}" presName="parTx" presStyleLbl="revTx" presStyleIdx="3" presStyleCnt="6">
-        <dgm:presLayoutVars>
-          <dgm:chMax val="0"/>
-          <dgm:chPref val="0"/>
-        </dgm:presLayoutVars>
-      </dgm:prSet>
-      <dgm:spPr/>
-    </dgm:pt>
-    <dgm:pt modelId="{E56CF13F-970A-4CB0-9CB3-8B178AB503C7}" type="pres">
-      <dgm:prSet presAssocID="{0061BBD8-7B70-4819-B295-8535C7ADF800}" presName="sibTrans" presStyleCnt="0"/>
-      <dgm:spPr/>
-    </dgm:pt>
-    <dgm:pt modelId="{73E6389C-2470-433A-9121-195273AED05F}" type="pres">
-      <dgm:prSet presAssocID="{2EF57339-55E7-430F-81D7-C81DAD21FB74}" presName="compNode" presStyleCnt="0"/>
-      <dgm:spPr/>
-    </dgm:pt>
-    <dgm:pt modelId="{3F6F87A1-DF0D-4E75-A6A5-DF40FA6F9930}" type="pres">
-      <dgm:prSet presAssocID="{2EF57339-55E7-430F-81D7-C81DAD21FB74}" presName="bgRect" presStyleLbl="bgShp" presStyleIdx="4" presStyleCnt="6"/>
-      <dgm:spPr/>
-    </dgm:pt>
-    <dgm:pt modelId="{C2A11F4E-7A5F-4493-8575-CA61303851DF}" type="pres">
-      <dgm:prSet presAssocID="{2EF57339-55E7-430F-81D7-C81DAD21FB74}" presName="iconRect" presStyleLbl="node1" presStyleIdx="4" presStyleCnt="6"/>
-      <dgm:spPr>
-        <a:blipFill>
-          <a:blip xmlns:r="http://schemas.openxmlformats.org/officeDocument/2006/relationships" r:embed="rId9">
-            <a:extLst>
-              <a:ext uri="{28A0092B-C50C-407E-A947-70E740481C1C}">
-                <a14:useLocalDpi xmlns:a14="http://schemas.microsoft.com/office/drawing/2010/main" val="0"/>
-              </a:ext>
-              <a:ext uri="{96DAC541-7B7A-43D3-8B79-37D633B846F1}">
-                <asvg:svgBlip xmlns:asvg="http://schemas.microsoft.com/office/drawing/2016/SVG/main" r:embed="rId10"/>
-              </a:ext>
-            </a:extLst>
-          </a:blip>
-          <a:stretch>
-            <a:fillRect/>
-          </a:stretch>
-        </a:blipFill>
-      </dgm:spPr>
-      <dgm:extLst>
-        <a:ext uri="{E40237B7-FDA0-4F09-8148-C483321AD2D9}">
-          <dgm14:cNvPr xmlns:dgm14="http://schemas.microsoft.com/office/drawing/2010/diagram" id="0" name="" descr="Gears"/>
-        </a:ext>
-      </dgm:extLst>
-    </dgm:pt>
-    <dgm:pt modelId="{B5A66F57-1719-4FF2-A347-9F4AD717E6ED}" type="pres">
-      <dgm:prSet presAssocID="{2EF57339-55E7-430F-81D7-C81DAD21FB74}" presName="spaceRect" presStyleCnt="0"/>
-      <dgm:spPr/>
-    </dgm:pt>
-    <dgm:pt modelId="{524F375D-6FD0-4D1C-822A-33F63A9171FF}" type="pres">
-      <dgm:prSet presAssocID="{2EF57339-55E7-430F-81D7-C81DAD21FB74}" presName="parTx" presStyleLbl="revTx" presStyleIdx="4" presStyleCnt="6">
-        <dgm:presLayoutVars>
-          <dgm:chMax val="0"/>
-          <dgm:chPref val="0"/>
-        </dgm:presLayoutVars>
-      </dgm:prSet>
-      <dgm:spPr/>
-    </dgm:pt>
-    <dgm:pt modelId="{BCA74906-57CE-43E9-888E-317CDCD08457}" type="pres">
-      <dgm:prSet presAssocID="{05605612-F43E-41DA-8DA6-A0CBAD3C3549}" presName="sibTrans" presStyleCnt="0"/>
-      <dgm:spPr/>
-    </dgm:pt>
-    <dgm:pt modelId="{9F65F87B-2DE5-428A-B620-929A92AC7CB8}" type="pres">
-      <dgm:prSet presAssocID="{4645AD9D-342D-4BF7-A646-B1790CB5FDAA}" presName="compNode" presStyleCnt="0"/>
-      <dgm:spPr/>
-    </dgm:pt>
-    <dgm:pt modelId="{820C2A1E-A81C-48CF-A3D6-7AA481786DF2}" type="pres">
-      <dgm:prSet presAssocID="{4645AD9D-342D-4BF7-A646-B1790CB5FDAA}" presName="bgRect" presStyleLbl="bgShp" presStyleIdx="5" presStyleCnt="6"/>
-      <dgm:spPr/>
-    </dgm:pt>
-    <dgm:pt modelId="{1E711BAA-B467-49E8-B8A0-621A99AD5D25}" type="pres">
-      <dgm:prSet presAssocID="{4645AD9D-342D-4BF7-A646-B1790CB5FDAA}" presName="iconRect" presStyleLbl="node1" presStyleIdx="5" presStyleCnt="6"/>
-      <dgm:spPr>
-        <a:blipFill>
-          <a:blip xmlns:r="http://schemas.openxmlformats.org/officeDocument/2006/relationships" r:embed="rId11">
-            <a:extLst>
-              <a:ext uri="{28A0092B-C50C-407E-A947-70E740481C1C}">
-                <a14:useLocalDpi xmlns:a14="http://schemas.microsoft.com/office/drawing/2010/main" val="0"/>
-              </a:ext>
-              <a:ext uri="{96DAC541-7B7A-43D3-8B79-37D633B846F1}">
-                <asvg:svgBlip xmlns:asvg="http://schemas.microsoft.com/office/drawing/2016/SVG/main" r:embed="rId12"/>
-              </a:ext>
-            </a:extLst>
-          </a:blip>
-          <a:stretch>
-            <a:fillRect/>
-          </a:stretch>
-        </a:blipFill>
-      </dgm:spPr>
-      <dgm:extLst>
-        <a:ext uri="{E40237B7-FDA0-4F09-8148-C483321AD2D9}">
           <dgm14:cNvPr xmlns:dgm14="http://schemas.microsoft.com/office/drawing/2010/diagram" id="0" name="" descr="Test tubes"/>
         </a:ext>
       </dgm:extLst>
@@ -7408,7 +7242,7 @@
       <dgm:spPr/>
     </dgm:pt>
     <dgm:pt modelId="{18B937AD-51A2-417F-9290-120513642C79}" type="pres">
-      <dgm:prSet presAssocID="{4645AD9D-342D-4BF7-A646-B1790CB5FDAA}" presName="parTx" presStyleLbl="revTx" presStyleIdx="5" presStyleCnt="6">
+      <dgm:prSet presAssocID="{4645AD9D-342D-4BF7-A646-B1790CB5FDAA}" presName="parTx" presStyleLbl="revTx" presStyleIdx="3" presStyleCnt="4">
         <dgm:presLayoutVars>
           <dgm:chMax val="0"/>
           <dgm:chPref val="0"/>
@@ -7418,19 +7252,15 @@
     </dgm:pt>
   </dgm:ptLst>
   <dgm:cxnLst>
-    <dgm:cxn modelId="{067AC11A-1C53-4DD6-9E0B-D24BA1B402AC}" srcId="{0970C080-2360-4BE6-91D2-02A800F13FEE}" destId="{B77A2574-B01B-45AC-BC5D-B11124912280}" srcOrd="3" destOrd="0" parTransId="{85048944-A83C-400B-B2A0-23D4F5213F10}" sibTransId="{0061BBD8-7B70-4819-B295-8535C7ADF800}"/>
-    <dgm:cxn modelId="{8AC5DB20-86CB-4043-95AC-5F110F44D1D1}" srcId="{0970C080-2360-4BE6-91D2-02A800F13FEE}" destId="{4645AD9D-342D-4BF7-A646-B1790CB5FDAA}" srcOrd="5" destOrd="0" parTransId="{5ABD330B-DB2F-4F53-8AC0-B935C8FBEB8A}" sibTransId="{70DB6AB1-3ABD-4904-8F53-94B12D3CDB73}"/>
+    <dgm:cxn modelId="{8AC5DB20-86CB-4043-95AC-5F110F44D1D1}" srcId="{0970C080-2360-4BE6-91D2-02A800F13FEE}" destId="{4645AD9D-342D-4BF7-A646-B1790CB5FDAA}" srcOrd="3" destOrd="0" parTransId="{5ABD330B-DB2F-4F53-8AC0-B935C8FBEB8A}" sibTransId="{70DB6AB1-3ABD-4904-8F53-94B12D3CDB73}"/>
     <dgm:cxn modelId="{A73DB559-CB5B-4A64-AF86-4A4D51165BF3}" srcId="{0970C080-2360-4BE6-91D2-02A800F13FEE}" destId="{41E720EF-29F7-4A2E-9683-911B6505E228}" srcOrd="0" destOrd="0" parTransId="{2424B670-569A-46FF-B1C8-02ACC1ADAE8E}" sibTransId="{F20EA60D-B1A6-4FD3-A76A-957864A8BB97}"/>
-    <dgm:cxn modelId="{30F29595-787E-4BEF-81B0-4E39A6793E47}" srcId="{0970C080-2360-4BE6-91D2-02A800F13FEE}" destId="{2EF57339-55E7-430F-81D7-C81DAD21FB74}" srcOrd="4" destOrd="0" parTransId="{67E007FD-D5BC-4801-A4DF-3BDC816640FB}" sibTransId="{05605612-F43E-41DA-8DA6-A0CBAD3C3549}"/>
+    <dgm:cxn modelId="{30F29595-787E-4BEF-81B0-4E39A6793E47}" srcId="{0970C080-2360-4BE6-91D2-02A800F13FEE}" destId="{2EF57339-55E7-430F-81D7-C81DAD21FB74}" srcOrd="2" destOrd="0" parTransId="{67E007FD-D5BC-4801-A4DF-3BDC816640FB}" sibTransId="{05605612-F43E-41DA-8DA6-A0CBAD3C3549}"/>
     <dgm:cxn modelId="{74E178A0-5B77-4718-A7B6-E333C688060F}" type="presOf" srcId="{41E720EF-29F7-4A2E-9683-911B6505E228}" destId="{552CC05C-8154-4B46-85D0-5DDF8F86A94B}" srcOrd="0" destOrd="0" presId="urn:microsoft.com/office/officeart/2018/2/layout/IconVerticalSolidList"/>
-    <dgm:cxn modelId="{DAEA73A1-C54D-4129-9310-4C980AEF9B7B}" type="presOf" srcId="{B77A2574-B01B-45AC-BC5D-B11124912280}" destId="{161A9441-A262-4C2E-A274-B2A2BA8704D7}" srcOrd="0" destOrd="0" presId="urn:microsoft.com/office/officeart/2018/2/layout/IconVerticalSolidList"/>
     <dgm:cxn modelId="{A8BEC2AF-31D6-42BB-9E3D-2689A9138B49}" type="presOf" srcId="{E7E7146A-97B0-4AF7-8B31-5720802B4040}" destId="{A1EA0F79-77AB-4368-A429-FC05E5D79422}" srcOrd="0" destOrd="0" presId="urn:microsoft.com/office/officeart/2018/2/layout/IconVerticalSolidList"/>
     <dgm:cxn modelId="{DF6E55B3-5511-4016-B404-0CEF85826D2D}" type="presOf" srcId="{0970C080-2360-4BE6-91D2-02A800F13FEE}" destId="{D0A053DD-86E5-429F-9FF8-D9E9C9925031}" srcOrd="0" destOrd="0" presId="urn:microsoft.com/office/officeart/2018/2/layout/IconVerticalSolidList"/>
     <dgm:cxn modelId="{0E80A5B6-758B-417F-880C-71A74AA6C663}" type="presOf" srcId="{2EF57339-55E7-430F-81D7-C81DAD21FB74}" destId="{524F375D-6FD0-4D1C-822A-33F63A9171FF}" srcOrd="0" destOrd="0" presId="urn:microsoft.com/office/officeart/2018/2/layout/IconVerticalSolidList"/>
     <dgm:cxn modelId="{D80A0AC1-3B01-4191-B615-F63B09753E1E}" srcId="{0970C080-2360-4BE6-91D2-02A800F13FEE}" destId="{E7E7146A-97B0-4AF7-8B31-5720802B4040}" srcOrd="1" destOrd="0" parTransId="{E13C3DE3-613F-4A09-8D0B-360E15A71444}" sibTransId="{BF1BEF8C-4944-48B6-BA1B-09F0B59A55E1}"/>
     <dgm:cxn modelId="{81512DDA-1025-4A57-8253-C3857921E20F}" type="presOf" srcId="{4645AD9D-342D-4BF7-A646-B1790CB5FDAA}" destId="{18B937AD-51A2-417F-9290-120513642C79}" srcOrd="0" destOrd="0" presId="urn:microsoft.com/office/officeart/2018/2/layout/IconVerticalSolidList"/>
-    <dgm:cxn modelId="{BECBC6EA-98D0-4E61-8ADC-07BC23BC80FE}" type="presOf" srcId="{4274B234-6BCA-4622-BEA9-5DE98FD9C521}" destId="{C18E8AF4-9C59-478C-A34D-D87EA6B63A4A}" srcOrd="0" destOrd="0" presId="urn:microsoft.com/office/officeart/2018/2/layout/IconVerticalSolidList"/>
-    <dgm:cxn modelId="{2AB0A9FE-0E6D-43F4-A34C-1D876CA2ABD9}" srcId="{0970C080-2360-4BE6-91D2-02A800F13FEE}" destId="{4274B234-6BCA-4622-BEA9-5DE98FD9C521}" srcOrd="2" destOrd="0" parTransId="{2D8FD14F-1191-4D8E-8A88-2FA638F7539B}" sibTransId="{260B21AF-82B0-4C80-9FEB-F86E25757499}"/>
     <dgm:cxn modelId="{1F28F86E-C9C0-4D80-A14A-1C87E22A7D8B}" type="presParOf" srcId="{D0A053DD-86E5-429F-9FF8-D9E9C9925031}" destId="{CC2FD871-6A85-40BA-B8C1-4F378F07219E}" srcOrd="0" destOrd="0" presId="urn:microsoft.com/office/officeart/2018/2/layout/IconVerticalSolidList"/>
     <dgm:cxn modelId="{87A82A2A-53AF-4FD5-A7A8-6E2412EDFFCC}" type="presParOf" srcId="{CC2FD871-6A85-40BA-B8C1-4F378F07219E}" destId="{CC31E777-D74B-4932-BB4F-C8C783F57713}" srcOrd="0" destOrd="0" presId="urn:microsoft.com/office/officeart/2018/2/layout/IconVerticalSolidList"/>
     <dgm:cxn modelId="{1E1CA1D0-4F48-4150-8F60-65C1FBBEDD8B}" type="presParOf" srcId="{CC2FD871-6A85-40BA-B8C1-4F378F07219E}" destId="{010A8C8A-2F22-4C5D-AF49-9DF4E4FFC87D}" srcOrd="1" destOrd="0" presId="urn:microsoft.com/office/officeart/2018/2/layout/IconVerticalSolidList"/>
@@ -7443,25 +7273,13 @@
     <dgm:cxn modelId="{55822C92-37D5-4B1B-9BDF-F2E9D2503F1E}" type="presParOf" srcId="{E5FC3B03-BC32-4C26-AAE9-58E5263B8E68}" destId="{884DAC5B-7537-4257-8DC8-C80819AAB3B8}" srcOrd="2" destOrd="0" presId="urn:microsoft.com/office/officeart/2018/2/layout/IconVerticalSolidList"/>
     <dgm:cxn modelId="{D77D0D93-6252-454B-B0EB-FBC749158D10}" type="presParOf" srcId="{E5FC3B03-BC32-4C26-AAE9-58E5263B8E68}" destId="{A1EA0F79-77AB-4368-A429-FC05E5D79422}" srcOrd="3" destOrd="0" presId="urn:microsoft.com/office/officeart/2018/2/layout/IconVerticalSolidList"/>
     <dgm:cxn modelId="{FC3B7EBE-7F44-450C-ADB1-547EA05C628E}" type="presParOf" srcId="{D0A053DD-86E5-429F-9FF8-D9E9C9925031}" destId="{9673B6B6-97D8-4F09-A794-294A574AFD7B}" srcOrd="3" destOrd="0" presId="urn:microsoft.com/office/officeart/2018/2/layout/IconVerticalSolidList"/>
-    <dgm:cxn modelId="{85D42FA9-7708-4D2F-8B46-A2403B3D62F3}" type="presParOf" srcId="{D0A053DD-86E5-429F-9FF8-D9E9C9925031}" destId="{E4211D40-A8BF-4BF4-9AB4-CFDC708FCBA5}" srcOrd="4" destOrd="0" presId="urn:microsoft.com/office/officeart/2018/2/layout/IconVerticalSolidList"/>
-    <dgm:cxn modelId="{2E2C9846-2336-4637-B785-ABC093270F93}" type="presParOf" srcId="{E4211D40-A8BF-4BF4-9AB4-CFDC708FCBA5}" destId="{D6C84660-AFA7-487C-BDA8-57291CB63B0D}" srcOrd="0" destOrd="0" presId="urn:microsoft.com/office/officeart/2018/2/layout/IconVerticalSolidList"/>
-    <dgm:cxn modelId="{D83666D5-C7DE-4F2B-A0CD-AD799EC59D9C}" type="presParOf" srcId="{E4211D40-A8BF-4BF4-9AB4-CFDC708FCBA5}" destId="{B1EE5A2F-8330-47F0-B1C8-4BB2F492455C}" srcOrd="1" destOrd="0" presId="urn:microsoft.com/office/officeart/2018/2/layout/IconVerticalSolidList"/>
-    <dgm:cxn modelId="{41C94B82-2DEE-438F-A5DA-490F1CF78FE3}" type="presParOf" srcId="{E4211D40-A8BF-4BF4-9AB4-CFDC708FCBA5}" destId="{6C239844-3008-4D9C-93F7-2D1E08AB916C}" srcOrd="2" destOrd="0" presId="urn:microsoft.com/office/officeart/2018/2/layout/IconVerticalSolidList"/>
-    <dgm:cxn modelId="{6AC5EAFF-C347-4C7B-8644-4048657FA017}" type="presParOf" srcId="{E4211D40-A8BF-4BF4-9AB4-CFDC708FCBA5}" destId="{C18E8AF4-9C59-478C-A34D-D87EA6B63A4A}" srcOrd="3" destOrd="0" presId="urn:microsoft.com/office/officeart/2018/2/layout/IconVerticalSolidList"/>
-    <dgm:cxn modelId="{E4B69056-9731-4304-8F34-5C74C1B551FC}" type="presParOf" srcId="{D0A053DD-86E5-429F-9FF8-D9E9C9925031}" destId="{38920B42-5CAA-4500-A68C-D89269FC0D1E}" srcOrd="5" destOrd="0" presId="urn:microsoft.com/office/officeart/2018/2/layout/IconVerticalSolidList"/>
-    <dgm:cxn modelId="{F39642DC-7B64-4040-887A-77F54CDE8366}" type="presParOf" srcId="{D0A053DD-86E5-429F-9FF8-D9E9C9925031}" destId="{4DB8865E-B892-4939-A138-6FDF4753C8DF}" srcOrd="6" destOrd="0" presId="urn:microsoft.com/office/officeart/2018/2/layout/IconVerticalSolidList"/>
-    <dgm:cxn modelId="{770A56F3-0C10-43E3-ACCD-339DEF192500}" type="presParOf" srcId="{4DB8865E-B892-4939-A138-6FDF4753C8DF}" destId="{CB63AE84-C724-4944-B78C-D3C61574F140}" srcOrd="0" destOrd="0" presId="urn:microsoft.com/office/officeart/2018/2/layout/IconVerticalSolidList"/>
-    <dgm:cxn modelId="{67F4FCC5-18BA-47E1-8919-9DB4BA7C8CDB}" type="presParOf" srcId="{4DB8865E-B892-4939-A138-6FDF4753C8DF}" destId="{9E82CE92-683A-4ECA-9171-D05ED55D0766}" srcOrd="1" destOrd="0" presId="urn:microsoft.com/office/officeart/2018/2/layout/IconVerticalSolidList"/>
-    <dgm:cxn modelId="{262D0C4E-CB21-48FA-8E72-32D3D5575485}" type="presParOf" srcId="{4DB8865E-B892-4939-A138-6FDF4753C8DF}" destId="{F4EDE787-7C54-40D8-AB49-FFAF1E284E52}" srcOrd="2" destOrd="0" presId="urn:microsoft.com/office/officeart/2018/2/layout/IconVerticalSolidList"/>
-    <dgm:cxn modelId="{801550CD-D9B7-4B8E-B2B9-52E3483E0C84}" type="presParOf" srcId="{4DB8865E-B892-4939-A138-6FDF4753C8DF}" destId="{161A9441-A262-4C2E-A274-B2A2BA8704D7}" srcOrd="3" destOrd="0" presId="urn:microsoft.com/office/officeart/2018/2/layout/IconVerticalSolidList"/>
-    <dgm:cxn modelId="{26124ABA-C88C-430A-A109-11ABD61DBD15}" type="presParOf" srcId="{D0A053DD-86E5-429F-9FF8-D9E9C9925031}" destId="{E56CF13F-970A-4CB0-9CB3-8B178AB503C7}" srcOrd="7" destOrd="0" presId="urn:microsoft.com/office/officeart/2018/2/layout/IconVerticalSolidList"/>
-    <dgm:cxn modelId="{60C675CE-92F1-44FA-8403-62DC3D676CDA}" type="presParOf" srcId="{D0A053DD-86E5-429F-9FF8-D9E9C9925031}" destId="{73E6389C-2470-433A-9121-195273AED05F}" srcOrd="8" destOrd="0" presId="urn:microsoft.com/office/officeart/2018/2/layout/IconVerticalSolidList"/>
+    <dgm:cxn modelId="{60C675CE-92F1-44FA-8403-62DC3D676CDA}" type="presParOf" srcId="{D0A053DD-86E5-429F-9FF8-D9E9C9925031}" destId="{73E6389C-2470-433A-9121-195273AED05F}" srcOrd="4" destOrd="0" presId="urn:microsoft.com/office/officeart/2018/2/layout/IconVerticalSolidList"/>
     <dgm:cxn modelId="{1130E457-BA08-4018-80E9-08BD5D8BF857}" type="presParOf" srcId="{73E6389C-2470-433A-9121-195273AED05F}" destId="{3F6F87A1-DF0D-4E75-A6A5-DF40FA6F9930}" srcOrd="0" destOrd="0" presId="urn:microsoft.com/office/officeart/2018/2/layout/IconVerticalSolidList"/>
     <dgm:cxn modelId="{4B41CDED-5A64-4173-8011-98CB3D4A68D6}" type="presParOf" srcId="{73E6389C-2470-433A-9121-195273AED05F}" destId="{C2A11F4E-7A5F-4493-8575-CA61303851DF}" srcOrd="1" destOrd="0" presId="urn:microsoft.com/office/officeart/2018/2/layout/IconVerticalSolidList"/>
     <dgm:cxn modelId="{B06A0DB1-849D-44B9-B46E-FFE0BFA3C195}" type="presParOf" srcId="{73E6389C-2470-433A-9121-195273AED05F}" destId="{B5A66F57-1719-4FF2-A347-9F4AD717E6ED}" srcOrd="2" destOrd="0" presId="urn:microsoft.com/office/officeart/2018/2/layout/IconVerticalSolidList"/>
     <dgm:cxn modelId="{EA4CB95F-CCA6-476C-9C45-A4F09E7158C4}" type="presParOf" srcId="{73E6389C-2470-433A-9121-195273AED05F}" destId="{524F375D-6FD0-4D1C-822A-33F63A9171FF}" srcOrd="3" destOrd="0" presId="urn:microsoft.com/office/officeart/2018/2/layout/IconVerticalSolidList"/>
-    <dgm:cxn modelId="{8FFA4E95-A1F7-4483-B762-82221C5BF91F}" type="presParOf" srcId="{D0A053DD-86E5-429F-9FF8-D9E9C9925031}" destId="{BCA74906-57CE-43E9-888E-317CDCD08457}" srcOrd="9" destOrd="0" presId="urn:microsoft.com/office/officeart/2018/2/layout/IconVerticalSolidList"/>
-    <dgm:cxn modelId="{493DECEB-1374-4E08-8599-A48C3D42BD8C}" type="presParOf" srcId="{D0A053DD-86E5-429F-9FF8-D9E9C9925031}" destId="{9F65F87B-2DE5-428A-B620-929A92AC7CB8}" srcOrd="10" destOrd="0" presId="urn:microsoft.com/office/officeart/2018/2/layout/IconVerticalSolidList"/>
+    <dgm:cxn modelId="{8FFA4E95-A1F7-4483-B762-82221C5BF91F}" type="presParOf" srcId="{D0A053DD-86E5-429F-9FF8-D9E9C9925031}" destId="{BCA74906-57CE-43E9-888E-317CDCD08457}" srcOrd="5" destOrd="0" presId="urn:microsoft.com/office/officeart/2018/2/layout/IconVerticalSolidList"/>
+    <dgm:cxn modelId="{493DECEB-1374-4E08-8599-A48C3D42BD8C}" type="presParOf" srcId="{D0A053DD-86E5-429F-9FF8-D9E9C9925031}" destId="{9F65F87B-2DE5-428A-B620-929A92AC7CB8}" srcOrd="6" destOrd="0" presId="urn:microsoft.com/office/officeart/2018/2/layout/IconVerticalSolidList"/>
     <dgm:cxn modelId="{2619B11B-8E5B-4DC0-8C60-B37D0FB755CD}" type="presParOf" srcId="{9F65F87B-2DE5-428A-B620-929A92AC7CB8}" destId="{820C2A1E-A81C-48CF-A3D6-7AA481786DF2}" srcOrd="0" destOrd="0" presId="urn:microsoft.com/office/officeart/2018/2/layout/IconVerticalSolidList"/>
     <dgm:cxn modelId="{98C6F464-8AE6-44DB-867D-79FF2FC837B7}" type="presParOf" srcId="{9F65F87B-2DE5-428A-B620-929A92AC7CB8}" destId="{1E711BAA-B467-49E8-B8A0-621A99AD5D25}" srcOrd="1" destOrd="0" presId="urn:microsoft.com/office/officeart/2018/2/layout/IconVerticalSolidList"/>
     <dgm:cxn modelId="{92A0033D-636D-4125-AB90-4BAA42428D06}" type="presParOf" srcId="{9F65F87B-2DE5-428A-B620-929A92AC7CB8}" destId="{AB6F9F60-9E19-42C8-B66A-E687A00592C1}" srcOrd="2" destOrd="0" presId="urn:microsoft.com/office/officeart/2018/2/layout/IconVerticalSolidList"/>
@@ -7478,6 +7296,314 @@
 </file>
 
 <file path=ppt/diagrams/data3.xml><?xml version="1.0" encoding="utf-8"?>
+<dgm:dataModel xmlns:dgm="http://schemas.openxmlformats.org/drawingml/2006/diagram" xmlns:a="http://schemas.openxmlformats.org/drawingml/2006/main">
+  <dgm:ptLst>
+    <dgm:pt modelId="{95677422-03CE-4584-A8F7-6E78E3ACC9E3}" type="doc">
+      <dgm:prSet loTypeId="urn:microsoft.com/office/officeart/2018/2/layout/IconLabelList" loCatId="icon" qsTypeId="urn:microsoft.com/office/officeart/2005/8/quickstyle/simple1" qsCatId="simple" csTypeId="urn:microsoft.com/office/officeart/2018/5/colors/Iconchunking_neutralbg_colorful1" csCatId="colorful" phldr="1"/>
+      <dgm:spPr/>
+      <dgm:t>
+        <a:bodyPr/>
+        <a:lstStyle/>
+        <a:p>
+          <a:endParaRPr lang="en-US"/>
+        </a:p>
+      </dgm:t>
+    </dgm:pt>
+    <dgm:pt modelId="{331BDF8A-6940-47D4-95FB-3009460285F9}">
+      <dgm:prSet/>
+      <dgm:spPr/>
+      <dgm:t>
+        <a:bodyPr/>
+        <a:lstStyle/>
+        <a:p>
+          <a:r>
+            <a:rPr lang="en-US" dirty="0"/>
+            <a:t>Frequent Requirements Changes. </a:t>
+          </a:r>
+        </a:p>
+      </dgm:t>
+    </dgm:pt>
+    <dgm:pt modelId="{F7DCA298-A358-410C-8607-531B937A7D29}" type="parTrans" cxnId="{2AD7AFF2-B1B9-49C4-9368-B2D58E8B9477}">
+      <dgm:prSet/>
+      <dgm:spPr/>
+      <dgm:t>
+        <a:bodyPr/>
+        <a:lstStyle/>
+        <a:p>
+          <a:endParaRPr lang="en-US"/>
+        </a:p>
+      </dgm:t>
+    </dgm:pt>
+    <dgm:pt modelId="{59F6EF28-C409-490E-A4F5-B0E215DD3F1D}" type="sibTrans" cxnId="{2AD7AFF2-B1B9-49C4-9368-B2D58E8B9477}">
+      <dgm:prSet/>
+      <dgm:spPr/>
+      <dgm:t>
+        <a:bodyPr/>
+        <a:lstStyle/>
+        <a:p>
+          <a:endParaRPr lang="en-US"/>
+        </a:p>
+      </dgm:t>
+    </dgm:pt>
+    <dgm:pt modelId="{14206091-8AD6-470A-BCAA-BD68BC012A5F}">
+      <dgm:prSet/>
+      <dgm:spPr/>
+      <dgm:t>
+        <a:bodyPr/>
+        <a:lstStyle/>
+        <a:p>
+          <a:r>
+            <a:rPr lang="en-US" dirty="0"/>
+            <a:t>Changes In The Professional Advisor In The Middle Of The Project.</a:t>
+          </a:r>
+        </a:p>
+      </dgm:t>
+    </dgm:pt>
+    <dgm:pt modelId="{4E88CB6F-3CB4-4959-9E2B-3110B76CBAA7}" type="parTrans" cxnId="{2087F1BC-56D4-4047-AEDC-284703C43974}">
+      <dgm:prSet/>
+      <dgm:spPr/>
+      <dgm:t>
+        <a:bodyPr/>
+        <a:lstStyle/>
+        <a:p>
+          <a:endParaRPr lang="en-US"/>
+        </a:p>
+      </dgm:t>
+    </dgm:pt>
+    <dgm:pt modelId="{51270C12-17EB-4D01-8CEA-F63EC105A4BF}" type="sibTrans" cxnId="{2087F1BC-56D4-4047-AEDC-284703C43974}">
+      <dgm:prSet/>
+      <dgm:spPr/>
+      <dgm:t>
+        <a:bodyPr/>
+        <a:lstStyle/>
+        <a:p>
+          <a:endParaRPr lang="en-US"/>
+        </a:p>
+      </dgm:t>
+    </dgm:pt>
+    <dgm:pt modelId="{A1DFCB46-2CA5-48DF-BB54-C4B05C068A99}">
+      <dgm:prSet/>
+      <dgm:spPr/>
+      <dgm:t>
+        <a:bodyPr/>
+        <a:lstStyle/>
+        <a:p>
+          <a:r>
+            <a:rPr lang="en-US"/>
+            <a:t>Lack Of Prior Knowledge In Chemistry.</a:t>
+          </a:r>
+        </a:p>
+      </dgm:t>
+    </dgm:pt>
+    <dgm:pt modelId="{5B6D3B9E-D506-4CE0-AD42-AAB84A89FFB9}" type="parTrans" cxnId="{28491AFE-78FF-440F-A908-CB7BC3E7B9EC}">
+      <dgm:prSet/>
+      <dgm:spPr/>
+      <dgm:t>
+        <a:bodyPr/>
+        <a:lstStyle/>
+        <a:p>
+          <a:endParaRPr lang="en-US"/>
+        </a:p>
+      </dgm:t>
+    </dgm:pt>
+    <dgm:pt modelId="{6A1D4C86-F651-4E6F-AB72-DE640AAB19BF}" type="sibTrans" cxnId="{28491AFE-78FF-440F-A908-CB7BC3E7B9EC}">
+      <dgm:prSet/>
+      <dgm:spPr/>
+      <dgm:t>
+        <a:bodyPr/>
+        <a:lstStyle/>
+        <a:p>
+          <a:endParaRPr lang="en-US"/>
+        </a:p>
+      </dgm:t>
+    </dgm:pt>
+    <dgm:pt modelId="{ED870122-758F-4FD1-8772-C18F596B6074}" type="pres">
+      <dgm:prSet presAssocID="{95677422-03CE-4584-A8F7-6E78E3ACC9E3}" presName="root" presStyleCnt="0">
+        <dgm:presLayoutVars>
+          <dgm:dir/>
+          <dgm:resizeHandles val="exact"/>
+        </dgm:presLayoutVars>
+      </dgm:prSet>
+      <dgm:spPr/>
+    </dgm:pt>
+    <dgm:pt modelId="{E9AE7DA7-AD26-467B-96D7-44DE3F33E36D}" type="pres">
+      <dgm:prSet presAssocID="{331BDF8A-6940-47D4-95FB-3009460285F9}" presName="compNode" presStyleCnt="0"/>
+      <dgm:spPr/>
+    </dgm:pt>
+    <dgm:pt modelId="{521E6BB8-E480-4E33-BC17-2A11CDDC1494}" type="pres">
+      <dgm:prSet presAssocID="{331BDF8A-6940-47D4-95FB-3009460285F9}" presName="iconRect" presStyleLbl="node1" presStyleIdx="0" presStyleCnt="3"/>
+      <dgm:spPr>
+        <a:blipFill>
+          <a:blip xmlns:r="http://schemas.openxmlformats.org/officeDocument/2006/relationships" r:embed="rId1">
+            <a:extLst>
+              <a:ext uri="{28A0092B-C50C-407E-A947-70E740481C1C}">
+                <a14:useLocalDpi xmlns:a14="http://schemas.microsoft.com/office/drawing/2010/main" val="0"/>
+              </a:ext>
+              <a:ext uri="{96DAC541-7B7A-43D3-8B79-37D633B846F1}">
+                <asvg:svgBlip xmlns:asvg="http://schemas.microsoft.com/office/drawing/2016/SVG/main" r:embed="rId2"/>
+              </a:ext>
+            </a:extLst>
+          </a:blip>
+          <a:stretch>
+            <a:fillRect/>
+          </a:stretch>
+        </a:blipFill>
+        <a:ln>
+          <a:noFill/>
+        </a:ln>
+      </dgm:spPr>
+      <dgm:extLst>
+        <a:ext uri="{E40237B7-FDA0-4F09-8148-C483321AD2D9}">
+          <dgm14:cNvPr xmlns:dgm14="http://schemas.microsoft.com/office/drawing/2010/diagram" id="0" name="" descr="Gears"/>
+        </a:ext>
+      </dgm:extLst>
+    </dgm:pt>
+    <dgm:pt modelId="{D7385B9A-8F65-4C59-9544-9BB96058CFB8}" type="pres">
+      <dgm:prSet presAssocID="{331BDF8A-6940-47D4-95FB-3009460285F9}" presName="spaceRect" presStyleCnt="0"/>
+      <dgm:spPr/>
+    </dgm:pt>
+    <dgm:pt modelId="{CDBE262B-75B6-4445-9E4A-5DD063624F50}" type="pres">
+      <dgm:prSet presAssocID="{331BDF8A-6940-47D4-95FB-3009460285F9}" presName="textRect" presStyleLbl="revTx" presStyleIdx="0" presStyleCnt="3">
+        <dgm:presLayoutVars>
+          <dgm:chMax val="1"/>
+          <dgm:chPref val="1"/>
+        </dgm:presLayoutVars>
+      </dgm:prSet>
+      <dgm:spPr/>
+    </dgm:pt>
+    <dgm:pt modelId="{77D0AEC9-020B-4134-B85B-8A9918DD18CA}" type="pres">
+      <dgm:prSet presAssocID="{59F6EF28-C409-490E-A4F5-B0E215DD3F1D}" presName="sibTrans" presStyleCnt="0"/>
+      <dgm:spPr/>
+    </dgm:pt>
+    <dgm:pt modelId="{00E55C78-5B3A-4AA7-A042-322A3505EE7C}" type="pres">
+      <dgm:prSet presAssocID="{14206091-8AD6-470A-BCAA-BD68BC012A5F}" presName="compNode" presStyleCnt="0"/>
+      <dgm:spPr/>
+    </dgm:pt>
+    <dgm:pt modelId="{CBFBB3AF-F8BF-42F2-B516-0E3F66785A0E}" type="pres">
+      <dgm:prSet presAssocID="{14206091-8AD6-470A-BCAA-BD68BC012A5F}" presName="iconRect" presStyleLbl="node1" presStyleIdx="1" presStyleCnt="3"/>
+      <dgm:spPr>
+        <a:blipFill>
+          <a:blip xmlns:r="http://schemas.openxmlformats.org/officeDocument/2006/relationships" r:embed="rId3">
+            <a:extLst>
+              <a:ext uri="{28A0092B-C50C-407E-A947-70E740481C1C}">
+                <a14:useLocalDpi xmlns:a14="http://schemas.microsoft.com/office/drawing/2010/main" val="0"/>
+              </a:ext>
+              <a:ext uri="{96DAC541-7B7A-43D3-8B79-37D633B846F1}">
+                <asvg:svgBlip xmlns:asvg="http://schemas.microsoft.com/office/drawing/2016/SVG/main" r:embed="rId4"/>
+              </a:ext>
+            </a:extLst>
+          </a:blip>
+          <a:stretch>
+            <a:fillRect/>
+          </a:stretch>
+        </a:blipFill>
+        <a:ln>
+          <a:noFill/>
+        </a:ln>
+      </dgm:spPr>
+      <dgm:extLst>
+        <a:ext uri="{E40237B7-FDA0-4F09-8148-C483321AD2D9}">
+          <dgm14:cNvPr xmlns:dgm14="http://schemas.microsoft.com/office/drawing/2010/diagram" id="0" name="" descr="Diploma Roll"/>
+        </a:ext>
+      </dgm:extLst>
+    </dgm:pt>
+    <dgm:pt modelId="{00E4C7A2-1B3A-4603-9BCC-1BE3DE8CEBCF}" type="pres">
+      <dgm:prSet presAssocID="{14206091-8AD6-470A-BCAA-BD68BC012A5F}" presName="spaceRect" presStyleCnt="0"/>
+      <dgm:spPr/>
+    </dgm:pt>
+    <dgm:pt modelId="{DE9152BA-ABCB-4C8A-982E-640D8B445B6C}" type="pres">
+      <dgm:prSet presAssocID="{14206091-8AD6-470A-BCAA-BD68BC012A5F}" presName="textRect" presStyleLbl="revTx" presStyleIdx="1" presStyleCnt="3">
+        <dgm:presLayoutVars>
+          <dgm:chMax val="1"/>
+          <dgm:chPref val="1"/>
+        </dgm:presLayoutVars>
+      </dgm:prSet>
+      <dgm:spPr/>
+    </dgm:pt>
+    <dgm:pt modelId="{2B050375-4CFE-4AB9-A008-8BC28E129A7A}" type="pres">
+      <dgm:prSet presAssocID="{51270C12-17EB-4D01-8CEA-F63EC105A4BF}" presName="sibTrans" presStyleCnt="0"/>
+      <dgm:spPr/>
+    </dgm:pt>
+    <dgm:pt modelId="{2E5B5D17-809B-4E70-AB74-5B40640612EB}" type="pres">
+      <dgm:prSet presAssocID="{A1DFCB46-2CA5-48DF-BB54-C4B05C068A99}" presName="compNode" presStyleCnt="0"/>
+      <dgm:spPr/>
+    </dgm:pt>
+    <dgm:pt modelId="{E30F9B01-7E59-4E6B-81DC-2BC56756677E}" type="pres">
+      <dgm:prSet presAssocID="{A1DFCB46-2CA5-48DF-BB54-C4B05C068A99}" presName="iconRect" presStyleLbl="node1" presStyleIdx="2" presStyleCnt="3"/>
+      <dgm:spPr>
+        <a:blipFill>
+          <a:blip xmlns:r="http://schemas.openxmlformats.org/officeDocument/2006/relationships" r:embed="rId5">
+            <a:extLst>
+              <a:ext uri="{28A0092B-C50C-407E-A947-70E740481C1C}">
+                <a14:useLocalDpi xmlns:a14="http://schemas.microsoft.com/office/drawing/2010/main" val="0"/>
+              </a:ext>
+              <a:ext uri="{96DAC541-7B7A-43D3-8B79-37D633B846F1}">
+                <asvg:svgBlip xmlns:asvg="http://schemas.microsoft.com/office/drawing/2016/SVG/main" r:embed="rId6"/>
+              </a:ext>
+            </a:extLst>
+          </a:blip>
+          <a:stretch>
+            <a:fillRect/>
+          </a:stretch>
+        </a:blipFill>
+        <a:ln>
+          <a:noFill/>
+        </a:ln>
+      </dgm:spPr>
+      <dgm:extLst>
+        <a:ext uri="{E40237B7-FDA0-4F09-8148-C483321AD2D9}">
+          <dgm14:cNvPr xmlns:dgm14="http://schemas.microsoft.com/office/drawing/2010/diagram" id="0" name="" descr="Scientist"/>
+        </a:ext>
+      </dgm:extLst>
+    </dgm:pt>
+    <dgm:pt modelId="{FC95C834-2518-4AD8-9EA9-0F0FBE267C5F}" type="pres">
+      <dgm:prSet presAssocID="{A1DFCB46-2CA5-48DF-BB54-C4B05C068A99}" presName="spaceRect" presStyleCnt="0"/>
+      <dgm:spPr/>
+    </dgm:pt>
+    <dgm:pt modelId="{959953BA-2351-4535-8F5B-83B5DD4FB049}" type="pres">
+      <dgm:prSet presAssocID="{A1DFCB46-2CA5-48DF-BB54-C4B05C068A99}" presName="textRect" presStyleLbl="revTx" presStyleIdx="2" presStyleCnt="3">
+        <dgm:presLayoutVars>
+          <dgm:chMax val="1"/>
+          <dgm:chPref val="1"/>
+        </dgm:presLayoutVars>
+      </dgm:prSet>
+      <dgm:spPr/>
+    </dgm:pt>
+  </dgm:ptLst>
+  <dgm:cxnLst>
+    <dgm:cxn modelId="{0F832543-31C8-4CE9-9A5F-B6642ADBFF49}" type="presOf" srcId="{95677422-03CE-4584-A8F7-6E78E3ACC9E3}" destId="{ED870122-758F-4FD1-8772-C18F596B6074}" srcOrd="0" destOrd="0" presId="urn:microsoft.com/office/officeart/2018/2/layout/IconLabelList"/>
+    <dgm:cxn modelId="{B1AC557B-015B-416A-A22C-83E343CB9D33}" type="presOf" srcId="{A1DFCB46-2CA5-48DF-BB54-C4B05C068A99}" destId="{959953BA-2351-4535-8F5B-83B5DD4FB049}" srcOrd="0" destOrd="0" presId="urn:microsoft.com/office/officeart/2018/2/layout/IconLabelList"/>
+    <dgm:cxn modelId="{2087F1BC-56D4-4047-AEDC-284703C43974}" srcId="{95677422-03CE-4584-A8F7-6E78E3ACC9E3}" destId="{14206091-8AD6-470A-BCAA-BD68BC012A5F}" srcOrd="1" destOrd="0" parTransId="{4E88CB6F-3CB4-4959-9E2B-3110B76CBAA7}" sibTransId="{51270C12-17EB-4D01-8CEA-F63EC105A4BF}"/>
+    <dgm:cxn modelId="{F6A033BF-F4F1-4C0F-B0CE-FD7051EC40B6}" type="presOf" srcId="{331BDF8A-6940-47D4-95FB-3009460285F9}" destId="{CDBE262B-75B6-4445-9E4A-5DD063624F50}" srcOrd="0" destOrd="0" presId="urn:microsoft.com/office/officeart/2018/2/layout/IconLabelList"/>
+    <dgm:cxn modelId="{376FD4F0-E013-4172-95CD-7E57D9EF9F03}" type="presOf" srcId="{14206091-8AD6-470A-BCAA-BD68BC012A5F}" destId="{DE9152BA-ABCB-4C8A-982E-640D8B445B6C}" srcOrd="0" destOrd="0" presId="urn:microsoft.com/office/officeart/2018/2/layout/IconLabelList"/>
+    <dgm:cxn modelId="{2AD7AFF2-B1B9-49C4-9368-B2D58E8B9477}" srcId="{95677422-03CE-4584-A8F7-6E78E3ACC9E3}" destId="{331BDF8A-6940-47D4-95FB-3009460285F9}" srcOrd="0" destOrd="0" parTransId="{F7DCA298-A358-410C-8607-531B937A7D29}" sibTransId="{59F6EF28-C409-490E-A4F5-B0E215DD3F1D}"/>
+    <dgm:cxn modelId="{28491AFE-78FF-440F-A908-CB7BC3E7B9EC}" srcId="{95677422-03CE-4584-A8F7-6E78E3ACC9E3}" destId="{A1DFCB46-2CA5-48DF-BB54-C4B05C068A99}" srcOrd="2" destOrd="0" parTransId="{5B6D3B9E-D506-4CE0-AD42-AAB84A89FFB9}" sibTransId="{6A1D4C86-F651-4E6F-AB72-DE640AAB19BF}"/>
+    <dgm:cxn modelId="{2965C701-E786-4337-9883-BF681D5A78B9}" type="presParOf" srcId="{ED870122-758F-4FD1-8772-C18F596B6074}" destId="{E9AE7DA7-AD26-467B-96D7-44DE3F33E36D}" srcOrd="0" destOrd="0" presId="urn:microsoft.com/office/officeart/2018/2/layout/IconLabelList"/>
+    <dgm:cxn modelId="{D8EA6939-3051-409D-BC18-FA7BB7ADBD2D}" type="presParOf" srcId="{E9AE7DA7-AD26-467B-96D7-44DE3F33E36D}" destId="{521E6BB8-E480-4E33-BC17-2A11CDDC1494}" srcOrd="0" destOrd="0" presId="urn:microsoft.com/office/officeart/2018/2/layout/IconLabelList"/>
+    <dgm:cxn modelId="{C6982673-2239-4D3B-9AB6-B2F5153BFA6E}" type="presParOf" srcId="{E9AE7DA7-AD26-467B-96D7-44DE3F33E36D}" destId="{D7385B9A-8F65-4C59-9544-9BB96058CFB8}" srcOrd="1" destOrd="0" presId="urn:microsoft.com/office/officeart/2018/2/layout/IconLabelList"/>
+    <dgm:cxn modelId="{F16CB412-6975-4BEB-8376-AA903BD744B4}" type="presParOf" srcId="{E9AE7DA7-AD26-467B-96D7-44DE3F33E36D}" destId="{CDBE262B-75B6-4445-9E4A-5DD063624F50}" srcOrd="2" destOrd="0" presId="urn:microsoft.com/office/officeart/2018/2/layout/IconLabelList"/>
+    <dgm:cxn modelId="{0FBC6642-3DCF-4DAF-9A46-97C3BF8F5767}" type="presParOf" srcId="{ED870122-758F-4FD1-8772-C18F596B6074}" destId="{77D0AEC9-020B-4134-B85B-8A9918DD18CA}" srcOrd="1" destOrd="0" presId="urn:microsoft.com/office/officeart/2018/2/layout/IconLabelList"/>
+    <dgm:cxn modelId="{10B34B8D-F2BA-46F6-B95A-C2D62B905BB5}" type="presParOf" srcId="{ED870122-758F-4FD1-8772-C18F596B6074}" destId="{00E55C78-5B3A-4AA7-A042-322A3505EE7C}" srcOrd="2" destOrd="0" presId="urn:microsoft.com/office/officeart/2018/2/layout/IconLabelList"/>
+    <dgm:cxn modelId="{73FA5A82-FFF3-4A1D-9801-3547E355C55B}" type="presParOf" srcId="{00E55C78-5B3A-4AA7-A042-322A3505EE7C}" destId="{CBFBB3AF-F8BF-42F2-B516-0E3F66785A0E}" srcOrd="0" destOrd="0" presId="urn:microsoft.com/office/officeart/2018/2/layout/IconLabelList"/>
+    <dgm:cxn modelId="{02F0C8CD-0F0F-43A5-BCE7-ED0299127D1E}" type="presParOf" srcId="{00E55C78-5B3A-4AA7-A042-322A3505EE7C}" destId="{00E4C7A2-1B3A-4603-9BCC-1BE3DE8CEBCF}" srcOrd="1" destOrd="0" presId="urn:microsoft.com/office/officeart/2018/2/layout/IconLabelList"/>
+    <dgm:cxn modelId="{AC85AD96-0F8E-49A5-BD07-FABB125316BE}" type="presParOf" srcId="{00E55C78-5B3A-4AA7-A042-322A3505EE7C}" destId="{DE9152BA-ABCB-4C8A-982E-640D8B445B6C}" srcOrd="2" destOrd="0" presId="urn:microsoft.com/office/officeart/2018/2/layout/IconLabelList"/>
+    <dgm:cxn modelId="{3880E569-B42A-4FF9-A3D6-2D5134AEA905}" type="presParOf" srcId="{ED870122-758F-4FD1-8772-C18F596B6074}" destId="{2B050375-4CFE-4AB9-A008-8BC28E129A7A}" srcOrd="3" destOrd="0" presId="urn:microsoft.com/office/officeart/2018/2/layout/IconLabelList"/>
+    <dgm:cxn modelId="{A5A0CE60-82E8-4947-A623-2ADB6EF89096}" type="presParOf" srcId="{ED870122-758F-4FD1-8772-C18F596B6074}" destId="{2E5B5D17-809B-4E70-AB74-5B40640612EB}" srcOrd="4" destOrd="0" presId="urn:microsoft.com/office/officeart/2018/2/layout/IconLabelList"/>
+    <dgm:cxn modelId="{3B786182-C7BD-48A9-8B1B-57DC2E9BFA09}" type="presParOf" srcId="{2E5B5D17-809B-4E70-AB74-5B40640612EB}" destId="{E30F9B01-7E59-4E6B-81DC-2BC56756677E}" srcOrd="0" destOrd="0" presId="urn:microsoft.com/office/officeart/2018/2/layout/IconLabelList"/>
+    <dgm:cxn modelId="{F4E5D95D-4EB0-40A4-9E0F-2527AA3132A4}" type="presParOf" srcId="{2E5B5D17-809B-4E70-AB74-5B40640612EB}" destId="{FC95C834-2518-4AD8-9EA9-0F0FBE267C5F}" srcOrd="1" destOrd="0" presId="urn:microsoft.com/office/officeart/2018/2/layout/IconLabelList"/>
+    <dgm:cxn modelId="{9D0E7227-AAE7-4C9A-9C3F-E8A98EA4259D}" type="presParOf" srcId="{2E5B5D17-809B-4E70-AB74-5B40640612EB}" destId="{959953BA-2351-4535-8F5B-83B5DD4FB049}" srcOrd="2" destOrd="0" presId="urn:microsoft.com/office/officeart/2018/2/layout/IconLabelList"/>
+  </dgm:cxnLst>
+  <dgm:bg/>
+  <dgm:whole/>
+  <dgm:extLst>
+    <a:ext uri="http://schemas.microsoft.com/office/drawing/2008/diagram">
+      <dsp:dataModelExt xmlns:dsp="http://schemas.microsoft.com/office/drawing/2008/diagram" relId="rId7" minVer="http://schemas.openxmlformats.org/drawingml/2006/diagram"/>
+    </a:ext>
+  </dgm:extLst>
+</dgm:dataModel>
+</file>
+
+<file path=ppt/diagrams/data4.xml><?xml version="1.0" encoding="utf-8"?>
 <dgm:dataModel xmlns:dgm="http://schemas.openxmlformats.org/drawingml/2006/diagram" xmlns:a="http://schemas.openxmlformats.org/drawingml/2006/main">
   <dgm:ptLst>
     <dgm:pt modelId="{F38814AC-3A66-450D-BEFF-1FCD9552F21E}" type="doc">
@@ -7505,7 +7631,7 @@
             <a:defRPr cap="all"/>
           </a:pPr>
           <a:r>
-            <a:rPr lang="en-US"/>
+            <a:rPr lang="en-US" dirty="0"/>
             <a:t>Frontend based on React JS &amp; material UI.</a:t>
           </a:r>
         </a:p>
@@ -7547,8 +7673,8 @@
             <a:defRPr cap="all"/>
           </a:pPr>
           <a:r>
-            <a:rPr lang="en-US"/>
-            <a:t>UI code is fully integrated with all backend code.</a:t>
+            <a:rPr lang="en-US" dirty="0"/>
+            <a:t>code is fully integrated with all backend code.</a:t>
           </a:r>
         </a:p>
       </dgm:t>
@@ -7589,8 +7715,8 @@
             <a:defRPr cap="all"/>
           </a:pPr>
           <a:r>
-            <a:rPr lang="en-US"/>
-            <a:t>User-friendly, Quick, Responsive user interface. </a:t>
+            <a:rPr lang="en-US" dirty="0"/>
+            <a:t>User-friendly, Quick, Responsive ui. </a:t>
           </a:r>
         </a:p>
       </dgm:t>
@@ -7949,7 +8075,7 @@
 </dgm:dataModel>
 </file>
 
-<file path=ppt/diagrams/data4.xml><?xml version="1.0" encoding="utf-8"?>
+<file path=ppt/diagrams/data5.xml><?xml version="1.0" encoding="utf-8"?>
 <dgm:dataModel xmlns:dgm="http://schemas.openxmlformats.org/drawingml/2006/diagram" xmlns:a="http://schemas.openxmlformats.org/drawingml/2006/main">
   <dgm:ptLst>
     <dgm:pt modelId="{F38814AC-3A66-450D-BEFF-1FCD9552F21E}" type="doc">
@@ -8263,202 +8389,6 @@
 </dgm:dataModel>
 </file>
 
-<file path=ppt/diagrams/data5.xml><?xml version="1.0" encoding="utf-8"?>
-<dgm:dataModel xmlns:dgm="http://schemas.openxmlformats.org/drawingml/2006/diagram" xmlns:a="http://schemas.openxmlformats.org/drawingml/2006/main">
-  <dgm:ptLst>
-    <dgm:pt modelId="{CAFAC3ED-DCB7-4821-83BB-21A222A3F0E3}" type="doc">
-      <dgm:prSet loTypeId="urn:microsoft.com/office/officeart/2005/8/layout/vProcess5" loCatId="process" qsTypeId="urn:microsoft.com/office/officeart/2005/8/quickstyle/simple1" qsCatId="simple" csTypeId="urn:microsoft.com/office/officeart/2005/8/colors/colorful1" csCatId="colorful" phldr="1"/>
-      <dgm:spPr/>
-      <dgm:t>
-        <a:bodyPr/>
-        <a:lstStyle/>
-        <a:p>
-          <a:endParaRPr lang="en-US"/>
-        </a:p>
-      </dgm:t>
-    </dgm:pt>
-    <dgm:pt modelId="{B244D711-66BD-4F26-8970-7CE30A207973}">
-      <dgm:prSet/>
-      <dgm:spPr/>
-      <dgm:t>
-        <a:bodyPr/>
-        <a:lstStyle/>
-        <a:p>
-          <a:pPr>
-            <a:defRPr cap="all"/>
-          </a:pPr>
-          <a:r>
-            <a:rPr lang="en-US" b="1" u="sng" dirty="0"/>
-            <a:t>At the beginning of the project:</a:t>
-          </a:r>
-          <a:br>
-            <a:rPr lang="en-US" dirty="0"/>
-          </a:br>
-          <a:r>
-            <a:rPr lang="en-US" dirty="0"/>
-            <a:t>MolOptimizer was a simple application that can be ran only locally from the labs’ computers.</a:t>
-          </a:r>
-        </a:p>
-      </dgm:t>
-    </dgm:pt>
-    <dgm:pt modelId="{3BBADF40-A8BB-48FA-B171-56E19A1F0ECE}" type="parTrans" cxnId="{F4BCA3F3-23DE-4BD2-8A83-650279238F68}">
-      <dgm:prSet/>
-      <dgm:spPr/>
-      <dgm:t>
-        <a:bodyPr/>
-        <a:lstStyle/>
-        <a:p>
-          <a:endParaRPr lang="en-US"/>
-        </a:p>
-      </dgm:t>
-    </dgm:pt>
-    <dgm:pt modelId="{D6E25F1C-70B4-49F6-8D86-E926AF6F3DEF}" type="sibTrans" cxnId="{F4BCA3F3-23DE-4BD2-8A83-650279238F68}">
-      <dgm:prSet/>
-      <dgm:spPr/>
-      <dgm:t>
-        <a:bodyPr/>
-        <a:lstStyle/>
-        <a:p>
-          <a:endParaRPr lang="en-US"/>
-        </a:p>
-      </dgm:t>
-    </dgm:pt>
-    <dgm:pt modelId="{C6CBED35-901B-4B98-8ED6-B4C544BD1BC5}">
-      <dgm:prSet/>
-      <dgm:spPr/>
-      <dgm:t>
-        <a:bodyPr/>
-        <a:lstStyle/>
-        <a:p>
-          <a:pPr>
-            <a:defRPr cap="all"/>
-          </a:pPr>
-          <a:r>
-            <a:rPr lang="en-US" b="1" u="sng" dirty="0"/>
-            <a:t>At the end of the project:</a:t>
-          </a:r>
-          <a:br>
-            <a:rPr lang="en-US" dirty="0"/>
-          </a:br>
-          <a:r>
-            <a:rPr lang="en-US" dirty="0"/>
-            <a:t>MolOptimizer has become an upgraded </a:t>
-          </a:r>
-          <a:br>
-            <a:rPr lang="en-US" dirty="0"/>
-          </a:br>
-          <a:r>
-            <a:rPr lang="en-US" dirty="0"/>
-            <a:t>web-application that can be run from anywhere and from any PC.</a:t>
-          </a:r>
-        </a:p>
-      </dgm:t>
-    </dgm:pt>
-    <dgm:pt modelId="{36B651AA-03D3-43B8-8A54-8B016C46CF2F}" type="parTrans" cxnId="{C8F888B3-0FA0-48EF-AA28-582D10D6837A}">
-      <dgm:prSet/>
-      <dgm:spPr/>
-      <dgm:t>
-        <a:bodyPr/>
-        <a:lstStyle/>
-        <a:p>
-          <a:endParaRPr lang="en-US"/>
-        </a:p>
-      </dgm:t>
-    </dgm:pt>
-    <dgm:pt modelId="{653ACC7D-754C-4AE3-B056-56A7994E09C9}" type="sibTrans" cxnId="{C8F888B3-0FA0-48EF-AA28-582D10D6837A}">
-      <dgm:prSet/>
-      <dgm:spPr/>
-      <dgm:t>
-        <a:bodyPr/>
-        <a:lstStyle/>
-        <a:p>
-          <a:endParaRPr lang="en-US"/>
-        </a:p>
-      </dgm:t>
-    </dgm:pt>
-    <dgm:pt modelId="{778C1F4C-4DB7-4C39-8C78-2BD13E69ECB0}" type="pres">
-      <dgm:prSet presAssocID="{CAFAC3ED-DCB7-4821-83BB-21A222A3F0E3}" presName="outerComposite" presStyleCnt="0">
-        <dgm:presLayoutVars>
-          <dgm:chMax val="5"/>
-          <dgm:dir/>
-          <dgm:resizeHandles val="exact"/>
-        </dgm:presLayoutVars>
-      </dgm:prSet>
-      <dgm:spPr/>
-    </dgm:pt>
-    <dgm:pt modelId="{A46D7857-017E-4438-96D9-04E6BB19D635}" type="pres">
-      <dgm:prSet presAssocID="{CAFAC3ED-DCB7-4821-83BB-21A222A3F0E3}" presName="dummyMaxCanvas" presStyleCnt="0">
-        <dgm:presLayoutVars/>
-      </dgm:prSet>
-      <dgm:spPr/>
-    </dgm:pt>
-    <dgm:pt modelId="{A523FA96-8B25-4DA8-B162-42251FE6B0A1}" type="pres">
-      <dgm:prSet presAssocID="{CAFAC3ED-DCB7-4821-83BB-21A222A3F0E3}" presName="TwoNodes_1" presStyleLbl="node1" presStyleIdx="0" presStyleCnt="2">
-        <dgm:presLayoutVars>
-          <dgm:bulletEnabled val="1"/>
-        </dgm:presLayoutVars>
-      </dgm:prSet>
-      <dgm:spPr/>
-    </dgm:pt>
-    <dgm:pt modelId="{18376099-307A-4039-B2C7-B5BACE6BB6D7}" type="pres">
-      <dgm:prSet presAssocID="{CAFAC3ED-DCB7-4821-83BB-21A222A3F0E3}" presName="TwoNodes_2" presStyleLbl="node1" presStyleIdx="1" presStyleCnt="2">
-        <dgm:presLayoutVars>
-          <dgm:bulletEnabled val="1"/>
-        </dgm:presLayoutVars>
-      </dgm:prSet>
-      <dgm:spPr/>
-    </dgm:pt>
-    <dgm:pt modelId="{A2E5D636-B4AE-4A3E-BC83-AEF67E3872B0}" type="pres">
-      <dgm:prSet presAssocID="{CAFAC3ED-DCB7-4821-83BB-21A222A3F0E3}" presName="TwoConn_1-2" presStyleLbl="fgAccFollowNode1" presStyleIdx="0" presStyleCnt="1">
-        <dgm:presLayoutVars>
-          <dgm:bulletEnabled val="1"/>
-        </dgm:presLayoutVars>
-      </dgm:prSet>
-      <dgm:spPr/>
-    </dgm:pt>
-    <dgm:pt modelId="{DE5D5097-8F08-4905-8219-2749C56F5000}" type="pres">
-      <dgm:prSet presAssocID="{CAFAC3ED-DCB7-4821-83BB-21A222A3F0E3}" presName="TwoNodes_1_text" presStyleLbl="node1" presStyleIdx="1" presStyleCnt="2">
-        <dgm:presLayoutVars>
-          <dgm:bulletEnabled val="1"/>
-        </dgm:presLayoutVars>
-      </dgm:prSet>
-      <dgm:spPr/>
-    </dgm:pt>
-    <dgm:pt modelId="{A2B407C4-2C93-4CD0-8DBE-67411B3E98C2}" type="pres">
-      <dgm:prSet presAssocID="{CAFAC3ED-DCB7-4821-83BB-21A222A3F0E3}" presName="TwoNodes_2_text" presStyleLbl="node1" presStyleIdx="1" presStyleCnt="2">
-        <dgm:presLayoutVars>
-          <dgm:bulletEnabled val="1"/>
-        </dgm:presLayoutVars>
-      </dgm:prSet>
-      <dgm:spPr/>
-    </dgm:pt>
-  </dgm:ptLst>
-  <dgm:cxnLst>
-    <dgm:cxn modelId="{91B7E619-E3FE-4933-9BFC-1E123F9BF681}" type="presOf" srcId="{D6E25F1C-70B4-49F6-8D86-E926AF6F3DEF}" destId="{A2E5D636-B4AE-4A3E-BC83-AEF67E3872B0}" srcOrd="0" destOrd="0" presId="urn:microsoft.com/office/officeart/2005/8/layout/vProcess5"/>
-    <dgm:cxn modelId="{A7B59624-958F-4A18-9F05-4936B1F588A6}" type="presOf" srcId="{C6CBED35-901B-4B98-8ED6-B4C544BD1BC5}" destId="{18376099-307A-4039-B2C7-B5BACE6BB6D7}" srcOrd="0" destOrd="0" presId="urn:microsoft.com/office/officeart/2005/8/layout/vProcess5"/>
-    <dgm:cxn modelId="{82B26629-89BF-4094-BA8A-21E83ED5DB21}" type="presOf" srcId="{B244D711-66BD-4F26-8970-7CE30A207973}" destId="{A523FA96-8B25-4DA8-B162-42251FE6B0A1}" srcOrd="0" destOrd="0" presId="urn:microsoft.com/office/officeart/2005/8/layout/vProcess5"/>
-    <dgm:cxn modelId="{2EBD1161-1759-4E36-9776-6E115041DF55}" type="presOf" srcId="{B244D711-66BD-4F26-8970-7CE30A207973}" destId="{DE5D5097-8F08-4905-8219-2749C56F5000}" srcOrd="1" destOrd="0" presId="urn:microsoft.com/office/officeart/2005/8/layout/vProcess5"/>
-    <dgm:cxn modelId="{83785A7D-E298-4741-A1F1-DA6BF7A8E07D}" type="presOf" srcId="{CAFAC3ED-DCB7-4821-83BB-21A222A3F0E3}" destId="{778C1F4C-4DB7-4C39-8C78-2BD13E69ECB0}" srcOrd="0" destOrd="0" presId="urn:microsoft.com/office/officeart/2005/8/layout/vProcess5"/>
-    <dgm:cxn modelId="{2B88E498-1C59-42B2-BFFB-CB6D042A3F73}" type="presOf" srcId="{C6CBED35-901B-4B98-8ED6-B4C544BD1BC5}" destId="{A2B407C4-2C93-4CD0-8DBE-67411B3E98C2}" srcOrd="1" destOrd="0" presId="urn:microsoft.com/office/officeart/2005/8/layout/vProcess5"/>
-    <dgm:cxn modelId="{C8F888B3-0FA0-48EF-AA28-582D10D6837A}" srcId="{CAFAC3ED-DCB7-4821-83BB-21A222A3F0E3}" destId="{C6CBED35-901B-4B98-8ED6-B4C544BD1BC5}" srcOrd="1" destOrd="0" parTransId="{36B651AA-03D3-43B8-8A54-8B016C46CF2F}" sibTransId="{653ACC7D-754C-4AE3-B056-56A7994E09C9}"/>
-    <dgm:cxn modelId="{F4BCA3F3-23DE-4BD2-8A83-650279238F68}" srcId="{CAFAC3ED-DCB7-4821-83BB-21A222A3F0E3}" destId="{B244D711-66BD-4F26-8970-7CE30A207973}" srcOrd="0" destOrd="0" parTransId="{3BBADF40-A8BB-48FA-B171-56E19A1F0ECE}" sibTransId="{D6E25F1C-70B4-49F6-8D86-E926AF6F3DEF}"/>
-    <dgm:cxn modelId="{438E05E6-F9DF-49FE-9F1B-81276189C393}" type="presParOf" srcId="{778C1F4C-4DB7-4C39-8C78-2BD13E69ECB0}" destId="{A46D7857-017E-4438-96D9-04E6BB19D635}" srcOrd="0" destOrd="0" presId="urn:microsoft.com/office/officeart/2005/8/layout/vProcess5"/>
-    <dgm:cxn modelId="{6DBFE3D4-A063-4197-A0E0-16B2E3573258}" type="presParOf" srcId="{778C1F4C-4DB7-4C39-8C78-2BD13E69ECB0}" destId="{A523FA96-8B25-4DA8-B162-42251FE6B0A1}" srcOrd="1" destOrd="0" presId="urn:microsoft.com/office/officeart/2005/8/layout/vProcess5"/>
-    <dgm:cxn modelId="{6A16577A-1E18-4127-85D4-C6DFB5B8BB98}" type="presParOf" srcId="{778C1F4C-4DB7-4C39-8C78-2BD13E69ECB0}" destId="{18376099-307A-4039-B2C7-B5BACE6BB6D7}" srcOrd="2" destOrd="0" presId="urn:microsoft.com/office/officeart/2005/8/layout/vProcess5"/>
-    <dgm:cxn modelId="{E2F3D67D-32E4-4F11-841F-91A545CBBA86}" type="presParOf" srcId="{778C1F4C-4DB7-4C39-8C78-2BD13E69ECB0}" destId="{A2E5D636-B4AE-4A3E-BC83-AEF67E3872B0}" srcOrd="3" destOrd="0" presId="urn:microsoft.com/office/officeart/2005/8/layout/vProcess5"/>
-    <dgm:cxn modelId="{323931EC-6DB8-4624-B354-AB7221A6C26F}" type="presParOf" srcId="{778C1F4C-4DB7-4C39-8C78-2BD13E69ECB0}" destId="{DE5D5097-8F08-4905-8219-2749C56F5000}" srcOrd="4" destOrd="0" presId="urn:microsoft.com/office/officeart/2005/8/layout/vProcess5"/>
-    <dgm:cxn modelId="{39D596C6-7205-49B8-8BD7-032660A61D49}" type="presParOf" srcId="{778C1F4C-4DB7-4C39-8C78-2BD13E69ECB0}" destId="{A2B407C4-2C93-4CD0-8DBE-67411B3E98C2}" srcOrd="5" destOrd="0" presId="urn:microsoft.com/office/officeart/2005/8/layout/vProcess5"/>
-  </dgm:cxnLst>
-  <dgm:bg/>
-  <dgm:whole/>
-  <dgm:extLst>
-    <a:ext uri="http://schemas.microsoft.com/office/drawing/2008/diagram">
-      <dsp:dataModelExt xmlns:dsp="http://schemas.microsoft.com/office/drawing/2008/diagram" relId="rId7" minVer="http://schemas.openxmlformats.org/drawingml/2006/diagram"/>
-    </a:ext>
-  </dgm:extLst>
-</dgm:dataModel>
-</file>
-
 <file path=ppt/diagrams/data6.xml><?xml version="1.0" encoding="utf-8"?>
 <dgm:dataModel xmlns:dgm="http://schemas.openxmlformats.org/drawingml/2006/diagram" xmlns:a="http://schemas.openxmlformats.org/drawingml/2006/main">
   <dgm:ptLst>
@@ -8572,7 +8502,7 @@
           </a:pPr>
           <a:r>
             <a:rPr lang="en-US" dirty="0"/>
-            <a:t>Optimizing algorithms code.</a:t>
+            <a:t>Optimizing algorithms</a:t>
           </a:r>
         </a:p>
       </dgm:t>
@@ -8656,7 +8586,7 @@
           </a:pPr>
           <a:r>
             <a:rPr lang="en-US" dirty="0"/>
-            <a:t>Re-write big part of MolOpt algorithms.</a:t>
+            <a:t>Write, Fix &amp; Improve All of MolOpt algorithms.</a:t>
           </a:r>
         </a:p>
       </dgm:t>
@@ -8683,49 +8613,6 @@
         </a:p>
       </dgm:t>
     </dgm:pt>
-    <dgm:pt modelId="{7C6C75D1-B94A-4690-A6F9-14B09F97030D}">
-      <dgm:prSet/>
-      <dgm:spPr/>
-      <dgm:t>
-        <a:bodyPr/>
-        <a:lstStyle/>
-        <a:p>
-          <a:pPr>
-            <a:lnSpc>
-              <a:spcPct val="100000"/>
-            </a:lnSpc>
-            <a:defRPr cap="all"/>
-          </a:pPr>
-          <a:r>
-            <a:rPr lang="en-US"/>
-            <a:t>Supporting all the features of the old version of MolOpt.</a:t>
-          </a:r>
-          <a:endParaRPr lang="en-US" dirty="0"/>
-        </a:p>
-      </dgm:t>
-    </dgm:pt>
-    <dgm:pt modelId="{0DA86C88-823F-43A8-A8C0-AC09FAECF1D4}" type="parTrans" cxnId="{B8D95F70-868D-46EC-A3FE-7C5962E21E7B}">
-      <dgm:prSet/>
-      <dgm:spPr/>
-      <dgm:t>
-        <a:bodyPr/>
-        <a:lstStyle/>
-        <a:p>
-          <a:endParaRPr lang="en-US"/>
-        </a:p>
-      </dgm:t>
-    </dgm:pt>
-    <dgm:pt modelId="{215CD0DD-6A18-4830-A2CE-F22D940B073B}" type="sibTrans" cxnId="{B8D95F70-868D-46EC-A3FE-7C5962E21E7B}">
-      <dgm:prSet/>
-      <dgm:spPr/>
-      <dgm:t>
-        <a:bodyPr/>
-        <a:lstStyle/>
-        <a:p>
-          <a:endParaRPr lang="en-US"/>
-        </a:p>
-      </dgm:t>
-    </dgm:pt>
     <dgm:pt modelId="{9647517C-EB4B-4496-BC39-CA9ACC426421}" type="pres">
       <dgm:prSet presAssocID="{CAFAC3ED-DCB7-4821-83BB-21A222A3F0E3}" presName="root" presStyleCnt="0">
         <dgm:presLayoutVars>
@@ -8740,11 +8627,11 @@
       <dgm:spPr/>
     </dgm:pt>
     <dgm:pt modelId="{E99E0523-4D26-4880-8C04-EC007FBCED66}" type="pres">
-      <dgm:prSet presAssocID="{D205BF5C-DFCF-4E3C-AC75-FDD26867AA57}" presName="iconBgRect" presStyleLbl="bgShp" presStyleIdx="0" presStyleCnt="6"/>
+      <dgm:prSet presAssocID="{D205BF5C-DFCF-4E3C-AC75-FDD26867AA57}" presName="iconBgRect" presStyleLbl="bgShp" presStyleIdx="0" presStyleCnt="5"/>
       <dgm:spPr/>
     </dgm:pt>
     <dgm:pt modelId="{8251485F-A90E-4024-8D40-129B935A8121}" type="pres">
-      <dgm:prSet presAssocID="{D205BF5C-DFCF-4E3C-AC75-FDD26867AA57}" presName="iconRect" presStyleLbl="node1" presStyleIdx="0" presStyleCnt="6"/>
+      <dgm:prSet presAssocID="{D205BF5C-DFCF-4E3C-AC75-FDD26867AA57}" presName="iconRect" presStyleLbl="node1" presStyleIdx="0" presStyleCnt="5"/>
       <dgm:spPr>
         <a:blipFill>
           <a:blip xmlns:r="http://schemas.openxmlformats.org/officeDocument/2006/relationships" r:embed="rId1">
@@ -8771,7 +8658,7 @@
       <dgm:spPr/>
     </dgm:pt>
     <dgm:pt modelId="{170E926F-8B49-490C-A9B8-B547B4DB2713}" type="pres">
-      <dgm:prSet presAssocID="{D205BF5C-DFCF-4E3C-AC75-FDD26867AA57}" presName="textRect" presStyleLbl="revTx" presStyleIdx="0" presStyleCnt="6">
+      <dgm:prSet presAssocID="{D205BF5C-DFCF-4E3C-AC75-FDD26867AA57}" presName="textRect" presStyleLbl="revTx" presStyleIdx="0" presStyleCnt="5">
         <dgm:presLayoutVars>
           <dgm:chMax val="1"/>
           <dgm:chPref val="1"/>
@@ -8783,70 +8670,22 @@
       <dgm:prSet presAssocID="{06FAD120-CA97-45C3-9812-AF6277CB9179}" presName="sibTrans" presStyleCnt="0"/>
       <dgm:spPr/>
     </dgm:pt>
-    <dgm:pt modelId="{E2CEEC50-239A-4E5D-B6D0-399955BA0CB9}" type="pres">
-      <dgm:prSet presAssocID="{7C6C75D1-B94A-4690-A6F9-14B09F97030D}" presName="compNode" presStyleCnt="0"/>
+    <dgm:pt modelId="{AD77F883-1888-411E-988E-0165868556BD}" type="pres">
+      <dgm:prSet presAssocID="{14A4FAB0-EAEF-42C0-9D9B-2843A9FA5525}" presName="compNode" presStyleCnt="0"/>
       <dgm:spPr/>
     </dgm:pt>
-    <dgm:pt modelId="{2E630F7B-655C-4CE7-810D-AC8B47F1F122}" type="pres">
-      <dgm:prSet presAssocID="{7C6C75D1-B94A-4690-A6F9-14B09F97030D}" presName="iconBgRect" presStyleLbl="bgShp" presStyleIdx="1" presStyleCnt="6"/>
+    <dgm:pt modelId="{F20BC626-E485-4D7F-AA84-02707F6CBE48}" type="pres">
+      <dgm:prSet presAssocID="{14A4FAB0-EAEF-42C0-9D9B-2843A9FA5525}" presName="iconBgRect" presStyleLbl="bgShp" presStyleIdx="1" presStyleCnt="5"/>
       <dgm:spPr/>
     </dgm:pt>
-    <dgm:pt modelId="{409669BA-5934-47F6-AE36-1BD4091D9950}" type="pres">
-      <dgm:prSet presAssocID="{7C6C75D1-B94A-4690-A6F9-14B09F97030D}" presName="iconRect" presStyleLbl="node1" presStyleIdx="1" presStyleCnt="6"/>
+    <dgm:pt modelId="{14EF7E5B-FE5F-4BBB-86C4-25F933842517}" type="pres">
+      <dgm:prSet presAssocID="{14A4FAB0-EAEF-42C0-9D9B-2843A9FA5525}" presName="iconRect" presStyleLbl="node1" presStyleIdx="1" presStyleCnt="5"/>
       <dgm:spPr>
         <a:blipFill>
           <a:blip xmlns:r="http://schemas.openxmlformats.org/officeDocument/2006/relationships" r:embed="rId3">
             <a:extLst>
               <a:ext uri="{96DAC541-7B7A-43D3-8B79-37D633B846F1}">
                 <asvg:svgBlip xmlns:asvg="http://schemas.microsoft.com/office/drawing/2016/SVG/main" r:embed="rId4"/>
-              </a:ext>
-            </a:extLst>
-          </a:blip>
-          <a:srcRect/>
-          <a:stretch>
-            <a:fillRect/>
-          </a:stretch>
-        </a:blipFill>
-      </dgm:spPr>
-      <dgm:extLst>
-        <a:ext uri="{E40237B7-FDA0-4F09-8148-C483321AD2D9}">
-          <dgm14:cNvPr xmlns:dgm14="http://schemas.microsoft.com/office/drawing/2010/diagram" id="0" name="" descr="Abacus with solid fill"/>
-        </a:ext>
-      </dgm:extLst>
-    </dgm:pt>
-    <dgm:pt modelId="{E8FF8640-6D29-46F7-B1CB-6E1018F47CBB}" type="pres">
-      <dgm:prSet presAssocID="{7C6C75D1-B94A-4690-A6F9-14B09F97030D}" presName="spaceRect" presStyleCnt="0"/>
-      <dgm:spPr/>
-    </dgm:pt>
-    <dgm:pt modelId="{D90FD4CA-835A-48F9-ABB1-3DD54D2E2FC0}" type="pres">
-      <dgm:prSet presAssocID="{7C6C75D1-B94A-4690-A6F9-14B09F97030D}" presName="textRect" presStyleLbl="revTx" presStyleIdx="1" presStyleCnt="6">
-        <dgm:presLayoutVars>
-          <dgm:chMax val="1"/>
-          <dgm:chPref val="1"/>
-        </dgm:presLayoutVars>
-      </dgm:prSet>
-      <dgm:spPr/>
-    </dgm:pt>
-    <dgm:pt modelId="{80B3AAD7-6A6C-4F36-BBA7-F3D3AC81C2C0}" type="pres">
-      <dgm:prSet presAssocID="{215CD0DD-6A18-4830-A2CE-F22D940B073B}" presName="sibTrans" presStyleCnt="0"/>
-      <dgm:spPr/>
-    </dgm:pt>
-    <dgm:pt modelId="{AD77F883-1888-411E-988E-0165868556BD}" type="pres">
-      <dgm:prSet presAssocID="{14A4FAB0-EAEF-42C0-9D9B-2843A9FA5525}" presName="compNode" presStyleCnt="0"/>
-      <dgm:spPr/>
-    </dgm:pt>
-    <dgm:pt modelId="{F20BC626-E485-4D7F-AA84-02707F6CBE48}" type="pres">
-      <dgm:prSet presAssocID="{14A4FAB0-EAEF-42C0-9D9B-2843A9FA5525}" presName="iconBgRect" presStyleLbl="bgShp" presStyleIdx="2" presStyleCnt="6"/>
-      <dgm:spPr/>
-    </dgm:pt>
-    <dgm:pt modelId="{14EF7E5B-FE5F-4BBB-86C4-25F933842517}" type="pres">
-      <dgm:prSet presAssocID="{14A4FAB0-EAEF-42C0-9D9B-2843A9FA5525}" presName="iconRect" presStyleLbl="node1" presStyleIdx="2" presStyleCnt="6"/>
-      <dgm:spPr>
-        <a:blipFill>
-          <a:blip xmlns:r="http://schemas.openxmlformats.org/officeDocument/2006/relationships" r:embed="rId5">
-            <a:extLst>
-              <a:ext uri="{96DAC541-7B7A-43D3-8B79-37D633B846F1}">
-                <asvg:svgBlip xmlns:asvg="http://schemas.microsoft.com/office/drawing/2016/SVG/main" r:embed="rId6"/>
               </a:ext>
             </a:extLst>
           </a:blip>
@@ -8870,7 +8709,7 @@
       <dgm:spPr/>
     </dgm:pt>
     <dgm:pt modelId="{4611CA25-D434-4695-9BB9-920198298F05}" type="pres">
-      <dgm:prSet presAssocID="{14A4FAB0-EAEF-42C0-9D9B-2843A9FA5525}" presName="textRect" presStyleLbl="revTx" presStyleIdx="2" presStyleCnt="6">
+      <dgm:prSet presAssocID="{14A4FAB0-EAEF-42C0-9D9B-2843A9FA5525}" presName="textRect" presStyleLbl="revTx" presStyleIdx="1" presStyleCnt="5">
         <dgm:presLayoutVars>
           <dgm:chMax val="1"/>
           <dgm:chPref val="1"/>
@@ -8887,11 +8726,64 @@
       <dgm:spPr/>
     </dgm:pt>
     <dgm:pt modelId="{06EE88CF-570B-43C8-917B-D6077839E6E7}" type="pres">
-      <dgm:prSet presAssocID="{B244D711-66BD-4F26-8970-7CE30A207973}" presName="iconBgRect" presStyleLbl="bgShp" presStyleIdx="3" presStyleCnt="6"/>
+      <dgm:prSet presAssocID="{B244D711-66BD-4F26-8970-7CE30A207973}" presName="iconBgRect" presStyleLbl="bgShp" presStyleIdx="2" presStyleCnt="5"/>
       <dgm:spPr/>
     </dgm:pt>
     <dgm:pt modelId="{3CBE0263-5D85-480E-982E-364D39952557}" type="pres">
-      <dgm:prSet presAssocID="{B244D711-66BD-4F26-8970-7CE30A207973}" presName="iconRect" presStyleLbl="node1" presStyleIdx="3" presStyleCnt="6"/>
+      <dgm:prSet presAssocID="{B244D711-66BD-4F26-8970-7CE30A207973}" presName="iconRect" presStyleLbl="node1" presStyleIdx="2" presStyleCnt="5"/>
+      <dgm:spPr>
+        <a:blipFill>
+          <a:blip xmlns:r="http://schemas.openxmlformats.org/officeDocument/2006/relationships" r:embed="rId5">
+            <a:extLst>
+              <a:ext uri="{28A0092B-C50C-407E-A947-70E740481C1C}">
+                <a14:useLocalDpi xmlns:a14="http://schemas.microsoft.com/office/drawing/2010/main" val="0"/>
+              </a:ext>
+              <a:ext uri="{96DAC541-7B7A-43D3-8B79-37D633B846F1}">
+                <asvg:svgBlip xmlns:asvg="http://schemas.microsoft.com/office/drawing/2016/SVG/main" r:embed="rId6"/>
+              </a:ext>
+            </a:extLst>
+          </a:blip>
+          <a:stretch>
+            <a:fillRect/>
+          </a:stretch>
+        </a:blipFill>
+        <a:ln>
+          <a:noFill/>
+        </a:ln>
+      </dgm:spPr>
+      <dgm:extLst>
+        <a:ext uri="{E40237B7-FDA0-4F09-8148-C483321AD2D9}">
+          <dgm14:cNvPr xmlns:dgm14="http://schemas.microsoft.com/office/drawing/2010/diagram" id="0" name="" descr="Table"/>
+        </a:ext>
+      </dgm:extLst>
+    </dgm:pt>
+    <dgm:pt modelId="{69D72BE9-D803-4AD7-8E42-AA97DF898D34}" type="pres">
+      <dgm:prSet presAssocID="{B244D711-66BD-4F26-8970-7CE30A207973}" presName="spaceRect" presStyleCnt="0"/>
+      <dgm:spPr/>
+    </dgm:pt>
+    <dgm:pt modelId="{F4D761CF-AAB8-4AB4-A310-BB394EF045AB}" type="pres">
+      <dgm:prSet presAssocID="{B244D711-66BD-4F26-8970-7CE30A207973}" presName="textRect" presStyleLbl="revTx" presStyleIdx="2" presStyleCnt="5">
+        <dgm:presLayoutVars>
+          <dgm:chMax val="1"/>
+          <dgm:chPref val="1"/>
+        </dgm:presLayoutVars>
+      </dgm:prSet>
+      <dgm:spPr/>
+    </dgm:pt>
+    <dgm:pt modelId="{719E649C-746D-48D2-9C2D-BEB6EC4DAB85}" type="pres">
+      <dgm:prSet presAssocID="{D6E25F1C-70B4-49F6-8D86-E926AF6F3DEF}" presName="sibTrans" presStyleCnt="0"/>
+      <dgm:spPr/>
+    </dgm:pt>
+    <dgm:pt modelId="{EC38E83D-47AA-4CF6-8525-B4F677BCAF1F}" type="pres">
+      <dgm:prSet presAssocID="{C6CBED35-901B-4B98-8ED6-B4C544BD1BC5}" presName="compNode" presStyleCnt="0"/>
+      <dgm:spPr/>
+    </dgm:pt>
+    <dgm:pt modelId="{05AA9362-9B4D-4BE1-B0DC-4999A5657CD8}" type="pres">
+      <dgm:prSet presAssocID="{C6CBED35-901B-4B98-8ED6-B4C544BD1BC5}" presName="iconBgRect" presStyleLbl="bgShp" presStyleIdx="3" presStyleCnt="5"/>
+      <dgm:spPr/>
+    </dgm:pt>
+    <dgm:pt modelId="{CFB4EC75-83DA-430D-9027-180C26E127EA}" type="pres">
+      <dgm:prSet presAssocID="{C6CBED35-901B-4B98-8ED6-B4C544BD1BC5}" presName="iconRect" presStyleLbl="node1" presStyleIdx="3" presStyleCnt="5"/>
       <dgm:spPr>
         <a:blipFill>
           <a:blip xmlns:r="http://schemas.openxmlformats.org/officeDocument/2006/relationships" r:embed="rId7">
@@ -8914,16 +8806,16 @@
       </dgm:spPr>
       <dgm:extLst>
         <a:ext uri="{E40237B7-FDA0-4F09-8148-C483321AD2D9}">
-          <dgm14:cNvPr xmlns:dgm14="http://schemas.microsoft.com/office/drawing/2010/diagram" id="0" name="" descr="Table"/>
+          <dgm14:cNvPr xmlns:dgm14="http://schemas.microsoft.com/office/drawing/2010/diagram" id="0" name="" descr="Flowchart"/>
         </a:ext>
       </dgm:extLst>
     </dgm:pt>
-    <dgm:pt modelId="{69D72BE9-D803-4AD7-8E42-AA97DF898D34}" type="pres">
-      <dgm:prSet presAssocID="{B244D711-66BD-4F26-8970-7CE30A207973}" presName="spaceRect" presStyleCnt="0"/>
+    <dgm:pt modelId="{CE7493B6-85DF-4994-B5E1-3B718F5CB71F}" type="pres">
+      <dgm:prSet presAssocID="{C6CBED35-901B-4B98-8ED6-B4C544BD1BC5}" presName="spaceRect" presStyleCnt="0"/>
       <dgm:spPr/>
     </dgm:pt>
-    <dgm:pt modelId="{F4D761CF-AAB8-4AB4-A310-BB394EF045AB}" type="pres">
-      <dgm:prSet presAssocID="{B244D711-66BD-4F26-8970-7CE30A207973}" presName="textRect" presStyleLbl="revTx" presStyleIdx="3" presStyleCnt="6">
+    <dgm:pt modelId="{2173795B-2011-40A2-B445-6EEA5EBEA431}" type="pres">
+      <dgm:prSet presAssocID="{C6CBED35-901B-4B98-8ED6-B4C544BD1BC5}" presName="textRect" presStyleLbl="revTx" presStyleIdx="3" presStyleCnt="5">
         <dgm:presLayoutVars>
           <dgm:chMax val="1"/>
           <dgm:chPref val="1"/>
@@ -8931,20 +8823,20 @@
       </dgm:prSet>
       <dgm:spPr/>
     </dgm:pt>
-    <dgm:pt modelId="{719E649C-746D-48D2-9C2D-BEB6EC4DAB85}" type="pres">
-      <dgm:prSet presAssocID="{D6E25F1C-70B4-49F6-8D86-E926AF6F3DEF}" presName="sibTrans" presStyleCnt="0"/>
+    <dgm:pt modelId="{4C5CBA46-BEB8-404B-ACC3-4BFE75072467}" type="pres">
+      <dgm:prSet presAssocID="{653ACC7D-754C-4AE3-B056-56A7994E09C9}" presName="sibTrans" presStyleCnt="0"/>
       <dgm:spPr/>
     </dgm:pt>
-    <dgm:pt modelId="{EC38E83D-47AA-4CF6-8525-B4F677BCAF1F}" type="pres">
-      <dgm:prSet presAssocID="{C6CBED35-901B-4B98-8ED6-B4C544BD1BC5}" presName="compNode" presStyleCnt="0"/>
+    <dgm:pt modelId="{28903BBD-3533-4983-B372-69B067F6E15D}" type="pres">
+      <dgm:prSet presAssocID="{39813DE6-6095-451B-8489-CE2152A094D4}" presName="compNode" presStyleCnt="0"/>
       <dgm:spPr/>
     </dgm:pt>
-    <dgm:pt modelId="{05AA9362-9B4D-4BE1-B0DC-4999A5657CD8}" type="pres">
-      <dgm:prSet presAssocID="{C6CBED35-901B-4B98-8ED6-B4C544BD1BC5}" presName="iconBgRect" presStyleLbl="bgShp" presStyleIdx="4" presStyleCnt="6"/>
+    <dgm:pt modelId="{F0891285-D64B-4F9E-AD97-F1C26445C9DA}" type="pres">
+      <dgm:prSet presAssocID="{39813DE6-6095-451B-8489-CE2152A094D4}" presName="iconBgRect" presStyleLbl="bgShp" presStyleIdx="4" presStyleCnt="5"/>
       <dgm:spPr/>
     </dgm:pt>
-    <dgm:pt modelId="{CFB4EC75-83DA-430D-9027-180C26E127EA}" type="pres">
-      <dgm:prSet presAssocID="{C6CBED35-901B-4B98-8ED6-B4C544BD1BC5}" presName="iconRect" presStyleLbl="node1" presStyleIdx="4" presStyleCnt="6"/>
+    <dgm:pt modelId="{1CA48A33-76B8-481D-A271-D5ED6C0E510C}" type="pres">
+      <dgm:prSet presAssocID="{39813DE6-6095-451B-8489-CE2152A094D4}" presName="iconRect" presStyleLbl="node1" presStyleIdx="4" presStyleCnt="5"/>
       <dgm:spPr>
         <a:blipFill>
           <a:blip xmlns:r="http://schemas.openxmlformats.org/officeDocument/2006/relationships" r:embed="rId9">
@@ -8967,59 +8859,6 @@
       </dgm:spPr>
       <dgm:extLst>
         <a:ext uri="{E40237B7-FDA0-4F09-8148-C483321AD2D9}">
-          <dgm14:cNvPr xmlns:dgm14="http://schemas.microsoft.com/office/drawing/2010/diagram" id="0" name="" descr="Flowchart"/>
-        </a:ext>
-      </dgm:extLst>
-    </dgm:pt>
-    <dgm:pt modelId="{CE7493B6-85DF-4994-B5E1-3B718F5CB71F}" type="pres">
-      <dgm:prSet presAssocID="{C6CBED35-901B-4B98-8ED6-B4C544BD1BC5}" presName="spaceRect" presStyleCnt="0"/>
-      <dgm:spPr/>
-    </dgm:pt>
-    <dgm:pt modelId="{2173795B-2011-40A2-B445-6EEA5EBEA431}" type="pres">
-      <dgm:prSet presAssocID="{C6CBED35-901B-4B98-8ED6-B4C544BD1BC5}" presName="textRect" presStyleLbl="revTx" presStyleIdx="4" presStyleCnt="6">
-        <dgm:presLayoutVars>
-          <dgm:chMax val="1"/>
-          <dgm:chPref val="1"/>
-        </dgm:presLayoutVars>
-      </dgm:prSet>
-      <dgm:spPr/>
-    </dgm:pt>
-    <dgm:pt modelId="{4C5CBA46-BEB8-404B-ACC3-4BFE75072467}" type="pres">
-      <dgm:prSet presAssocID="{653ACC7D-754C-4AE3-B056-56A7994E09C9}" presName="sibTrans" presStyleCnt="0"/>
-      <dgm:spPr/>
-    </dgm:pt>
-    <dgm:pt modelId="{28903BBD-3533-4983-B372-69B067F6E15D}" type="pres">
-      <dgm:prSet presAssocID="{39813DE6-6095-451B-8489-CE2152A094D4}" presName="compNode" presStyleCnt="0"/>
-      <dgm:spPr/>
-    </dgm:pt>
-    <dgm:pt modelId="{F0891285-D64B-4F9E-AD97-F1C26445C9DA}" type="pres">
-      <dgm:prSet presAssocID="{39813DE6-6095-451B-8489-CE2152A094D4}" presName="iconBgRect" presStyleLbl="bgShp" presStyleIdx="5" presStyleCnt="6"/>
-      <dgm:spPr/>
-    </dgm:pt>
-    <dgm:pt modelId="{1CA48A33-76B8-481D-A271-D5ED6C0E510C}" type="pres">
-      <dgm:prSet presAssocID="{39813DE6-6095-451B-8489-CE2152A094D4}" presName="iconRect" presStyleLbl="node1" presStyleIdx="5" presStyleCnt="6"/>
-      <dgm:spPr>
-        <a:blipFill>
-          <a:blip xmlns:r="http://schemas.openxmlformats.org/officeDocument/2006/relationships" r:embed="rId11">
-            <a:extLst>
-              <a:ext uri="{28A0092B-C50C-407E-A947-70E740481C1C}">
-                <a14:useLocalDpi xmlns:a14="http://schemas.microsoft.com/office/drawing/2010/main" val="0"/>
-              </a:ext>
-              <a:ext uri="{96DAC541-7B7A-43D3-8B79-37D633B846F1}">
-                <asvg:svgBlip xmlns:asvg="http://schemas.microsoft.com/office/drawing/2016/SVG/main" r:embed="rId12"/>
-              </a:ext>
-            </a:extLst>
-          </a:blip>
-          <a:stretch>
-            <a:fillRect/>
-          </a:stretch>
-        </a:blipFill>
-        <a:ln>
-          <a:noFill/>
-        </a:ln>
-      </dgm:spPr>
-      <dgm:extLst>
-        <a:ext uri="{E40237B7-FDA0-4F09-8148-C483321AD2D9}">
           <dgm14:cNvPr xmlns:dgm14="http://schemas.microsoft.com/office/drawing/2010/diagram" id="0" name="" descr="Gears"/>
         </a:ext>
       </dgm:extLst>
@@ -9029,7 +8868,7 @@
       <dgm:spPr/>
     </dgm:pt>
     <dgm:pt modelId="{19496FDE-1D88-4499-AA9B-ABAFD4C38E82}" type="pres">
-      <dgm:prSet presAssocID="{39813DE6-6095-451B-8489-CE2152A094D4}" presName="textRect" presStyleLbl="revTx" presStyleIdx="5" presStyleCnt="6">
+      <dgm:prSet presAssocID="{39813DE6-6095-451B-8489-CE2152A094D4}" presName="textRect" presStyleLbl="revTx" presStyleIdx="4" presStyleCnt="5">
         <dgm:presLayoutVars>
           <dgm:chMax val="1"/>
           <dgm:chPref val="1"/>
@@ -9046,43 +8885,35 @@
     <dgm:cxn modelId="{45751543-DFAA-45A1-8CAF-D8CC603564F1}" type="presOf" srcId="{B244D711-66BD-4F26-8970-7CE30A207973}" destId="{F4D761CF-AAB8-4AB4-A310-BB394EF045AB}" srcOrd="0" destOrd="0" presId="urn:microsoft.com/office/officeart/2018/5/layout/IconCircleLabelList"/>
     <dgm:cxn modelId="{4ED42943-54D2-46F9-A342-C090A8590F32}" type="presOf" srcId="{CAFAC3ED-DCB7-4821-83BB-21A222A3F0E3}" destId="{9647517C-EB4B-4496-BC39-CA9ACC426421}" srcOrd="0" destOrd="0" presId="urn:microsoft.com/office/officeart/2018/5/layout/IconCircleLabelList"/>
     <dgm:cxn modelId="{CA25A56A-A6D4-4C65-B289-BF9FF7D7F29C}" type="presOf" srcId="{39813DE6-6095-451B-8489-CE2152A094D4}" destId="{19496FDE-1D88-4499-AA9B-ABAFD4C38E82}" srcOrd="0" destOrd="0" presId="urn:microsoft.com/office/officeart/2018/5/layout/IconCircleLabelList"/>
-    <dgm:cxn modelId="{B8D95F70-868D-46EC-A3FE-7C5962E21E7B}" srcId="{CAFAC3ED-DCB7-4821-83BB-21A222A3F0E3}" destId="{7C6C75D1-B94A-4690-A6F9-14B09F97030D}" srcOrd="1" destOrd="0" parTransId="{0DA86C88-823F-43A8-A8C0-AC09FAECF1D4}" sibTransId="{215CD0DD-6A18-4830-A2CE-F22D940B073B}"/>
-    <dgm:cxn modelId="{CEA7A89A-A70D-423A-BF1B-B485C0B4EBFC}" type="presOf" srcId="{7C6C75D1-B94A-4690-A6F9-14B09F97030D}" destId="{D90FD4CA-835A-48F9-ABB1-3DD54D2E2FC0}" srcOrd="0" destOrd="0" presId="urn:microsoft.com/office/officeart/2018/5/layout/IconCircleLabelList"/>
-    <dgm:cxn modelId="{86C6B3A4-7A41-45DC-B23E-ABC48781DAA6}" srcId="{CAFAC3ED-DCB7-4821-83BB-21A222A3F0E3}" destId="{14A4FAB0-EAEF-42C0-9D9B-2843A9FA5525}" srcOrd="2" destOrd="0" parTransId="{228749B4-7384-4790-B404-9A7793DE16C8}" sibTransId="{FEA14FAC-CF84-4E2E-AFA4-228AFD08C60E}"/>
-    <dgm:cxn modelId="{C8F888B3-0FA0-48EF-AA28-582D10D6837A}" srcId="{CAFAC3ED-DCB7-4821-83BB-21A222A3F0E3}" destId="{C6CBED35-901B-4B98-8ED6-B4C544BD1BC5}" srcOrd="4" destOrd="0" parTransId="{36B651AA-03D3-43B8-8A54-8B016C46CF2F}" sibTransId="{653ACC7D-754C-4AE3-B056-56A7994E09C9}"/>
-    <dgm:cxn modelId="{F4BCA3F3-23DE-4BD2-8A83-650279238F68}" srcId="{CAFAC3ED-DCB7-4821-83BB-21A222A3F0E3}" destId="{B244D711-66BD-4F26-8970-7CE30A207973}" srcOrd="3" destOrd="0" parTransId="{3BBADF40-A8BB-48FA-B171-56E19A1F0ECE}" sibTransId="{D6E25F1C-70B4-49F6-8D86-E926AF6F3DEF}"/>
-    <dgm:cxn modelId="{B157A8F7-B99C-4BC2-B2EF-43A54275CB9A}" srcId="{CAFAC3ED-DCB7-4821-83BB-21A222A3F0E3}" destId="{39813DE6-6095-451B-8489-CE2152A094D4}" srcOrd="5" destOrd="0" parTransId="{3755AE10-54CC-4F6C-A00E-69A954D16CE6}" sibTransId="{077D196F-FEC0-4B55-BB4B-B6E1ED1F2CD5}"/>
+    <dgm:cxn modelId="{86C6B3A4-7A41-45DC-B23E-ABC48781DAA6}" srcId="{CAFAC3ED-DCB7-4821-83BB-21A222A3F0E3}" destId="{14A4FAB0-EAEF-42C0-9D9B-2843A9FA5525}" srcOrd="1" destOrd="0" parTransId="{228749B4-7384-4790-B404-9A7793DE16C8}" sibTransId="{FEA14FAC-CF84-4E2E-AFA4-228AFD08C60E}"/>
+    <dgm:cxn modelId="{C8F888B3-0FA0-48EF-AA28-582D10D6837A}" srcId="{CAFAC3ED-DCB7-4821-83BB-21A222A3F0E3}" destId="{C6CBED35-901B-4B98-8ED6-B4C544BD1BC5}" srcOrd="3" destOrd="0" parTransId="{36B651AA-03D3-43B8-8A54-8B016C46CF2F}" sibTransId="{653ACC7D-754C-4AE3-B056-56A7994E09C9}"/>
+    <dgm:cxn modelId="{F4BCA3F3-23DE-4BD2-8A83-650279238F68}" srcId="{CAFAC3ED-DCB7-4821-83BB-21A222A3F0E3}" destId="{B244D711-66BD-4F26-8970-7CE30A207973}" srcOrd="2" destOrd="0" parTransId="{3BBADF40-A8BB-48FA-B171-56E19A1F0ECE}" sibTransId="{D6E25F1C-70B4-49F6-8D86-E926AF6F3DEF}"/>
+    <dgm:cxn modelId="{B157A8F7-B99C-4BC2-B2EF-43A54275CB9A}" srcId="{CAFAC3ED-DCB7-4821-83BB-21A222A3F0E3}" destId="{39813DE6-6095-451B-8489-CE2152A094D4}" srcOrd="4" destOrd="0" parTransId="{3755AE10-54CC-4F6C-A00E-69A954D16CE6}" sibTransId="{077D196F-FEC0-4B55-BB4B-B6E1ED1F2CD5}"/>
     <dgm:cxn modelId="{1DD5B515-62CB-42D0-8208-F65FE04B3947}" type="presParOf" srcId="{9647517C-EB4B-4496-BC39-CA9ACC426421}" destId="{76A0DDE4-53ED-4E74-A780-FCE9F21DBD00}" srcOrd="0" destOrd="0" presId="urn:microsoft.com/office/officeart/2018/5/layout/IconCircleLabelList"/>
     <dgm:cxn modelId="{F55B54F2-1883-435C-91ED-B3C359AC167C}" type="presParOf" srcId="{76A0DDE4-53ED-4E74-A780-FCE9F21DBD00}" destId="{E99E0523-4D26-4880-8C04-EC007FBCED66}" srcOrd="0" destOrd="0" presId="urn:microsoft.com/office/officeart/2018/5/layout/IconCircleLabelList"/>
     <dgm:cxn modelId="{0E5BEC74-BC12-4727-8960-2AAC7DBB5204}" type="presParOf" srcId="{76A0DDE4-53ED-4E74-A780-FCE9F21DBD00}" destId="{8251485F-A90E-4024-8D40-129B935A8121}" srcOrd="1" destOrd="0" presId="urn:microsoft.com/office/officeart/2018/5/layout/IconCircleLabelList"/>
     <dgm:cxn modelId="{38905848-CDA5-4B7D-9FFE-01DD0831DEFA}" type="presParOf" srcId="{76A0DDE4-53ED-4E74-A780-FCE9F21DBD00}" destId="{FA921E2D-9A68-455D-B36C-C9F1F43A4E6C}" srcOrd="2" destOrd="0" presId="urn:microsoft.com/office/officeart/2018/5/layout/IconCircleLabelList"/>
     <dgm:cxn modelId="{6B1766D6-CD93-4A8C-9A43-2AD3B4ABF78F}" type="presParOf" srcId="{76A0DDE4-53ED-4E74-A780-FCE9F21DBD00}" destId="{170E926F-8B49-490C-A9B8-B547B4DB2713}" srcOrd="3" destOrd="0" presId="urn:microsoft.com/office/officeart/2018/5/layout/IconCircleLabelList"/>
     <dgm:cxn modelId="{A47E0722-BBDC-4F61-9975-52DE732E6B39}" type="presParOf" srcId="{9647517C-EB4B-4496-BC39-CA9ACC426421}" destId="{40BC6465-B2BA-4587-865F-E03EEA4FDE57}" srcOrd="1" destOrd="0" presId="urn:microsoft.com/office/officeart/2018/5/layout/IconCircleLabelList"/>
-    <dgm:cxn modelId="{302DEF37-A69D-4761-9B44-DD346810B5F3}" type="presParOf" srcId="{9647517C-EB4B-4496-BC39-CA9ACC426421}" destId="{E2CEEC50-239A-4E5D-B6D0-399955BA0CB9}" srcOrd="2" destOrd="0" presId="urn:microsoft.com/office/officeart/2018/5/layout/IconCircleLabelList"/>
-    <dgm:cxn modelId="{669D756B-9414-4E4F-8D5D-FF0EEE68AE51}" type="presParOf" srcId="{E2CEEC50-239A-4E5D-B6D0-399955BA0CB9}" destId="{2E630F7B-655C-4CE7-810D-AC8B47F1F122}" srcOrd="0" destOrd="0" presId="urn:microsoft.com/office/officeart/2018/5/layout/IconCircleLabelList"/>
-    <dgm:cxn modelId="{D6D1D359-54A0-448A-B3EB-8D427565B01E}" type="presParOf" srcId="{E2CEEC50-239A-4E5D-B6D0-399955BA0CB9}" destId="{409669BA-5934-47F6-AE36-1BD4091D9950}" srcOrd="1" destOrd="0" presId="urn:microsoft.com/office/officeart/2018/5/layout/IconCircleLabelList"/>
-    <dgm:cxn modelId="{8A574AF1-19BC-4053-A213-F0F13512FD96}" type="presParOf" srcId="{E2CEEC50-239A-4E5D-B6D0-399955BA0CB9}" destId="{E8FF8640-6D29-46F7-B1CB-6E1018F47CBB}" srcOrd="2" destOrd="0" presId="urn:microsoft.com/office/officeart/2018/5/layout/IconCircleLabelList"/>
-    <dgm:cxn modelId="{B06796B1-97B1-4059-8384-B1CC4A03C40E}" type="presParOf" srcId="{E2CEEC50-239A-4E5D-B6D0-399955BA0CB9}" destId="{D90FD4CA-835A-48F9-ABB1-3DD54D2E2FC0}" srcOrd="3" destOrd="0" presId="urn:microsoft.com/office/officeart/2018/5/layout/IconCircleLabelList"/>
-    <dgm:cxn modelId="{082EDA8C-A312-4963-9A3C-B960C8FD2F06}" type="presParOf" srcId="{9647517C-EB4B-4496-BC39-CA9ACC426421}" destId="{80B3AAD7-6A6C-4F36-BBA7-F3D3AC81C2C0}" srcOrd="3" destOrd="0" presId="urn:microsoft.com/office/officeart/2018/5/layout/IconCircleLabelList"/>
-    <dgm:cxn modelId="{9626FBB9-8907-4EC0-8133-8D8182834FD6}" type="presParOf" srcId="{9647517C-EB4B-4496-BC39-CA9ACC426421}" destId="{AD77F883-1888-411E-988E-0165868556BD}" srcOrd="4" destOrd="0" presId="urn:microsoft.com/office/officeart/2018/5/layout/IconCircleLabelList"/>
+    <dgm:cxn modelId="{9626FBB9-8907-4EC0-8133-8D8182834FD6}" type="presParOf" srcId="{9647517C-EB4B-4496-BC39-CA9ACC426421}" destId="{AD77F883-1888-411E-988E-0165868556BD}" srcOrd="2" destOrd="0" presId="urn:microsoft.com/office/officeart/2018/5/layout/IconCircleLabelList"/>
     <dgm:cxn modelId="{A01584AD-6B05-42F9-BDF7-1AB71032AEAA}" type="presParOf" srcId="{AD77F883-1888-411E-988E-0165868556BD}" destId="{F20BC626-E485-4D7F-AA84-02707F6CBE48}" srcOrd="0" destOrd="0" presId="urn:microsoft.com/office/officeart/2018/5/layout/IconCircleLabelList"/>
     <dgm:cxn modelId="{BE7F5B4E-499E-4AA8-A077-7DC50ABE0612}" type="presParOf" srcId="{AD77F883-1888-411E-988E-0165868556BD}" destId="{14EF7E5B-FE5F-4BBB-86C4-25F933842517}" srcOrd="1" destOrd="0" presId="urn:microsoft.com/office/officeart/2018/5/layout/IconCircleLabelList"/>
     <dgm:cxn modelId="{CFBF523C-016A-4E3A-BB0F-ABB81EF251B3}" type="presParOf" srcId="{AD77F883-1888-411E-988E-0165868556BD}" destId="{A096FF8F-8006-4E3A-9271-D4762DBD63FD}" srcOrd="2" destOrd="0" presId="urn:microsoft.com/office/officeart/2018/5/layout/IconCircleLabelList"/>
     <dgm:cxn modelId="{C101B255-03C5-4458-BD31-CDECAC91BAF1}" type="presParOf" srcId="{AD77F883-1888-411E-988E-0165868556BD}" destId="{4611CA25-D434-4695-9BB9-920198298F05}" srcOrd="3" destOrd="0" presId="urn:microsoft.com/office/officeart/2018/5/layout/IconCircleLabelList"/>
-    <dgm:cxn modelId="{64FDDB69-16F4-417C-B7A9-78ED6BB95201}" type="presParOf" srcId="{9647517C-EB4B-4496-BC39-CA9ACC426421}" destId="{6D1A17CF-B94B-4E9B-8D9A-2D442386428B}" srcOrd="5" destOrd="0" presId="urn:microsoft.com/office/officeart/2018/5/layout/IconCircleLabelList"/>
-    <dgm:cxn modelId="{DA0CC56D-C785-4AD3-A307-2C135319EB95}" type="presParOf" srcId="{9647517C-EB4B-4496-BC39-CA9ACC426421}" destId="{B6B6BEA3-E793-4D5B-92C4-7E609162EDF7}" srcOrd="6" destOrd="0" presId="urn:microsoft.com/office/officeart/2018/5/layout/IconCircleLabelList"/>
+    <dgm:cxn modelId="{64FDDB69-16F4-417C-B7A9-78ED6BB95201}" type="presParOf" srcId="{9647517C-EB4B-4496-BC39-CA9ACC426421}" destId="{6D1A17CF-B94B-4E9B-8D9A-2D442386428B}" srcOrd="3" destOrd="0" presId="urn:microsoft.com/office/officeart/2018/5/layout/IconCircleLabelList"/>
+    <dgm:cxn modelId="{DA0CC56D-C785-4AD3-A307-2C135319EB95}" type="presParOf" srcId="{9647517C-EB4B-4496-BC39-CA9ACC426421}" destId="{B6B6BEA3-E793-4D5B-92C4-7E609162EDF7}" srcOrd="4" destOrd="0" presId="urn:microsoft.com/office/officeart/2018/5/layout/IconCircleLabelList"/>
     <dgm:cxn modelId="{570EF25F-8879-4204-B591-D63ABF9271EB}" type="presParOf" srcId="{B6B6BEA3-E793-4D5B-92C4-7E609162EDF7}" destId="{06EE88CF-570B-43C8-917B-D6077839E6E7}" srcOrd="0" destOrd="0" presId="urn:microsoft.com/office/officeart/2018/5/layout/IconCircleLabelList"/>
     <dgm:cxn modelId="{F7CFC138-0125-4B75-A42C-65BB826537BD}" type="presParOf" srcId="{B6B6BEA3-E793-4D5B-92C4-7E609162EDF7}" destId="{3CBE0263-5D85-480E-982E-364D39952557}" srcOrd="1" destOrd="0" presId="urn:microsoft.com/office/officeart/2018/5/layout/IconCircleLabelList"/>
     <dgm:cxn modelId="{6CE673FC-07BC-4939-B2C4-42F56ADE8902}" type="presParOf" srcId="{B6B6BEA3-E793-4D5B-92C4-7E609162EDF7}" destId="{69D72BE9-D803-4AD7-8E42-AA97DF898D34}" srcOrd="2" destOrd="0" presId="urn:microsoft.com/office/officeart/2018/5/layout/IconCircleLabelList"/>
     <dgm:cxn modelId="{521D3198-4044-4137-8368-FBDCD27C4C7C}" type="presParOf" srcId="{B6B6BEA3-E793-4D5B-92C4-7E609162EDF7}" destId="{F4D761CF-AAB8-4AB4-A310-BB394EF045AB}" srcOrd="3" destOrd="0" presId="urn:microsoft.com/office/officeart/2018/5/layout/IconCircleLabelList"/>
-    <dgm:cxn modelId="{CB2E4853-1B3F-4320-9542-CBA7D1ABC785}" type="presParOf" srcId="{9647517C-EB4B-4496-BC39-CA9ACC426421}" destId="{719E649C-746D-48D2-9C2D-BEB6EC4DAB85}" srcOrd="7" destOrd="0" presId="urn:microsoft.com/office/officeart/2018/5/layout/IconCircleLabelList"/>
-    <dgm:cxn modelId="{674B0195-F346-49DF-9ABC-5C95CDB2BD50}" type="presParOf" srcId="{9647517C-EB4B-4496-BC39-CA9ACC426421}" destId="{EC38E83D-47AA-4CF6-8525-B4F677BCAF1F}" srcOrd="8" destOrd="0" presId="urn:microsoft.com/office/officeart/2018/5/layout/IconCircleLabelList"/>
+    <dgm:cxn modelId="{CB2E4853-1B3F-4320-9542-CBA7D1ABC785}" type="presParOf" srcId="{9647517C-EB4B-4496-BC39-CA9ACC426421}" destId="{719E649C-746D-48D2-9C2D-BEB6EC4DAB85}" srcOrd="5" destOrd="0" presId="urn:microsoft.com/office/officeart/2018/5/layout/IconCircleLabelList"/>
+    <dgm:cxn modelId="{674B0195-F346-49DF-9ABC-5C95CDB2BD50}" type="presParOf" srcId="{9647517C-EB4B-4496-BC39-CA9ACC426421}" destId="{EC38E83D-47AA-4CF6-8525-B4F677BCAF1F}" srcOrd="6" destOrd="0" presId="urn:microsoft.com/office/officeart/2018/5/layout/IconCircleLabelList"/>
     <dgm:cxn modelId="{1A03BF5A-3EF1-4EE4-8867-06664693398E}" type="presParOf" srcId="{EC38E83D-47AA-4CF6-8525-B4F677BCAF1F}" destId="{05AA9362-9B4D-4BE1-B0DC-4999A5657CD8}" srcOrd="0" destOrd="0" presId="urn:microsoft.com/office/officeart/2018/5/layout/IconCircleLabelList"/>
     <dgm:cxn modelId="{628BE3F6-3CB9-43C7-8DA5-FA53A26E7EDE}" type="presParOf" srcId="{EC38E83D-47AA-4CF6-8525-B4F677BCAF1F}" destId="{CFB4EC75-83DA-430D-9027-180C26E127EA}" srcOrd="1" destOrd="0" presId="urn:microsoft.com/office/officeart/2018/5/layout/IconCircleLabelList"/>
     <dgm:cxn modelId="{38EE5715-C44E-4681-A1DA-4FA9D41391EC}" type="presParOf" srcId="{EC38E83D-47AA-4CF6-8525-B4F677BCAF1F}" destId="{CE7493B6-85DF-4994-B5E1-3B718F5CB71F}" srcOrd="2" destOrd="0" presId="urn:microsoft.com/office/officeart/2018/5/layout/IconCircleLabelList"/>
     <dgm:cxn modelId="{8BD8695F-1B1A-48AF-8191-A6AA67C566BC}" type="presParOf" srcId="{EC38E83D-47AA-4CF6-8525-B4F677BCAF1F}" destId="{2173795B-2011-40A2-B445-6EEA5EBEA431}" srcOrd="3" destOrd="0" presId="urn:microsoft.com/office/officeart/2018/5/layout/IconCircleLabelList"/>
-    <dgm:cxn modelId="{B72B6A52-DC45-4A0F-BE29-EC427BF92FF8}" type="presParOf" srcId="{9647517C-EB4B-4496-BC39-CA9ACC426421}" destId="{4C5CBA46-BEB8-404B-ACC3-4BFE75072467}" srcOrd="9" destOrd="0" presId="urn:microsoft.com/office/officeart/2018/5/layout/IconCircleLabelList"/>
-    <dgm:cxn modelId="{2259A924-DA27-44BF-B0A2-A6E1D4E5E6FE}" type="presParOf" srcId="{9647517C-EB4B-4496-BC39-CA9ACC426421}" destId="{28903BBD-3533-4983-B372-69B067F6E15D}" srcOrd="10" destOrd="0" presId="urn:microsoft.com/office/officeart/2018/5/layout/IconCircleLabelList"/>
+    <dgm:cxn modelId="{B72B6A52-DC45-4A0F-BE29-EC427BF92FF8}" type="presParOf" srcId="{9647517C-EB4B-4496-BC39-CA9ACC426421}" destId="{4C5CBA46-BEB8-404B-ACC3-4BFE75072467}" srcOrd="7" destOrd="0" presId="urn:microsoft.com/office/officeart/2018/5/layout/IconCircleLabelList"/>
+    <dgm:cxn modelId="{2259A924-DA27-44BF-B0A2-A6E1D4E5E6FE}" type="presParOf" srcId="{9647517C-EB4B-4496-BC39-CA9ACC426421}" destId="{28903BBD-3533-4983-B372-69B067F6E15D}" srcOrd="8" destOrd="0" presId="urn:microsoft.com/office/officeart/2018/5/layout/IconCircleLabelList"/>
     <dgm:cxn modelId="{9BE77DDD-A97B-435A-8D7B-AF3C09EF4CD6}" type="presParOf" srcId="{28903BBD-3533-4983-B372-69B067F6E15D}" destId="{F0891285-D64B-4F9E-AD97-F1C26445C9DA}" srcOrd="0" destOrd="0" presId="urn:microsoft.com/office/officeart/2018/5/layout/IconCircleLabelList"/>
     <dgm:cxn modelId="{C6A80F89-ACA4-41D7-9D7E-D983B04F5561}" type="presParOf" srcId="{28903BBD-3533-4983-B372-69B067F6E15D}" destId="{1CA48A33-76B8-481D-A271-D5ED6C0E510C}" srcOrd="1" destOrd="0" presId="urn:microsoft.com/office/officeart/2018/5/layout/IconCircleLabelList"/>
     <dgm:cxn modelId="{8EC247FB-D5FA-4595-987B-1939001BB897}" type="presParOf" srcId="{28903BBD-3533-4983-B372-69B067F6E15D}" destId="{FB505DFE-5F0A-44B5-B2EE-912A9036155C}" srcOrd="2" destOrd="0" presId="urn:microsoft.com/office/officeart/2018/5/layout/IconCircleLabelList"/>
@@ -9206,14 +9037,31 @@
         <a:p>
           <a:r>
             <a:rPr lang="en-US" dirty="0"/>
-            <a:t>Used Django tests system.</a:t>
+            <a:t>- Used Django tests system.</a:t>
           </a:r>
           <a:br>
             <a:rPr lang="en-US" dirty="0"/>
           </a:br>
           <a:r>
             <a:rPr lang="en-US" dirty="0"/>
-            <a:t>Testing the APIs in the application. </a:t>
+            <a:t>- Used Cypress package.</a:t>
+          </a:r>
+          <a:br>
+            <a:rPr lang="en-US" dirty="0"/>
+          </a:br>
+          <a:br>
+            <a:rPr lang="en-US" dirty="0"/>
+          </a:br>
+          <a:r>
+            <a:rPr lang="en-US" dirty="0"/>
+            <a:t>Testing many cases of user cases in any web-browser.</a:t>
+          </a:r>
+          <a:br>
+            <a:rPr lang="en-US" dirty="0"/>
+          </a:br>
+          <a:r>
+            <a:rPr lang="en-US" dirty="0"/>
+            <a:t> </a:t>
           </a:r>
         </a:p>
       </dgm:t>
@@ -9238,53 +9086,7 @@
         <a:p>
           <a:r>
             <a:rPr lang="en-US" dirty="0"/>
-            <a:t>Backend Tests</a:t>
-          </a:r>
-        </a:p>
-      </dgm:t>
-    </dgm:pt>
-    <dgm:pt modelId="{2FCABEC2-9647-4B73-9741-24032BF9D6B9}">
-      <dgm:prSet/>
-      <dgm:spPr/>
-      <dgm:t>
-        <a:bodyPr/>
-        <a:lstStyle/>
-        <a:p>
-          <a:r>
-            <a:rPr lang="en-US" dirty="0"/>
-            <a:t>Used Cypress package.</a:t>
-          </a:r>
-          <a:br>
-            <a:rPr lang="en-US" dirty="0"/>
-          </a:br>
-          <a:r>
-            <a:rPr lang="en-US" dirty="0"/>
-            <a:t>Testing many cases of user usages.</a:t>
-          </a:r>
-        </a:p>
-      </dgm:t>
-    </dgm:pt>
-    <dgm:pt modelId="{96E47CA8-DC11-4A2E-97BD-8DA991F73C90}" type="parTrans" cxnId="{0B1C00BB-6B58-46F7-A0BC-DDFA100C8AC0}">
-      <dgm:prSet/>
-      <dgm:spPr/>
-      <dgm:t>
-        <a:bodyPr/>
-        <a:lstStyle/>
-        <a:p>
-          <a:endParaRPr lang="en-US"/>
-        </a:p>
-      </dgm:t>
-    </dgm:pt>
-    <dgm:pt modelId="{3BD29562-10A2-4BB5-9735-5B0AD4C239C1}" type="sibTrans" cxnId="{0B1C00BB-6B58-46F7-A0BC-DDFA100C8AC0}">
-      <dgm:prSet phldrT="02"/>
-      <dgm:spPr/>
-      <dgm:t>
-        <a:bodyPr/>
-        <a:lstStyle/>
-        <a:p>
-          <a:r>
-            <a:rPr lang="en-US" dirty="0"/>
-            <a:t>Frontend Tests</a:t>
+            <a:t>Tests</a:t>
           </a:r>
         </a:p>
       </dgm:t>
@@ -9307,11 +9109,11 @@
       <dgm:spPr/>
     </dgm:pt>
     <dgm:pt modelId="{E2AB4C51-AEC2-4E56-91EA-C6337351DB4D}" type="pres">
-      <dgm:prSet presAssocID="{76B6458D-1DCD-43BA-99CC-214D1BF3A37A}" presName="bgRect" presStyleLbl="alignNode1" presStyleIdx="0" presStyleCnt="4"/>
+      <dgm:prSet presAssocID="{76B6458D-1DCD-43BA-99CC-214D1BF3A37A}" presName="bgRect" presStyleLbl="alignNode1" presStyleIdx="0" presStyleCnt="3"/>
       <dgm:spPr/>
     </dgm:pt>
     <dgm:pt modelId="{EC5A7F19-E381-44E5-B1DA-53F23D7EBD93}" type="pres">
-      <dgm:prSet presAssocID="{97A2A027-F7E8-4C4A-BD06-B5CE826D52D7}" presName="sibTransNodeRect" presStyleLbl="alignNode1" presStyleIdx="0" presStyleCnt="4">
+      <dgm:prSet presAssocID="{97A2A027-F7E8-4C4A-BD06-B5CE826D52D7}" presName="sibTransNodeRect" presStyleLbl="alignNode1" presStyleIdx="0" presStyleCnt="3">
         <dgm:presLayoutVars>
           <dgm:chMax val="0"/>
           <dgm:bulletEnabled val="1"/>
@@ -9320,7 +9122,7 @@
       <dgm:spPr/>
     </dgm:pt>
     <dgm:pt modelId="{E6EF0992-7DEC-41A1-9768-9C4F7209ED5D}" type="pres">
-      <dgm:prSet presAssocID="{76B6458D-1DCD-43BA-99CC-214D1BF3A37A}" presName="nodeRect" presStyleLbl="alignNode1" presStyleIdx="0" presStyleCnt="4">
+      <dgm:prSet presAssocID="{76B6458D-1DCD-43BA-99CC-214D1BF3A37A}" presName="nodeRect" presStyleLbl="alignNode1" presStyleIdx="0" presStyleCnt="3">
         <dgm:presLayoutVars>
           <dgm:bulletEnabled val="1"/>
         </dgm:presLayoutVars>
@@ -9329,39 +9131,6 @@
     </dgm:pt>
     <dgm:pt modelId="{E02447F8-EA03-48F6-AD2B-B917E06FCBCC}" type="pres">
       <dgm:prSet presAssocID="{97A2A027-F7E8-4C4A-BD06-B5CE826D52D7}" presName="sibTrans" presStyleCnt="0"/>
-      <dgm:spPr/>
-    </dgm:pt>
-    <dgm:pt modelId="{F3E270CD-3BF2-4D9B-8E97-5C65AAB7A118}" type="pres">
-      <dgm:prSet presAssocID="{2FCABEC2-9647-4B73-9741-24032BF9D6B9}" presName="compositeNode" presStyleCnt="0">
-        <dgm:presLayoutVars>
-          <dgm:bulletEnabled val="1"/>
-        </dgm:presLayoutVars>
-      </dgm:prSet>
-      <dgm:spPr/>
-    </dgm:pt>
-    <dgm:pt modelId="{5AD143F7-0E54-4217-98D2-5827055C336F}" type="pres">
-      <dgm:prSet presAssocID="{2FCABEC2-9647-4B73-9741-24032BF9D6B9}" presName="bgRect" presStyleLbl="alignNode1" presStyleIdx="1" presStyleCnt="4"/>
-      <dgm:spPr/>
-    </dgm:pt>
-    <dgm:pt modelId="{620C4F87-F2EB-47AE-A233-A63B3450A883}" type="pres">
-      <dgm:prSet presAssocID="{3BD29562-10A2-4BB5-9735-5B0AD4C239C1}" presName="sibTransNodeRect" presStyleLbl="alignNode1" presStyleIdx="1" presStyleCnt="4">
-        <dgm:presLayoutVars>
-          <dgm:chMax val="0"/>
-          <dgm:bulletEnabled val="1"/>
-        </dgm:presLayoutVars>
-      </dgm:prSet>
-      <dgm:spPr/>
-    </dgm:pt>
-    <dgm:pt modelId="{5270FBD1-5AC8-4235-A2D4-779E47DA5D26}" type="pres">
-      <dgm:prSet presAssocID="{2FCABEC2-9647-4B73-9741-24032BF9D6B9}" presName="nodeRect" presStyleLbl="alignNode1" presStyleIdx="1" presStyleCnt="4">
-        <dgm:presLayoutVars>
-          <dgm:bulletEnabled val="1"/>
-        </dgm:presLayoutVars>
-      </dgm:prSet>
-      <dgm:spPr/>
-    </dgm:pt>
-    <dgm:pt modelId="{F73B68AA-4A72-4CB6-BF79-92AA0CDDD19A}" type="pres">
-      <dgm:prSet presAssocID="{3BD29562-10A2-4BB5-9735-5B0AD4C239C1}" presName="sibTrans" presStyleCnt="0"/>
       <dgm:spPr/>
     </dgm:pt>
     <dgm:pt modelId="{D4F884B7-1A75-485D-8517-AE3247793D78}" type="pres">
@@ -9373,11 +9142,11 @@
       <dgm:spPr/>
     </dgm:pt>
     <dgm:pt modelId="{1FA53A41-EACC-4BB3-AD4D-D0E9328813A6}" type="pres">
-      <dgm:prSet presAssocID="{B244D711-66BD-4F26-8970-7CE30A207973}" presName="bgRect" presStyleLbl="alignNode1" presStyleIdx="2" presStyleCnt="4"/>
+      <dgm:prSet presAssocID="{B244D711-66BD-4F26-8970-7CE30A207973}" presName="bgRect" presStyleLbl="alignNode1" presStyleIdx="1" presStyleCnt="3"/>
       <dgm:spPr/>
     </dgm:pt>
     <dgm:pt modelId="{6D39A10C-4EE7-475B-B56F-3CD8E5E06848}" type="pres">
-      <dgm:prSet presAssocID="{D6E25F1C-70B4-49F6-8D86-E926AF6F3DEF}" presName="sibTransNodeRect" presStyleLbl="alignNode1" presStyleIdx="2" presStyleCnt="4">
+      <dgm:prSet presAssocID="{D6E25F1C-70B4-49F6-8D86-E926AF6F3DEF}" presName="sibTransNodeRect" presStyleLbl="alignNode1" presStyleIdx="1" presStyleCnt="3">
         <dgm:presLayoutVars>
           <dgm:chMax val="0"/>
           <dgm:bulletEnabled val="1"/>
@@ -9386,7 +9155,7 @@
       <dgm:spPr/>
     </dgm:pt>
     <dgm:pt modelId="{37997FAE-CCFA-4597-B635-CA540C71F9E2}" type="pres">
-      <dgm:prSet presAssocID="{B244D711-66BD-4F26-8970-7CE30A207973}" presName="nodeRect" presStyleLbl="alignNode1" presStyleIdx="2" presStyleCnt="4">
+      <dgm:prSet presAssocID="{B244D711-66BD-4F26-8970-7CE30A207973}" presName="nodeRect" presStyleLbl="alignNode1" presStyleIdx="1" presStyleCnt="3">
         <dgm:presLayoutVars>
           <dgm:bulletEnabled val="1"/>
         </dgm:presLayoutVars>
@@ -9406,11 +9175,11 @@
       <dgm:spPr/>
     </dgm:pt>
     <dgm:pt modelId="{BBAB34F9-E84D-441B-A16E-FAE94439C0D5}" type="pres">
-      <dgm:prSet presAssocID="{C6CBED35-901B-4B98-8ED6-B4C544BD1BC5}" presName="bgRect" presStyleLbl="alignNode1" presStyleIdx="3" presStyleCnt="4"/>
+      <dgm:prSet presAssocID="{C6CBED35-901B-4B98-8ED6-B4C544BD1BC5}" presName="bgRect" presStyleLbl="alignNode1" presStyleIdx="2" presStyleCnt="3"/>
       <dgm:spPr/>
     </dgm:pt>
     <dgm:pt modelId="{815FF600-CC35-427A-9817-491AEFD68B52}" type="pres">
-      <dgm:prSet presAssocID="{653ACC7D-754C-4AE3-B056-56A7994E09C9}" presName="sibTransNodeRect" presStyleLbl="alignNode1" presStyleIdx="3" presStyleCnt="4">
+      <dgm:prSet presAssocID="{653ACC7D-754C-4AE3-B056-56A7994E09C9}" presName="sibTransNodeRect" presStyleLbl="alignNode1" presStyleIdx="2" presStyleCnt="3">
         <dgm:presLayoutVars>
           <dgm:chMax val="0"/>
           <dgm:bulletEnabled val="1"/>
@@ -9419,7 +9188,7 @@
       <dgm:spPr/>
     </dgm:pt>
     <dgm:pt modelId="{12374559-DBA1-46D9-A332-258E5BB1E7D0}" type="pres">
-      <dgm:prSet presAssocID="{C6CBED35-901B-4B98-8ED6-B4C544BD1BC5}" presName="nodeRect" presStyleLbl="alignNode1" presStyleIdx="3" presStyleCnt="4">
+      <dgm:prSet presAssocID="{C6CBED35-901B-4B98-8ED6-B4C544BD1BC5}" presName="nodeRect" presStyleLbl="alignNode1" presStyleIdx="2" presStyleCnt="3">
         <dgm:presLayoutVars>
           <dgm:bulletEnabled val="1"/>
         </dgm:presLayoutVars>
@@ -9428,21 +9197,17 @@
     </dgm:pt>
   </dgm:ptLst>
   <dgm:cxnLst>
-    <dgm:cxn modelId="{2DA12229-CA45-4BE2-A366-9D35F4A0C87B}" type="presOf" srcId="{2FCABEC2-9647-4B73-9741-24032BF9D6B9}" destId="{5AD143F7-0E54-4217-98D2-5827055C336F}" srcOrd="0" destOrd="0" presId="urn:microsoft.com/office/officeart/2016/7/layout/LinearBlockProcessNumbered"/>
-    <dgm:cxn modelId="{8A32D046-26B6-4FA9-A048-26F41354A3A6}" type="presOf" srcId="{3BD29562-10A2-4BB5-9735-5B0AD4C239C1}" destId="{620C4F87-F2EB-47AE-A233-A63B3450A883}" srcOrd="0" destOrd="0" presId="urn:microsoft.com/office/officeart/2016/7/layout/LinearBlockProcessNumbered"/>
     <dgm:cxn modelId="{DB59BB54-6E7A-4302-868E-BC48DE8632E3}" srcId="{CAFAC3ED-DCB7-4821-83BB-21A222A3F0E3}" destId="{76B6458D-1DCD-43BA-99CC-214D1BF3A37A}" srcOrd="0" destOrd="0" parTransId="{661A73FD-A923-4942-9D68-017A95358E04}" sibTransId="{97A2A027-F7E8-4C4A-BD06-B5CE826D52D7}"/>
     <dgm:cxn modelId="{299FA177-1CFC-49E3-9C1B-C5757113BBE6}" type="presOf" srcId="{653ACC7D-754C-4AE3-B056-56A7994E09C9}" destId="{815FF600-CC35-427A-9817-491AEFD68B52}" srcOrd="0" destOrd="0" presId="urn:microsoft.com/office/officeart/2016/7/layout/LinearBlockProcessNumbered"/>
     <dgm:cxn modelId="{AF05999D-EC3B-46C8-B440-7650F8718A75}" type="presOf" srcId="{B244D711-66BD-4F26-8970-7CE30A207973}" destId="{37997FAE-CCFA-4597-B635-CA540C71F9E2}" srcOrd="1" destOrd="0" presId="urn:microsoft.com/office/officeart/2016/7/layout/LinearBlockProcessNumbered"/>
-    <dgm:cxn modelId="{5FD00DB1-A0DC-40AC-AF66-AE28B8A6C8D6}" type="presOf" srcId="{2FCABEC2-9647-4B73-9741-24032BF9D6B9}" destId="{5270FBD1-5AC8-4235-A2D4-779E47DA5D26}" srcOrd="1" destOrd="0" presId="urn:microsoft.com/office/officeart/2016/7/layout/LinearBlockProcessNumbered"/>
-    <dgm:cxn modelId="{C8F888B3-0FA0-48EF-AA28-582D10D6837A}" srcId="{CAFAC3ED-DCB7-4821-83BB-21A222A3F0E3}" destId="{C6CBED35-901B-4B98-8ED6-B4C544BD1BC5}" srcOrd="3" destOrd="0" parTransId="{36B651AA-03D3-43B8-8A54-8B016C46CF2F}" sibTransId="{653ACC7D-754C-4AE3-B056-56A7994E09C9}"/>
-    <dgm:cxn modelId="{0B1C00BB-6B58-46F7-A0BC-DDFA100C8AC0}" srcId="{CAFAC3ED-DCB7-4821-83BB-21A222A3F0E3}" destId="{2FCABEC2-9647-4B73-9741-24032BF9D6B9}" srcOrd="1" destOrd="0" parTransId="{96E47CA8-DC11-4A2E-97BD-8DA991F73C90}" sibTransId="{3BD29562-10A2-4BB5-9735-5B0AD4C239C1}"/>
+    <dgm:cxn modelId="{C8F888B3-0FA0-48EF-AA28-582D10D6837A}" srcId="{CAFAC3ED-DCB7-4821-83BB-21A222A3F0E3}" destId="{C6CBED35-901B-4B98-8ED6-B4C544BD1BC5}" srcOrd="2" destOrd="0" parTransId="{36B651AA-03D3-43B8-8A54-8B016C46CF2F}" sibTransId="{653ACC7D-754C-4AE3-B056-56A7994E09C9}"/>
     <dgm:cxn modelId="{0DE22CC6-5BA2-4F08-8142-C834C366C841}" type="presOf" srcId="{76B6458D-1DCD-43BA-99CC-214D1BF3A37A}" destId="{E2AB4C51-AEC2-4E56-91EA-C6337351DB4D}" srcOrd="0" destOrd="0" presId="urn:microsoft.com/office/officeart/2016/7/layout/LinearBlockProcessNumbered"/>
     <dgm:cxn modelId="{52A7E8CD-4A5C-42B7-B3F4-6295115B9D88}" type="presOf" srcId="{CAFAC3ED-DCB7-4821-83BB-21A222A3F0E3}" destId="{51492FF9-2025-4E6B-91C2-86D3ECD3D33F}" srcOrd="0" destOrd="0" presId="urn:microsoft.com/office/officeart/2016/7/layout/LinearBlockProcessNumbered"/>
     <dgm:cxn modelId="{D2F643DD-B80C-434F-9CD4-5B9F6C407C97}" type="presOf" srcId="{97A2A027-F7E8-4C4A-BD06-B5CE826D52D7}" destId="{EC5A7F19-E381-44E5-B1DA-53F23D7EBD93}" srcOrd="0" destOrd="0" presId="urn:microsoft.com/office/officeart/2016/7/layout/LinearBlockProcessNumbered"/>
     <dgm:cxn modelId="{4C5201E0-FB79-45B8-A600-37EBA13E7492}" type="presOf" srcId="{D6E25F1C-70B4-49F6-8D86-E926AF6F3DEF}" destId="{6D39A10C-4EE7-475B-B56F-3CD8E5E06848}" srcOrd="0" destOrd="0" presId="urn:microsoft.com/office/officeart/2016/7/layout/LinearBlockProcessNumbered"/>
     <dgm:cxn modelId="{24341FEF-C647-48E7-BD72-DA96E556F960}" type="presOf" srcId="{C6CBED35-901B-4B98-8ED6-B4C544BD1BC5}" destId="{BBAB34F9-E84D-441B-A16E-FAE94439C0D5}" srcOrd="0" destOrd="0" presId="urn:microsoft.com/office/officeart/2016/7/layout/LinearBlockProcessNumbered"/>
     <dgm:cxn modelId="{23C1AEF2-4B80-4114-964B-5B34543E2DBF}" type="presOf" srcId="{B244D711-66BD-4F26-8970-7CE30A207973}" destId="{1FA53A41-EACC-4BB3-AD4D-D0E9328813A6}" srcOrd="0" destOrd="0" presId="urn:microsoft.com/office/officeart/2016/7/layout/LinearBlockProcessNumbered"/>
-    <dgm:cxn modelId="{F4BCA3F3-23DE-4BD2-8A83-650279238F68}" srcId="{CAFAC3ED-DCB7-4821-83BB-21A222A3F0E3}" destId="{B244D711-66BD-4F26-8970-7CE30A207973}" srcOrd="2" destOrd="0" parTransId="{3BBADF40-A8BB-48FA-B171-56E19A1F0ECE}" sibTransId="{D6E25F1C-70B4-49F6-8D86-E926AF6F3DEF}"/>
+    <dgm:cxn modelId="{F4BCA3F3-23DE-4BD2-8A83-650279238F68}" srcId="{CAFAC3ED-DCB7-4821-83BB-21A222A3F0E3}" destId="{B244D711-66BD-4F26-8970-7CE30A207973}" srcOrd="1" destOrd="0" parTransId="{3BBADF40-A8BB-48FA-B171-56E19A1F0ECE}" sibTransId="{D6E25F1C-70B4-49F6-8D86-E926AF6F3DEF}"/>
     <dgm:cxn modelId="{0CE2EAF9-9C8B-4B50-B3A2-202F4899C6EC}" type="presOf" srcId="{C6CBED35-901B-4B98-8ED6-B4C544BD1BC5}" destId="{12374559-DBA1-46D9-A332-258E5BB1E7D0}" srcOrd="1" destOrd="0" presId="urn:microsoft.com/office/officeart/2016/7/layout/LinearBlockProcessNumbered"/>
     <dgm:cxn modelId="{9E7810FB-C6C9-4470-8A1D-291C3B7D706B}" type="presOf" srcId="{76B6458D-1DCD-43BA-99CC-214D1BF3A37A}" destId="{E6EF0992-7DEC-41A1-9768-9C4F7209ED5D}" srcOrd="1" destOrd="0" presId="urn:microsoft.com/office/officeart/2016/7/layout/LinearBlockProcessNumbered"/>
     <dgm:cxn modelId="{E76AD13F-CD9B-4511-A506-8D00890BB189}" type="presParOf" srcId="{51492FF9-2025-4E6B-91C2-86D3ECD3D33F}" destId="{61B36DDF-DAE9-4015-B72A-1B15167D4C54}" srcOrd="0" destOrd="0" presId="urn:microsoft.com/office/officeart/2016/7/layout/LinearBlockProcessNumbered"/>
@@ -9450,17 +9215,12 @@
     <dgm:cxn modelId="{D4763086-3A22-460F-B7E5-6923A7009118}" type="presParOf" srcId="{61B36DDF-DAE9-4015-B72A-1B15167D4C54}" destId="{EC5A7F19-E381-44E5-B1DA-53F23D7EBD93}" srcOrd="1" destOrd="0" presId="urn:microsoft.com/office/officeart/2016/7/layout/LinearBlockProcessNumbered"/>
     <dgm:cxn modelId="{B02C036F-10BE-40EE-B609-9DBF7AC14664}" type="presParOf" srcId="{61B36DDF-DAE9-4015-B72A-1B15167D4C54}" destId="{E6EF0992-7DEC-41A1-9768-9C4F7209ED5D}" srcOrd="2" destOrd="0" presId="urn:microsoft.com/office/officeart/2016/7/layout/LinearBlockProcessNumbered"/>
     <dgm:cxn modelId="{29BCA6E6-051C-4B56-81F5-2F7A0CDD99D8}" type="presParOf" srcId="{51492FF9-2025-4E6B-91C2-86D3ECD3D33F}" destId="{E02447F8-EA03-48F6-AD2B-B917E06FCBCC}" srcOrd="1" destOrd="0" presId="urn:microsoft.com/office/officeart/2016/7/layout/LinearBlockProcessNumbered"/>
-    <dgm:cxn modelId="{79B6FE3F-43AF-41DA-8BEA-85F4B9624267}" type="presParOf" srcId="{51492FF9-2025-4E6B-91C2-86D3ECD3D33F}" destId="{F3E270CD-3BF2-4D9B-8E97-5C65AAB7A118}" srcOrd="2" destOrd="0" presId="urn:microsoft.com/office/officeart/2016/7/layout/LinearBlockProcessNumbered"/>
-    <dgm:cxn modelId="{A70F0956-0DEE-4D79-B6DF-85B922FB9161}" type="presParOf" srcId="{F3E270CD-3BF2-4D9B-8E97-5C65AAB7A118}" destId="{5AD143F7-0E54-4217-98D2-5827055C336F}" srcOrd="0" destOrd="0" presId="urn:microsoft.com/office/officeart/2016/7/layout/LinearBlockProcessNumbered"/>
-    <dgm:cxn modelId="{0AE63B2A-7530-487D-AA0A-2D97B137EDAB}" type="presParOf" srcId="{F3E270CD-3BF2-4D9B-8E97-5C65AAB7A118}" destId="{620C4F87-F2EB-47AE-A233-A63B3450A883}" srcOrd="1" destOrd="0" presId="urn:microsoft.com/office/officeart/2016/7/layout/LinearBlockProcessNumbered"/>
-    <dgm:cxn modelId="{76EF11EF-D9E9-44AB-B220-BD422755EFF8}" type="presParOf" srcId="{F3E270CD-3BF2-4D9B-8E97-5C65AAB7A118}" destId="{5270FBD1-5AC8-4235-A2D4-779E47DA5D26}" srcOrd="2" destOrd="0" presId="urn:microsoft.com/office/officeart/2016/7/layout/LinearBlockProcessNumbered"/>
-    <dgm:cxn modelId="{37FAFDCC-EA7C-4ADF-BE04-E45ED4045010}" type="presParOf" srcId="{51492FF9-2025-4E6B-91C2-86D3ECD3D33F}" destId="{F73B68AA-4A72-4CB6-BF79-92AA0CDDD19A}" srcOrd="3" destOrd="0" presId="urn:microsoft.com/office/officeart/2016/7/layout/LinearBlockProcessNumbered"/>
-    <dgm:cxn modelId="{C91D112C-7108-40C7-B01B-42B98FC919B9}" type="presParOf" srcId="{51492FF9-2025-4E6B-91C2-86D3ECD3D33F}" destId="{D4F884B7-1A75-485D-8517-AE3247793D78}" srcOrd="4" destOrd="0" presId="urn:microsoft.com/office/officeart/2016/7/layout/LinearBlockProcessNumbered"/>
+    <dgm:cxn modelId="{C91D112C-7108-40C7-B01B-42B98FC919B9}" type="presParOf" srcId="{51492FF9-2025-4E6B-91C2-86D3ECD3D33F}" destId="{D4F884B7-1A75-485D-8517-AE3247793D78}" srcOrd="2" destOrd="0" presId="urn:microsoft.com/office/officeart/2016/7/layout/LinearBlockProcessNumbered"/>
     <dgm:cxn modelId="{A683DCA3-B219-46D7-B320-EF00583041B1}" type="presParOf" srcId="{D4F884B7-1A75-485D-8517-AE3247793D78}" destId="{1FA53A41-EACC-4BB3-AD4D-D0E9328813A6}" srcOrd="0" destOrd="0" presId="urn:microsoft.com/office/officeart/2016/7/layout/LinearBlockProcessNumbered"/>
     <dgm:cxn modelId="{7593375C-6071-44AE-A92E-6262B6973808}" type="presParOf" srcId="{D4F884B7-1A75-485D-8517-AE3247793D78}" destId="{6D39A10C-4EE7-475B-B56F-3CD8E5E06848}" srcOrd="1" destOrd="0" presId="urn:microsoft.com/office/officeart/2016/7/layout/LinearBlockProcessNumbered"/>
     <dgm:cxn modelId="{D26EF33C-8538-4F68-8C63-027515750EC6}" type="presParOf" srcId="{D4F884B7-1A75-485D-8517-AE3247793D78}" destId="{37997FAE-CCFA-4597-B635-CA540C71F9E2}" srcOrd="2" destOrd="0" presId="urn:microsoft.com/office/officeart/2016/7/layout/LinearBlockProcessNumbered"/>
-    <dgm:cxn modelId="{30FA7D67-5795-4B3B-812F-A47E38FE56A2}" type="presParOf" srcId="{51492FF9-2025-4E6B-91C2-86D3ECD3D33F}" destId="{50B26530-17F7-48A1-97C0-0528B4F6B640}" srcOrd="5" destOrd="0" presId="urn:microsoft.com/office/officeart/2016/7/layout/LinearBlockProcessNumbered"/>
-    <dgm:cxn modelId="{5A45B54C-98F2-467B-82BF-6CAE7889E89F}" type="presParOf" srcId="{51492FF9-2025-4E6B-91C2-86D3ECD3D33F}" destId="{61CB9FDE-DA3C-442B-A549-3459AD7A1203}" srcOrd="6" destOrd="0" presId="urn:microsoft.com/office/officeart/2016/7/layout/LinearBlockProcessNumbered"/>
+    <dgm:cxn modelId="{30FA7D67-5795-4B3B-812F-A47E38FE56A2}" type="presParOf" srcId="{51492FF9-2025-4E6B-91C2-86D3ECD3D33F}" destId="{50B26530-17F7-48A1-97C0-0528B4F6B640}" srcOrd="3" destOrd="0" presId="urn:microsoft.com/office/officeart/2016/7/layout/LinearBlockProcessNumbered"/>
+    <dgm:cxn modelId="{5A45B54C-98F2-467B-82BF-6CAE7889E89F}" type="presParOf" srcId="{51492FF9-2025-4E6B-91C2-86D3ECD3D33F}" destId="{61CB9FDE-DA3C-442B-A549-3459AD7A1203}" srcOrd="4" destOrd="0" presId="urn:microsoft.com/office/officeart/2016/7/layout/LinearBlockProcessNumbered"/>
     <dgm:cxn modelId="{0EADF17B-6679-420F-A227-A28052710C37}" type="presParOf" srcId="{61CB9FDE-DA3C-442B-A549-3459AD7A1203}" destId="{BBAB34F9-E84D-441B-A16E-FAE94439C0D5}" srcOrd="0" destOrd="0" presId="urn:microsoft.com/office/officeart/2016/7/layout/LinearBlockProcessNumbered"/>
     <dgm:cxn modelId="{5C44809D-7ACE-41A1-92FD-EA160C6F8665}" type="presParOf" srcId="{61CB9FDE-DA3C-442B-A549-3459AD7A1203}" destId="{815FF600-CC35-427A-9817-491AEFD68B52}" srcOrd="1" destOrd="0" presId="urn:microsoft.com/office/officeart/2016/7/layout/LinearBlockProcessNumbered"/>
     <dgm:cxn modelId="{099B3B4D-63B0-4B58-B474-BBC8DF917954}" type="presParOf" srcId="{61CB9FDE-DA3C-442B-A549-3459AD7A1203}" destId="{12374559-DBA1-46D9-A332-258E5BB1E7D0}" srcOrd="2" destOrd="0" presId="urn:microsoft.com/office/officeart/2016/7/layout/LinearBlockProcessNumbered"/>
@@ -10538,8 +10298,8 @@
       </dsp:nvSpPr>
       <dsp:spPr>
         <a:xfrm>
-          <a:off x="0" y="1463"/>
-          <a:ext cx="6383207" cy="623409"/>
+          <a:off x="0" y="1877"/>
+          <a:ext cx="6383207" cy="951345"/>
         </a:xfrm>
         <a:prstGeom prst="roundRect">
           <a:avLst>
@@ -10580,8 +10340,8 @@
       </dsp:nvSpPr>
       <dsp:spPr>
         <a:xfrm>
-          <a:off x="188581" y="141730"/>
-          <a:ext cx="342875" cy="342875"/>
+          <a:off x="287782" y="215929"/>
+          <a:ext cx="523240" cy="523240"/>
         </a:xfrm>
         <a:prstGeom prst="rect">
           <a:avLst/>
@@ -10636,8 +10396,8 @@
       </dsp:nvSpPr>
       <dsp:spPr>
         <a:xfrm>
-          <a:off x="720038" y="1463"/>
-          <a:ext cx="5663168" cy="623409"/>
+          <a:off x="1098804" y="1877"/>
+          <a:ext cx="5284402" cy="951345"/>
         </a:xfrm>
         <a:prstGeom prst="rect">
           <a:avLst/>
@@ -10661,12 +10421,12 @@
         <a:fontRef idx="minor"/>
       </dsp:style>
       <dsp:txBody>
-        <a:bodyPr spcFirstLastPara="0" vert="horz" wrap="square" lIns="65978" tIns="65978" rIns="65978" bIns="65978" numCol="1" spcCol="1270" anchor="ctr" anchorCtr="0">
+        <a:bodyPr spcFirstLastPara="0" vert="horz" wrap="square" lIns="100684" tIns="100684" rIns="100684" bIns="100684" numCol="1" spcCol="1270" anchor="ctr" anchorCtr="0">
           <a:noAutofit/>
         </a:bodyPr>
         <a:lstStyle/>
         <a:p>
-          <a:pPr marL="0" lvl="0" indent="0" algn="l" defTabSz="800100">
+          <a:pPr marL="0" lvl="0" indent="0" algn="l" defTabSz="977900">
             <a:lnSpc>
               <a:spcPct val="100000"/>
             </a:lnSpc>
@@ -10679,14 +10439,21 @@
             <a:buNone/>
           </a:pPr>
           <a:r>
-            <a:rPr lang="en-US" sz="1800" kern="1200" dirty="0"/>
-            <a:t>New Advanced, User Friendly &amp; Responsive UI</a:t>
+            <a:rPr lang="en-US" sz="2200" kern="1200" dirty="0"/>
+            <a:t>New Advanced, User Friendly &amp; </a:t>
+          </a:r>
+          <a:br>
+            <a:rPr lang="en-US" sz="2200" kern="1200" dirty="0"/>
+          </a:br>
+          <a:r>
+            <a:rPr lang="en-US" sz="2200" kern="1200" dirty="0"/>
+            <a:t>Responsive UI</a:t>
           </a:r>
         </a:p>
       </dsp:txBody>
       <dsp:txXfrm>
-        <a:off x="720038" y="1463"/>
-        <a:ext cx="5663168" cy="623409"/>
+        <a:off x="1098804" y="1877"/>
+        <a:ext cx="5284402" cy="951345"/>
       </dsp:txXfrm>
     </dsp:sp>
     <dsp:sp modelId="{0309A9CC-2A7F-4CF8-8076-A312CA59B565}">
@@ -10696,8 +10463,8 @@
       </dsp:nvSpPr>
       <dsp:spPr>
         <a:xfrm>
-          <a:off x="0" y="780725"/>
-          <a:ext cx="6383207" cy="623409"/>
+          <a:off x="0" y="1191059"/>
+          <a:ext cx="6383207" cy="951345"/>
         </a:xfrm>
         <a:prstGeom prst="roundRect">
           <a:avLst>
@@ -10738,8 +10505,8 @@
       </dsp:nvSpPr>
       <dsp:spPr>
         <a:xfrm>
-          <a:off x="188581" y="920992"/>
-          <a:ext cx="342875" cy="342875"/>
+          <a:off x="287782" y="1405112"/>
+          <a:ext cx="523240" cy="523240"/>
         </a:xfrm>
         <a:prstGeom prst="rect">
           <a:avLst/>
@@ -10794,8 +10561,8 @@
       </dsp:nvSpPr>
       <dsp:spPr>
         <a:xfrm>
-          <a:off x="720038" y="780725"/>
-          <a:ext cx="5663168" cy="623409"/>
+          <a:off x="1098804" y="1191059"/>
+          <a:ext cx="5284402" cy="951345"/>
         </a:xfrm>
         <a:prstGeom prst="rect">
           <a:avLst/>
@@ -10819,12 +10586,12 @@
         <a:fontRef idx="minor"/>
       </dsp:style>
       <dsp:txBody>
-        <a:bodyPr spcFirstLastPara="0" vert="horz" wrap="square" lIns="65978" tIns="65978" rIns="65978" bIns="65978" numCol="1" spcCol="1270" anchor="ctr" anchorCtr="0">
+        <a:bodyPr spcFirstLastPara="0" vert="horz" wrap="square" lIns="100684" tIns="100684" rIns="100684" bIns="100684" numCol="1" spcCol="1270" anchor="ctr" anchorCtr="0">
           <a:noAutofit/>
         </a:bodyPr>
         <a:lstStyle/>
         <a:p>
-          <a:pPr marL="0" lvl="0" indent="0" algn="l" defTabSz="800100">
+          <a:pPr marL="0" lvl="0" indent="0" algn="l" defTabSz="977900">
             <a:lnSpc>
               <a:spcPct val="100000"/>
             </a:lnSpc>
@@ -10837,25 +10604,25 @@
             <a:buNone/>
           </a:pPr>
           <a:r>
-            <a:rPr lang="en-US" sz="1800" kern="1200" dirty="0"/>
+            <a:rPr lang="en-US" sz="2200" kern="1200" dirty="0"/>
             <a:t>Adding Users &amp; Algorithm Runs Managements</a:t>
           </a:r>
         </a:p>
       </dsp:txBody>
       <dsp:txXfrm>
-        <a:off x="720038" y="780725"/>
-        <a:ext cx="5663168" cy="623409"/>
+        <a:off x="1098804" y="1191059"/>
+        <a:ext cx="5284402" cy="951345"/>
       </dsp:txXfrm>
     </dsp:sp>
-    <dsp:sp modelId="{D6C84660-AFA7-487C-BDA8-57291CB63B0D}">
+    <dsp:sp modelId="{3F6F87A1-DF0D-4E75-A6A5-DF40FA6F9930}">
       <dsp:nvSpPr>
         <dsp:cNvPr id="0" name=""/>
         <dsp:cNvSpPr/>
       </dsp:nvSpPr>
       <dsp:spPr>
         <a:xfrm>
-          <a:off x="0" y="1559987"/>
-          <a:ext cx="6383207" cy="623409"/>
+          <a:off x="0" y="2380241"/>
+          <a:ext cx="6383207" cy="951345"/>
         </a:xfrm>
         <a:prstGeom prst="roundRect">
           <a:avLst>
@@ -10889,15 +10656,15 @@
         <a:fontRef idx="minor"/>
       </dsp:style>
     </dsp:sp>
-    <dsp:sp modelId="{B1EE5A2F-8330-47F0-B1C8-4BB2F492455C}">
+    <dsp:sp modelId="{C2A11F4E-7A5F-4493-8575-CA61303851DF}">
       <dsp:nvSpPr>
         <dsp:cNvPr id="0" name=""/>
         <dsp:cNvSpPr/>
       </dsp:nvSpPr>
       <dsp:spPr>
         <a:xfrm>
-          <a:off x="188581" y="1700254"/>
-          <a:ext cx="342875" cy="342875"/>
+          <a:off x="287782" y="2594294"/>
+          <a:ext cx="523240" cy="523240"/>
         </a:xfrm>
         <a:prstGeom prst="rect">
           <a:avLst/>
@@ -10945,15 +10712,15 @@
         </a:fontRef>
       </dsp:style>
     </dsp:sp>
-    <dsp:sp modelId="{C18E8AF4-9C59-478C-A34D-D87EA6B63A4A}">
+    <dsp:sp modelId="{524F375D-6FD0-4D1C-822A-33F63A9171FF}">
       <dsp:nvSpPr>
         <dsp:cNvPr id="0" name=""/>
         <dsp:cNvSpPr/>
       </dsp:nvSpPr>
       <dsp:spPr>
         <a:xfrm>
-          <a:off x="720038" y="1559987"/>
-          <a:ext cx="5663168" cy="623409"/>
+          <a:off x="1098804" y="2380241"/>
+          <a:ext cx="5284402" cy="951345"/>
         </a:xfrm>
         <a:prstGeom prst="rect">
           <a:avLst/>
@@ -10977,12 +10744,12 @@
         <a:fontRef idx="minor"/>
       </dsp:style>
       <dsp:txBody>
-        <a:bodyPr spcFirstLastPara="0" vert="horz" wrap="square" lIns="65978" tIns="65978" rIns="65978" bIns="65978" numCol="1" spcCol="1270" anchor="ctr" anchorCtr="0">
+        <a:bodyPr spcFirstLastPara="0" vert="horz" wrap="square" lIns="100684" tIns="100684" rIns="100684" bIns="100684" numCol="1" spcCol="1270" anchor="ctr" anchorCtr="0">
           <a:noAutofit/>
         </a:bodyPr>
         <a:lstStyle/>
         <a:p>
-          <a:pPr marL="0" lvl="0" indent="0" algn="l" defTabSz="800100">
+          <a:pPr marL="0" lvl="0" indent="0" algn="l" defTabSz="977900">
             <a:lnSpc>
               <a:spcPct val="100000"/>
             </a:lnSpc>
@@ -10995,25 +10762,25 @@
             <a:buNone/>
           </a:pPr>
           <a:r>
-            <a:rPr lang="en-US" sz="1800" kern="1200" dirty="0"/>
-            <a:t>Adding New Database To The System</a:t>
+            <a:rPr lang="en-US" sz="2200" kern="1200" dirty="0"/>
+            <a:t>Algorithms Writing, Repairing, Improvements &amp; Optimizations.</a:t>
           </a:r>
         </a:p>
       </dsp:txBody>
       <dsp:txXfrm>
-        <a:off x="720038" y="1559987"/>
-        <a:ext cx="5663168" cy="623409"/>
+        <a:off x="1098804" y="2380241"/>
+        <a:ext cx="5284402" cy="951345"/>
       </dsp:txXfrm>
     </dsp:sp>
-    <dsp:sp modelId="{CB63AE84-C724-4944-B78C-D3C61574F140}">
+    <dsp:sp modelId="{820C2A1E-A81C-48CF-A3D6-7AA481786DF2}">
       <dsp:nvSpPr>
         <dsp:cNvPr id="0" name=""/>
         <dsp:cNvSpPr/>
       </dsp:nvSpPr>
       <dsp:spPr>
         <a:xfrm>
-          <a:off x="0" y="2339249"/>
-          <a:ext cx="6383207" cy="623409"/>
+          <a:off x="0" y="3569424"/>
+          <a:ext cx="6383207" cy="951345"/>
         </a:xfrm>
         <a:prstGeom prst="roundRect">
           <a:avLst>
@@ -11047,15 +10814,15 @@
         <a:fontRef idx="minor"/>
       </dsp:style>
     </dsp:sp>
-    <dsp:sp modelId="{9E82CE92-683A-4ECA-9171-D05ED55D0766}">
+    <dsp:sp modelId="{1E711BAA-B467-49E8-B8A0-621A99AD5D25}">
       <dsp:nvSpPr>
         <dsp:cNvPr id="0" name=""/>
         <dsp:cNvSpPr/>
       </dsp:nvSpPr>
       <dsp:spPr>
         <a:xfrm>
-          <a:off x="188581" y="2479516"/>
-          <a:ext cx="342875" cy="342875"/>
+          <a:off x="287782" y="3783476"/>
+          <a:ext cx="523240" cy="523240"/>
         </a:xfrm>
         <a:prstGeom prst="rect">
           <a:avLst/>
@@ -11103,15 +10870,15 @@
         </a:fontRef>
       </dsp:style>
     </dsp:sp>
-    <dsp:sp modelId="{161A9441-A262-4C2E-A274-B2A2BA8704D7}">
+    <dsp:sp modelId="{18B937AD-51A2-417F-9290-120513642C79}">
       <dsp:nvSpPr>
         <dsp:cNvPr id="0" name=""/>
         <dsp:cNvSpPr/>
       </dsp:nvSpPr>
       <dsp:spPr>
         <a:xfrm>
-          <a:off x="720038" y="2339249"/>
-          <a:ext cx="5663168" cy="623409"/>
+          <a:off x="1098804" y="3569424"/>
+          <a:ext cx="5284402" cy="951345"/>
         </a:xfrm>
         <a:prstGeom prst="rect">
           <a:avLst/>
@@ -11135,12 +10902,12 @@
         <a:fontRef idx="minor"/>
       </dsp:style>
       <dsp:txBody>
-        <a:bodyPr spcFirstLastPara="0" vert="horz" wrap="square" lIns="65978" tIns="65978" rIns="65978" bIns="65978" numCol="1" spcCol="1270" anchor="ctr" anchorCtr="0">
+        <a:bodyPr spcFirstLastPara="0" vert="horz" wrap="square" lIns="100684" tIns="100684" rIns="100684" bIns="100684" numCol="1" spcCol="1270" anchor="ctr" anchorCtr="0">
           <a:noAutofit/>
         </a:bodyPr>
         <a:lstStyle/>
         <a:p>
-          <a:pPr marL="0" lvl="0" indent="0" algn="l" defTabSz="800100">
+          <a:pPr marL="0" lvl="0" indent="0" algn="l" defTabSz="977900">
             <a:lnSpc>
               <a:spcPct val="100000"/>
             </a:lnSpc>
@@ -11153,79 +10920,56 @@
             <a:buNone/>
           </a:pPr>
           <a:r>
-            <a:rPr lang="en-US" sz="1800" kern="1200" dirty="0"/>
-            <a:t>Converting The System Into Global &amp; Accessible System</a:t>
+            <a:rPr lang="en-US" sz="2200" kern="1200" dirty="0"/>
+            <a:t>Easy To Maintain/Add-on </a:t>
+          </a:r>
+          <a:br>
+            <a:rPr lang="en-US" sz="2200" kern="1200" dirty="0"/>
+          </a:br>
+          <a:r>
+            <a:rPr lang="en-US" sz="2200" kern="1200" dirty="0"/>
+            <a:t>Tested Web-Application.</a:t>
           </a:r>
         </a:p>
       </dsp:txBody>
       <dsp:txXfrm>
-        <a:off x="720038" y="2339249"/>
-        <a:ext cx="5663168" cy="623409"/>
+        <a:off x="1098804" y="3569424"/>
+        <a:ext cx="5284402" cy="951345"/>
       </dsp:txXfrm>
     </dsp:sp>
-    <dsp:sp modelId="{3F6F87A1-DF0D-4E75-A6A5-DF40FA6F9930}">
+  </dsp:spTree>
+</dsp:drawing>
+</file>
+
+<file path=ppt/diagrams/drawing3.xml><?xml version="1.0" encoding="utf-8"?>
+<dsp:drawing xmlns:dgm="http://schemas.openxmlformats.org/drawingml/2006/diagram" xmlns:dsp="http://schemas.microsoft.com/office/drawing/2008/diagram" xmlns:a="http://schemas.openxmlformats.org/drawingml/2006/main">
+  <dsp:spTree>
+    <dsp:nvGrpSpPr>
+      <dsp:cNvPr id="0" name=""/>
+      <dsp:cNvGrpSpPr/>
+    </dsp:nvGrpSpPr>
+    <dsp:grpSpPr/>
+    <dsp:sp modelId="{521E6BB8-E480-4E33-BC17-2A11CDDC1494}">
       <dsp:nvSpPr>
         <dsp:cNvPr id="0" name=""/>
         <dsp:cNvSpPr/>
       </dsp:nvSpPr>
       <dsp:spPr>
         <a:xfrm>
-          <a:off x="0" y="3118511"/>
-          <a:ext cx="6383207" cy="623409"/>
-        </a:xfrm>
-        <a:prstGeom prst="roundRect">
-          <a:avLst>
-            <a:gd name="adj" fmla="val 10000"/>
-          </a:avLst>
-        </a:prstGeom>
-        <a:solidFill>
-          <a:schemeClr val="accent1">
-            <a:tint val="40000"/>
-            <a:hueOff val="0"/>
-            <a:satOff val="0"/>
-            <a:lumOff val="0"/>
-            <a:alphaOff val="0"/>
-          </a:schemeClr>
-        </a:solidFill>
-        <a:ln>
-          <a:noFill/>
-        </a:ln>
-        <a:effectLst/>
-      </dsp:spPr>
-      <dsp:style>
-        <a:lnRef idx="0">
-          <a:scrgbClr r="0" g="0" b="0"/>
-        </a:lnRef>
-        <a:fillRef idx="1">
-          <a:scrgbClr r="0" g="0" b="0"/>
-        </a:fillRef>
-        <a:effectRef idx="0">
-          <a:scrgbClr r="0" g="0" b="0"/>
-        </a:effectRef>
-        <a:fontRef idx="minor"/>
-      </dsp:style>
-    </dsp:sp>
-    <dsp:sp modelId="{C2A11F4E-7A5F-4493-8575-CA61303851DF}">
-      <dsp:nvSpPr>
-        <dsp:cNvPr id="0" name=""/>
-        <dsp:cNvSpPr/>
-      </dsp:nvSpPr>
-      <dsp:spPr>
-        <a:xfrm>
-          <a:off x="188581" y="3258779"/>
-          <a:ext cx="342875" cy="342875"/>
+          <a:off x="961253" y="385483"/>
+          <a:ext cx="1256755" cy="1256755"/>
         </a:xfrm>
         <a:prstGeom prst="rect">
           <a:avLst/>
         </a:prstGeom>
         <a:blipFill>
-          <a:blip xmlns:r="http://schemas.openxmlformats.org/officeDocument/2006/relationships" r:embed="rId9">
+          <a:blip xmlns:r="http://schemas.openxmlformats.org/officeDocument/2006/relationships" r:embed="rId1">
             <a:extLst>
               <a:ext uri="{28A0092B-C50C-407E-A947-70E740481C1C}">
                 <a14:useLocalDpi xmlns:a14="http://schemas.microsoft.com/office/drawing/2010/main" val="0"/>
               </a:ext>
               <a:ext uri="{96DAC541-7B7A-43D3-8B79-37D633B846F1}">
-                <asvg:svgBlip xmlns:asvg="http://schemas.microsoft.com/office/drawing/2016/SVG/main" r:embed="rId10"/>
+                <asvg:svgBlip xmlns:asvg="http://schemas.microsoft.com/office/drawing/2016/SVG/main" r:embed="rId2"/>
               </a:ext>
             </a:extLst>
           </a:blip>
@@ -11234,14 +10978,7 @@
           </a:stretch>
         </a:blipFill>
         <a:ln w="15875" cap="rnd" cmpd="sng" algn="ctr">
-          <a:solidFill>
-            <a:schemeClr val="lt1">
-              <a:hueOff val="0"/>
-              <a:satOff val="0"/>
-              <a:lumOff val="0"/>
-              <a:alphaOff val="0"/>
-            </a:schemeClr>
-          </a:solidFill>
+          <a:noFill/>
           <a:prstDash val="solid"/>
         </a:ln>
         <a:effectLst/>
@@ -11261,15 +10998,15 @@
         </a:fontRef>
       </dsp:style>
     </dsp:sp>
-    <dsp:sp modelId="{524F375D-6FD0-4D1C-822A-33F63A9171FF}">
+    <dsp:sp modelId="{CDBE262B-75B6-4445-9E4A-5DD063624F50}">
       <dsp:nvSpPr>
         <dsp:cNvPr id="0" name=""/>
         <dsp:cNvSpPr/>
       </dsp:nvSpPr>
       <dsp:spPr>
         <a:xfrm>
-          <a:off x="720038" y="3118511"/>
-          <a:ext cx="5663168" cy="623409"/>
+          <a:off x="193236" y="1991154"/>
+          <a:ext cx="2792789" cy="720000"/>
         </a:xfrm>
         <a:prstGeom prst="rect">
           <a:avLst/>
@@ -11293,14 +11030,14 @@
         <a:fontRef idx="minor"/>
       </dsp:style>
       <dsp:txBody>
-        <a:bodyPr spcFirstLastPara="0" vert="horz" wrap="square" lIns="65978" tIns="65978" rIns="65978" bIns="65978" numCol="1" spcCol="1270" anchor="ctr" anchorCtr="0">
+        <a:bodyPr spcFirstLastPara="0" vert="horz" wrap="square" lIns="0" tIns="0" rIns="0" bIns="0" numCol="1" spcCol="1270" anchor="t" anchorCtr="0">
           <a:noAutofit/>
         </a:bodyPr>
         <a:lstStyle/>
         <a:p>
-          <a:pPr marL="0" lvl="0" indent="0" algn="l" defTabSz="800100">
+          <a:pPr marL="0" lvl="0" indent="0" algn="ctr" defTabSz="755650">
             <a:lnSpc>
-              <a:spcPct val="100000"/>
+              <a:spcPct val="90000"/>
             </a:lnSpc>
             <a:spcBef>
               <a:spcPct val="0"/>
@@ -11311,79 +11048,37 @@
             <a:buNone/>
           </a:pPr>
           <a:r>
-            <a:rPr lang="en-US" sz="1800" kern="1200" dirty="0"/>
-            <a:t>Algorithms Repairing, Improvements &amp; Optimizations.</a:t>
+            <a:rPr lang="en-US" sz="1700" kern="1200" dirty="0"/>
+            <a:t>Frequent Requirements Changes. </a:t>
           </a:r>
         </a:p>
       </dsp:txBody>
       <dsp:txXfrm>
-        <a:off x="720038" y="3118511"/>
-        <a:ext cx="5663168" cy="623409"/>
+        <a:off x="193236" y="1991154"/>
+        <a:ext cx="2792789" cy="720000"/>
       </dsp:txXfrm>
     </dsp:sp>
-    <dsp:sp modelId="{820C2A1E-A81C-48CF-A3D6-7AA481786DF2}">
+    <dsp:sp modelId="{CBFBB3AF-F8BF-42F2-B516-0E3F66785A0E}">
       <dsp:nvSpPr>
         <dsp:cNvPr id="0" name=""/>
         <dsp:cNvSpPr/>
       </dsp:nvSpPr>
       <dsp:spPr>
         <a:xfrm>
-          <a:off x="0" y="3897774"/>
-          <a:ext cx="6383207" cy="623409"/>
-        </a:xfrm>
-        <a:prstGeom prst="roundRect">
-          <a:avLst>
-            <a:gd name="adj" fmla="val 10000"/>
-          </a:avLst>
-        </a:prstGeom>
-        <a:solidFill>
-          <a:schemeClr val="accent1">
-            <a:tint val="40000"/>
-            <a:hueOff val="0"/>
-            <a:satOff val="0"/>
-            <a:lumOff val="0"/>
-            <a:alphaOff val="0"/>
-          </a:schemeClr>
-        </a:solidFill>
-        <a:ln>
-          <a:noFill/>
-        </a:ln>
-        <a:effectLst/>
-      </dsp:spPr>
-      <dsp:style>
-        <a:lnRef idx="0">
-          <a:scrgbClr r="0" g="0" b="0"/>
-        </a:lnRef>
-        <a:fillRef idx="1">
-          <a:scrgbClr r="0" g="0" b="0"/>
-        </a:fillRef>
-        <a:effectRef idx="0">
-          <a:scrgbClr r="0" g="0" b="0"/>
-        </a:effectRef>
-        <a:fontRef idx="minor"/>
-      </dsp:style>
-    </dsp:sp>
-    <dsp:sp modelId="{1E711BAA-B467-49E8-B8A0-621A99AD5D25}">
-      <dsp:nvSpPr>
-        <dsp:cNvPr id="0" name=""/>
-        <dsp:cNvSpPr/>
-      </dsp:nvSpPr>
-      <dsp:spPr>
-        <a:xfrm>
-          <a:off x="188581" y="4038041"/>
-          <a:ext cx="342875" cy="342875"/>
+          <a:off x="4242781" y="385483"/>
+          <a:ext cx="1256755" cy="1256755"/>
         </a:xfrm>
         <a:prstGeom prst="rect">
           <a:avLst/>
         </a:prstGeom>
         <a:blipFill>
-          <a:blip xmlns:r="http://schemas.openxmlformats.org/officeDocument/2006/relationships" r:embed="rId11">
+          <a:blip xmlns:r="http://schemas.openxmlformats.org/officeDocument/2006/relationships" r:embed="rId3">
             <a:extLst>
               <a:ext uri="{28A0092B-C50C-407E-A947-70E740481C1C}">
                 <a14:useLocalDpi xmlns:a14="http://schemas.microsoft.com/office/drawing/2010/main" val="0"/>
               </a:ext>
               <a:ext uri="{96DAC541-7B7A-43D3-8B79-37D633B846F1}">
-                <asvg:svgBlip xmlns:asvg="http://schemas.microsoft.com/office/drawing/2016/SVG/main" r:embed="rId12"/>
+                <asvg:svgBlip xmlns:asvg="http://schemas.microsoft.com/office/drawing/2016/SVG/main" r:embed="rId4"/>
               </a:ext>
             </a:extLst>
           </a:blip>
@@ -11392,14 +11087,7 @@
           </a:stretch>
         </a:blipFill>
         <a:ln w="15875" cap="rnd" cmpd="sng" algn="ctr">
-          <a:solidFill>
-            <a:schemeClr val="lt1">
-              <a:hueOff val="0"/>
-              <a:satOff val="0"/>
-              <a:lumOff val="0"/>
-              <a:alphaOff val="0"/>
-            </a:schemeClr>
-          </a:solidFill>
+          <a:noFill/>
           <a:prstDash val="solid"/>
         </a:ln>
         <a:effectLst/>
@@ -11419,15 +11107,15 @@
         </a:fontRef>
       </dsp:style>
     </dsp:sp>
-    <dsp:sp modelId="{18B937AD-51A2-417F-9290-120513642C79}">
+    <dsp:sp modelId="{DE9152BA-ABCB-4C8A-982E-640D8B445B6C}">
       <dsp:nvSpPr>
         <dsp:cNvPr id="0" name=""/>
         <dsp:cNvSpPr/>
       </dsp:nvSpPr>
       <dsp:spPr>
         <a:xfrm>
-          <a:off x="720038" y="3897774"/>
-          <a:ext cx="5663168" cy="623409"/>
+          <a:off x="3474764" y="1991154"/>
+          <a:ext cx="2792789" cy="720000"/>
         </a:xfrm>
         <a:prstGeom prst="rect">
           <a:avLst/>
@@ -11451,14 +11139,14 @@
         <a:fontRef idx="minor"/>
       </dsp:style>
       <dsp:txBody>
-        <a:bodyPr spcFirstLastPara="0" vert="horz" wrap="square" lIns="65978" tIns="65978" rIns="65978" bIns="65978" numCol="1" spcCol="1270" anchor="ctr" anchorCtr="0">
+        <a:bodyPr spcFirstLastPara="0" vert="horz" wrap="square" lIns="0" tIns="0" rIns="0" bIns="0" numCol="1" spcCol="1270" anchor="t" anchorCtr="0">
           <a:noAutofit/>
         </a:bodyPr>
         <a:lstStyle/>
         <a:p>
-          <a:pPr marL="0" lvl="0" indent="0" algn="l" defTabSz="800100">
+          <a:pPr marL="0" lvl="0" indent="0" algn="ctr" defTabSz="755650">
             <a:lnSpc>
-              <a:spcPct val="100000"/>
+              <a:spcPct val="90000"/>
             </a:lnSpc>
             <a:spcBef>
               <a:spcPct val="0"/>
@@ -11469,21 +11157,130 @@
             <a:buNone/>
           </a:pPr>
           <a:r>
-            <a:rPr lang="en-US" sz="1800" kern="1200" dirty="0"/>
-            <a:t>Fully Tested &amp; Easy To Maintain/Add-on Web-Application.</a:t>
+            <a:rPr lang="en-US" sz="1700" kern="1200" dirty="0"/>
+            <a:t>Changes In The Professional Advisor In The Middle Of The Project.</a:t>
           </a:r>
         </a:p>
       </dsp:txBody>
       <dsp:txXfrm>
-        <a:off x="720038" y="3897774"/>
-        <a:ext cx="5663168" cy="623409"/>
+        <a:off x="3474764" y="1991154"/>
+        <a:ext cx="2792789" cy="720000"/>
+      </dsp:txXfrm>
+    </dsp:sp>
+    <dsp:sp modelId="{E30F9B01-7E59-4E6B-81DC-2BC56756677E}">
+      <dsp:nvSpPr>
+        <dsp:cNvPr id="0" name=""/>
+        <dsp:cNvSpPr/>
+      </dsp:nvSpPr>
+      <dsp:spPr>
+        <a:xfrm>
+          <a:off x="7524309" y="385483"/>
+          <a:ext cx="1256755" cy="1256755"/>
+        </a:xfrm>
+        <a:prstGeom prst="rect">
+          <a:avLst/>
+        </a:prstGeom>
+        <a:blipFill>
+          <a:blip xmlns:r="http://schemas.openxmlformats.org/officeDocument/2006/relationships" r:embed="rId5">
+            <a:extLst>
+              <a:ext uri="{28A0092B-C50C-407E-A947-70E740481C1C}">
+                <a14:useLocalDpi xmlns:a14="http://schemas.microsoft.com/office/drawing/2010/main" val="0"/>
+              </a:ext>
+              <a:ext uri="{96DAC541-7B7A-43D3-8B79-37D633B846F1}">
+                <asvg:svgBlip xmlns:asvg="http://schemas.microsoft.com/office/drawing/2016/SVG/main" r:embed="rId6"/>
+              </a:ext>
+            </a:extLst>
+          </a:blip>
+          <a:stretch>
+            <a:fillRect/>
+          </a:stretch>
+        </a:blipFill>
+        <a:ln w="15875" cap="rnd" cmpd="sng" algn="ctr">
+          <a:noFill/>
+          <a:prstDash val="solid"/>
+        </a:ln>
+        <a:effectLst/>
+      </dsp:spPr>
+      <dsp:style>
+        <a:lnRef idx="2">
+          <a:scrgbClr r="0" g="0" b="0"/>
+        </a:lnRef>
+        <a:fillRef idx="1">
+          <a:scrgbClr r="0" g="0" b="0"/>
+        </a:fillRef>
+        <a:effectRef idx="0">
+          <a:scrgbClr r="0" g="0" b="0"/>
+        </a:effectRef>
+        <a:fontRef idx="minor">
+          <a:schemeClr val="lt1"/>
+        </a:fontRef>
+      </dsp:style>
+    </dsp:sp>
+    <dsp:sp modelId="{959953BA-2351-4535-8F5B-83B5DD4FB049}">
+      <dsp:nvSpPr>
+        <dsp:cNvPr id="0" name=""/>
+        <dsp:cNvSpPr/>
+      </dsp:nvSpPr>
+      <dsp:spPr>
+        <a:xfrm>
+          <a:off x="6756292" y="1991154"/>
+          <a:ext cx="2792789" cy="720000"/>
+        </a:xfrm>
+        <a:prstGeom prst="rect">
+          <a:avLst/>
+        </a:prstGeom>
+        <a:noFill/>
+        <a:ln>
+          <a:noFill/>
+        </a:ln>
+        <a:effectLst/>
+      </dsp:spPr>
+      <dsp:style>
+        <a:lnRef idx="0">
+          <a:scrgbClr r="0" g="0" b="0"/>
+        </a:lnRef>
+        <a:fillRef idx="0">
+          <a:scrgbClr r="0" g="0" b="0"/>
+        </a:fillRef>
+        <a:effectRef idx="0">
+          <a:scrgbClr r="0" g="0" b="0"/>
+        </a:effectRef>
+        <a:fontRef idx="minor"/>
+      </dsp:style>
+      <dsp:txBody>
+        <a:bodyPr spcFirstLastPara="0" vert="horz" wrap="square" lIns="0" tIns="0" rIns="0" bIns="0" numCol="1" spcCol="1270" anchor="t" anchorCtr="0">
+          <a:noAutofit/>
+        </a:bodyPr>
+        <a:lstStyle/>
+        <a:p>
+          <a:pPr marL="0" lvl="0" indent="0" algn="ctr" defTabSz="755650">
+            <a:lnSpc>
+              <a:spcPct val="90000"/>
+            </a:lnSpc>
+            <a:spcBef>
+              <a:spcPct val="0"/>
+            </a:spcBef>
+            <a:spcAft>
+              <a:spcPct val="35000"/>
+            </a:spcAft>
+            <a:buNone/>
+          </a:pPr>
+          <a:r>
+            <a:rPr lang="en-US" sz="1700" kern="1200"/>
+            <a:t>Lack Of Prior Knowledge In Chemistry.</a:t>
+          </a:r>
+        </a:p>
+      </dsp:txBody>
+      <dsp:txXfrm>
+        <a:off x="6756292" y="1991154"/>
+        <a:ext cx="2792789" cy="720000"/>
       </dsp:txXfrm>
     </dsp:sp>
   </dsp:spTree>
 </dsp:drawing>
 </file>
 
-<file path=ppt/diagrams/drawing3.xml><?xml version="1.0" encoding="utf-8"?>
+<file path=ppt/diagrams/drawing4.xml><?xml version="1.0" encoding="utf-8"?>
 <dsp:drawing xmlns:dgm="http://schemas.openxmlformats.org/drawingml/2006/diagram" xmlns:dsp="http://schemas.microsoft.com/office/drawing/2008/diagram" xmlns:a="http://schemas.openxmlformats.org/drawingml/2006/main">
   <dsp:spTree>
     <dsp:nvGrpSpPr>
@@ -11633,7 +11430,7 @@
             <a:defRPr cap="all"/>
           </a:pPr>
           <a:r>
-            <a:rPr lang="en-US" sz="1300" kern="1200"/>
+            <a:rPr lang="en-US" sz="1300" kern="1200" dirty="0"/>
             <a:t>Frontend based on React JS &amp; material UI.</a:t>
           </a:r>
         </a:p>
@@ -11785,8 +11582,8 @@
             <a:defRPr cap="all"/>
           </a:pPr>
           <a:r>
-            <a:rPr lang="en-US" sz="1300" kern="1200"/>
-            <a:t>User-friendly, Quick, Responsive user interface. </a:t>
+            <a:rPr lang="en-US" sz="1300" kern="1200" dirty="0"/>
+            <a:t>User-friendly, Quick, Responsive ui. </a:t>
           </a:r>
         </a:p>
       </dsp:txBody>
@@ -11937,8 +11734,8 @@
             <a:defRPr cap="all"/>
           </a:pPr>
           <a:r>
-            <a:rPr lang="en-US" sz="1300" kern="1200"/>
-            <a:t>UI code is fully integrated with all backend code.</a:t>
+            <a:rPr lang="en-US" sz="1300" kern="1200" dirty="0"/>
+            <a:t>code is fully integrated with all backend code.</a:t>
           </a:r>
         </a:p>
       </dsp:txBody>
@@ -12103,7 +11900,7 @@
 </dsp:drawing>
 </file>
 
-<file path=ppt/diagrams/drawing4.xml><?xml version="1.0" encoding="utf-8"?>
+<file path=ppt/diagrams/drawing5.xml><?xml version="1.0" encoding="utf-8"?>
 <dsp:drawing xmlns:dgm="http://schemas.openxmlformats.org/drawingml/2006/diagram" xmlns:dsp="http://schemas.microsoft.com/office/drawing/2008/diagram" xmlns:a="http://schemas.openxmlformats.org/drawingml/2006/main">
   <dsp:spTree>
     <dsp:nvGrpSpPr>
@@ -12466,278 +12263,6 @@
 </dsp:drawing>
 </file>
 
-<file path=ppt/diagrams/drawing5.xml><?xml version="1.0" encoding="utf-8"?>
-<dsp:drawing xmlns:dgm="http://schemas.openxmlformats.org/drawingml/2006/diagram" xmlns:dsp="http://schemas.microsoft.com/office/drawing/2008/diagram" xmlns:a="http://schemas.openxmlformats.org/drawingml/2006/main">
-  <dsp:spTree>
-    <dsp:nvGrpSpPr>
-      <dsp:cNvPr id="0" name=""/>
-      <dsp:cNvGrpSpPr/>
-    </dsp:nvGrpSpPr>
-    <dsp:grpSpPr/>
-    <dsp:sp modelId="{A523FA96-8B25-4DA8-B162-42251FE6B0A1}">
-      <dsp:nvSpPr>
-        <dsp:cNvPr id="0" name=""/>
-        <dsp:cNvSpPr/>
-      </dsp:nvSpPr>
-      <dsp:spPr>
-        <a:xfrm>
-          <a:off x="0" y="0"/>
-          <a:ext cx="8280971" cy="1393487"/>
-        </a:xfrm>
-        <a:prstGeom prst="roundRect">
-          <a:avLst>
-            <a:gd name="adj" fmla="val 10000"/>
-          </a:avLst>
-        </a:prstGeom>
-        <a:solidFill>
-          <a:schemeClr val="accent2">
-            <a:hueOff val="0"/>
-            <a:satOff val="0"/>
-            <a:lumOff val="0"/>
-            <a:alphaOff val="0"/>
-          </a:schemeClr>
-        </a:solidFill>
-        <a:ln w="15875" cap="rnd" cmpd="sng" algn="ctr">
-          <a:solidFill>
-            <a:schemeClr val="lt1">
-              <a:hueOff val="0"/>
-              <a:satOff val="0"/>
-              <a:lumOff val="0"/>
-              <a:alphaOff val="0"/>
-            </a:schemeClr>
-          </a:solidFill>
-          <a:prstDash val="solid"/>
-        </a:ln>
-        <a:effectLst/>
-      </dsp:spPr>
-      <dsp:style>
-        <a:lnRef idx="2">
-          <a:scrgbClr r="0" g="0" b="0"/>
-        </a:lnRef>
-        <a:fillRef idx="1">
-          <a:scrgbClr r="0" g="0" b="0"/>
-        </a:fillRef>
-        <a:effectRef idx="0">
-          <a:scrgbClr r="0" g="0" b="0"/>
-        </a:effectRef>
-        <a:fontRef idx="minor">
-          <a:schemeClr val="lt1"/>
-        </a:fontRef>
-      </dsp:style>
-      <dsp:txBody>
-        <a:bodyPr spcFirstLastPara="0" vert="horz" wrap="square" lIns="76200" tIns="76200" rIns="76200" bIns="76200" numCol="1" spcCol="1270" anchor="ctr" anchorCtr="0">
-          <a:noAutofit/>
-        </a:bodyPr>
-        <a:lstStyle/>
-        <a:p>
-          <a:pPr marL="0" lvl="0" indent="0" algn="l" defTabSz="889000">
-            <a:lnSpc>
-              <a:spcPct val="90000"/>
-            </a:lnSpc>
-            <a:spcBef>
-              <a:spcPct val="0"/>
-            </a:spcBef>
-            <a:spcAft>
-              <a:spcPct val="35000"/>
-            </a:spcAft>
-            <a:buNone/>
-            <a:defRPr cap="all"/>
-          </a:pPr>
-          <a:r>
-            <a:rPr lang="en-US" sz="2000" b="1" u="sng" kern="1200" dirty="0"/>
-            <a:t>At the beginning of the project:</a:t>
-          </a:r>
-          <a:br>
-            <a:rPr lang="en-US" sz="2000" kern="1200" dirty="0"/>
-          </a:br>
-          <a:r>
-            <a:rPr lang="en-US" sz="2000" kern="1200" dirty="0"/>
-            <a:t>MolOptimizer was a simple application that can be ran only locally from the labs’ computers.</a:t>
-          </a:r>
-        </a:p>
-      </dsp:txBody>
-      <dsp:txXfrm>
-        <a:off x="40814" y="40814"/>
-        <a:ext cx="6840693" cy="1311859"/>
-      </dsp:txXfrm>
-    </dsp:sp>
-    <dsp:sp modelId="{18376099-307A-4039-B2C7-B5BACE6BB6D7}">
-      <dsp:nvSpPr>
-        <dsp:cNvPr id="0" name=""/>
-        <dsp:cNvSpPr/>
-      </dsp:nvSpPr>
-      <dsp:spPr>
-        <a:xfrm>
-          <a:off x="1461347" y="1703150"/>
-          <a:ext cx="8280971" cy="1393487"/>
-        </a:xfrm>
-        <a:prstGeom prst="roundRect">
-          <a:avLst>
-            <a:gd name="adj" fmla="val 10000"/>
-          </a:avLst>
-        </a:prstGeom>
-        <a:solidFill>
-          <a:schemeClr val="accent3">
-            <a:hueOff val="0"/>
-            <a:satOff val="0"/>
-            <a:lumOff val="0"/>
-            <a:alphaOff val="0"/>
-          </a:schemeClr>
-        </a:solidFill>
-        <a:ln w="15875" cap="rnd" cmpd="sng" algn="ctr">
-          <a:solidFill>
-            <a:schemeClr val="lt1">
-              <a:hueOff val="0"/>
-              <a:satOff val="0"/>
-              <a:lumOff val="0"/>
-              <a:alphaOff val="0"/>
-            </a:schemeClr>
-          </a:solidFill>
-          <a:prstDash val="solid"/>
-        </a:ln>
-        <a:effectLst/>
-      </dsp:spPr>
-      <dsp:style>
-        <a:lnRef idx="2">
-          <a:scrgbClr r="0" g="0" b="0"/>
-        </a:lnRef>
-        <a:fillRef idx="1">
-          <a:scrgbClr r="0" g="0" b="0"/>
-        </a:fillRef>
-        <a:effectRef idx="0">
-          <a:scrgbClr r="0" g="0" b="0"/>
-        </a:effectRef>
-        <a:fontRef idx="minor">
-          <a:schemeClr val="lt1"/>
-        </a:fontRef>
-      </dsp:style>
-      <dsp:txBody>
-        <a:bodyPr spcFirstLastPara="0" vert="horz" wrap="square" lIns="76200" tIns="76200" rIns="76200" bIns="76200" numCol="1" spcCol="1270" anchor="ctr" anchorCtr="0">
-          <a:noAutofit/>
-        </a:bodyPr>
-        <a:lstStyle/>
-        <a:p>
-          <a:pPr marL="0" lvl="0" indent="0" algn="l" defTabSz="889000">
-            <a:lnSpc>
-              <a:spcPct val="90000"/>
-            </a:lnSpc>
-            <a:spcBef>
-              <a:spcPct val="0"/>
-            </a:spcBef>
-            <a:spcAft>
-              <a:spcPct val="35000"/>
-            </a:spcAft>
-            <a:buNone/>
-            <a:defRPr cap="all"/>
-          </a:pPr>
-          <a:r>
-            <a:rPr lang="en-US" sz="2000" b="1" u="sng" kern="1200" dirty="0"/>
-            <a:t>At the end of the project:</a:t>
-          </a:r>
-          <a:br>
-            <a:rPr lang="en-US" sz="2000" kern="1200" dirty="0"/>
-          </a:br>
-          <a:r>
-            <a:rPr lang="en-US" sz="2000" kern="1200" dirty="0"/>
-            <a:t>MolOptimizer has become an upgraded </a:t>
-          </a:r>
-          <a:br>
-            <a:rPr lang="en-US" sz="2000" kern="1200" dirty="0"/>
-          </a:br>
-          <a:r>
-            <a:rPr lang="en-US" sz="2000" kern="1200" dirty="0"/>
-            <a:t>web-application that can be run from anywhere and from any PC.</a:t>
-          </a:r>
-        </a:p>
-      </dsp:txBody>
-      <dsp:txXfrm>
-        <a:off x="1502161" y="1743964"/>
-        <a:ext cx="5832228" cy="1311859"/>
-      </dsp:txXfrm>
-    </dsp:sp>
-    <dsp:sp modelId="{A2E5D636-B4AE-4A3E-BC83-AEF67E3872B0}">
-      <dsp:nvSpPr>
-        <dsp:cNvPr id="0" name=""/>
-        <dsp:cNvSpPr/>
-      </dsp:nvSpPr>
-      <dsp:spPr>
-        <a:xfrm>
-          <a:off x="7375204" y="1095435"/>
-          <a:ext cx="905766" cy="905766"/>
-        </a:xfrm>
-        <a:prstGeom prst="downArrow">
-          <a:avLst>
-            <a:gd name="adj1" fmla="val 55000"/>
-            <a:gd name="adj2" fmla="val 45000"/>
-          </a:avLst>
-        </a:prstGeom>
-        <a:solidFill>
-          <a:schemeClr val="accent2">
-            <a:tint val="40000"/>
-            <a:alpha val="90000"/>
-            <a:hueOff val="0"/>
-            <a:satOff val="0"/>
-            <a:lumOff val="0"/>
-            <a:alphaOff val="0"/>
-          </a:schemeClr>
-        </a:solidFill>
-        <a:ln w="15875" cap="rnd" cmpd="sng" algn="ctr">
-          <a:solidFill>
-            <a:schemeClr val="accent2">
-              <a:tint val="40000"/>
-              <a:alpha val="90000"/>
-              <a:hueOff val="0"/>
-              <a:satOff val="0"/>
-              <a:lumOff val="0"/>
-              <a:alphaOff val="0"/>
-            </a:schemeClr>
-          </a:solidFill>
-          <a:prstDash val="solid"/>
-        </a:ln>
-        <a:effectLst/>
-      </dsp:spPr>
-      <dsp:style>
-        <a:lnRef idx="2">
-          <a:scrgbClr r="0" g="0" b="0"/>
-        </a:lnRef>
-        <a:fillRef idx="1">
-          <a:scrgbClr r="0" g="0" b="0"/>
-        </a:fillRef>
-        <a:effectRef idx="0">
-          <a:scrgbClr r="0" g="0" b="0"/>
-        </a:effectRef>
-        <a:fontRef idx="minor"/>
-      </dsp:style>
-      <dsp:txBody>
-        <a:bodyPr spcFirstLastPara="0" vert="horz" wrap="square" lIns="45720" tIns="45720" rIns="45720" bIns="45720" numCol="1" spcCol="1270" anchor="ctr" anchorCtr="0">
-          <a:noAutofit/>
-        </a:bodyPr>
-        <a:lstStyle/>
-        <a:p>
-          <a:pPr marL="0" lvl="0" indent="0" algn="ctr" defTabSz="1600200">
-            <a:lnSpc>
-              <a:spcPct val="90000"/>
-            </a:lnSpc>
-            <a:spcBef>
-              <a:spcPct val="0"/>
-            </a:spcBef>
-            <a:spcAft>
-              <a:spcPct val="35000"/>
-            </a:spcAft>
-            <a:buNone/>
-          </a:pPr>
-          <a:endParaRPr lang="en-US" sz="3600" kern="1200"/>
-        </a:p>
-      </dsp:txBody>
-      <dsp:txXfrm>
-        <a:off x="7579001" y="1095435"/>
-        <a:ext cx="498172" cy="681589"/>
-      </dsp:txXfrm>
-    </dsp:sp>
-  </dsp:spTree>
-</dsp:drawing>
-</file>
-
 <file path=ppt/diagrams/drawing6.xml><?xml version="1.0" encoding="utf-8"?>
 <dsp:drawing xmlns:dgm="http://schemas.openxmlformats.org/drawingml/2006/diagram" xmlns:dsp="http://schemas.microsoft.com/office/drawing/2008/diagram" xmlns:a="http://schemas.openxmlformats.org/drawingml/2006/main">
   <dsp:spTree>
@@ -12753,8 +12278,8 @@
       </dsp:nvSpPr>
       <dsp:spPr>
         <a:xfrm>
-          <a:off x="277195" y="698240"/>
-          <a:ext cx="864246" cy="864246"/>
+          <a:off x="334843" y="523162"/>
+          <a:ext cx="1042242" cy="1042242"/>
         </a:xfrm>
         <a:prstGeom prst="ellipse">
           <a:avLst/>
@@ -12793,8 +12318,8 @@
       </dsp:nvSpPr>
       <dsp:spPr>
         <a:xfrm>
-          <a:off x="461379" y="882424"/>
-          <a:ext cx="495878" cy="495878"/>
+          <a:off x="556960" y="745279"/>
+          <a:ext cx="598007" cy="598007"/>
         </a:xfrm>
         <a:prstGeom prst="rect">
           <a:avLst/>
@@ -12848,8 +12373,8 @@
       </dsp:nvSpPr>
       <dsp:spPr>
         <a:xfrm>
-          <a:off x="920" y="1831678"/>
-          <a:ext cx="1416796" cy="566718"/>
+          <a:off x="1667" y="1890037"/>
+          <a:ext cx="1708593" cy="683437"/>
         </a:xfrm>
         <a:prstGeom prst="rect">
           <a:avLst/>
@@ -12893,170 +12418,13 @@
           </a:pPr>
           <a:r>
             <a:rPr lang="en-US" sz="1100" kern="1200" dirty="0"/>
-            <a:t>Re-write big part of MolOpt algorithms.</a:t>
+            <a:t>Write, Fix &amp; Improve All of MolOpt algorithms.</a:t>
           </a:r>
         </a:p>
       </dsp:txBody>
       <dsp:txXfrm>
-        <a:off x="920" y="1831678"/>
-        <a:ext cx="1416796" cy="566718"/>
-      </dsp:txXfrm>
-    </dsp:sp>
-    <dsp:sp modelId="{2E630F7B-655C-4CE7-810D-AC8B47F1F122}">
-      <dsp:nvSpPr>
-        <dsp:cNvPr id="0" name=""/>
-        <dsp:cNvSpPr/>
-      </dsp:nvSpPr>
-      <dsp:spPr>
-        <a:xfrm>
-          <a:off x="1941931" y="698240"/>
-          <a:ext cx="864246" cy="864246"/>
-        </a:xfrm>
-        <a:prstGeom prst="ellipse">
-          <a:avLst/>
-        </a:prstGeom>
-        <a:solidFill>
-          <a:schemeClr val="bg1">
-            <a:lumMod val="95000"/>
-            <a:hueOff val="0"/>
-            <a:satOff val="0"/>
-            <a:lumOff val="0"/>
-            <a:alphaOff val="0"/>
-          </a:schemeClr>
-        </a:solidFill>
-        <a:ln>
-          <a:noFill/>
-        </a:ln>
-        <a:effectLst/>
-      </dsp:spPr>
-      <dsp:style>
-        <a:lnRef idx="0">
-          <a:scrgbClr r="0" g="0" b="0"/>
-        </a:lnRef>
-        <a:fillRef idx="1">
-          <a:scrgbClr r="0" g="0" b="0"/>
-        </a:fillRef>
-        <a:effectRef idx="0">
-          <a:scrgbClr r="0" g="0" b="0"/>
-        </a:effectRef>
-        <a:fontRef idx="minor"/>
-      </dsp:style>
-    </dsp:sp>
-    <dsp:sp modelId="{409669BA-5934-47F6-AE36-1BD4091D9950}">
-      <dsp:nvSpPr>
-        <dsp:cNvPr id="0" name=""/>
-        <dsp:cNvSpPr/>
-      </dsp:nvSpPr>
-      <dsp:spPr>
-        <a:xfrm>
-          <a:off x="2126115" y="882424"/>
-          <a:ext cx="495878" cy="495878"/>
-        </a:xfrm>
-        <a:prstGeom prst="rect">
-          <a:avLst/>
-        </a:prstGeom>
-        <a:blipFill>
-          <a:blip xmlns:r="http://schemas.openxmlformats.org/officeDocument/2006/relationships" r:embed="rId3">
-            <a:extLst>
-              <a:ext uri="{96DAC541-7B7A-43D3-8B79-37D633B846F1}">
-                <asvg:svgBlip xmlns:asvg="http://schemas.microsoft.com/office/drawing/2016/SVG/main" r:embed="rId4"/>
-              </a:ext>
-            </a:extLst>
-          </a:blip>
-          <a:srcRect/>
-          <a:stretch>
-            <a:fillRect/>
-          </a:stretch>
-        </a:blipFill>
-        <a:ln w="15875" cap="rnd" cmpd="sng" algn="ctr">
-          <a:solidFill>
-            <a:schemeClr val="lt1">
-              <a:alpha val="0"/>
-              <a:hueOff val="0"/>
-              <a:satOff val="0"/>
-              <a:lumOff val="0"/>
-              <a:alphaOff val="0"/>
-            </a:schemeClr>
-          </a:solidFill>
-          <a:prstDash val="solid"/>
-        </a:ln>
-        <a:effectLst/>
-      </dsp:spPr>
-      <dsp:style>
-        <a:lnRef idx="2">
-          <a:scrgbClr r="0" g="0" b="0"/>
-        </a:lnRef>
-        <a:fillRef idx="1">
-          <a:scrgbClr r="0" g="0" b="0"/>
-        </a:fillRef>
-        <a:effectRef idx="0">
-          <a:scrgbClr r="0" g="0" b="0"/>
-        </a:effectRef>
-        <a:fontRef idx="minor">
-          <a:schemeClr val="lt1"/>
-        </a:fontRef>
-      </dsp:style>
-    </dsp:sp>
-    <dsp:sp modelId="{D90FD4CA-835A-48F9-ABB1-3DD54D2E2FC0}">
-      <dsp:nvSpPr>
-        <dsp:cNvPr id="0" name=""/>
-        <dsp:cNvSpPr/>
-      </dsp:nvSpPr>
-      <dsp:spPr>
-        <a:xfrm>
-          <a:off x="1665656" y="1831678"/>
-          <a:ext cx="1416796" cy="566718"/>
-        </a:xfrm>
-        <a:prstGeom prst="rect">
-          <a:avLst/>
-        </a:prstGeom>
-        <a:noFill/>
-        <a:ln>
-          <a:noFill/>
-        </a:ln>
-        <a:effectLst/>
-      </dsp:spPr>
-      <dsp:style>
-        <a:lnRef idx="0">
-          <a:scrgbClr r="0" g="0" b="0"/>
-        </a:lnRef>
-        <a:fillRef idx="0">
-          <a:scrgbClr r="0" g="0" b="0"/>
-        </a:fillRef>
-        <a:effectRef idx="0">
-          <a:scrgbClr r="0" g="0" b="0"/>
-        </a:effectRef>
-        <a:fontRef idx="minor"/>
-      </dsp:style>
-      <dsp:txBody>
-        <a:bodyPr spcFirstLastPara="0" vert="horz" wrap="square" lIns="0" tIns="0" rIns="0" bIns="0" numCol="1" spcCol="1270" anchor="t" anchorCtr="0">
-          <a:noAutofit/>
-        </a:bodyPr>
-        <a:lstStyle/>
-        <a:p>
-          <a:pPr marL="0" lvl="0" indent="0" algn="ctr" defTabSz="488950">
-            <a:lnSpc>
-              <a:spcPct val="100000"/>
-            </a:lnSpc>
-            <a:spcBef>
-              <a:spcPct val="0"/>
-            </a:spcBef>
-            <a:spcAft>
-              <a:spcPct val="35000"/>
-            </a:spcAft>
-            <a:buNone/>
-            <a:defRPr cap="all"/>
-          </a:pPr>
-          <a:r>
-            <a:rPr lang="en-US" sz="1100" kern="1200"/>
-            <a:t>Supporting all the features of the old version of MolOpt.</a:t>
-          </a:r>
-          <a:endParaRPr lang="en-US" sz="1100" kern="1200" dirty="0"/>
-        </a:p>
-      </dsp:txBody>
-      <dsp:txXfrm>
-        <a:off x="1665656" y="1831678"/>
-        <a:ext cx="1416796" cy="566718"/>
+        <a:off x="1667" y="1890037"/>
+        <a:ext cx="1708593" cy="683437"/>
       </dsp:txXfrm>
     </dsp:sp>
     <dsp:sp modelId="{F20BC626-E485-4D7F-AA84-02707F6CBE48}">
@@ -13066,8 +12434,8 @@
       </dsp:nvSpPr>
       <dsp:spPr>
         <a:xfrm>
-          <a:off x="3606668" y="698240"/>
-          <a:ext cx="864246" cy="864246"/>
+          <a:off x="2342440" y="523162"/>
+          <a:ext cx="1042242" cy="1042242"/>
         </a:xfrm>
         <a:prstGeom prst="ellipse">
           <a:avLst/>
@@ -13106,17 +12474,17 @@
       </dsp:nvSpPr>
       <dsp:spPr>
         <a:xfrm>
-          <a:off x="3790851" y="882424"/>
-          <a:ext cx="495878" cy="495878"/>
+          <a:off x="2564557" y="745279"/>
+          <a:ext cx="598007" cy="598007"/>
         </a:xfrm>
         <a:prstGeom prst="rect">
           <a:avLst/>
         </a:prstGeom>
         <a:blipFill>
-          <a:blip xmlns:r="http://schemas.openxmlformats.org/officeDocument/2006/relationships" r:embed="rId5">
+          <a:blip xmlns:r="http://schemas.openxmlformats.org/officeDocument/2006/relationships" r:embed="rId3">
             <a:extLst>
               <a:ext uri="{96DAC541-7B7A-43D3-8B79-37D633B846F1}">
-                <asvg:svgBlip xmlns:asvg="http://schemas.microsoft.com/office/drawing/2016/SVG/main" r:embed="rId6"/>
+                <asvg:svgBlip xmlns:asvg="http://schemas.microsoft.com/office/drawing/2016/SVG/main" r:embed="rId4"/>
               </a:ext>
             </a:extLst>
           </a:blip>
@@ -13153,8 +12521,8 @@
       </dsp:nvSpPr>
       <dsp:spPr>
         <a:xfrm>
-          <a:off x="3330392" y="1831678"/>
-          <a:ext cx="1416796" cy="566718"/>
+          <a:off x="2009264" y="1890037"/>
+          <a:ext cx="1708593" cy="683437"/>
         </a:xfrm>
         <a:prstGeom prst="rect">
           <a:avLst/>
@@ -13203,8 +12571,8 @@
         </a:p>
       </dsp:txBody>
       <dsp:txXfrm>
-        <a:off x="3330392" y="1831678"/>
-        <a:ext cx="1416796" cy="566718"/>
+        <a:off x="2009264" y="1890037"/>
+        <a:ext cx="1708593" cy="683437"/>
       </dsp:txXfrm>
     </dsp:sp>
     <dsp:sp modelId="{06EE88CF-570B-43C8-917B-D6077839E6E7}">
@@ -13214,8 +12582,8 @@
       </dsp:nvSpPr>
       <dsp:spPr>
         <a:xfrm>
-          <a:off x="5271404" y="698240"/>
-          <a:ext cx="864246" cy="864246"/>
+          <a:off x="4350038" y="523162"/>
+          <a:ext cx="1042242" cy="1042242"/>
         </a:xfrm>
         <a:prstGeom prst="ellipse">
           <a:avLst/>
@@ -13254,20 +12622,20 @@
       </dsp:nvSpPr>
       <dsp:spPr>
         <a:xfrm>
-          <a:off x="5455588" y="882424"/>
-          <a:ext cx="495878" cy="495878"/>
+          <a:off x="4572155" y="745279"/>
+          <a:ext cx="598007" cy="598007"/>
         </a:xfrm>
         <a:prstGeom prst="rect">
           <a:avLst/>
         </a:prstGeom>
         <a:blipFill>
-          <a:blip xmlns:r="http://schemas.openxmlformats.org/officeDocument/2006/relationships" r:embed="rId7">
+          <a:blip xmlns:r="http://schemas.openxmlformats.org/officeDocument/2006/relationships" r:embed="rId5">
             <a:extLst>
               <a:ext uri="{28A0092B-C50C-407E-A947-70E740481C1C}">
                 <a14:useLocalDpi xmlns:a14="http://schemas.microsoft.com/office/drawing/2010/main" val="0"/>
               </a:ext>
               <a:ext uri="{96DAC541-7B7A-43D3-8B79-37D633B846F1}">
-                <asvg:svgBlip xmlns:asvg="http://schemas.microsoft.com/office/drawing/2016/SVG/main" r:embed="rId8"/>
+                <asvg:svgBlip xmlns:asvg="http://schemas.microsoft.com/office/drawing/2016/SVG/main" r:embed="rId6"/>
               </a:ext>
             </a:extLst>
           </a:blip>
@@ -13303,8 +12671,8 @@
       </dsp:nvSpPr>
       <dsp:spPr>
         <a:xfrm>
-          <a:off x="4995129" y="1831678"/>
-          <a:ext cx="1416796" cy="566718"/>
+          <a:off x="4016862" y="1890037"/>
+          <a:ext cx="1708593" cy="683437"/>
         </a:xfrm>
         <a:prstGeom prst="rect">
           <a:avLst/>
@@ -13353,8 +12721,8 @@
         </a:p>
       </dsp:txBody>
       <dsp:txXfrm>
-        <a:off x="4995129" y="1831678"/>
-        <a:ext cx="1416796" cy="566718"/>
+        <a:off x="4016862" y="1890037"/>
+        <a:ext cx="1708593" cy="683437"/>
       </dsp:txXfrm>
     </dsp:sp>
     <dsp:sp modelId="{05AA9362-9B4D-4BE1-B0DC-4999A5657CD8}">
@@ -13364,8 +12732,8 @@
       </dsp:nvSpPr>
       <dsp:spPr>
         <a:xfrm>
-          <a:off x="6936140" y="698240"/>
-          <a:ext cx="864246" cy="864246"/>
+          <a:off x="6357636" y="523162"/>
+          <a:ext cx="1042242" cy="1042242"/>
         </a:xfrm>
         <a:prstGeom prst="ellipse">
           <a:avLst/>
@@ -13404,20 +12772,20 @@
       </dsp:nvSpPr>
       <dsp:spPr>
         <a:xfrm>
-          <a:off x="7120324" y="882424"/>
-          <a:ext cx="495878" cy="495878"/>
+          <a:off x="6579753" y="745279"/>
+          <a:ext cx="598007" cy="598007"/>
         </a:xfrm>
         <a:prstGeom prst="rect">
           <a:avLst/>
         </a:prstGeom>
         <a:blipFill>
-          <a:blip xmlns:r="http://schemas.openxmlformats.org/officeDocument/2006/relationships" r:embed="rId9">
+          <a:blip xmlns:r="http://schemas.openxmlformats.org/officeDocument/2006/relationships" r:embed="rId7">
             <a:extLst>
               <a:ext uri="{28A0092B-C50C-407E-A947-70E740481C1C}">
                 <a14:useLocalDpi xmlns:a14="http://schemas.microsoft.com/office/drawing/2010/main" val="0"/>
               </a:ext>
               <a:ext uri="{96DAC541-7B7A-43D3-8B79-37D633B846F1}">
-                <asvg:svgBlip xmlns:asvg="http://schemas.microsoft.com/office/drawing/2016/SVG/main" r:embed="rId10"/>
+                <asvg:svgBlip xmlns:asvg="http://schemas.microsoft.com/office/drawing/2016/SVG/main" r:embed="rId8"/>
               </a:ext>
             </a:extLst>
           </a:blip>
@@ -13453,8 +12821,8 @@
       </dsp:nvSpPr>
       <dsp:spPr>
         <a:xfrm>
-          <a:off x="6659865" y="1831678"/>
-          <a:ext cx="1416796" cy="566718"/>
+          <a:off x="6024460" y="1890037"/>
+          <a:ext cx="1708593" cy="683437"/>
         </a:xfrm>
         <a:prstGeom prst="rect">
           <a:avLst/>
@@ -13503,8 +12871,8 @@
         </a:p>
       </dsp:txBody>
       <dsp:txXfrm>
-        <a:off x="6659865" y="1831678"/>
-        <a:ext cx="1416796" cy="566718"/>
+        <a:off x="6024460" y="1890037"/>
+        <a:ext cx="1708593" cy="683437"/>
       </dsp:txXfrm>
     </dsp:sp>
     <dsp:sp modelId="{F0891285-D64B-4F9E-AD97-F1C26445C9DA}">
@@ -13514,8 +12882,8 @@
       </dsp:nvSpPr>
       <dsp:spPr>
         <a:xfrm>
-          <a:off x="8600877" y="698240"/>
-          <a:ext cx="864246" cy="864246"/>
+          <a:off x="8365233" y="523162"/>
+          <a:ext cx="1042242" cy="1042242"/>
         </a:xfrm>
         <a:prstGeom prst="ellipse">
           <a:avLst/>
@@ -13554,20 +12922,20 @@
       </dsp:nvSpPr>
       <dsp:spPr>
         <a:xfrm>
-          <a:off x="8785060" y="882424"/>
-          <a:ext cx="495878" cy="495878"/>
+          <a:off x="8587350" y="745279"/>
+          <a:ext cx="598007" cy="598007"/>
         </a:xfrm>
         <a:prstGeom prst="rect">
           <a:avLst/>
         </a:prstGeom>
         <a:blipFill>
-          <a:blip xmlns:r="http://schemas.openxmlformats.org/officeDocument/2006/relationships" r:embed="rId11">
+          <a:blip xmlns:r="http://schemas.openxmlformats.org/officeDocument/2006/relationships" r:embed="rId9">
             <a:extLst>
               <a:ext uri="{28A0092B-C50C-407E-A947-70E740481C1C}">
                 <a14:useLocalDpi xmlns:a14="http://schemas.microsoft.com/office/drawing/2010/main" val="0"/>
               </a:ext>
               <a:ext uri="{96DAC541-7B7A-43D3-8B79-37D633B846F1}">
-                <asvg:svgBlip xmlns:asvg="http://schemas.microsoft.com/office/drawing/2016/SVG/main" r:embed="rId12"/>
+                <asvg:svgBlip xmlns:asvg="http://schemas.microsoft.com/office/drawing/2016/SVG/main" r:embed="rId10"/>
               </a:ext>
             </a:extLst>
           </a:blip>
@@ -13603,8 +12971,8 @@
       </dsp:nvSpPr>
       <dsp:spPr>
         <a:xfrm>
-          <a:off x="8324601" y="1831678"/>
-          <a:ext cx="1416796" cy="566718"/>
+          <a:off x="8032057" y="1890037"/>
+          <a:ext cx="1708593" cy="683437"/>
         </a:xfrm>
         <a:prstGeom prst="rect">
           <a:avLst/>
@@ -13648,13 +13016,13 @@
           </a:pPr>
           <a:r>
             <a:rPr lang="en-US" sz="1100" kern="1200" dirty="0"/>
-            <a:t>Optimizing algorithms code.</a:t>
+            <a:t>Optimizing algorithms</a:t>
           </a:r>
         </a:p>
       </dsp:txBody>
       <dsp:txXfrm>
-        <a:off x="8324601" y="1831678"/>
-        <a:ext cx="1416796" cy="566718"/>
+        <a:off x="8032057" y="1890037"/>
+        <a:ext cx="1708593" cy="683437"/>
       </dsp:txXfrm>
     </dsp:sp>
   </dsp:spTree>
@@ -13676,8 +13044,8 @@
       </dsp:nvSpPr>
       <dsp:spPr>
         <a:xfrm>
-          <a:off x="190" y="169742"/>
-          <a:ext cx="2297626" cy="2757152"/>
+          <a:off x="761" y="0"/>
+          <a:ext cx="3082530" cy="3096638"/>
         </a:xfrm>
         <a:prstGeom prst="rect">
           <a:avLst/>
@@ -13718,12 +13086,12 @@
         </a:fontRef>
       </dsp:style>
       <dsp:txBody>
-        <a:bodyPr spcFirstLastPara="0" vert="horz" wrap="square" lIns="226954" tIns="0" rIns="226954" bIns="330200" numCol="1" spcCol="1270" anchor="t" anchorCtr="0">
+        <a:bodyPr spcFirstLastPara="0" vert="horz" wrap="square" lIns="304486" tIns="0" rIns="304486" bIns="330200" numCol="1" spcCol="1270" anchor="t" anchorCtr="0">
           <a:noAutofit/>
         </a:bodyPr>
         <a:lstStyle/>
         <a:p>
-          <a:pPr marL="0" lvl="0" indent="0" algn="l" defTabSz="622300">
+          <a:pPr marL="0" lvl="0" indent="0" algn="l" defTabSz="755650">
             <a:lnSpc>
               <a:spcPct val="90000"/>
             </a:lnSpc>
@@ -13736,21 +13104,38 @@
             <a:buNone/>
           </a:pPr>
           <a:r>
-            <a:rPr lang="en-US" sz="1400" kern="1200" dirty="0"/>
-            <a:t>Used Django tests system.</a:t>
+            <a:rPr lang="en-US" sz="1700" kern="1200" dirty="0"/>
+            <a:t>- Used Django tests system.</a:t>
           </a:r>
           <a:br>
-            <a:rPr lang="en-US" sz="1400" kern="1200" dirty="0"/>
+            <a:rPr lang="en-US" sz="1700" kern="1200" dirty="0"/>
           </a:br>
           <a:r>
-            <a:rPr lang="en-US" sz="1400" kern="1200" dirty="0"/>
-            <a:t>Testing the APIs in the application. </a:t>
+            <a:rPr lang="en-US" sz="1700" kern="1200" dirty="0"/>
+            <a:t>- Used Cypress package.</a:t>
+          </a:r>
+          <a:br>
+            <a:rPr lang="en-US" sz="1700" kern="1200" dirty="0"/>
+          </a:br>
+          <a:br>
+            <a:rPr lang="en-US" sz="1700" kern="1200" dirty="0"/>
+          </a:br>
+          <a:r>
+            <a:rPr lang="en-US" sz="1700" kern="1200" dirty="0"/>
+            <a:t>Testing many cases of user cases in any web-browser.</a:t>
+          </a:r>
+          <a:br>
+            <a:rPr lang="en-US" sz="1700" kern="1200" dirty="0"/>
+          </a:br>
+          <a:r>
+            <a:rPr lang="en-US" sz="1700" kern="1200" dirty="0"/>
+            <a:t> </a:t>
           </a:r>
         </a:p>
       </dsp:txBody>
       <dsp:txXfrm>
-        <a:off x="190" y="1272603"/>
-        <a:ext cx="2297626" cy="1654291"/>
+        <a:off x="761" y="1238655"/>
+        <a:ext cx="3082530" cy="1857982"/>
       </dsp:txXfrm>
     </dsp:sp>
     <dsp:sp modelId="{EC5A7F19-E381-44E5-B1DA-53F23D7EBD93}">
@@ -13760,8 +13145,8 @@
       </dsp:nvSpPr>
       <dsp:spPr>
         <a:xfrm>
-          <a:off x="190" y="169742"/>
-          <a:ext cx="2297626" cy="1102860"/>
+          <a:off x="761" y="0"/>
+          <a:ext cx="3082530" cy="1238655"/>
         </a:xfrm>
         <a:prstGeom prst="rect">
           <a:avLst/>
@@ -13789,12 +13174,12 @@
         </a:fontRef>
       </dsp:style>
       <dsp:txBody>
-        <a:bodyPr spcFirstLastPara="0" vert="horz" wrap="square" lIns="226954" tIns="165100" rIns="226954" bIns="165100" numCol="1" spcCol="1270" anchor="ctr" anchorCtr="0">
+        <a:bodyPr spcFirstLastPara="0" vert="horz" wrap="square" lIns="304486" tIns="165100" rIns="304486" bIns="165100" numCol="1" spcCol="1270" anchor="ctr" anchorCtr="0">
           <a:noAutofit/>
         </a:bodyPr>
         <a:lstStyle/>
         <a:p>
-          <a:pPr marL="0" lvl="0" indent="0" algn="l" defTabSz="1155700">
+          <a:pPr marL="0" lvl="0" indent="0" algn="l" defTabSz="1422400">
             <a:lnSpc>
               <a:spcPct val="90000"/>
             </a:lnSpc>
@@ -13807,43 +13192,43 @@
             <a:buNone/>
           </a:pPr>
           <a:r>
-            <a:rPr lang="en-US" sz="2600" kern="1200" dirty="0"/>
-            <a:t>Backend Tests</a:t>
+            <a:rPr lang="en-US" sz="3200" kern="1200" dirty="0"/>
+            <a:t>Tests</a:t>
           </a:r>
         </a:p>
       </dsp:txBody>
       <dsp:txXfrm>
-        <a:off x="190" y="169742"/>
-        <a:ext cx="2297626" cy="1102860"/>
+        <a:off x="761" y="0"/>
+        <a:ext cx="3082530" cy="1238655"/>
       </dsp:txXfrm>
     </dsp:sp>
-    <dsp:sp modelId="{5AD143F7-0E54-4217-98D2-5827055C336F}">
+    <dsp:sp modelId="{1FA53A41-EACC-4BB3-AD4D-D0E9328813A6}">
       <dsp:nvSpPr>
         <dsp:cNvPr id="0" name=""/>
         <dsp:cNvSpPr/>
       </dsp:nvSpPr>
       <dsp:spPr>
         <a:xfrm>
-          <a:off x="2481627" y="169742"/>
-          <a:ext cx="2297626" cy="2757152"/>
+          <a:off x="3329894" y="0"/>
+          <a:ext cx="3082530" cy="3096638"/>
         </a:xfrm>
         <a:prstGeom prst="rect">
           <a:avLst/>
         </a:prstGeom>
         <a:solidFill>
           <a:schemeClr val="accent5">
-            <a:hueOff val="-1238541"/>
-            <a:satOff val="1219"/>
-            <a:lumOff val="2745"/>
+            <a:hueOff val="-1857811"/>
+            <a:satOff val="1829"/>
+            <a:lumOff val="4118"/>
             <a:alphaOff val="0"/>
           </a:schemeClr>
         </a:solidFill>
         <a:ln w="15875" cap="rnd" cmpd="sng" algn="ctr">
           <a:solidFill>
             <a:schemeClr val="accent5">
-              <a:hueOff val="-1238541"/>
-              <a:satOff val="1219"/>
-              <a:lumOff val="2745"/>
+              <a:hueOff val="-1857811"/>
+              <a:satOff val="1829"/>
+              <a:lumOff val="4118"/>
               <a:alphaOff val="0"/>
             </a:schemeClr>
           </a:solidFill>
@@ -13866,12 +13251,12 @@
         </a:fontRef>
       </dsp:style>
       <dsp:txBody>
-        <a:bodyPr spcFirstLastPara="0" vert="horz" wrap="square" lIns="226954" tIns="0" rIns="226954" bIns="330200" numCol="1" spcCol="1270" anchor="t" anchorCtr="0">
+        <a:bodyPr spcFirstLastPara="0" vert="horz" wrap="square" lIns="304486" tIns="0" rIns="304486" bIns="330200" numCol="1" spcCol="1270" anchor="t" anchorCtr="0">
           <a:noAutofit/>
         </a:bodyPr>
         <a:lstStyle/>
         <a:p>
-          <a:pPr marL="0" lvl="0" indent="0" algn="l" defTabSz="622300">
+          <a:pPr marL="0" lvl="0" indent="0" algn="l" defTabSz="755650">
             <a:lnSpc>
               <a:spcPct val="90000"/>
             </a:lnSpc>
@@ -13884,32 +13269,25 @@
             <a:buNone/>
           </a:pPr>
           <a:r>
-            <a:rPr lang="en-US" sz="1400" kern="1200" dirty="0"/>
-            <a:t>Used Cypress package.</a:t>
-          </a:r>
-          <a:br>
-            <a:rPr lang="en-US" sz="1400" kern="1200" dirty="0"/>
-          </a:br>
-          <a:r>
-            <a:rPr lang="en-US" sz="1400" kern="1200" dirty="0"/>
-            <a:t>Testing many cases of user usages.</a:t>
+            <a:rPr lang="en-US" sz="1700" kern="1200" dirty="0"/>
+            <a:t>This projects followed by many documentations and tests that will allow the client to always keep the application fully functional.</a:t>
           </a:r>
         </a:p>
       </dsp:txBody>
       <dsp:txXfrm>
-        <a:off x="2481627" y="1272603"/>
-        <a:ext cx="2297626" cy="1654291"/>
+        <a:off x="3329894" y="1238655"/>
+        <a:ext cx="3082530" cy="1857982"/>
       </dsp:txXfrm>
     </dsp:sp>
-    <dsp:sp modelId="{620C4F87-F2EB-47AE-A233-A63B3450A883}">
+    <dsp:sp modelId="{6D39A10C-4EE7-475B-B56F-3CD8E5E06848}">
       <dsp:nvSpPr>
         <dsp:cNvPr id="0" name=""/>
         <dsp:cNvSpPr/>
       </dsp:nvSpPr>
       <dsp:spPr>
         <a:xfrm>
-          <a:off x="2481627" y="169742"/>
-          <a:ext cx="2297626" cy="1102860"/>
+          <a:off x="3329894" y="0"/>
+          <a:ext cx="3082530" cy="1238655"/>
         </a:xfrm>
         <a:prstGeom prst="rect">
           <a:avLst/>
@@ -13937,12 +13315,12 @@
         </a:fontRef>
       </dsp:style>
       <dsp:txBody>
-        <a:bodyPr spcFirstLastPara="0" vert="horz" wrap="square" lIns="226954" tIns="165100" rIns="226954" bIns="165100" numCol="1" spcCol="1270" anchor="ctr" anchorCtr="0">
+        <a:bodyPr spcFirstLastPara="0" vert="horz" wrap="square" lIns="304486" tIns="165100" rIns="304486" bIns="165100" numCol="1" spcCol="1270" anchor="ctr" anchorCtr="0">
           <a:noAutofit/>
         </a:bodyPr>
         <a:lstStyle/>
         <a:p>
-          <a:pPr marL="0" lvl="0" indent="0" algn="l" defTabSz="1155700">
+          <a:pPr marL="0" lvl="0" indent="0" algn="l" defTabSz="1422400">
             <a:lnSpc>
               <a:spcPct val="90000"/>
             </a:lnSpc>
@@ -13955,155 +13333,14 @@
             <a:buNone/>
           </a:pPr>
           <a:r>
-            <a:rPr lang="en-US" sz="2600" kern="1200" dirty="0"/>
-            <a:t>Frontend Tests</a:t>
-          </a:r>
-        </a:p>
-      </dsp:txBody>
-      <dsp:txXfrm>
-        <a:off x="2481627" y="169742"/>
-        <a:ext cx="2297626" cy="1102860"/>
-      </dsp:txXfrm>
-    </dsp:sp>
-    <dsp:sp modelId="{1FA53A41-EACC-4BB3-AD4D-D0E9328813A6}">
-      <dsp:nvSpPr>
-        <dsp:cNvPr id="0" name=""/>
-        <dsp:cNvSpPr/>
-      </dsp:nvSpPr>
-      <dsp:spPr>
-        <a:xfrm>
-          <a:off x="4963064" y="169742"/>
-          <a:ext cx="2297626" cy="2757152"/>
-        </a:xfrm>
-        <a:prstGeom prst="rect">
-          <a:avLst/>
-        </a:prstGeom>
-        <a:solidFill>
-          <a:schemeClr val="accent5">
-            <a:hueOff val="-2477081"/>
-            <a:satOff val="2439"/>
-            <a:lumOff val="5491"/>
-            <a:alphaOff val="0"/>
-          </a:schemeClr>
-        </a:solidFill>
-        <a:ln w="15875" cap="rnd" cmpd="sng" algn="ctr">
-          <a:solidFill>
-            <a:schemeClr val="accent5">
-              <a:hueOff val="-2477081"/>
-              <a:satOff val="2439"/>
-              <a:lumOff val="5491"/>
-              <a:alphaOff val="0"/>
-            </a:schemeClr>
-          </a:solidFill>
-          <a:prstDash val="solid"/>
-        </a:ln>
-        <a:effectLst/>
-      </dsp:spPr>
-      <dsp:style>
-        <a:lnRef idx="2">
-          <a:scrgbClr r="0" g="0" b="0"/>
-        </a:lnRef>
-        <a:fillRef idx="1">
-          <a:scrgbClr r="0" g="0" b="0"/>
-        </a:fillRef>
-        <a:effectRef idx="0">
-          <a:scrgbClr r="0" g="0" b="0"/>
-        </a:effectRef>
-        <a:fontRef idx="minor">
-          <a:schemeClr val="lt1"/>
-        </a:fontRef>
-      </dsp:style>
-      <dsp:txBody>
-        <a:bodyPr spcFirstLastPara="0" vert="horz" wrap="square" lIns="226954" tIns="0" rIns="226954" bIns="330200" numCol="1" spcCol="1270" anchor="t" anchorCtr="0">
-          <a:noAutofit/>
-        </a:bodyPr>
-        <a:lstStyle/>
-        <a:p>
-          <a:pPr marL="0" lvl="0" indent="0" algn="l" defTabSz="622300">
-            <a:lnSpc>
-              <a:spcPct val="90000"/>
-            </a:lnSpc>
-            <a:spcBef>
-              <a:spcPct val="0"/>
-            </a:spcBef>
-            <a:spcAft>
-              <a:spcPct val="35000"/>
-            </a:spcAft>
-            <a:buNone/>
-          </a:pPr>
-          <a:r>
-            <a:rPr lang="en-US" sz="1400" kern="1200" dirty="0"/>
-            <a:t>This projects followed by many documentations and tests that will allow the client to always keep the application fully functional.</a:t>
-          </a:r>
-        </a:p>
-      </dsp:txBody>
-      <dsp:txXfrm>
-        <a:off x="4963064" y="1272603"/>
-        <a:ext cx="2297626" cy="1654291"/>
-      </dsp:txXfrm>
-    </dsp:sp>
-    <dsp:sp modelId="{6D39A10C-4EE7-475B-B56F-3CD8E5E06848}">
-      <dsp:nvSpPr>
-        <dsp:cNvPr id="0" name=""/>
-        <dsp:cNvSpPr/>
-      </dsp:nvSpPr>
-      <dsp:spPr>
-        <a:xfrm>
-          <a:off x="4963064" y="169742"/>
-          <a:ext cx="2297626" cy="1102860"/>
-        </a:xfrm>
-        <a:prstGeom prst="rect">
-          <a:avLst/>
-        </a:prstGeom>
-        <a:noFill/>
-        <a:ln w="15875" cap="rnd" cmpd="sng" algn="ctr">
-          <a:noFill/>
-          <a:prstDash val="solid"/>
-        </a:ln>
-        <a:effectLst/>
-        <a:sp3d/>
-      </dsp:spPr>
-      <dsp:style>
-        <a:lnRef idx="2">
-          <a:scrgbClr r="0" g="0" b="0"/>
-        </a:lnRef>
-        <a:fillRef idx="1">
-          <a:scrgbClr r="0" g="0" b="0"/>
-        </a:fillRef>
-        <a:effectRef idx="0">
-          <a:scrgbClr r="0" g="0" b="0"/>
-        </a:effectRef>
-        <a:fontRef idx="minor">
-          <a:schemeClr val="lt1"/>
-        </a:fontRef>
-      </dsp:style>
-      <dsp:txBody>
-        <a:bodyPr spcFirstLastPara="0" vert="horz" wrap="square" lIns="226954" tIns="165100" rIns="226954" bIns="165100" numCol="1" spcCol="1270" anchor="ctr" anchorCtr="0">
-          <a:noAutofit/>
-        </a:bodyPr>
-        <a:lstStyle/>
-        <a:p>
-          <a:pPr marL="0" lvl="0" indent="0" algn="l" defTabSz="1155700">
-            <a:lnSpc>
-              <a:spcPct val="90000"/>
-            </a:lnSpc>
-            <a:spcBef>
-              <a:spcPct val="0"/>
-            </a:spcBef>
-            <a:spcAft>
-              <a:spcPct val="35000"/>
-            </a:spcAft>
-            <a:buNone/>
-          </a:pPr>
-          <a:r>
-            <a:rPr lang="en-US" sz="2600" kern="1200" dirty="0"/>
+            <a:rPr lang="en-US" sz="3200" kern="1200" dirty="0"/>
             <a:t>Maintenance</a:t>
           </a:r>
         </a:p>
       </dsp:txBody>
       <dsp:txXfrm>
-        <a:off x="4963064" y="169742"/>
-        <a:ext cx="2297626" cy="1102860"/>
+        <a:off x="3329894" y="0"/>
+        <a:ext cx="3082530" cy="1238655"/>
       </dsp:txXfrm>
     </dsp:sp>
     <dsp:sp modelId="{BBAB34F9-E84D-441B-A16E-FAE94439C0D5}">
@@ -14113,8 +13350,8 @@
       </dsp:nvSpPr>
       <dsp:spPr>
         <a:xfrm>
-          <a:off x="7444501" y="169742"/>
-          <a:ext cx="2297626" cy="2757152"/>
+          <a:off x="6659027" y="0"/>
+          <a:ext cx="3082530" cy="3096638"/>
         </a:xfrm>
         <a:prstGeom prst="rect">
           <a:avLst/>
@@ -14155,12 +13392,12 @@
         </a:fontRef>
       </dsp:style>
       <dsp:txBody>
-        <a:bodyPr spcFirstLastPara="0" vert="horz" wrap="square" lIns="226954" tIns="0" rIns="226954" bIns="330200" numCol="1" spcCol="1270" anchor="t" anchorCtr="0">
+        <a:bodyPr spcFirstLastPara="0" vert="horz" wrap="square" lIns="304486" tIns="0" rIns="304486" bIns="330200" numCol="1" spcCol="1270" anchor="t" anchorCtr="0">
           <a:noAutofit/>
         </a:bodyPr>
         <a:lstStyle/>
         <a:p>
-          <a:pPr marL="0" lvl="0" indent="0" algn="l" defTabSz="622300">
+          <a:pPr marL="0" lvl="0" indent="0" algn="l" defTabSz="755650">
             <a:lnSpc>
               <a:spcPct val="90000"/>
             </a:lnSpc>
@@ -14173,14 +13410,14 @@
             <a:buNone/>
           </a:pPr>
           <a:r>
-            <a:rPr lang="en-US" sz="1400" kern="1200" dirty="0"/>
+            <a:rPr lang="en-US" sz="1700" kern="1200" dirty="0"/>
             <a:t>The project is written in generic and easy to read way that will allow to add future features easily.</a:t>
           </a:r>
         </a:p>
       </dsp:txBody>
       <dsp:txXfrm>
-        <a:off x="7444501" y="1272603"/>
-        <a:ext cx="2297626" cy="1654291"/>
+        <a:off x="6659027" y="1238655"/>
+        <a:ext cx="3082530" cy="1857982"/>
       </dsp:txXfrm>
     </dsp:sp>
     <dsp:sp modelId="{815FF600-CC35-427A-9817-491AEFD68B52}">
@@ -14190,8 +13427,8 @@
       </dsp:nvSpPr>
       <dsp:spPr>
         <a:xfrm>
-          <a:off x="7444501" y="169742"/>
-          <a:ext cx="2297626" cy="1102860"/>
+          <a:off x="6659027" y="0"/>
+          <a:ext cx="3082530" cy="1238655"/>
         </a:xfrm>
         <a:prstGeom prst="rect">
           <a:avLst/>
@@ -14219,12 +13456,12 @@
         </a:fontRef>
       </dsp:style>
       <dsp:txBody>
-        <a:bodyPr spcFirstLastPara="0" vert="horz" wrap="square" lIns="226954" tIns="165100" rIns="226954" bIns="165100" numCol="1" spcCol="1270" anchor="ctr" anchorCtr="0">
+        <a:bodyPr spcFirstLastPara="0" vert="horz" wrap="square" lIns="304486" tIns="165100" rIns="304486" bIns="165100" numCol="1" spcCol="1270" anchor="ctr" anchorCtr="0">
           <a:noAutofit/>
         </a:bodyPr>
         <a:lstStyle/>
         <a:p>
-          <a:pPr marL="0" lvl="0" indent="0" algn="l" defTabSz="1155700">
+          <a:pPr marL="0" lvl="0" indent="0" algn="l" defTabSz="1422400">
             <a:lnSpc>
               <a:spcPct val="90000"/>
             </a:lnSpc>
@@ -14237,21 +13474,21 @@
             <a:buNone/>
           </a:pPr>
           <a:r>
-            <a:rPr lang="en-US" sz="2600" kern="1200" dirty="0"/>
+            <a:rPr lang="en-US" sz="3200" kern="1200" dirty="0"/>
             <a:t>Easy To </a:t>
           </a:r>
           <a:br>
-            <a:rPr lang="en-US" sz="2600" kern="1200" dirty="0"/>
+            <a:rPr lang="en-US" sz="3200" kern="1200" dirty="0"/>
           </a:br>
           <a:r>
-            <a:rPr lang="en-US" sz="2600" kern="1200" dirty="0"/>
+            <a:rPr lang="en-US" sz="3200" kern="1200" dirty="0"/>
             <a:t>Add-on</a:t>
           </a:r>
         </a:p>
       </dsp:txBody>
       <dsp:txXfrm>
-        <a:off x="7444501" y="169742"/>
-        <a:ext cx="2297626" cy="1102860"/>
+        <a:off x="6659027" y="0"/>
+        <a:ext cx="3082530" cy="1238655"/>
       </dsp:txXfrm>
     </dsp:sp>
   </dsp:spTree>
@@ -14765,6 +14002,196 @@
 </file>
 
 <file path=ppt/diagrams/layout3.xml><?xml version="1.0" encoding="utf-8"?>
+<dgm:layoutDef xmlns:dgm="http://schemas.openxmlformats.org/drawingml/2006/diagram" xmlns:a="http://schemas.openxmlformats.org/drawingml/2006/main" uniqueId="urn:microsoft.com/office/officeart/2018/2/layout/IconLabelList">
+  <dgm:title val="Icon Label List"/>
+  <dgm:desc val="Use to show non-sequential or grouped chunks of information accompanied by a related visuals. Works best with icons or small pictures with short text captions."/>
+  <dgm:catLst>
+    <dgm:cat type="icon" pri="500"/>
+  </dgm:catLst>
+  <dgm:sampData useDef="1">
+    <dgm:dataModel>
+      <dgm:ptLst/>
+      <dgm:bg/>
+      <dgm:whole/>
+    </dgm:dataModel>
+  </dgm:sampData>
+  <dgm:styleData useDef="1">
+    <dgm:dataModel>
+      <dgm:ptLst/>
+      <dgm:bg/>
+      <dgm:whole/>
+    </dgm:dataModel>
+  </dgm:styleData>
+  <dgm:clrData useDef="1">
+    <dgm:dataModel>
+      <dgm:ptLst/>
+      <dgm:bg/>
+      <dgm:whole/>
+    </dgm:dataModel>
+  </dgm:clrData>
+  <dgm:layoutNode name="root">
+    <dgm:varLst>
+      <dgm:dir/>
+      <dgm:resizeHandles val="exact"/>
+    </dgm:varLst>
+    <dgm:choose name="Name0">
+      <dgm:if name="Name1" axis="self" func="var" arg="dir" op="equ" val="norm">
+        <dgm:alg type="snake">
+          <dgm:param type="grDir" val="tL"/>
+          <dgm:param type="flowDir" val="row"/>
+          <dgm:param type="contDir" val="sameDir"/>
+          <dgm:param type="off" val="ctr"/>
+          <dgm:param type="vertAlign" val="mid"/>
+          <dgm:param type="horzAlign" val="ctr"/>
+        </dgm:alg>
+      </dgm:if>
+      <dgm:else name="Name2">
+        <dgm:alg type="snake">
+          <dgm:param type="grDir" val="tR"/>
+          <dgm:param type="flowDir" val="row"/>
+          <dgm:param type="contDir" val="sameDir"/>
+          <dgm:param type="off" val="ctr"/>
+          <dgm:param type="vertAlign" val="mid"/>
+          <dgm:param type="horzAlign" val="ctr"/>
+        </dgm:alg>
+      </dgm:else>
+    </dgm:choose>
+    <dgm:shape xmlns:r="http://schemas.openxmlformats.org/officeDocument/2006/relationships" r:blip="">
+      <dgm:adjLst/>
+    </dgm:shape>
+    <dgm:presOf/>
+    <dgm:choose name="Name3">
+      <dgm:if name="Name4" axis="ch" ptType="node" func="cnt" op="lte" val="2">
+        <dgm:constrLst>
+          <dgm:constr type="h" for="ch" forName="compNode" refType="h" fact="0.4"/>
+          <dgm:constr type="w" for="ch" forName="compNode" val="120"/>
+          <dgm:constr type="w" for="ch" forName="sibTrans" refType="w" refFor="ch" refForName="compNode" fact="0.175"/>
+          <dgm:constr type="sp" refType="w" refFor="ch" refForName="compNode" op="equ" fact="0.25"/>
+          <dgm:constr type="primFontSz" for="des" ptType="node" op="equ" val="50"/>
+          <dgm:constr type="h" for="des" forName="compNode" op="equ"/>
+          <dgm:constr type="h" for="des" forName="textRect" op="equ"/>
+        </dgm:constrLst>
+      </dgm:if>
+      <dgm:if name="Name5" axis="ch" ptType="node" func="cnt" op="lte" val="4">
+        <dgm:constrLst>
+          <dgm:constr type="h" for="ch" forName="compNode" refType="h" fact="0.4"/>
+          <dgm:constr type="w" for="ch" forName="compNode" refType="w"/>
+          <dgm:constr type="w" for="ch" forName="sibTrans" refType="w" refFor="ch" refForName="compNode" fact="0.175"/>
+          <dgm:constr type="sp" refType="w" refFor="ch" refForName="compNode" op="equ" fact="0.25"/>
+          <dgm:constr type="primFontSz" for="des" ptType="node" op="equ" val="36"/>
+          <dgm:constr type="h" for="des" forName="compNode" op="equ"/>
+          <dgm:constr type="h" for="des" forName="textRect" op="equ"/>
+        </dgm:constrLst>
+      </dgm:if>
+      <dgm:else name="Name6">
+        <dgm:constrLst>
+          <dgm:constr type="h" for="ch" forName="compNode" refType="h" fact="0.4"/>
+          <dgm:constr type="w" for="ch" forName="compNode" refType="w"/>
+          <dgm:constr type="w" for="ch" forName="sibTrans" refType="w" refFor="ch" refForName="compNode" fact="0.175"/>
+          <dgm:constr type="sp" refType="w" refFor="ch" refForName="compNode" op="equ" fact="0.25"/>
+          <dgm:constr type="primFontSz" for="des" ptType="node" op="equ" val="24"/>
+          <dgm:constr type="h" for="des" forName="compNode" op="equ"/>
+          <dgm:constr type="h" for="des" forName="textRect" op="equ"/>
+        </dgm:constrLst>
+      </dgm:else>
+    </dgm:choose>
+    <dgm:ruleLst>
+      <dgm:rule type="w" for="ch" forName="compNode" val="50" fact="NaN" max="NaN"/>
+    </dgm:ruleLst>
+    <dgm:forEach name="Name7" axis="ch" ptType="node">
+      <dgm:layoutNode name="compNode">
+        <dgm:alg type="composite"/>
+        <dgm:shape xmlns:r="http://schemas.openxmlformats.org/officeDocument/2006/relationships" r:blip="">
+          <dgm:adjLst/>
+        </dgm:shape>
+        <dgm:presOf axis="self"/>
+        <dgm:constrLst>
+          <dgm:constr type="w" for="ch" forName="iconRect" refType="w" fact="0.45"/>
+          <dgm:constr type="h" for="ch" forName="iconRect" refType="w" refFor="ch" refForName="iconRect"/>
+          <dgm:constr type="ctrX" for="ch" forName="iconRect" refType="w" fact="0.5"/>
+          <dgm:constr type="t" for="ch" forName="iconRect"/>
+          <dgm:constr type="h" for="ch" forName="spaceRect" refType="h" fact="0.15"/>
+          <dgm:constr type="w" for="ch" forName="spaceRect" refType="w"/>
+          <dgm:constr type="l" for="ch" forName="spaceRect"/>
+          <dgm:constr type="t" for="ch" forName="spaceRect" refType="b" refFor="ch" refForName="iconRect"/>
+          <dgm:constr type="h" for="ch" forName="textRect" val="20"/>
+          <dgm:constr type="w" for="ch" forName="textRect" refType="w"/>
+          <dgm:constr type="l" for="ch" forName="textRect"/>
+          <dgm:constr type="t" for="ch" forName="textRect" refType="b" refFor="ch" refForName="spaceRect"/>
+        </dgm:constrLst>
+        <dgm:ruleLst>
+          <dgm:rule type="h" val="INF" fact="NaN" max="NaN"/>
+        </dgm:ruleLst>
+        <dgm:layoutNode name="iconRect" styleLbl="node1">
+          <dgm:alg type="sp"/>
+          <dgm:shape xmlns:r="http://schemas.openxmlformats.org/officeDocument/2006/relationships" type="rect" r:blip="" blipPhldr="1">
+            <dgm:adjLst/>
+          </dgm:shape>
+          <dgm:presOf/>
+          <dgm:constrLst/>
+          <dgm:ruleLst/>
+        </dgm:layoutNode>
+        <dgm:layoutNode name="spaceRect">
+          <dgm:alg type="sp"/>
+          <dgm:shape xmlns:r="http://schemas.openxmlformats.org/officeDocument/2006/relationships" r:blip="">
+            <dgm:adjLst/>
+          </dgm:shape>
+          <dgm:presOf/>
+          <dgm:constrLst/>
+          <dgm:ruleLst/>
+        </dgm:layoutNode>
+        <dgm:layoutNode name="textRect" styleLbl="revTx">
+          <dgm:varLst>
+            <dgm:chMax val="1"/>
+            <dgm:chPref val="1"/>
+          </dgm:varLst>
+          <dgm:alg type="tx">
+            <dgm:param type="txAnchorVert" val="t"/>
+          </dgm:alg>
+          <dgm:shape xmlns:r="http://schemas.openxmlformats.org/officeDocument/2006/relationships" type="rect" r:blip="">
+            <dgm:adjLst/>
+          </dgm:shape>
+          <dgm:presOf axis="self" ptType="node"/>
+          <dgm:constrLst>
+            <dgm:constr type="lMarg"/>
+            <dgm:constr type="rMarg"/>
+            <dgm:constr type="tMarg"/>
+            <dgm:constr type="bMarg"/>
+          </dgm:constrLst>
+          <dgm:ruleLst>
+            <dgm:rule type="primFontSz" val="11" fact="NaN" max="NaN"/>
+            <dgm:rule type="h" val="INF" fact="NaN" max="NaN"/>
+          </dgm:ruleLst>
+        </dgm:layoutNode>
+      </dgm:layoutNode>
+      <dgm:forEach name="Name8" axis="followSib" ptType="sibTrans" cnt="1">
+        <dgm:layoutNode name="sibTrans">
+          <dgm:alg type="sp"/>
+          <dgm:shape xmlns:r="http://schemas.openxmlformats.org/officeDocument/2006/relationships" r:blip="">
+            <dgm:adjLst/>
+          </dgm:shape>
+          <dgm:presOf axis="self"/>
+          <dgm:constrLst/>
+          <dgm:ruleLst/>
+        </dgm:layoutNode>
+      </dgm:forEach>
+    </dgm:forEach>
+  </dgm:layoutNode>
+  <dgm:extLst>
+    <a:ext uri="{68A01E43-0DF5-4B5B-8FA6-DAF915123BFB}">
+      <dgm1612:lstStyle xmlns:dgm1612="http://schemas.microsoft.com/office/drawing/2016/12/diagram">
+        <a:lvl1pPr>
+          <a:lnSpc>
+            <a:spcPct val="100000"/>
+          </a:lnSpc>
+        </a:lvl1pPr>
+      </dgm1612:lstStyle>
+    </a:ext>
+  </dgm:extLst>
+</dgm:layoutDef>
+</file>
+
+<file path=ppt/diagrams/layout4.xml><?xml version="1.0" encoding="utf-8"?>
 <dgm:layoutDef xmlns:dgm="http://schemas.openxmlformats.org/drawingml/2006/diagram" xmlns:a="http://schemas.openxmlformats.org/drawingml/2006/main" uniqueId="urn:microsoft.com/office/officeart/2018/5/layout/IconLeafLabelList">
   <dgm:title val="Icon Leaf Label List"/>
   <dgm:desc val="Use to show non-sequential or grouped chunks of information accompanied by a related visuals. Works best with icons or small pictures with short text captions."/>
@@ -14991,7 +14418,7 @@
 </dgm:layoutDef>
 </file>
 
-<file path=ppt/diagrams/layout4.xml><?xml version="1.0" encoding="utf-8"?>
+<file path=ppt/diagrams/layout5.xml><?xml version="1.0" encoding="utf-8"?>
 <dgm:layoutDef xmlns:dgm="http://schemas.openxmlformats.org/drawingml/2006/diagram" xmlns:a="http://schemas.openxmlformats.org/drawingml/2006/main" uniqueId="urn:microsoft.com/office/officeart/2018/2/layout/IconLabelList">
   <dgm:title val="Icon Label List"/>
   <dgm:desc val="Use to show non-sequential or grouped chunks of information accompanied by a related visuals. Works best with icons or small pictures with short text captions."/>
@@ -15178,1232 +14605,6 @@
       </dgm1612:lstStyle>
     </a:ext>
   </dgm:extLst>
-</dgm:layoutDef>
-</file>
-
-<file path=ppt/diagrams/layout5.xml><?xml version="1.0" encoding="utf-8"?>
-<dgm:layoutDef xmlns:dgm="http://schemas.openxmlformats.org/drawingml/2006/diagram" xmlns:a="http://schemas.openxmlformats.org/drawingml/2006/main" uniqueId="urn:microsoft.com/office/officeart/2005/8/layout/vProcess5">
-  <dgm:title val=""/>
-  <dgm:desc val=""/>
-  <dgm:catLst>
-    <dgm:cat type="process" pri="14000"/>
-  </dgm:catLst>
-  <dgm:sampData>
-    <dgm:dataModel>
-      <dgm:ptLst>
-        <dgm:pt modelId="0" type="doc"/>
-        <dgm:pt modelId="1">
-          <dgm:prSet phldr="1"/>
-        </dgm:pt>
-        <dgm:pt modelId="2">
-          <dgm:prSet phldr="1"/>
-        </dgm:pt>
-        <dgm:pt modelId="3">
-          <dgm:prSet phldr="1"/>
-        </dgm:pt>
-      </dgm:ptLst>
-      <dgm:cxnLst>
-        <dgm:cxn modelId="5" srcId="0" destId="1" srcOrd="0" destOrd="0"/>
-        <dgm:cxn modelId="6" srcId="0" destId="2" srcOrd="1" destOrd="0"/>
-        <dgm:cxn modelId="7" srcId="0" destId="3" srcOrd="2" destOrd="0"/>
-      </dgm:cxnLst>
-      <dgm:bg/>
-      <dgm:whole/>
-    </dgm:dataModel>
-  </dgm:sampData>
-  <dgm:styleData>
-    <dgm:dataModel>
-      <dgm:ptLst>
-        <dgm:pt modelId="0" type="doc"/>
-        <dgm:pt modelId="1"/>
-        <dgm:pt modelId="2"/>
-      </dgm:ptLst>
-      <dgm:cxnLst>
-        <dgm:cxn modelId="3" srcId="0" destId="1" srcOrd="0" destOrd="0"/>
-        <dgm:cxn modelId="4" srcId="0" destId="2" srcOrd="1" destOrd="0"/>
-      </dgm:cxnLst>
-      <dgm:bg/>
-      <dgm:whole/>
-    </dgm:dataModel>
-  </dgm:styleData>
-  <dgm:clrData>
-    <dgm:dataModel>
-      <dgm:ptLst>
-        <dgm:pt modelId="0" type="doc"/>
-        <dgm:pt modelId="1"/>
-        <dgm:pt modelId="2"/>
-        <dgm:pt modelId="3"/>
-        <dgm:pt modelId="4"/>
-      </dgm:ptLst>
-      <dgm:cxnLst>
-        <dgm:cxn modelId="6" srcId="0" destId="1" srcOrd="0" destOrd="0"/>
-        <dgm:cxn modelId="7" srcId="0" destId="2" srcOrd="1" destOrd="0"/>
-        <dgm:cxn modelId="8" srcId="0" destId="3" srcOrd="2" destOrd="0"/>
-        <dgm:cxn modelId="9" srcId="0" destId="4" srcOrd="3" destOrd="0"/>
-      </dgm:cxnLst>
-      <dgm:bg/>
-      <dgm:whole/>
-    </dgm:dataModel>
-  </dgm:clrData>
-  <dgm:layoutNode name="outerComposite">
-    <dgm:varLst>
-      <dgm:chMax val="5"/>
-      <dgm:dir/>
-      <dgm:resizeHandles val="exact"/>
-    </dgm:varLst>
-    <dgm:alg type="composite"/>
-    <dgm:shape xmlns:r="http://schemas.openxmlformats.org/officeDocument/2006/relationships" r:blip="">
-      <dgm:adjLst/>
-    </dgm:shape>
-    <dgm:presOf/>
-    <dgm:choose name="Name0">
-      <dgm:if name="Name1" func="var" arg="dir" op="equ" val="norm">
-        <dgm:constrLst>
-          <dgm:constr type="primFontSz" for="ch" ptType="node" op="equ" val="65"/>
-          <dgm:constr type="w" for="ch" forName="dummyMaxCanvas" refType="w"/>
-          <dgm:constr type="h" for="ch" forName="dummyMaxCanvas" refType="h"/>
-          <dgm:constr type="w" for="ch" forName="OneNode_1" refType="w"/>
-          <dgm:constr type="h" for="ch" forName="OneNode_1" refType="h" fact="0.5"/>
-          <dgm:constr type="ctrY" for="ch" forName="OneNode_1" refType="h" fact="0.5"/>
-          <dgm:constr type="w" for="ch" forName="TwoNodes_1" refType="w" fact="0.85"/>
-          <dgm:constr type="h" for="ch" forName="TwoNodes_1" refType="h" fact="0.45"/>
-          <dgm:constr type="t" for="ch" forName="TwoNodes_1"/>
-          <dgm:constr type="l" for="ch" forName="TwoNodes_1"/>
-          <dgm:constr type="w" for="ch" forName="TwoNodes_2" refType="w" fact="0.85"/>
-          <dgm:constr type="h" for="ch" forName="TwoNodes_2" refType="h" fact="0.45"/>
-          <dgm:constr type="b" for="ch" forName="TwoNodes_2" refType="h"/>
-          <dgm:constr type="r" for="ch" forName="TwoNodes_2" refType="w"/>
-          <dgm:constr type="w" for="ch" forName="TwoConn_1-2" refType="h" refFor="ch" refForName="TwoNodes_1" fact="0.65"/>
-          <dgm:constr type="h" for="ch" forName="TwoConn_1-2" refType="h" refFor="ch" refForName="TwoNodes_1" fact="0.65"/>
-          <dgm:constr type="ctrY" for="ch" forName="TwoConn_1-2" refType="h" fact="0.5"/>
-          <dgm:constr type="r" for="ch" forName="TwoConn_1-2" refType="r" refFor="ch" refForName="TwoNodes_1"/>
-          <dgm:constr type="r" for="ch" forName="TwoNodes_1_text" refType="l" refFor="ch" refForName="TwoConn_1-2"/>
-          <dgm:constr type="rOff" for="ch" forName="TwoNodes_1_text" refType="w" refFor="ch" refForName="TwoConn_1-2" fact="-0.5"/>
-          <dgm:constr type="t" for="ch" forName="TwoNodes_1_text" refType="t" refFor="ch" refForName="TwoNodes_1"/>
-          <dgm:constr type="b" for="ch" forName="TwoNodes_1_text" refType="b" refFor="ch" refForName="TwoNodes_1"/>
-          <dgm:constr type="l" for="ch" forName="TwoNodes_1_text" refType="l" refFor="ch" refForName="TwoNodes_1"/>
-          <dgm:constr type="r" for="ch" forName="TwoNodes_2_text" refType="l" refFor="ch" refForName="TwoConn_1-2"/>
-          <dgm:constr type="t" for="ch" forName="TwoNodes_2_text" refType="t" refFor="ch" refForName="TwoNodes_2"/>
-          <dgm:constr type="b" for="ch" forName="TwoNodes_2_text" refType="b" refFor="ch" refForName="TwoNodes_2"/>
-          <dgm:constr type="l" for="ch" forName="TwoNodes_2_text" refType="l" refFor="ch" refForName="TwoNodes_2"/>
-          <dgm:constr type="w" for="ch" forName="ThreeNodes_1" refType="w" fact="0.85"/>
-          <dgm:constr type="h" for="ch" forName="ThreeNodes_1" refType="h" fact="0.3"/>
-          <dgm:constr type="t" for="ch" forName="ThreeNodes_1"/>
-          <dgm:constr type="l" for="ch" forName="ThreeNodes_1"/>
-          <dgm:constr type="w" for="ch" forName="ThreeNodes_2" refType="w" fact="0.85"/>
-          <dgm:constr type="h" for="ch" forName="ThreeNodes_2" refType="h" fact="0.3"/>
-          <dgm:constr type="ctrY" for="ch" forName="ThreeNodes_2" refType="h" fact="0.5"/>
-          <dgm:constr type="ctrX" for="ch" forName="ThreeNodes_2" refType="w" fact="0.5"/>
-          <dgm:constr type="w" for="ch" forName="ThreeNodes_3" refType="w" fact="0.85"/>
-          <dgm:constr type="h" for="ch" forName="ThreeNodes_3" refType="h" fact="0.3"/>
-          <dgm:constr type="b" for="ch" forName="ThreeNodes_3" refType="h"/>
-          <dgm:constr type="r" for="ch" forName="ThreeNodes_3" refType="w"/>
-          <dgm:constr type="w" for="ch" forName="ThreeConn_1-2" refType="h" refFor="ch" refForName="ThreeNodes_1" fact="0.65"/>
-          <dgm:constr type="h" for="ch" forName="ThreeConn_1-2" refType="h" refFor="ch" refForName="ThreeNodes_1" fact="0.65"/>
-          <dgm:constr type="ctrY" for="ch" forName="ThreeConn_1-2" refType="h" fact="0.325"/>
-          <dgm:constr type="r" for="ch" forName="ThreeConn_1-2" refType="r" refFor="ch" refForName="ThreeNodes_1"/>
-          <dgm:constr type="w" for="ch" forName="ThreeConn_2-3" refType="h" refFor="ch" refForName="ThreeNodes_2" fact="0.65"/>
-          <dgm:constr type="h" for="ch" forName="ThreeConn_2-3" refType="h" refFor="ch" refForName="ThreeNodes_2" fact="0.65"/>
-          <dgm:constr type="ctrY" for="ch" forName="ThreeConn_2-3" refType="h" fact="0.673"/>
-          <dgm:constr type="r" for="ch" forName="ThreeConn_2-3" refType="r" refFor="ch" refForName="ThreeNodes_2"/>
-          <dgm:constr type="r" for="ch" forName="ThreeNodes_1_text" refType="l" refFor="ch" refForName="ThreeConn_1-2"/>
-          <dgm:constr type="rOff" for="ch" forName="ThreeNodes_1_text" refType="w" refFor="ch" refForName="ThreeConn_1-2" fact="-0.57"/>
-          <dgm:constr type="t" for="ch" forName="ThreeNodes_1_text" refType="t" refFor="ch" refForName="ThreeNodes_1"/>
-          <dgm:constr type="b" for="ch" forName="ThreeNodes_1_text" refType="b" refFor="ch" refForName="ThreeNodes_1"/>
-          <dgm:constr type="l" for="ch" forName="ThreeNodes_1_text" refType="l" refFor="ch" refForName="ThreeNodes_1"/>
-          <dgm:constr type="r" for="ch" forName="ThreeNodes_2_text" refType="l" refFor="ch" refForName="ThreeConn_1-2"/>
-          <dgm:constr type="t" for="ch" forName="ThreeNodes_2_text" refType="t" refFor="ch" refForName="ThreeNodes_2"/>
-          <dgm:constr type="b" for="ch" forName="ThreeNodes_2_text" refType="b" refFor="ch" refForName="ThreeNodes_2"/>
-          <dgm:constr type="l" for="ch" forName="ThreeNodes_2_text" refType="l" refFor="ch" refForName="ThreeNodes_2"/>
-          <dgm:constr type="r" for="ch" forName="ThreeNodes_3_text" refType="l" refFor="ch" refForName="ThreeConn_2-3"/>
-          <dgm:constr type="t" for="ch" forName="ThreeNodes_3_text" refType="t" refFor="ch" refForName="ThreeNodes_3"/>
-          <dgm:constr type="b" for="ch" forName="ThreeNodes_3_text" refType="b" refFor="ch" refForName="ThreeNodes_3"/>
-          <dgm:constr type="l" for="ch" forName="ThreeNodes_3_text" refType="l" refFor="ch" refForName="ThreeNodes_3"/>
-          <dgm:constr type="w" for="ch" forName="FourNodes_1" refType="w" fact="0.8"/>
-          <dgm:constr type="h" for="ch" forName="FourNodes_1" refType="h" fact="0.22"/>
-          <dgm:constr type="t" for="ch" forName="FourNodes_1"/>
-          <dgm:constr type="l" for="ch" forName="FourNodes_1"/>
-          <dgm:constr type="w" for="ch" forName="FourNodes_2" refType="w" fact="0.8"/>
-          <dgm:constr type="h" for="ch" forName="FourNodes_2" refType="h" fact="0.22"/>
-          <dgm:constr type="ctrY" for="ch" forName="FourNodes_2" refType="h" fact="0.37"/>
-          <dgm:constr type="ctrX" for="ch" forName="FourNodes_2" refType="w" fact="0.467"/>
-          <dgm:constr type="w" for="ch" forName="FourNodes_3" refType="w" fact="0.8"/>
-          <dgm:constr type="h" for="ch" forName="FourNodes_3" refType="h" fact="0.22"/>
-          <dgm:constr type="ctrY" for="ch" forName="FourNodes_3" refType="h" fact="0.63"/>
-          <dgm:constr type="ctrX" for="ch" forName="FourNodes_3" refType="w" fact="0.533"/>
-          <dgm:constr type="w" for="ch" forName="FourNodes_4" refType="w" fact="0.8"/>
-          <dgm:constr type="h" for="ch" forName="FourNodes_4" refType="h" fact="0.22"/>
-          <dgm:constr type="b" for="ch" forName="FourNodes_4" refType="h"/>
-          <dgm:constr type="r" for="ch" forName="FourNodes_4" refType="w"/>
-          <dgm:constr type="w" for="ch" forName="FourConn_1-2" refType="h" refFor="ch" refForName="FourNodes_1" fact="0.65"/>
-          <dgm:constr type="h" for="ch" forName="FourConn_1-2" refType="h" refFor="ch" refForName="FourNodes_1" fact="0.65"/>
-          <dgm:constr type="ctrY" for="ch" forName="FourConn_1-2" refType="h" fact="0.24"/>
-          <dgm:constr type="r" for="ch" forName="FourConn_1-2" refType="r" refFor="ch" refForName="FourNodes_1"/>
-          <dgm:constr type="w" for="ch" forName="FourConn_2-3" refType="h" refFor="ch" refForName="FourNodes_2" fact="0.65"/>
-          <dgm:constr type="h" for="ch" forName="FourConn_2-3" refType="h" refFor="ch" refForName="FourNodes_2" fact="0.65"/>
-          <dgm:constr type="ctrY" for="ch" forName="FourConn_2-3" refType="h" fact="0.5"/>
-          <dgm:constr type="r" for="ch" forName="FourConn_2-3" refType="r" refFor="ch" refForName="FourNodes_2"/>
-          <dgm:constr type="w" for="ch" forName="FourConn_3-4" refType="h" refFor="ch" refForName="FourNodes_3" fact="0.65"/>
-          <dgm:constr type="h" for="ch" forName="FourConn_3-4" refType="h" refFor="ch" refForName="FourNodes_3" fact="0.65"/>
-          <dgm:constr type="ctrY" for="ch" forName="FourConn_3-4" refType="h" fact="0.76"/>
-          <dgm:constr type="r" for="ch" forName="FourConn_3-4" refType="r" refFor="ch" refForName="FourNodes_3"/>
-          <dgm:constr type="r" for="ch" forName="FourNodes_1_text" refType="l" refFor="ch" refForName="FourConn_1-2"/>
-          <dgm:constr type="rOff" for="ch" forName="FourNodes_1_text" refType="w" refFor="ch" refForName="FourConn_1-2" fact="-0.7"/>
-          <dgm:constr type="t" for="ch" forName="FourNodes_1_text" refType="t" refFor="ch" refForName="FourNodes_1"/>
-          <dgm:constr type="b" for="ch" forName="FourNodes_1_text" refType="b" refFor="ch" refForName="FourNodes_1"/>
-          <dgm:constr type="l" for="ch" forName="FourNodes_1_text" refType="l" refFor="ch" refForName="FourNodes_1"/>
-          <dgm:constr type="r" for="ch" forName="FourNodes_2_text" refType="l" refFor="ch" refForName="FourConn_1-2"/>
-          <dgm:constr type="t" for="ch" forName="FourNodes_2_text" refType="t" refFor="ch" refForName="FourNodes_2"/>
-          <dgm:constr type="b" for="ch" forName="FourNodes_2_text" refType="b" refFor="ch" refForName="FourNodes_2"/>
-          <dgm:constr type="l" for="ch" forName="FourNodes_2_text" refType="l" refFor="ch" refForName="FourNodes_2"/>
-          <dgm:constr type="r" for="ch" forName="FourNodes_3_text" refType="l" refFor="ch" refForName="FourConn_2-3"/>
-          <dgm:constr type="t" for="ch" forName="FourNodes_3_text" refType="t" refFor="ch" refForName="FourNodes_3"/>
-          <dgm:constr type="b" for="ch" forName="FourNodes_3_text" refType="b" refFor="ch" refForName="FourNodes_3"/>
-          <dgm:constr type="l" for="ch" forName="FourNodes_3_text" refType="l" refFor="ch" refForName="FourNodes_3"/>
-          <dgm:constr type="r" for="ch" forName="FourNodes_4_text" refType="l" refFor="ch" refForName="FourConn_3-4"/>
-          <dgm:constr type="t" for="ch" forName="FourNodes_4_text" refType="t" refFor="ch" refForName="FourNodes_4"/>
-          <dgm:constr type="b" for="ch" forName="FourNodes_4_text" refType="b" refFor="ch" refForName="FourNodes_4"/>
-          <dgm:constr type="l" for="ch" forName="FourNodes_4_text" refType="l" refFor="ch" refForName="FourNodes_4"/>
-          <dgm:constr type="w" for="ch" forName="FiveNodes_1" refType="w" fact="0.77"/>
-          <dgm:constr type="h" for="ch" forName="FiveNodes_1" refType="h" fact="0.18"/>
-          <dgm:constr type="t" for="ch" forName="FiveNodes_1"/>
-          <dgm:constr type="l" for="ch" forName="FiveNodes_1"/>
-          <dgm:constr type="w" for="ch" forName="FiveNodes_2" refType="w" fact="0.77"/>
-          <dgm:constr type="h" for="ch" forName="FiveNodes_2" refType="h" fact="0.18"/>
-          <dgm:constr type="ctrY" for="ch" forName="FiveNodes_2" refType="h" fact="0.295"/>
-          <dgm:constr type="ctrX" for="ch" forName="FiveNodes_2" refType="w" fact="0.4425"/>
-          <dgm:constr type="w" for="ch" forName="FiveNodes_3" refType="w" fact="0.77"/>
-          <dgm:constr type="h" for="ch" forName="FiveNodes_3" refType="h" fact="0.18"/>
-          <dgm:constr type="ctrY" for="ch" forName="FiveNodes_3" refType="h" fact="0.5"/>
-          <dgm:constr type="ctrX" for="ch" forName="FiveNodes_3" refType="w" fact="0.5"/>
-          <dgm:constr type="w" for="ch" forName="FiveNodes_4" refType="w" fact="0.77"/>
-          <dgm:constr type="h" for="ch" forName="FiveNodes_4" refType="h" fact="0.18"/>
-          <dgm:constr type="ctrY" for="ch" forName="FiveNodes_4" refType="h" fact="0.705"/>
-          <dgm:constr type="ctrX" for="ch" forName="FiveNodes_4" refType="w" fact="0.5575"/>
-          <dgm:constr type="w" for="ch" forName="FiveNodes_5" refType="w" fact="0.77"/>
-          <dgm:constr type="h" for="ch" forName="FiveNodes_5" refType="h" fact="0.18"/>
-          <dgm:constr type="b" for="ch" forName="FiveNodes_5" refType="h"/>
-          <dgm:constr type="r" for="ch" forName="FiveNodes_5" refType="w"/>
-          <dgm:constr type="w" for="ch" forName="FiveConn_1-2" refType="h" refFor="ch" refForName="FiveNodes_1" fact="0.65"/>
-          <dgm:constr type="h" for="ch" forName="FiveConn_1-2" refType="h" refFor="ch" refForName="FiveNodes_1" fact="0.65"/>
-          <dgm:constr type="ctrY" for="ch" forName="FiveConn_1-2" refType="h" fact="0.19"/>
-          <dgm:constr type="r" for="ch" forName="FiveConn_1-2" refType="r" refFor="ch" refForName="FiveNodes_1"/>
-          <dgm:constr type="w" for="ch" forName="FiveConn_2-3" refType="h" refFor="ch" refForName="FiveNodes_2" fact="0.65"/>
-          <dgm:constr type="h" for="ch" forName="FiveConn_2-3" refType="h" refFor="ch" refForName="FiveNodes_2" fact="0.65"/>
-          <dgm:constr type="ctrY" for="ch" forName="FiveConn_2-3" refType="h" fact="0.395"/>
-          <dgm:constr type="r" for="ch" forName="FiveConn_2-3" refType="r" refFor="ch" refForName="FiveNodes_2"/>
-          <dgm:constr type="w" for="ch" forName="FiveConn_3-4" refType="h" refFor="ch" refForName="FiveNodes_3" fact="0.65"/>
-          <dgm:constr type="h" for="ch" forName="FiveConn_3-4" refType="h" refFor="ch" refForName="FiveNodes_3" fact="0.65"/>
-          <dgm:constr type="ctrY" for="ch" forName="FiveConn_3-4" refType="h" fact="0.597"/>
-          <dgm:constr type="r" for="ch" forName="FiveConn_3-4" refType="r" refFor="ch" refForName="FiveNodes_3"/>
-          <dgm:constr type="w" for="ch" forName="FiveConn_4-5" refType="h" refFor="ch" refForName="FiveNodes_4" fact="0.65"/>
-          <dgm:constr type="h" for="ch" forName="FiveConn_4-5" refType="h" refFor="ch" refForName="FiveNodes_4" fact="0.65"/>
-          <dgm:constr type="ctrY" for="ch" forName="FiveConn_4-5" refType="h" fact="0.804"/>
-          <dgm:constr type="r" for="ch" forName="FiveConn_4-5" refType="r" refFor="ch" refForName="FiveNodes_4"/>
-          <dgm:constr type="r" for="ch" forName="FiveNodes_1_text" refType="l" refFor="ch" refForName="FiveConn_1-2"/>
-          <dgm:constr type="rOff" for="ch" forName="FiveNodes_1_text" refType="w" refFor="ch" refForName="FiveConn_1-2" fact="-0.75"/>
-          <dgm:constr type="t" for="ch" forName="FiveNodes_1_text" refType="t" refFor="ch" refForName="FiveNodes_1"/>
-          <dgm:constr type="b" for="ch" forName="FiveNodes_1_text" refType="b" refFor="ch" refForName="FiveNodes_1"/>
-          <dgm:constr type="l" for="ch" forName="FiveNodes_1_text" refType="l" refFor="ch" refForName="FiveNodes_1"/>
-          <dgm:constr type="r" for="ch" forName="FiveNodes_2_text" refType="l" refFor="ch" refForName="FiveConn_1-2"/>
-          <dgm:constr type="t" for="ch" forName="FiveNodes_2_text" refType="t" refFor="ch" refForName="FiveNodes_2"/>
-          <dgm:constr type="b" for="ch" forName="FiveNodes_2_text" refType="b" refFor="ch" refForName="FiveNodes_2"/>
-          <dgm:constr type="l" for="ch" forName="FiveNodes_2_text" refType="l" refFor="ch" refForName="FiveNodes_2"/>
-          <dgm:constr type="r" for="ch" forName="FiveNodes_3_text" refType="l" refFor="ch" refForName="FiveConn_2-3"/>
-          <dgm:constr type="t" for="ch" forName="FiveNodes_3_text" refType="t" refFor="ch" refForName="FiveNodes_3"/>
-          <dgm:constr type="b" for="ch" forName="FiveNodes_3_text" refType="b" refFor="ch" refForName="FiveNodes_3"/>
-          <dgm:constr type="l" for="ch" forName="FiveNodes_3_text" refType="l" refFor="ch" refForName="FiveNodes_3"/>
-          <dgm:constr type="r" for="ch" forName="FiveNodes_4_text" refType="l" refFor="ch" refForName="FiveConn_3-4"/>
-          <dgm:constr type="t" for="ch" forName="FiveNodes_4_text" refType="t" refFor="ch" refForName="FiveNodes_4"/>
-          <dgm:constr type="b" for="ch" forName="FiveNodes_4_text" refType="b" refFor="ch" refForName="FiveNodes_4"/>
-          <dgm:constr type="l" for="ch" forName="FiveNodes_4_text" refType="l" refFor="ch" refForName="FiveNodes_4"/>
-          <dgm:constr type="r" for="ch" forName="FiveNodes_5_text" refType="l" refFor="ch" refForName="FiveConn_4-5"/>
-          <dgm:constr type="t" for="ch" forName="FiveNodes_5_text" refType="t" refFor="ch" refForName="FiveNodes_5"/>
-          <dgm:constr type="b" for="ch" forName="FiveNodes_5_text" refType="b" refFor="ch" refForName="FiveNodes_5"/>
-          <dgm:constr type="l" for="ch" forName="FiveNodes_5_text" refType="l" refFor="ch" refForName="FiveNodes_5"/>
-        </dgm:constrLst>
-      </dgm:if>
-      <dgm:else name="Name2">
-        <dgm:constrLst>
-          <dgm:constr type="primFontSz" for="ch" ptType="node" op="equ" val="65"/>
-          <dgm:constr type="w" for="ch" forName="dummyMaxCanvas" refType="w"/>
-          <dgm:constr type="h" for="ch" forName="dummyMaxCanvas" refType="h"/>
-          <dgm:constr type="w" for="ch" forName="OneNode_1" refType="w"/>
-          <dgm:constr type="h" for="ch" forName="OneNode_1" refType="h" fact="0.5"/>
-          <dgm:constr type="ctrY" for="ch" forName="OneNode_1" refType="h" fact="0.5"/>
-          <dgm:constr type="w" for="ch" forName="TwoNodes_1" refType="w" fact="0.85"/>
-          <dgm:constr type="h" for="ch" forName="TwoNodes_1" refType="h" fact="0.45"/>
-          <dgm:constr type="t" for="ch" forName="TwoNodes_1"/>
-          <dgm:constr type="r" for="ch" forName="TwoNodes_1" refType="w"/>
-          <dgm:constr type="w" for="ch" forName="TwoNodes_2" refType="w" fact="0.85"/>
-          <dgm:constr type="h" for="ch" forName="TwoNodes_2" refType="h" fact="0.45"/>
-          <dgm:constr type="b" for="ch" forName="TwoNodes_2" refType="h"/>
-          <dgm:constr type="l" for="ch" forName="TwoNodes_2"/>
-          <dgm:constr type="w" for="ch" forName="TwoConn_1-2" refType="h" refFor="ch" refForName="TwoNodes_1" fact="0.65"/>
-          <dgm:constr type="h" for="ch" forName="TwoConn_1-2" refType="h" refFor="ch" refForName="TwoNodes_1" fact="0.65"/>
-          <dgm:constr type="ctrY" for="ch" forName="TwoConn_1-2" refType="h" fact="0.5"/>
-          <dgm:constr type="l" for="ch" forName="TwoConn_1-2" refType="l" refFor="ch" refForName="TwoNodes_1"/>
-          <dgm:constr type="l" for="ch" forName="TwoNodes_1_text" refType="r" refFor="ch" refForName="TwoConn_1-2"/>
-          <dgm:constr type="lOff" for="ch" forName="TwoNodes_1_text" refType="w" refFor="ch" refForName="TwoConn_1-2" fact="0.5"/>
-          <dgm:constr type="t" for="ch" forName="TwoNodes_1_text" refType="t" refFor="ch" refForName="TwoNodes_1"/>
-          <dgm:constr type="b" for="ch" forName="TwoNodes_1_text" refType="b" refFor="ch" refForName="TwoNodes_1"/>
-          <dgm:constr type="r" for="ch" forName="TwoNodes_1_text" refType="r" refFor="ch" refForName="TwoNodes_1"/>
-          <dgm:constr type="l" for="ch" forName="TwoNodes_2_text" refType="r" refFor="ch" refForName="TwoConn_1-2"/>
-          <dgm:constr type="t" for="ch" forName="TwoNodes_2_text" refType="t" refFor="ch" refForName="TwoNodes_2"/>
-          <dgm:constr type="b" for="ch" forName="TwoNodes_2_text" refType="b" refFor="ch" refForName="TwoNodes_2"/>
-          <dgm:constr type="r" for="ch" forName="TwoNodes_2_text" refType="r" refFor="ch" refForName="TwoNodes_2"/>
-          <dgm:constr type="w" for="ch" forName="ThreeNodes_1" refType="w" fact="0.85"/>
-          <dgm:constr type="h" for="ch" forName="ThreeNodes_1" refType="h" fact="0.3"/>
-          <dgm:constr type="t" for="ch" forName="ThreeNodes_1"/>
-          <dgm:constr type="r" for="ch" forName="ThreeNodes_1" refType="w"/>
-          <dgm:constr type="w" for="ch" forName="ThreeNodes_2" refType="w" fact="0.85"/>
-          <dgm:constr type="h" for="ch" forName="ThreeNodes_2" refType="h" fact="0.3"/>
-          <dgm:constr type="ctrY" for="ch" forName="ThreeNodes_2" refType="h" fact="0.5"/>
-          <dgm:constr type="ctrX" for="ch" forName="ThreeNodes_2" refType="w" fact="0.5"/>
-          <dgm:constr type="w" for="ch" forName="ThreeNodes_3" refType="w" fact="0.85"/>
-          <dgm:constr type="h" for="ch" forName="ThreeNodes_3" refType="h" fact="0.3"/>
-          <dgm:constr type="b" for="ch" forName="ThreeNodes_3" refType="h"/>
-          <dgm:constr type="l" for="ch" forName="ThreeNodes_3"/>
-          <dgm:constr type="w" for="ch" forName="ThreeConn_1-2" refType="h" refFor="ch" refForName="ThreeNodes_1" fact="0.65"/>
-          <dgm:constr type="h" for="ch" forName="ThreeConn_1-2" refType="h" refFor="ch" refForName="ThreeNodes_1" fact="0.65"/>
-          <dgm:constr type="ctrY" for="ch" forName="ThreeConn_1-2" refType="h" fact="0.325"/>
-          <dgm:constr type="l" for="ch" forName="ThreeConn_1-2" refType="l" refFor="ch" refForName="ThreeNodes_1"/>
-          <dgm:constr type="w" for="ch" forName="ThreeConn_2-3" refType="h" refFor="ch" refForName="ThreeNodes_2" fact="0.65"/>
-          <dgm:constr type="h" for="ch" forName="ThreeConn_2-3" refType="h" refFor="ch" refForName="ThreeNodes_2" fact="0.65"/>
-          <dgm:constr type="ctrY" for="ch" forName="ThreeConn_2-3" refType="h" fact="0.673"/>
-          <dgm:constr type="l" for="ch" forName="ThreeConn_2-3" refType="l" refFor="ch" refForName="ThreeNodes_2"/>
-          <dgm:constr type="l" for="ch" forName="ThreeNodes_1_text" refType="r" refFor="ch" refForName="ThreeConn_1-2"/>
-          <dgm:constr type="lOff" for="ch" forName="ThreeNodes_1_text" refType="w" refFor="ch" refForName="ThreeConn_1-2" fact="0.55"/>
-          <dgm:constr type="t" for="ch" forName="ThreeNodes_1_text" refType="t" refFor="ch" refForName="ThreeNodes_1"/>
-          <dgm:constr type="b" for="ch" forName="ThreeNodes_1_text" refType="b" refFor="ch" refForName="ThreeNodes_1"/>
-          <dgm:constr type="r" for="ch" forName="ThreeNodes_1_text" refType="r" refFor="ch" refForName="ThreeNodes_1"/>
-          <dgm:constr type="l" for="ch" forName="ThreeNodes_2_text" refType="r" refFor="ch" refForName="ThreeConn_1-2"/>
-          <dgm:constr type="t" for="ch" forName="ThreeNodes_2_text" refType="t" refFor="ch" refForName="ThreeNodes_2"/>
-          <dgm:constr type="b" for="ch" forName="ThreeNodes_2_text" refType="b" refFor="ch" refForName="ThreeNodes_2"/>
-          <dgm:constr type="r" for="ch" forName="ThreeNodes_2_text" refType="r" refFor="ch" refForName="ThreeNodes_2"/>
-          <dgm:constr type="l" for="ch" forName="ThreeNodes_3_text" refType="r" refFor="ch" refForName="ThreeConn_2-3"/>
-          <dgm:constr type="t" for="ch" forName="ThreeNodes_3_text" refType="t" refFor="ch" refForName="ThreeNodes_3"/>
-          <dgm:constr type="b" for="ch" forName="ThreeNodes_3_text" refType="b" refFor="ch" refForName="ThreeNodes_3"/>
-          <dgm:constr type="r" for="ch" forName="ThreeNodes_3_text" refType="r" refFor="ch" refForName="ThreeNodes_3"/>
-          <dgm:constr type="w" for="ch" forName="FourNodes_1" refType="w" fact="0.8"/>
-          <dgm:constr type="h" for="ch" forName="FourNodes_1" refType="h" fact="0.22"/>
-          <dgm:constr type="t" for="ch" forName="FourNodes_1"/>
-          <dgm:constr type="r" for="ch" forName="FourNodes_1" refType="w"/>
-          <dgm:constr type="w" for="ch" forName="FourNodes_2" refType="w" fact="0.8"/>
-          <dgm:constr type="h" for="ch" forName="FourNodes_2" refType="h" fact="0.22"/>
-          <dgm:constr type="ctrY" for="ch" forName="FourNodes_2" refType="h" fact="0.37"/>
-          <dgm:constr type="ctrX" for="ch" forName="FourNodes_2" refType="w" fact="0.533"/>
-          <dgm:constr type="w" for="ch" forName="FourNodes_3" refType="w" fact="0.8"/>
-          <dgm:constr type="h" for="ch" forName="FourNodes_3" refType="h" fact="0.22"/>
-          <dgm:constr type="ctrY" for="ch" forName="FourNodes_3" refType="h" fact="0.63"/>
-          <dgm:constr type="ctrX" for="ch" forName="FourNodes_3" refType="w" fact="0.467"/>
-          <dgm:constr type="w" for="ch" forName="FourNodes_4" refType="w" fact="0.8"/>
-          <dgm:constr type="h" for="ch" forName="FourNodes_4" refType="h" fact="0.22"/>
-          <dgm:constr type="b" for="ch" forName="FourNodes_4" refType="h"/>
-          <dgm:constr type="l" for="ch" forName="FourNodes_4"/>
-          <dgm:constr type="w" for="ch" forName="FourConn_1-2" refType="h" refFor="ch" refForName="FourNodes_1" fact="0.65"/>
-          <dgm:constr type="h" for="ch" forName="FourConn_1-2" refType="h" refFor="ch" refForName="FourNodes_1" fact="0.65"/>
-          <dgm:constr type="ctrY" for="ch" forName="FourConn_1-2" refType="h" fact="0.24"/>
-          <dgm:constr type="l" for="ch" forName="FourConn_1-2" refType="l" refFor="ch" refForName="FourNodes_1"/>
-          <dgm:constr type="w" for="ch" forName="FourConn_2-3" refType="h" refFor="ch" refForName="FourNodes_2" fact="0.65"/>
-          <dgm:constr type="h" for="ch" forName="FourConn_2-3" refType="h" refFor="ch" refForName="FourNodes_2" fact="0.65"/>
-          <dgm:constr type="ctrY" for="ch" forName="FourConn_2-3" refType="h" fact="0.5"/>
-          <dgm:constr type="l" for="ch" forName="FourConn_2-3" refType="l" refFor="ch" refForName="FourNodes_2"/>
-          <dgm:constr type="w" for="ch" forName="FourConn_3-4" refType="h" refFor="ch" refForName="FourNodes_3" fact="0.65"/>
-          <dgm:constr type="h" for="ch" forName="FourConn_3-4" refType="h" refFor="ch" refForName="FourNodes_3" fact="0.65"/>
-          <dgm:constr type="ctrY" for="ch" forName="FourConn_3-4" refType="h" fact="0.76"/>
-          <dgm:constr type="l" for="ch" forName="FourConn_3-4" refType="l" refFor="ch" refForName="FourNodes_3"/>
-          <dgm:constr type="l" for="ch" forName="FourNodes_1_text" refType="r" refFor="ch" refForName="FourConn_1-2"/>
-          <dgm:constr type="lOff" for="ch" forName="FourNodes_1_text" refType="w" refFor="ch" refForName="FourConn_1-2" fact="0.69"/>
-          <dgm:constr type="t" for="ch" forName="FourNodes_1_text" refType="t" refFor="ch" refForName="FourNodes_1"/>
-          <dgm:constr type="b" for="ch" forName="FourNodes_1_text" refType="b" refFor="ch" refForName="FourNodes_1"/>
-          <dgm:constr type="r" for="ch" forName="FourNodes_1_text" refType="r" refFor="ch" refForName="FourNodes_1"/>
-          <dgm:constr type="l" for="ch" forName="FourNodes_2_text" refType="r" refFor="ch" refForName="FourConn_1-2"/>
-          <dgm:constr type="t" for="ch" forName="FourNodes_2_text" refType="t" refFor="ch" refForName="FourNodes_2"/>
-          <dgm:constr type="b" for="ch" forName="FourNodes_2_text" refType="b" refFor="ch" refForName="FourNodes_2"/>
-          <dgm:constr type="r" for="ch" forName="FourNodes_2_text" refType="r" refFor="ch" refForName="FourNodes_2"/>
-          <dgm:constr type="l" for="ch" forName="FourNodes_3_text" refType="r" refFor="ch" refForName="FourConn_2-3"/>
-          <dgm:constr type="t" for="ch" forName="FourNodes_3_text" refType="t" refFor="ch" refForName="FourNodes_3"/>
-          <dgm:constr type="b" for="ch" forName="FourNodes_3_text" refType="b" refFor="ch" refForName="FourNodes_3"/>
-          <dgm:constr type="r" for="ch" forName="FourNodes_3_text" refType="r" refFor="ch" refForName="FourNodes_3"/>
-          <dgm:constr type="l" for="ch" forName="FourNodes_4_text" refType="r" refFor="ch" refForName="FourConn_3-4"/>
-          <dgm:constr type="t" for="ch" forName="FourNodes_4_text" refType="t" refFor="ch" refForName="FourNodes_4"/>
-          <dgm:constr type="b" for="ch" forName="FourNodes_4_text" refType="b" refFor="ch" refForName="FourNodes_4"/>
-          <dgm:constr type="r" for="ch" forName="FourNodes_4_text" refType="r" refFor="ch" refForName="FourNodes_4"/>
-          <dgm:constr type="w" for="ch" forName="FiveNodes_1" refType="w" fact="0.77"/>
-          <dgm:constr type="h" for="ch" forName="FiveNodes_1" refType="h" fact="0.18"/>
-          <dgm:constr type="t" for="ch" forName="FiveNodes_1"/>
-          <dgm:constr type="r" for="ch" forName="FiveNodes_1" refType="w"/>
-          <dgm:constr type="w" for="ch" forName="FiveNodes_2" refType="w" fact="0.77"/>
-          <dgm:constr type="h" for="ch" forName="FiveNodes_2" refType="h" fact="0.18"/>
-          <dgm:constr type="ctrY" for="ch" forName="FiveNodes_2" refType="h" fact="0.295"/>
-          <dgm:constr type="ctrX" for="ch" forName="FiveNodes_2" refType="w" fact="0.5575"/>
-          <dgm:constr type="w" for="ch" forName="FiveNodes_3" refType="w" fact="0.77"/>
-          <dgm:constr type="h" for="ch" forName="FiveNodes_3" refType="h" fact="0.18"/>
-          <dgm:constr type="ctrY" for="ch" forName="FiveNodes_3" refType="h" fact="0.5"/>
-          <dgm:constr type="ctrX" for="ch" forName="FiveNodes_3" refType="w" fact="0.5"/>
-          <dgm:constr type="w" for="ch" forName="FiveNodes_4" refType="w" fact="0.77"/>
-          <dgm:constr type="h" for="ch" forName="FiveNodes_4" refType="h" fact="0.18"/>
-          <dgm:constr type="ctrY" for="ch" forName="FiveNodes_4" refType="h" fact="0.705"/>
-          <dgm:constr type="ctrX" for="ch" forName="FiveNodes_4" refType="w" fact="0.4425"/>
-          <dgm:constr type="w" for="ch" forName="FiveNodes_5" refType="w" fact="0.77"/>
-          <dgm:constr type="h" for="ch" forName="FiveNodes_5" refType="h" fact="0.18"/>
-          <dgm:constr type="b" for="ch" forName="FiveNodes_5" refType="h"/>
-          <dgm:constr type="l" for="ch" forName="FiveNodes_5"/>
-          <dgm:constr type="w" for="ch" forName="FiveConn_1-2" refType="h" refFor="ch" refForName="FiveNodes_1" fact="0.65"/>
-          <dgm:constr type="h" for="ch" forName="FiveConn_1-2" refType="h" refFor="ch" refForName="FiveNodes_1" fact="0.65"/>
-          <dgm:constr type="ctrY" for="ch" forName="FiveConn_1-2" refType="h" fact="0.19"/>
-          <dgm:constr type="l" for="ch" forName="FiveConn_1-2" refType="l" refFor="ch" refForName="FiveNodes_1"/>
-          <dgm:constr type="w" for="ch" forName="FiveConn_2-3" refType="h" refFor="ch" refForName="FiveNodes_2" fact="0.65"/>
-          <dgm:constr type="h" for="ch" forName="FiveConn_2-3" refType="h" refFor="ch" refForName="FiveNodes_2" fact="0.65"/>
-          <dgm:constr type="ctrY" for="ch" forName="FiveConn_2-3" refType="h" fact="0.395"/>
-          <dgm:constr type="l" for="ch" forName="FiveConn_2-3" refType="l" refFor="ch" refForName="FiveNodes_2"/>
-          <dgm:constr type="w" for="ch" forName="FiveConn_3-4" refType="h" refFor="ch" refForName="FiveNodes_3" fact="0.65"/>
-          <dgm:constr type="h" for="ch" forName="FiveConn_3-4" refType="h" refFor="ch" refForName="FiveNodes_3" fact="0.65"/>
-          <dgm:constr type="ctrY" for="ch" forName="FiveConn_3-4" refType="h" fact="0.597"/>
-          <dgm:constr type="l" for="ch" forName="FiveConn_3-4" refType="l" refFor="ch" refForName="FiveNodes_3"/>
-          <dgm:constr type="w" for="ch" forName="FiveConn_4-5" refType="h" refFor="ch" refForName="FiveNodes_4" fact="0.65"/>
-          <dgm:constr type="h" for="ch" forName="FiveConn_4-5" refType="h" refFor="ch" refForName="FiveNodes_4" fact="0.65"/>
-          <dgm:constr type="ctrY" for="ch" forName="FiveConn_4-5" refType="h" fact="0.804"/>
-          <dgm:constr type="l" for="ch" forName="FiveConn_4-5" refType="l" refFor="ch" refForName="FiveNodes_4"/>
-          <dgm:constr type="l" for="ch" forName="FiveNodes_1_text" refType="r" refFor="ch" refForName="FiveConn_1-2"/>
-          <dgm:constr type="lOff" for="ch" forName="FiveNodes_1_text" refType="w" refFor="ch" refForName="FiveConn_1-2" fact="0.73"/>
-          <dgm:constr type="t" for="ch" forName="FiveNodes_1_text" refType="t" refFor="ch" refForName="FiveNodes_1"/>
-          <dgm:constr type="b" for="ch" forName="FiveNodes_1_text" refType="b" refFor="ch" refForName="FiveNodes_1"/>
-          <dgm:constr type="r" for="ch" forName="FiveNodes_1_text" refType="r" refFor="ch" refForName="FiveNodes_1"/>
-          <dgm:constr type="l" for="ch" forName="FiveNodes_2_text" refType="r" refFor="ch" refForName="FiveConn_1-2"/>
-          <dgm:constr type="t" for="ch" forName="FiveNodes_2_text" refType="t" refFor="ch" refForName="FiveNodes_2"/>
-          <dgm:constr type="b" for="ch" forName="FiveNodes_2_text" refType="b" refFor="ch" refForName="FiveNodes_2"/>
-          <dgm:constr type="r" for="ch" forName="FiveNodes_2_text" refType="r" refFor="ch" refForName="FiveNodes_2"/>
-          <dgm:constr type="l" for="ch" forName="FiveNodes_3_text" refType="r" refFor="ch" refForName="FiveConn_2-3"/>
-          <dgm:constr type="t" for="ch" forName="FiveNodes_3_text" refType="t" refFor="ch" refForName="FiveNodes_3"/>
-          <dgm:constr type="b" for="ch" forName="FiveNodes_3_text" refType="b" refFor="ch" refForName="FiveNodes_3"/>
-          <dgm:constr type="r" for="ch" forName="FiveNodes_3_text" refType="r" refFor="ch" refForName="FiveNodes_3"/>
-          <dgm:constr type="l" for="ch" forName="FiveNodes_4_text" refType="r" refFor="ch" refForName="FiveConn_3-4"/>
-          <dgm:constr type="t" for="ch" forName="FiveNodes_4_text" refType="t" refFor="ch" refForName="FiveNodes_4"/>
-          <dgm:constr type="b" for="ch" forName="FiveNodes_4_text" refType="b" refFor="ch" refForName="FiveNodes_4"/>
-          <dgm:constr type="r" for="ch" forName="FiveNodes_4_text" refType="r" refFor="ch" refForName="FiveNodes_4"/>
-          <dgm:constr type="l" for="ch" forName="FiveNodes_5_text" refType="r" refFor="ch" refForName="FiveConn_4-5"/>
-          <dgm:constr type="t" for="ch" forName="FiveNodes_5_text" refType="t" refFor="ch" refForName="FiveNodes_5"/>
-          <dgm:constr type="b" for="ch" forName="FiveNodes_5_text" refType="b" refFor="ch" refForName="FiveNodes_5"/>
-          <dgm:constr type="r" for="ch" forName="FiveNodes_5_text" refType="r" refFor="ch" refForName="FiveNodes_5"/>
-        </dgm:constrLst>
-      </dgm:else>
-    </dgm:choose>
-    <dgm:ruleLst/>
-    <dgm:layoutNode name="dummyMaxCanvas">
-      <dgm:varLst/>
-      <dgm:alg type="sp"/>
-      <dgm:shape xmlns:r="http://schemas.openxmlformats.org/officeDocument/2006/relationships" r:blip="">
-        <dgm:adjLst/>
-      </dgm:shape>
-      <dgm:presOf/>
-      <dgm:constrLst/>
-      <dgm:ruleLst/>
-    </dgm:layoutNode>
-    <dgm:choose name="Name3">
-      <dgm:if name="Name4" axis="ch" ptType="node" func="cnt" op="equ" val="1">
-        <dgm:layoutNode name="OneNode_1">
-          <dgm:varLst>
-            <dgm:bulletEnabled val="1"/>
-          </dgm:varLst>
-          <dgm:alg type="tx"/>
-          <dgm:shape xmlns:r="http://schemas.openxmlformats.org/officeDocument/2006/relationships" type="roundRect" r:blip="">
-            <dgm:adjLst>
-              <dgm:adj idx="1" val="0.1"/>
-            </dgm:adjLst>
-          </dgm:shape>
-          <dgm:presOf axis="ch desOrSelf" ptType="node node" st="1 1" cnt="1 0"/>
-          <dgm:constrLst>
-            <dgm:constr type="lMarg" refType="primFontSz" fact="0.3"/>
-            <dgm:constr type="rMarg" refType="primFontSz" fact="0.3"/>
-            <dgm:constr type="tMarg" refType="primFontSz" fact="0.3"/>
-            <dgm:constr type="bMarg" refType="primFontSz" fact="0.3"/>
-          </dgm:constrLst>
-          <dgm:ruleLst>
-            <dgm:rule type="primFontSz" val="5" fact="NaN" max="NaN"/>
-          </dgm:ruleLst>
-        </dgm:layoutNode>
-      </dgm:if>
-      <dgm:else name="Name5">
-        <dgm:choose name="Name6">
-          <dgm:if name="Name7" axis="ch" ptType="node" func="cnt" op="equ" val="2">
-            <dgm:layoutNode name="TwoNodes_1">
-              <dgm:varLst>
-                <dgm:bulletEnabled val="1"/>
-              </dgm:varLst>
-              <dgm:alg type="sp"/>
-              <dgm:shape xmlns:r="http://schemas.openxmlformats.org/officeDocument/2006/relationships" type="roundRect" r:blip="">
-                <dgm:adjLst>
-                  <dgm:adj idx="1" val="0.1"/>
-                </dgm:adjLst>
-              </dgm:shape>
-              <dgm:presOf axis="ch desOrSelf" ptType="node node" st="1 1" cnt="1 0"/>
-              <dgm:constrLst/>
-              <dgm:ruleLst/>
-            </dgm:layoutNode>
-            <dgm:layoutNode name="TwoNodes_2">
-              <dgm:varLst>
-                <dgm:bulletEnabled val="1"/>
-              </dgm:varLst>
-              <dgm:alg type="sp"/>
-              <dgm:shape xmlns:r="http://schemas.openxmlformats.org/officeDocument/2006/relationships" type="roundRect" r:blip="">
-                <dgm:adjLst>
-                  <dgm:adj idx="1" val="0.1"/>
-                </dgm:adjLst>
-              </dgm:shape>
-              <dgm:presOf axis="ch desOrSelf" ptType="node node" st="2 1" cnt="1 0"/>
-              <dgm:constrLst/>
-              <dgm:ruleLst/>
-            </dgm:layoutNode>
-            <dgm:layoutNode name="TwoConn_1-2" styleLbl="fgAccFollowNode1">
-              <dgm:varLst>
-                <dgm:bulletEnabled val="1"/>
-              </dgm:varLst>
-              <dgm:alg type="tx"/>
-              <dgm:shape xmlns:r="http://schemas.openxmlformats.org/officeDocument/2006/relationships" type="downArrow" r:blip="">
-                <dgm:adjLst>
-                  <dgm:adj idx="1" val="0.55"/>
-                  <dgm:adj idx="2" val="0.45"/>
-                </dgm:adjLst>
-              </dgm:shape>
-              <dgm:presOf axis="ch" ptType="sibTrans" cnt="1"/>
-              <dgm:constrLst>
-                <dgm:constr type="lMarg" refType="primFontSz" fact="0.1"/>
-                <dgm:constr type="rMarg" refType="primFontSz" fact="0.1"/>
-                <dgm:constr type="tMarg" refType="primFontSz" fact="0.1"/>
-                <dgm:constr type="bMarg" refType="primFontSz" fact="0.1"/>
-              </dgm:constrLst>
-              <dgm:ruleLst>
-                <dgm:rule type="primFontSz" val="5" fact="NaN" max="NaN"/>
-              </dgm:ruleLst>
-            </dgm:layoutNode>
-            <dgm:layoutNode name="TwoNodes_1_text">
-              <dgm:varLst>
-                <dgm:bulletEnabled val="1"/>
-              </dgm:varLst>
-              <dgm:alg type="tx">
-                <dgm:param type="parTxLTRAlign" val="l"/>
-                <dgm:param type="txAnchorVertCh" val="mid"/>
-              </dgm:alg>
-              <dgm:shape xmlns:r="http://schemas.openxmlformats.org/officeDocument/2006/relationships" type="roundRect" r:blip="" hideGeom="1">
-                <dgm:adjLst>
-                  <dgm:adj idx="1" val="0.1"/>
-                </dgm:adjLst>
-              </dgm:shape>
-              <dgm:presOf axis="ch desOrSelf" ptType="node node" st="1 1" cnt="1 0"/>
-              <dgm:constrLst>
-                <dgm:constr type="lMarg" refType="primFontSz" fact="0.3"/>
-                <dgm:constr type="rMarg" refType="primFontSz" fact="0.3"/>
-                <dgm:constr type="tMarg" refType="primFontSz" fact="0.3"/>
-                <dgm:constr type="bMarg" refType="primFontSz" fact="0.3"/>
-              </dgm:constrLst>
-              <dgm:ruleLst>
-                <dgm:rule type="primFontSz" val="5" fact="NaN" max="NaN"/>
-              </dgm:ruleLst>
-            </dgm:layoutNode>
-            <dgm:layoutNode name="TwoNodes_2_text">
-              <dgm:varLst>
-                <dgm:bulletEnabled val="1"/>
-              </dgm:varLst>
-              <dgm:alg type="tx">
-                <dgm:param type="parTxLTRAlign" val="l"/>
-                <dgm:param type="txAnchorVertCh" val="mid"/>
-              </dgm:alg>
-              <dgm:shape xmlns:r="http://schemas.openxmlformats.org/officeDocument/2006/relationships" type="roundRect" r:blip="" hideGeom="1">
-                <dgm:adjLst>
-                  <dgm:adj idx="1" val="0.1"/>
-                </dgm:adjLst>
-              </dgm:shape>
-              <dgm:presOf axis="ch desOrSelf" ptType="node node" st="2 1" cnt="1 0"/>
-              <dgm:constrLst>
-                <dgm:constr type="lMarg" refType="primFontSz" fact="0.3"/>
-                <dgm:constr type="rMarg" refType="primFontSz" fact="0.3"/>
-                <dgm:constr type="tMarg" refType="primFontSz" fact="0.3"/>
-                <dgm:constr type="bMarg" refType="primFontSz" fact="0.3"/>
-              </dgm:constrLst>
-              <dgm:ruleLst>
-                <dgm:rule type="primFontSz" val="5" fact="NaN" max="NaN"/>
-              </dgm:ruleLst>
-            </dgm:layoutNode>
-          </dgm:if>
-          <dgm:else name="Name8">
-            <dgm:choose name="Name9">
-              <dgm:if name="Name10" axis="ch" ptType="node" func="cnt" op="equ" val="3">
-                <dgm:layoutNode name="ThreeNodes_1">
-                  <dgm:varLst>
-                    <dgm:bulletEnabled val="1"/>
-                  </dgm:varLst>
-                  <dgm:alg type="sp"/>
-                  <dgm:shape xmlns:r="http://schemas.openxmlformats.org/officeDocument/2006/relationships" type="roundRect" r:blip="">
-                    <dgm:adjLst>
-                      <dgm:adj idx="1" val="0.1"/>
-                    </dgm:adjLst>
-                  </dgm:shape>
-                  <dgm:presOf axis="ch desOrSelf" ptType="node node" st="1 1" cnt="1 0"/>
-                  <dgm:constrLst/>
-                  <dgm:ruleLst/>
-                </dgm:layoutNode>
-                <dgm:layoutNode name="ThreeNodes_2">
-                  <dgm:varLst>
-                    <dgm:bulletEnabled val="1"/>
-                  </dgm:varLst>
-                  <dgm:alg type="sp"/>
-                  <dgm:shape xmlns:r="http://schemas.openxmlformats.org/officeDocument/2006/relationships" type="roundRect" r:blip="">
-                    <dgm:adjLst>
-                      <dgm:adj idx="1" val="0.1"/>
-                    </dgm:adjLst>
-                  </dgm:shape>
-                  <dgm:presOf axis="ch desOrSelf" ptType="node node" st="2 1" cnt="1 0"/>
-                  <dgm:constrLst/>
-                  <dgm:ruleLst/>
-                </dgm:layoutNode>
-                <dgm:layoutNode name="ThreeNodes_3">
-                  <dgm:varLst>
-                    <dgm:bulletEnabled val="1"/>
-                  </dgm:varLst>
-                  <dgm:alg type="sp"/>
-                  <dgm:shape xmlns:r="http://schemas.openxmlformats.org/officeDocument/2006/relationships" type="roundRect" r:blip="">
-                    <dgm:adjLst>
-                      <dgm:adj idx="1" val="0.1"/>
-                    </dgm:adjLst>
-                  </dgm:shape>
-                  <dgm:presOf axis="ch desOrSelf" ptType="node node" st="3 1" cnt="1 0"/>
-                  <dgm:constrLst/>
-                  <dgm:ruleLst/>
-                </dgm:layoutNode>
-                <dgm:layoutNode name="ThreeConn_1-2" styleLbl="fgAccFollowNode1">
-                  <dgm:varLst>
-                    <dgm:bulletEnabled val="1"/>
-                  </dgm:varLst>
-                  <dgm:alg type="tx"/>
-                  <dgm:shape xmlns:r="http://schemas.openxmlformats.org/officeDocument/2006/relationships" type="downArrow" r:blip="">
-                    <dgm:adjLst>
-                      <dgm:adj idx="1" val="0.55"/>
-                      <dgm:adj idx="2" val="0.45"/>
-                    </dgm:adjLst>
-                  </dgm:shape>
-                  <dgm:presOf axis="ch" ptType="sibTrans" cnt="1"/>
-                  <dgm:constrLst>
-                    <dgm:constr type="lMarg" refType="primFontSz" fact="0.1"/>
-                    <dgm:constr type="rMarg" refType="primFontSz" fact="0.1"/>
-                    <dgm:constr type="tMarg" refType="primFontSz" fact="0.1"/>
-                    <dgm:constr type="bMarg" refType="primFontSz" fact="0.1"/>
-                  </dgm:constrLst>
-                  <dgm:ruleLst>
-                    <dgm:rule type="primFontSz" val="5" fact="NaN" max="NaN"/>
-                  </dgm:ruleLst>
-                </dgm:layoutNode>
-                <dgm:layoutNode name="ThreeConn_2-3" styleLbl="fgAccFollowNode1">
-                  <dgm:varLst>
-                    <dgm:bulletEnabled val="1"/>
-                  </dgm:varLst>
-                  <dgm:alg type="tx"/>
-                  <dgm:shape xmlns:r="http://schemas.openxmlformats.org/officeDocument/2006/relationships" type="downArrow" r:blip="">
-                    <dgm:adjLst>
-                      <dgm:adj idx="1" val="0.55"/>
-                      <dgm:adj idx="2" val="0.45"/>
-                    </dgm:adjLst>
-                  </dgm:shape>
-                  <dgm:presOf axis="ch" ptType="sibTrans" st="2" cnt="1"/>
-                  <dgm:constrLst>
-                    <dgm:constr type="lMarg" refType="primFontSz" fact="0.1"/>
-                    <dgm:constr type="rMarg" refType="primFontSz" fact="0.1"/>
-                    <dgm:constr type="tMarg" refType="primFontSz" fact="0.1"/>
-                    <dgm:constr type="bMarg" refType="primFontSz" fact="0.1"/>
-                  </dgm:constrLst>
-                  <dgm:ruleLst>
-                    <dgm:rule type="primFontSz" val="5" fact="NaN" max="NaN"/>
-                  </dgm:ruleLst>
-                </dgm:layoutNode>
-                <dgm:layoutNode name="ThreeNodes_1_text">
-                  <dgm:varLst>
-                    <dgm:bulletEnabled val="1"/>
-                  </dgm:varLst>
-                  <dgm:alg type="tx">
-                    <dgm:param type="parTxLTRAlign" val="l"/>
-                    <dgm:param type="txAnchorVertCh" val="mid"/>
-                  </dgm:alg>
-                  <dgm:shape xmlns:r="http://schemas.openxmlformats.org/officeDocument/2006/relationships" type="roundRect" r:blip="" hideGeom="1">
-                    <dgm:adjLst>
-                      <dgm:adj idx="1" val="0.1"/>
-                    </dgm:adjLst>
-                  </dgm:shape>
-                  <dgm:presOf axis="ch desOrSelf" ptType="node node" st="1 1" cnt="1 0"/>
-                  <dgm:constrLst>
-                    <dgm:constr type="lMarg" refType="primFontSz" fact="0.3"/>
-                    <dgm:constr type="rMarg" refType="primFontSz" fact="0.3"/>
-                    <dgm:constr type="tMarg" refType="primFontSz" fact="0.3"/>
-                    <dgm:constr type="bMarg" refType="primFontSz" fact="0.3"/>
-                  </dgm:constrLst>
-                  <dgm:ruleLst>
-                    <dgm:rule type="primFontSz" val="5" fact="NaN" max="NaN"/>
-                  </dgm:ruleLst>
-                </dgm:layoutNode>
-                <dgm:layoutNode name="ThreeNodes_2_text">
-                  <dgm:varLst>
-                    <dgm:bulletEnabled val="1"/>
-                  </dgm:varLst>
-                  <dgm:alg type="tx">
-                    <dgm:param type="parTxLTRAlign" val="l"/>
-                    <dgm:param type="txAnchorVertCh" val="mid"/>
-                  </dgm:alg>
-                  <dgm:shape xmlns:r="http://schemas.openxmlformats.org/officeDocument/2006/relationships" type="roundRect" r:blip="" hideGeom="1">
-                    <dgm:adjLst>
-                      <dgm:adj idx="1" val="0.1"/>
-                    </dgm:adjLst>
-                  </dgm:shape>
-                  <dgm:presOf axis="ch desOrSelf" ptType="node node" st="2 1" cnt="1 0"/>
-                  <dgm:constrLst>
-                    <dgm:constr type="lMarg" refType="primFontSz" fact="0.3"/>
-                    <dgm:constr type="rMarg" refType="primFontSz" fact="0.3"/>
-                    <dgm:constr type="tMarg" refType="primFontSz" fact="0.3"/>
-                    <dgm:constr type="bMarg" refType="primFontSz" fact="0.3"/>
-                  </dgm:constrLst>
-                  <dgm:ruleLst>
-                    <dgm:rule type="primFontSz" val="5" fact="NaN" max="NaN"/>
-                  </dgm:ruleLst>
-                </dgm:layoutNode>
-                <dgm:layoutNode name="ThreeNodes_3_text">
-                  <dgm:varLst>
-                    <dgm:bulletEnabled val="1"/>
-                  </dgm:varLst>
-                  <dgm:alg type="tx">
-                    <dgm:param type="parTxLTRAlign" val="l"/>
-                    <dgm:param type="txAnchorVertCh" val="mid"/>
-                  </dgm:alg>
-                  <dgm:shape xmlns:r="http://schemas.openxmlformats.org/officeDocument/2006/relationships" type="roundRect" r:blip="" hideGeom="1">
-                    <dgm:adjLst>
-                      <dgm:adj idx="1" val="0.1"/>
-                    </dgm:adjLst>
-                  </dgm:shape>
-                  <dgm:presOf axis="ch desOrSelf" ptType="node node" st="3 1" cnt="1 0"/>
-                  <dgm:constrLst>
-                    <dgm:constr type="lMarg" refType="primFontSz" fact="0.3"/>
-                    <dgm:constr type="rMarg" refType="primFontSz" fact="0.3"/>
-                    <dgm:constr type="tMarg" refType="primFontSz" fact="0.3"/>
-                    <dgm:constr type="bMarg" refType="primFontSz" fact="0.3"/>
-                  </dgm:constrLst>
-                  <dgm:ruleLst>
-                    <dgm:rule type="primFontSz" val="5" fact="NaN" max="NaN"/>
-                  </dgm:ruleLst>
-                </dgm:layoutNode>
-              </dgm:if>
-              <dgm:else name="Name11">
-                <dgm:choose name="Name12">
-                  <dgm:if name="Name13" axis="ch" ptType="node" func="cnt" op="equ" val="4">
-                    <dgm:layoutNode name="FourNodes_1">
-                      <dgm:varLst>
-                        <dgm:bulletEnabled val="1"/>
-                      </dgm:varLst>
-                      <dgm:alg type="sp"/>
-                      <dgm:shape xmlns:r="http://schemas.openxmlformats.org/officeDocument/2006/relationships" type="roundRect" r:blip="">
-                        <dgm:adjLst>
-                          <dgm:adj idx="1" val="0.1"/>
-                        </dgm:adjLst>
-                      </dgm:shape>
-                      <dgm:presOf axis="ch desOrSelf" ptType="node node" st="1 1" cnt="1 0"/>
-                      <dgm:constrLst/>
-                      <dgm:ruleLst/>
-                    </dgm:layoutNode>
-                    <dgm:layoutNode name="FourNodes_2">
-                      <dgm:varLst>
-                        <dgm:bulletEnabled val="1"/>
-                      </dgm:varLst>
-                      <dgm:alg type="sp"/>
-                      <dgm:shape xmlns:r="http://schemas.openxmlformats.org/officeDocument/2006/relationships" type="roundRect" r:blip="">
-                        <dgm:adjLst>
-                          <dgm:adj idx="1" val="0.1"/>
-                        </dgm:adjLst>
-                      </dgm:shape>
-                      <dgm:presOf axis="ch desOrSelf" ptType="node node" st="2 1" cnt="1 0"/>
-                      <dgm:constrLst/>
-                      <dgm:ruleLst/>
-                    </dgm:layoutNode>
-                    <dgm:layoutNode name="FourNodes_3">
-                      <dgm:varLst>
-                        <dgm:bulletEnabled val="1"/>
-                      </dgm:varLst>
-                      <dgm:alg type="sp"/>
-                      <dgm:shape xmlns:r="http://schemas.openxmlformats.org/officeDocument/2006/relationships" type="roundRect" r:blip="">
-                        <dgm:adjLst>
-                          <dgm:adj idx="1" val="0.1"/>
-                        </dgm:adjLst>
-                      </dgm:shape>
-                      <dgm:presOf axis="ch desOrSelf" ptType="node node" st="3 1" cnt="1 0"/>
-                      <dgm:constrLst/>
-                      <dgm:ruleLst/>
-                    </dgm:layoutNode>
-                    <dgm:layoutNode name="FourNodes_4">
-                      <dgm:varLst>
-                        <dgm:bulletEnabled val="1"/>
-                      </dgm:varLst>
-                      <dgm:alg type="sp"/>
-                      <dgm:shape xmlns:r="http://schemas.openxmlformats.org/officeDocument/2006/relationships" type="roundRect" r:blip="">
-                        <dgm:adjLst>
-                          <dgm:adj idx="1" val="0.1"/>
-                        </dgm:adjLst>
-                      </dgm:shape>
-                      <dgm:presOf axis="ch desOrSelf" ptType="node node" st="4 1" cnt="1 0"/>
-                      <dgm:constrLst/>
-                      <dgm:ruleLst/>
-                    </dgm:layoutNode>
-                    <dgm:layoutNode name="FourConn_1-2" styleLbl="fgAccFollowNode1">
-                      <dgm:varLst>
-                        <dgm:bulletEnabled val="1"/>
-                      </dgm:varLst>
-                      <dgm:alg type="tx"/>
-                      <dgm:shape xmlns:r="http://schemas.openxmlformats.org/officeDocument/2006/relationships" type="downArrow" r:blip="">
-                        <dgm:adjLst>
-                          <dgm:adj idx="1" val="0.55"/>
-                          <dgm:adj idx="2" val="0.45"/>
-                        </dgm:adjLst>
-                      </dgm:shape>
-                      <dgm:presOf axis="ch" ptType="sibTrans" cnt="1"/>
-                      <dgm:constrLst>
-                        <dgm:constr type="lMarg" refType="primFontSz" fact="0.1"/>
-                        <dgm:constr type="rMarg" refType="primFontSz" fact="0.1"/>
-                        <dgm:constr type="tMarg" refType="primFontSz" fact="0.1"/>
-                        <dgm:constr type="bMarg" refType="primFontSz" fact="0.1"/>
-                      </dgm:constrLst>
-                      <dgm:ruleLst>
-                        <dgm:rule type="primFontSz" val="5" fact="NaN" max="NaN"/>
-                      </dgm:ruleLst>
-                    </dgm:layoutNode>
-                    <dgm:layoutNode name="FourConn_2-3" styleLbl="fgAccFollowNode1">
-                      <dgm:varLst>
-                        <dgm:bulletEnabled val="1"/>
-                      </dgm:varLst>
-                      <dgm:alg type="tx"/>
-                      <dgm:shape xmlns:r="http://schemas.openxmlformats.org/officeDocument/2006/relationships" type="downArrow" r:blip="">
-                        <dgm:adjLst>
-                          <dgm:adj idx="1" val="0.55"/>
-                          <dgm:adj idx="2" val="0.45"/>
-                        </dgm:adjLst>
-                      </dgm:shape>
-                      <dgm:presOf axis="ch" ptType="sibTrans" st="2" cnt="1"/>
-                      <dgm:constrLst>
-                        <dgm:constr type="lMarg" refType="primFontSz" fact="0.1"/>
-                        <dgm:constr type="rMarg" refType="primFontSz" fact="0.1"/>
-                        <dgm:constr type="tMarg" refType="primFontSz" fact="0.1"/>
-                        <dgm:constr type="bMarg" refType="primFontSz" fact="0.1"/>
-                      </dgm:constrLst>
-                      <dgm:ruleLst>
-                        <dgm:rule type="primFontSz" val="5" fact="NaN" max="NaN"/>
-                      </dgm:ruleLst>
-                    </dgm:layoutNode>
-                    <dgm:layoutNode name="FourConn_3-4" styleLbl="fgAccFollowNode1">
-                      <dgm:varLst>
-                        <dgm:bulletEnabled val="1"/>
-                      </dgm:varLst>
-                      <dgm:alg type="tx"/>
-                      <dgm:shape xmlns:r="http://schemas.openxmlformats.org/officeDocument/2006/relationships" type="downArrow" r:blip="">
-                        <dgm:adjLst>
-                          <dgm:adj idx="1" val="0.55"/>
-                          <dgm:adj idx="2" val="0.45"/>
-                        </dgm:adjLst>
-                      </dgm:shape>
-                      <dgm:presOf axis="ch" ptType="sibTrans" st="3" cnt="1"/>
-                      <dgm:constrLst>
-                        <dgm:constr type="lMarg" refType="primFontSz" fact="0.1"/>
-                        <dgm:constr type="rMarg" refType="primFontSz" fact="0.1"/>
-                        <dgm:constr type="tMarg" refType="primFontSz" fact="0.1"/>
-                        <dgm:constr type="bMarg" refType="primFontSz" fact="0.1"/>
-                      </dgm:constrLst>
-                      <dgm:ruleLst>
-                        <dgm:rule type="primFontSz" val="5" fact="NaN" max="NaN"/>
-                      </dgm:ruleLst>
-                    </dgm:layoutNode>
-                    <dgm:layoutNode name="FourNodes_1_text">
-                      <dgm:varLst>
-                        <dgm:bulletEnabled val="1"/>
-                      </dgm:varLst>
-                      <dgm:alg type="tx">
-                        <dgm:param type="parTxLTRAlign" val="l"/>
-                        <dgm:param type="txAnchorVertCh" val="mid"/>
-                      </dgm:alg>
-                      <dgm:shape xmlns:r="http://schemas.openxmlformats.org/officeDocument/2006/relationships" type="roundRect" r:blip="" hideGeom="1">
-                        <dgm:adjLst>
-                          <dgm:adj idx="1" val="0.1"/>
-                        </dgm:adjLst>
-                      </dgm:shape>
-                      <dgm:presOf axis="ch desOrSelf" ptType="node node" st="1 1" cnt="1 0"/>
-                      <dgm:constrLst>
-                        <dgm:constr type="lMarg" refType="primFontSz" fact="0.3"/>
-                        <dgm:constr type="rMarg" refType="primFontSz" fact="0.3"/>
-                        <dgm:constr type="tMarg" refType="primFontSz" fact="0.3"/>
-                        <dgm:constr type="bMarg" refType="primFontSz" fact="0.3"/>
-                      </dgm:constrLst>
-                      <dgm:ruleLst>
-                        <dgm:rule type="primFontSz" val="5" fact="NaN" max="NaN"/>
-                      </dgm:ruleLst>
-                    </dgm:layoutNode>
-                    <dgm:layoutNode name="FourNodes_2_text">
-                      <dgm:varLst>
-                        <dgm:bulletEnabled val="1"/>
-                      </dgm:varLst>
-                      <dgm:alg type="tx">
-                        <dgm:param type="parTxLTRAlign" val="l"/>
-                        <dgm:param type="txAnchorVertCh" val="mid"/>
-                      </dgm:alg>
-                      <dgm:shape xmlns:r="http://schemas.openxmlformats.org/officeDocument/2006/relationships" type="roundRect" r:blip="" hideGeom="1">
-                        <dgm:adjLst>
-                          <dgm:adj idx="1" val="0.1"/>
-                        </dgm:adjLst>
-                      </dgm:shape>
-                      <dgm:presOf axis="ch desOrSelf" ptType="node node" st="2 1" cnt="1 0"/>
-                      <dgm:constrLst>
-                        <dgm:constr type="lMarg" refType="primFontSz" fact="0.3"/>
-                        <dgm:constr type="rMarg" refType="primFontSz" fact="0.3"/>
-                        <dgm:constr type="tMarg" refType="primFontSz" fact="0.3"/>
-                        <dgm:constr type="bMarg" refType="primFontSz" fact="0.3"/>
-                      </dgm:constrLst>
-                      <dgm:ruleLst>
-                        <dgm:rule type="primFontSz" val="5" fact="NaN" max="NaN"/>
-                      </dgm:ruleLst>
-                    </dgm:layoutNode>
-                    <dgm:layoutNode name="FourNodes_3_text">
-                      <dgm:varLst>
-                        <dgm:bulletEnabled val="1"/>
-                      </dgm:varLst>
-                      <dgm:alg type="tx">
-                        <dgm:param type="parTxLTRAlign" val="l"/>
-                        <dgm:param type="txAnchorVertCh" val="mid"/>
-                      </dgm:alg>
-                      <dgm:shape xmlns:r="http://schemas.openxmlformats.org/officeDocument/2006/relationships" type="roundRect" r:blip="" hideGeom="1">
-                        <dgm:adjLst>
-                          <dgm:adj idx="1" val="0.1"/>
-                        </dgm:adjLst>
-                      </dgm:shape>
-                      <dgm:presOf axis="ch desOrSelf" ptType="node node" st="3 1" cnt="1 0"/>
-                      <dgm:constrLst>
-                        <dgm:constr type="lMarg" refType="primFontSz" fact="0.3"/>
-                        <dgm:constr type="rMarg" refType="primFontSz" fact="0.3"/>
-                        <dgm:constr type="tMarg" refType="primFontSz" fact="0.3"/>
-                        <dgm:constr type="bMarg" refType="primFontSz" fact="0.3"/>
-                      </dgm:constrLst>
-                      <dgm:ruleLst>
-                        <dgm:rule type="primFontSz" val="5" fact="NaN" max="NaN"/>
-                      </dgm:ruleLst>
-                    </dgm:layoutNode>
-                    <dgm:layoutNode name="FourNodes_4_text">
-                      <dgm:varLst>
-                        <dgm:bulletEnabled val="1"/>
-                      </dgm:varLst>
-                      <dgm:alg type="tx">
-                        <dgm:param type="parTxLTRAlign" val="l"/>
-                        <dgm:param type="txAnchorVertCh" val="mid"/>
-                      </dgm:alg>
-                      <dgm:shape xmlns:r="http://schemas.openxmlformats.org/officeDocument/2006/relationships" type="roundRect" r:blip="" hideGeom="1">
-                        <dgm:adjLst>
-                          <dgm:adj idx="1" val="0.1"/>
-                        </dgm:adjLst>
-                      </dgm:shape>
-                      <dgm:presOf axis="ch desOrSelf" ptType="node node" st="4 1" cnt="1 0"/>
-                      <dgm:constrLst>
-                        <dgm:constr type="lMarg" refType="primFontSz" fact="0.3"/>
-                        <dgm:constr type="rMarg" refType="primFontSz" fact="0.3"/>
-                        <dgm:constr type="tMarg" refType="primFontSz" fact="0.3"/>
-                        <dgm:constr type="bMarg" refType="primFontSz" fact="0.3"/>
-                      </dgm:constrLst>
-                      <dgm:ruleLst>
-                        <dgm:rule type="primFontSz" val="5" fact="NaN" max="NaN"/>
-                      </dgm:ruleLst>
-                    </dgm:layoutNode>
-                  </dgm:if>
-                  <dgm:else name="Name14">
-                    <dgm:choose name="Name15">
-                      <dgm:if name="Name16" axis="ch" ptType="node" func="cnt" op="gte" val="5">
-                        <dgm:layoutNode name="FiveNodes_1">
-                          <dgm:varLst>
-                            <dgm:bulletEnabled val="1"/>
-                          </dgm:varLst>
-                          <dgm:alg type="sp"/>
-                          <dgm:shape xmlns:r="http://schemas.openxmlformats.org/officeDocument/2006/relationships" type="roundRect" r:blip="">
-                            <dgm:adjLst>
-                              <dgm:adj idx="1" val="0.1"/>
-                            </dgm:adjLst>
-                          </dgm:shape>
-                          <dgm:presOf axis="ch desOrSelf" ptType="node node" st="1 1" cnt="1 0"/>
-                          <dgm:constrLst/>
-                          <dgm:ruleLst/>
-                        </dgm:layoutNode>
-                        <dgm:layoutNode name="FiveNodes_2">
-                          <dgm:varLst>
-                            <dgm:bulletEnabled val="1"/>
-                          </dgm:varLst>
-                          <dgm:alg type="sp"/>
-                          <dgm:shape xmlns:r="http://schemas.openxmlformats.org/officeDocument/2006/relationships" type="roundRect" r:blip="">
-                            <dgm:adjLst>
-                              <dgm:adj idx="1" val="0.1"/>
-                            </dgm:adjLst>
-                          </dgm:shape>
-                          <dgm:presOf axis="ch desOrSelf" ptType="node node" st="2 1" cnt="1 0"/>
-                          <dgm:constrLst/>
-                          <dgm:ruleLst/>
-                        </dgm:layoutNode>
-                        <dgm:layoutNode name="FiveNodes_3">
-                          <dgm:varLst>
-                            <dgm:bulletEnabled val="1"/>
-                          </dgm:varLst>
-                          <dgm:alg type="sp"/>
-                          <dgm:shape xmlns:r="http://schemas.openxmlformats.org/officeDocument/2006/relationships" type="roundRect" r:blip="">
-                            <dgm:adjLst>
-                              <dgm:adj idx="1" val="0.1"/>
-                            </dgm:adjLst>
-                          </dgm:shape>
-                          <dgm:presOf axis="ch desOrSelf" ptType="node node" st="3 1" cnt="1 0"/>
-                          <dgm:constrLst/>
-                          <dgm:ruleLst/>
-                        </dgm:layoutNode>
-                        <dgm:layoutNode name="FiveNodes_4">
-                          <dgm:varLst>
-                            <dgm:bulletEnabled val="1"/>
-                          </dgm:varLst>
-                          <dgm:alg type="sp"/>
-                          <dgm:shape xmlns:r="http://schemas.openxmlformats.org/officeDocument/2006/relationships" type="roundRect" r:blip="">
-                            <dgm:adjLst>
-                              <dgm:adj idx="1" val="0.1"/>
-                            </dgm:adjLst>
-                          </dgm:shape>
-                          <dgm:presOf axis="ch desOrSelf" ptType="node node" st="4 1" cnt="1 0"/>
-                          <dgm:constrLst/>
-                          <dgm:ruleLst/>
-                        </dgm:layoutNode>
-                        <dgm:layoutNode name="FiveNodes_5">
-                          <dgm:varLst>
-                            <dgm:bulletEnabled val="1"/>
-                          </dgm:varLst>
-                          <dgm:alg type="sp"/>
-                          <dgm:shape xmlns:r="http://schemas.openxmlformats.org/officeDocument/2006/relationships" type="roundRect" r:blip="">
-                            <dgm:adjLst>
-                              <dgm:adj idx="1" val="0.1"/>
-                            </dgm:adjLst>
-                          </dgm:shape>
-                          <dgm:presOf axis="ch desOrSelf" ptType="node node" st="5 1" cnt="1 0"/>
-                          <dgm:constrLst/>
-                          <dgm:ruleLst/>
-                        </dgm:layoutNode>
-                        <dgm:layoutNode name="FiveConn_1-2" styleLbl="fgAccFollowNode1">
-                          <dgm:varLst>
-                            <dgm:bulletEnabled val="1"/>
-                          </dgm:varLst>
-                          <dgm:alg type="tx"/>
-                          <dgm:shape xmlns:r="http://schemas.openxmlformats.org/officeDocument/2006/relationships" type="downArrow" r:blip="">
-                            <dgm:adjLst>
-                              <dgm:adj idx="1" val="0.55"/>
-                              <dgm:adj idx="2" val="0.45"/>
-                            </dgm:adjLst>
-                          </dgm:shape>
-                          <dgm:presOf axis="ch" ptType="sibTrans" cnt="1"/>
-                          <dgm:constrLst>
-                            <dgm:constr type="lMarg" refType="primFontSz" fact="0.1"/>
-                            <dgm:constr type="rMarg" refType="primFontSz" fact="0.1"/>
-                            <dgm:constr type="tMarg" refType="primFontSz" fact="0.1"/>
-                            <dgm:constr type="bMarg" refType="primFontSz" fact="0.1"/>
-                          </dgm:constrLst>
-                          <dgm:ruleLst>
-                            <dgm:rule type="primFontSz" val="5" fact="NaN" max="NaN"/>
-                          </dgm:ruleLst>
-                        </dgm:layoutNode>
-                        <dgm:layoutNode name="FiveConn_2-3" styleLbl="fgAccFollowNode1">
-                          <dgm:varLst>
-                            <dgm:bulletEnabled val="1"/>
-                          </dgm:varLst>
-                          <dgm:alg type="tx"/>
-                          <dgm:shape xmlns:r="http://schemas.openxmlformats.org/officeDocument/2006/relationships" type="downArrow" r:blip="">
-                            <dgm:adjLst>
-                              <dgm:adj idx="1" val="0.55"/>
-                              <dgm:adj idx="2" val="0.45"/>
-                            </dgm:adjLst>
-                          </dgm:shape>
-                          <dgm:presOf axis="ch" ptType="sibTrans" st="2" cnt="1"/>
-                          <dgm:constrLst>
-                            <dgm:constr type="lMarg" refType="primFontSz" fact="0.1"/>
-                            <dgm:constr type="rMarg" refType="primFontSz" fact="0.1"/>
-                            <dgm:constr type="tMarg" refType="primFontSz" fact="0.1"/>
-                            <dgm:constr type="bMarg" refType="primFontSz" fact="0.1"/>
-                          </dgm:constrLst>
-                          <dgm:ruleLst>
-                            <dgm:rule type="primFontSz" val="5" fact="NaN" max="NaN"/>
-                          </dgm:ruleLst>
-                        </dgm:layoutNode>
-                        <dgm:layoutNode name="FiveConn_3-4" styleLbl="fgAccFollowNode1">
-                          <dgm:varLst>
-                            <dgm:bulletEnabled val="1"/>
-                          </dgm:varLst>
-                          <dgm:alg type="tx"/>
-                          <dgm:shape xmlns:r="http://schemas.openxmlformats.org/officeDocument/2006/relationships" type="downArrow" r:blip="">
-                            <dgm:adjLst>
-                              <dgm:adj idx="1" val="0.55"/>
-                              <dgm:adj idx="2" val="0.45"/>
-                            </dgm:adjLst>
-                          </dgm:shape>
-                          <dgm:presOf axis="ch" ptType="sibTrans" st="3" cnt="1"/>
-                          <dgm:constrLst>
-                            <dgm:constr type="lMarg" refType="primFontSz" fact="0.1"/>
-                            <dgm:constr type="rMarg" refType="primFontSz" fact="0.1"/>
-                            <dgm:constr type="tMarg" refType="primFontSz" fact="0.1"/>
-                            <dgm:constr type="bMarg" refType="primFontSz" fact="0.1"/>
-                          </dgm:constrLst>
-                          <dgm:ruleLst>
-                            <dgm:rule type="primFontSz" val="5" fact="NaN" max="NaN"/>
-                          </dgm:ruleLst>
-                        </dgm:layoutNode>
-                        <dgm:layoutNode name="FiveConn_4-5" styleLbl="fgAccFollowNode1">
-                          <dgm:varLst>
-                            <dgm:bulletEnabled val="1"/>
-                          </dgm:varLst>
-                          <dgm:alg type="tx"/>
-                          <dgm:shape xmlns:r="http://schemas.openxmlformats.org/officeDocument/2006/relationships" type="downArrow" r:blip="">
-                            <dgm:adjLst>
-                              <dgm:adj idx="1" val="0.55"/>
-                              <dgm:adj idx="2" val="0.45"/>
-                            </dgm:adjLst>
-                          </dgm:shape>
-                          <dgm:presOf axis="ch" ptType="sibTrans" st="4" cnt="1"/>
-                          <dgm:constrLst>
-                            <dgm:constr type="lMarg" refType="primFontSz" fact="0.1"/>
-                            <dgm:constr type="rMarg" refType="primFontSz" fact="0.1"/>
-                            <dgm:constr type="tMarg" refType="primFontSz" fact="0.1"/>
-                            <dgm:constr type="bMarg" refType="primFontSz" fact="0.1"/>
-                          </dgm:constrLst>
-                          <dgm:ruleLst>
-                            <dgm:rule type="primFontSz" val="5" fact="NaN" max="NaN"/>
-                          </dgm:ruleLst>
-                        </dgm:layoutNode>
-                        <dgm:layoutNode name="FiveNodes_1_text">
-                          <dgm:varLst>
-                            <dgm:bulletEnabled val="1"/>
-                          </dgm:varLst>
-                          <dgm:alg type="tx">
-                            <dgm:param type="parTxLTRAlign" val="l"/>
-                            <dgm:param type="txAnchorVertCh" val="mid"/>
-                          </dgm:alg>
-                          <dgm:shape xmlns:r="http://schemas.openxmlformats.org/officeDocument/2006/relationships" type="roundRect" r:blip="" hideGeom="1">
-                            <dgm:adjLst>
-                              <dgm:adj idx="1" val="0.1"/>
-                            </dgm:adjLst>
-                          </dgm:shape>
-                          <dgm:presOf axis="ch desOrSelf" ptType="node node" st="1 1" cnt="1 0"/>
-                          <dgm:constrLst>
-                            <dgm:constr type="lMarg" refType="primFontSz" fact="0.3"/>
-                            <dgm:constr type="rMarg" refType="primFontSz" fact="0.3"/>
-                            <dgm:constr type="tMarg" refType="primFontSz" fact="0.3"/>
-                            <dgm:constr type="bMarg" refType="primFontSz" fact="0.3"/>
-                          </dgm:constrLst>
-                          <dgm:ruleLst>
-                            <dgm:rule type="primFontSz" val="5" fact="NaN" max="NaN"/>
-                          </dgm:ruleLst>
-                        </dgm:layoutNode>
-                        <dgm:layoutNode name="FiveNodes_2_text">
-                          <dgm:varLst>
-                            <dgm:bulletEnabled val="1"/>
-                          </dgm:varLst>
-                          <dgm:alg type="tx">
-                            <dgm:param type="parTxLTRAlign" val="l"/>
-                            <dgm:param type="txAnchorVertCh" val="mid"/>
-                          </dgm:alg>
-                          <dgm:shape xmlns:r="http://schemas.openxmlformats.org/officeDocument/2006/relationships" type="roundRect" r:blip="" hideGeom="1">
-                            <dgm:adjLst>
-                              <dgm:adj idx="1" val="0.1"/>
-                            </dgm:adjLst>
-                          </dgm:shape>
-                          <dgm:presOf axis="ch desOrSelf" ptType="node node" st="2 1" cnt="1 0"/>
-                          <dgm:constrLst>
-                            <dgm:constr type="lMarg" refType="primFontSz" fact="0.3"/>
-                            <dgm:constr type="rMarg" refType="primFontSz" fact="0.3"/>
-                            <dgm:constr type="tMarg" refType="primFontSz" fact="0.3"/>
-                            <dgm:constr type="bMarg" refType="primFontSz" fact="0.3"/>
-                          </dgm:constrLst>
-                          <dgm:ruleLst>
-                            <dgm:rule type="primFontSz" val="5" fact="NaN" max="NaN"/>
-                          </dgm:ruleLst>
-                        </dgm:layoutNode>
-                        <dgm:layoutNode name="FiveNodes_3_text">
-                          <dgm:varLst>
-                            <dgm:bulletEnabled val="1"/>
-                          </dgm:varLst>
-                          <dgm:alg type="tx">
-                            <dgm:param type="parTxLTRAlign" val="l"/>
-                            <dgm:param type="txAnchorVertCh" val="mid"/>
-                          </dgm:alg>
-                          <dgm:shape xmlns:r="http://schemas.openxmlformats.org/officeDocument/2006/relationships" type="roundRect" r:blip="" hideGeom="1">
-                            <dgm:adjLst>
-                              <dgm:adj idx="1" val="0.1"/>
-                            </dgm:adjLst>
-                          </dgm:shape>
-                          <dgm:presOf axis="ch desOrSelf" ptType="node node" st="3 1" cnt="1 0"/>
-                          <dgm:constrLst>
-                            <dgm:constr type="lMarg" refType="primFontSz" fact="0.3"/>
-                            <dgm:constr type="rMarg" refType="primFontSz" fact="0.3"/>
-                            <dgm:constr type="tMarg" refType="primFontSz" fact="0.3"/>
-                            <dgm:constr type="bMarg" refType="primFontSz" fact="0.3"/>
-                          </dgm:constrLst>
-                          <dgm:ruleLst>
-                            <dgm:rule type="primFontSz" val="5" fact="NaN" max="NaN"/>
-                          </dgm:ruleLst>
-                        </dgm:layoutNode>
-                        <dgm:layoutNode name="FiveNodes_4_text">
-                          <dgm:varLst>
-                            <dgm:bulletEnabled val="1"/>
-                          </dgm:varLst>
-                          <dgm:alg type="tx">
-                            <dgm:param type="parTxLTRAlign" val="l"/>
-                            <dgm:param type="txAnchorVertCh" val="mid"/>
-                          </dgm:alg>
-                          <dgm:shape xmlns:r="http://schemas.openxmlformats.org/officeDocument/2006/relationships" type="roundRect" r:blip="" hideGeom="1">
-                            <dgm:adjLst>
-                              <dgm:adj idx="1" val="0.1"/>
-                            </dgm:adjLst>
-                          </dgm:shape>
-                          <dgm:presOf axis="ch desOrSelf" ptType="node node" st="4 1" cnt="1 0"/>
-                          <dgm:constrLst>
-                            <dgm:constr type="lMarg" refType="primFontSz" fact="0.3"/>
-                            <dgm:constr type="rMarg" refType="primFontSz" fact="0.3"/>
-                            <dgm:constr type="tMarg" refType="primFontSz" fact="0.3"/>
-                            <dgm:constr type="bMarg" refType="primFontSz" fact="0.3"/>
-                          </dgm:constrLst>
-                          <dgm:ruleLst>
-                            <dgm:rule type="primFontSz" val="5" fact="NaN" max="NaN"/>
-                          </dgm:ruleLst>
-                        </dgm:layoutNode>
-                        <dgm:layoutNode name="FiveNodes_5_text">
-                          <dgm:varLst>
-                            <dgm:bulletEnabled val="1"/>
-                          </dgm:varLst>
-                          <dgm:alg type="tx">
-                            <dgm:param type="parTxLTRAlign" val="l"/>
-                            <dgm:param type="txAnchorVertCh" val="mid"/>
-                          </dgm:alg>
-                          <dgm:shape xmlns:r="http://schemas.openxmlformats.org/officeDocument/2006/relationships" type="roundRect" r:blip="" hideGeom="1">
-                            <dgm:adjLst>
-                              <dgm:adj idx="1" val="0.1"/>
-                            </dgm:adjLst>
-                          </dgm:shape>
-                          <dgm:presOf axis="ch desOrSelf" ptType="node node" st="5 1" cnt="1 0"/>
-                          <dgm:constrLst>
-                            <dgm:constr type="lMarg" refType="primFontSz" fact="0.3"/>
-                            <dgm:constr type="rMarg" refType="primFontSz" fact="0.3"/>
-                            <dgm:constr type="tMarg" refType="primFontSz" fact="0.3"/>
-                            <dgm:constr type="bMarg" refType="primFontSz" fact="0.3"/>
-                          </dgm:constrLst>
-                          <dgm:ruleLst>
-                            <dgm:rule type="primFontSz" val="5" fact="NaN" max="NaN"/>
-                          </dgm:ruleLst>
-                        </dgm:layoutNode>
-                      </dgm:if>
-                      <dgm:else name="Name17"/>
-                    </dgm:choose>
-                  </dgm:else>
-                </dgm:choose>
-              </dgm:else>
-            </dgm:choose>
-          </dgm:else>
-        </dgm:choose>
-      </dgm:else>
-    </dgm:choose>
-  </dgm:layoutNode>
 </dgm:layoutDef>
 </file>
 
@@ -24208,7 +22409,7 @@
           <a:p>
             <a:fld id="{2046D6FB-4460-4DEF-B71B-7631DC3490B3}" type="datetimeFigureOut">
               <a:rPr lang="en-US" smtClean="0"/>
-              <a:t>6/13/2023</a:t>
+              <a:t>6/19/2023</a:t>
             </a:fld>
             <a:endParaRPr lang="en-US"/>
           </a:p>
@@ -24870,7 +23071,7 @@
     </p:spTree>
     <p:extLst>
       <p:ext uri="{BB962C8B-B14F-4D97-AF65-F5344CB8AC3E}">
-        <p14:creationId xmlns:p14="http://schemas.microsoft.com/office/powerpoint/2010/main" val="595856970"/>
+        <p14:creationId xmlns:p14="http://schemas.microsoft.com/office/powerpoint/2010/main" val="766976147"/>
       </p:ext>
     </p:extLst>
   </p:cSld>
@@ -24957,7 +23158,7 @@
     </p:spTree>
     <p:extLst>
       <p:ext uri="{BB962C8B-B14F-4D97-AF65-F5344CB8AC3E}">
-        <p14:creationId xmlns:p14="http://schemas.microsoft.com/office/powerpoint/2010/main" val="766976147"/>
+        <p14:creationId xmlns:p14="http://schemas.microsoft.com/office/powerpoint/2010/main" val="746909678"/>
       </p:ext>
     </p:extLst>
   </p:cSld>
@@ -25044,7 +23245,7 @@
     </p:spTree>
     <p:extLst>
       <p:ext uri="{BB962C8B-B14F-4D97-AF65-F5344CB8AC3E}">
-        <p14:creationId xmlns:p14="http://schemas.microsoft.com/office/powerpoint/2010/main" val="746909678"/>
+        <p14:creationId xmlns:p14="http://schemas.microsoft.com/office/powerpoint/2010/main" val="595856970"/>
       </p:ext>
     </p:extLst>
   </p:cSld>
@@ -25229,6 +23430,93 @@
 </file>
 
 <file path=ppt/notesSlides/notesSlide4.xml><?xml version="1.0" encoding="utf-8"?>
+<p:notes xmlns:a="http://schemas.openxmlformats.org/drawingml/2006/main" xmlns:r="http://schemas.openxmlformats.org/officeDocument/2006/relationships" xmlns:p="http://schemas.openxmlformats.org/presentationml/2006/main">
+  <p:cSld>
+    <p:spTree>
+      <p:nvGrpSpPr>
+        <p:cNvPr id="1" name=""/>
+        <p:cNvGrpSpPr/>
+        <p:nvPr/>
+      </p:nvGrpSpPr>
+      <p:grpSpPr>
+        <a:xfrm>
+          <a:off x="0" y="0"/>
+          <a:ext cx="0" cy="0"/>
+          <a:chOff x="0" y="0"/>
+          <a:chExt cx="0" cy="0"/>
+        </a:xfrm>
+      </p:grpSpPr>
+      <p:sp>
+        <p:nvSpPr>
+          <p:cNvPr id="2" name="Slide Image Placeholder 1"/>
+          <p:cNvSpPr>
+            <a:spLocks noGrp="1" noRot="1" noChangeAspect="1"/>
+          </p:cNvSpPr>
+          <p:nvPr>
+            <p:ph type="sldImg"/>
+          </p:nvPr>
+        </p:nvSpPr>
+        <p:spPr/>
+      </p:sp>
+      <p:sp>
+        <p:nvSpPr>
+          <p:cNvPr id="3" name="Notes Placeholder 2"/>
+          <p:cNvSpPr>
+            <a:spLocks noGrp="1"/>
+          </p:cNvSpPr>
+          <p:nvPr>
+            <p:ph type="body" idx="1"/>
+          </p:nvPr>
+        </p:nvSpPr>
+        <p:spPr/>
+        <p:txBody>
+          <a:bodyPr/>
+          <a:lstStyle/>
+          <a:p>
+            <a:r>
+              <a:rPr lang="en-US" dirty="0"/>
+              <a:t>Amit</a:t>
+            </a:r>
+          </a:p>
+        </p:txBody>
+      </p:sp>
+      <p:sp>
+        <p:nvSpPr>
+          <p:cNvPr id="4" name="Slide Number Placeholder 3"/>
+          <p:cNvSpPr>
+            <a:spLocks noGrp="1"/>
+          </p:cNvSpPr>
+          <p:nvPr>
+            <p:ph type="sldNum" sz="quarter" idx="5"/>
+          </p:nvPr>
+        </p:nvSpPr>
+        <p:spPr/>
+        <p:txBody>
+          <a:bodyPr/>
+          <a:lstStyle/>
+          <a:p>
+            <a:fld id="{9CF5519E-C510-498D-AF62-1D020606B9F5}" type="slidenum">
+              <a:rPr lang="en-US" smtClean="0"/>
+              <a:t>5</a:t>
+            </a:fld>
+            <a:endParaRPr lang="en-US"/>
+          </a:p>
+        </p:txBody>
+      </p:sp>
+    </p:spTree>
+    <p:extLst>
+      <p:ext uri="{BB962C8B-B14F-4D97-AF65-F5344CB8AC3E}">
+        <p14:creationId xmlns:p14="http://schemas.microsoft.com/office/powerpoint/2010/main" val="834971170"/>
+      </p:ext>
+    </p:extLst>
+  </p:cSld>
+  <p:clrMapOvr>
+    <a:masterClrMapping/>
+  </p:clrMapOvr>
+</p:notes>
+</file>
+
+<file path=ppt/notesSlides/notesSlide5.xml><?xml version="1.0" encoding="utf-8"?>
 <p:notes xmlns:a="http://schemas.openxmlformats.org/drawingml/2006/main" xmlns:r="http://schemas.openxmlformats.org/officeDocument/2006/relationships" xmlns:p="http://schemas.openxmlformats.org/presentationml/2006/main">
   <p:cSld>
     <p:spTree>
@@ -25543,7 +23831,7 @@
           <a:p>
             <a:fld id="{9CF5519E-C510-498D-AF62-1D020606B9F5}" type="slidenum">
               <a:rPr lang="en-US" smtClean="0"/>
-              <a:t>5</a:t>
+              <a:t>6</a:t>
             </a:fld>
             <a:endParaRPr lang="en-US"/>
           </a:p>
@@ -25562,7 +23850,7 @@
 </p:notes>
 </file>
 
-<file path=ppt/notesSlides/notesSlide5.xml><?xml version="1.0" encoding="utf-8"?>
+<file path=ppt/notesSlides/notesSlide6.xml><?xml version="1.0" encoding="utf-8"?>
 <p:notes xmlns:a="http://schemas.openxmlformats.org/drawingml/2006/main" xmlns:r="http://schemas.openxmlformats.org/officeDocument/2006/relationships" xmlns:p="http://schemas.openxmlformats.org/presentationml/2006/main">
   <p:cSld>
     <p:spTree>
@@ -25630,7 +23918,7 @@
           <a:p>
             <a:fld id="{9CF5519E-C510-498D-AF62-1D020606B9F5}" type="slidenum">
               <a:rPr lang="en-US" smtClean="0"/>
-              <a:t>6</a:t>
+              <a:t>7</a:t>
             </a:fld>
             <a:endParaRPr lang="en-US"/>
           </a:p>
@@ -25640,93 +23928,6 @@
     <p:extLst>
       <p:ext uri="{BB962C8B-B14F-4D97-AF65-F5344CB8AC3E}">
         <p14:creationId xmlns:p14="http://schemas.microsoft.com/office/powerpoint/2010/main" val="2930861410"/>
-      </p:ext>
-    </p:extLst>
-  </p:cSld>
-  <p:clrMapOvr>
-    <a:masterClrMapping/>
-  </p:clrMapOvr>
-</p:notes>
-</file>
-
-<file path=ppt/notesSlides/notesSlide6.xml><?xml version="1.0" encoding="utf-8"?>
-<p:notes xmlns:a="http://schemas.openxmlformats.org/drawingml/2006/main" xmlns:r="http://schemas.openxmlformats.org/officeDocument/2006/relationships" xmlns:p="http://schemas.openxmlformats.org/presentationml/2006/main">
-  <p:cSld>
-    <p:spTree>
-      <p:nvGrpSpPr>
-        <p:cNvPr id="1" name=""/>
-        <p:cNvGrpSpPr/>
-        <p:nvPr/>
-      </p:nvGrpSpPr>
-      <p:grpSpPr>
-        <a:xfrm>
-          <a:off x="0" y="0"/>
-          <a:ext cx="0" cy="0"/>
-          <a:chOff x="0" y="0"/>
-          <a:chExt cx="0" cy="0"/>
-        </a:xfrm>
-      </p:grpSpPr>
-      <p:sp>
-        <p:nvSpPr>
-          <p:cNvPr id="2" name="Slide Image Placeholder 1"/>
-          <p:cNvSpPr>
-            <a:spLocks noGrp="1" noRot="1" noChangeAspect="1"/>
-          </p:cNvSpPr>
-          <p:nvPr>
-            <p:ph type="sldImg"/>
-          </p:nvPr>
-        </p:nvSpPr>
-        <p:spPr/>
-      </p:sp>
-      <p:sp>
-        <p:nvSpPr>
-          <p:cNvPr id="3" name="Notes Placeholder 2"/>
-          <p:cNvSpPr>
-            <a:spLocks noGrp="1"/>
-          </p:cNvSpPr>
-          <p:nvPr>
-            <p:ph type="body" idx="1"/>
-          </p:nvPr>
-        </p:nvSpPr>
-        <p:spPr/>
-        <p:txBody>
-          <a:bodyPr/>
-          <a:lstStyle/>
-          <a:p>
-            <a:r>
-              <a:rPr lang="en-US" dirty="0"/>
-              <a:t>Nofar</a:t>
-            </a:r>
-          </a:p>
-        </p:txBody>
-      </p:sp>
-      <p:sp>
-        <p:nvSpPr>
-          <p:cNvPr id="4" name="Slide Number Placeholder 3"/>
-          <p:cNvSpPr>
-            <a:spLocks noGrp="1"/>
-          </p:cNvSpPr>
-          <p:nvPr>
-            <p:ph type="sldNum" sz="quarter" idx="5"/>
-          </p:nvPr>
-        </p:nvSpPr>
-        <p:spPr/>
-        <p:txBody>
-          <a:bodyPr/>
-          <a:lstStyle/>
-          <a:p>
-            <a:fld id="{9CF5519E-C510-498D-AF62-1D020606B9F5}" type="slidenum">
-              <a:rPr lang="en-US" smtClean="0"/>
-              <a:t>7</a:t>
-            </a:fld>
-            <a:endParaRPr lang="en-US"/>
-          </a:p>
-        </p:txBody>
-      </p:sp>
-    </p:spTree>
-    <p:extLst>
-      <p:ext uri="{BB962C8B-B14F-4D97-AF65-F5344CB8AC3E}">
-        <p14:creationId xmlns:p14="http://schemas.microsoft.com/office/powerpoint/2010/main" val="4267904832"/>
       </p:ext>
     </p:extLst>
   </p:cSld>
@@ -25813,7 +24014,7 @@
     </p:spTree>
     <p:extLst>
       <p:ext uri="{BB962C8B-B14F-4D97-AF65-F5344CB8AC3E}">
-        <p14:creationId xmlns:p14="http://schemas.microsoft.com/office/powerpoint/2010/main" val="911801202"/>
+        <p14:creationId xmlns:p14="http://schemas.microsoft.com/office/powerpoint/2010/main" val="4267904832"/>
       </p:ext>
     </p:extLst>
   </p:cSld>
@@ -25869,7 +24070,7 @@
           <a:p>
             <a:r>
               <a:rPr lang="en-US" dirty="0"/>
-              <a:t>Shahar / Daniel</a:t>
+              <a:t>Nofar</a:t>
             </a:r>
           </a:p>
         </p:txBody>
@@ -25900,7 +24101,7 @@
     </p:spTree>
     <p:extLst>
       <p:ext uri="{BB962C8B-B14F-4D97-AF65-F5344CB8AC3E}">
-        <p14:creationId xmlns:p14="http://schemas.microsoft.com/office/powerpoint/2010/main" val="2044418281"/>
+        <p14:creationId xmlns:p14="http://schemas.microsoft.com/office/powerpoint/2010/main" val="911801202"/>
       </p:ext>
     </p:extLst>
   </p:cSld>
@@ -26536,7 +24737,7 @@
           <a:p>
             <a:fld id="{EFBA5EAA-4DAB-45C1-9CCB-89B72C47B331}" type="datetimeFigureOut">
               <a:rPr lang="en-US" smtClean="0"/>
-              <a:t>6/13/2023</a:t>
+              <a:t>6/19/2023</a:t>
             </a:fld>
             <a:endParaRPr lang="en-US"/>
           </a:p>
@@ -26832,7 +25033,7 @@
           <a:p>
             <a:fld id="{EFBA5EAA-4DAB-45C1-9CCB-89B72C47B331}" type="datetimeFigureOut">
               <a:rPr lang="en-US" smtClean="0"/>
-              <a:t>6/13/2023</a:t>
+              <a:t>6/19/2023</a:t>
             </a:fld>
             <a:endParaRPr lang="en-US"/>
           </a:p>
@@ -27080,7 +25281,7 @@
           <a:p>
             <a:fld id="{EFBA5EAA-4DAB-45C1-9CCB-89B72C47B331}" type="datetimeFigureOut">
               <a:rPr lang="en-US" smtClean="0"/>
-              <a:t>6/13/2023</a:t>
+              <a:t>6/19/2023</a:t>
             </a:fld>
             <a:endParaRPr lang="en-US"/>
           </a:p>
@@ -27620,7 +25821,7 @@
           <a:p>
             <a:fld id="{EFBA5EAA-4DAB-45C1-9CCB-89B72C47B331}" type="datetimeFigureOut">
               <a:rPr lang="en-US" smtClean="0"/>
-              <a:t>6/13/2023</a:t>
+              <a:t>6/19/2023</a:t>
             </a:fld>
             <a:endParaRPr lang="en-US"/>
           </a:p>
@@ -27868,7 +26069,7 @@
           <a:p>
             <a:fld id="{EFBA5EAA-4DAB-45C1-9CCB-89B72C47B331}" type="datetimeFigureOut">
               <a:rPr lang="en-US" smtClean="0"/>
-              <a:t>6/13/2023</a:t>
+              <a:t>6/19/2023</a:t>
             </a:fld>
             <a:endParaRPr lang="en-US"/>
           </a:p>
@@ -28400,7 +26601,7 @@
           <a:p>
             <a:fld id="{EFBA5EAA-4DAB-45C1-9CCB-89B72C47B331}" type="datetimeFigureOut">
               <a:rPr lang="en-US" smtClean="0"/>
-              <a:t>6/13/2023</a:t>
+              <a:t>6/19/2023</a:t>
             </a:fld>
             <a:endParaRPr lang="en-US"/>
           </a:p>
@@ -28697,7 +26898,7 @@
           <a:p>
             <a:fld id="{EFBA5EAA-4DAB-45C1-9CCB-89B72C47B331}" type="datetimeFigureOut">
               <a:rPr lang="en-US" smtClean="0"/>
-              <a:t>6/13/2023</a:t>
+              <a:t>6/19/2023</a:t>
             </a:fld>
             <a:endParaRPr lang="en-US"/>
           </a:p>
@@ -28871,7 +27072,7 @@
           <a:p>
             <a:fld id="{EFBA5EAA-4DAB-45C1-9CCB-89B72C47B331}" type="datetimeFigureOut">
               <a:rPr lang="en-US" smtClean="0"/>
-              <a:t>6/13/2023</a:t>
+              <a:t>6/19/2023</a:t>
             </a:fld>
             <a:endParaRPr lang="en-US"/>
           </a:p>
@@ -29051,7 +27252,7 @@
           <a:p>
             <a:fld id="{EFBA5EAA-4DAB-45C1-9CCB-89B72C47B331}" type="datetimeFigureOut">
               <a:rPr lang="en-US" smtClean="0"/>
-              <a:t>6/13/2023</a:t>
+              <a:t>6/19/2023</a:t>
             </a:fld>
             <a:endParaRPr lang="en-US"/>
           </a:p>
@@ -29221,7 +27422,7 @@
           <a:p>
             <a:fld id="{EFBA5EAA-4DAB-45C1-9CCB-89B72C47B331}" type="datetimeFigureOut">
               <a:rPr lang="en-US" smtClean="0"/>
-              <a:t>6/13/2023</a:t>
+              <a:t>6/19/2023</a:t>
             </a:fld>
             <a:endParaRPr lang="en-US"/>
           </a:p>
@@ -29472,7 +27673,7 @@
           <a:p>
             <a:fld id="{EFBA5EAA-4DAB-45C1-9CCB-89B72C47B331}" type="datetimeFigureOut">
               <a:rPr lang="en-US" smtClean="0"/>
-              <a:t>6/13/2023</a:t>
+              <a:t>6/19/2023</a:t>
             </a:fld>
             <a:endParaRPr lang="en-US"/>
           </a:p>
@@ -29769,7 +27970,7 @@
           <a:p>
             <a:fld id="{EFBA5EAA-4DAB-45C1-9CCB-89B72C47B331}" type="datetimeFigureOut">
               <a:rPr lang="en-US" smtClean="0"/>
-              <a:t>6/13/2023</a:t>
+              <a:t>6/19/2023</a:t>
             </a:fld>
             <a:endParaRPr lang="en-US"/>
           </a:p>
@@ -30211,7 +28412,7 @@
           <a:p>
             <a:fld id="{EFBA5EAA-4DAB-45C1-9CCB-89B72C47B331}" type="datetimeFigureOut">
               <a:rPr lang="en-US" smtClean="0"/>
-              <a:t>6/13/2023</a:t>
+              <a:t>6/19/2023</a:t>
             </a:fld>
             <a:endParaRPr lang="en-US"/>
           </a:p>
@@ -30329,7 +28530,7 @@
           <a:p>
             <a:fld id="{EFBA5EAA-4DAB-45C1-9CCB-89B72C47B331}" type="datetimeFigureOut">
               <a:rPr lang="en-US" smtClean="0"/>
-              <a:t>6/13/2023</a:t>
+              <a:t>6/19/2023</a:t>
             </a:fld>
             <a:endParaRPr lang="en-US"/>
           </a:p>
@@ -30424,7 +28625,7 @@
           <a:p>
             <a:fld id="{EFBA5EAA-4DAB-45C1-9CCB-89B72C47B331}" type="datetimeFigureOut">
               <a:rPr lang="en-US" smtClean="0"/>
-              <a:t>6/13/2023</a:t>
+              <a:t>6/19/2023</a:t>
             </a:fld>
             <a:endParaRPr lang="en-US"/>
           </a:p>
@@ -30707,7 +28908,7 @@
           <a:p>
             <a:fld id="{EFBA5EAA-4DAB-45C1-9CCB-89B72C47B331}" type="datetimeFigureOut">
               <a:rPr lang="en-US" smtClean="0"/>
-              <a:t>6/13/2023</a:t>
+              <a:t>6/19/2023</a:t>
             </a:fld>
             <a:endParaRPr lang="en-US"/>
           </a:p>
@@ -30998,7 +29199,7 @@
           <a:p>
             <a:fld id="{EFBA5EAA-4DAB-45C1-9CCB-89B72C47B331}" type="datetimeFigureOut">
               <a:rPr lang="en-US" smtClean="0"/>
-              <a:t>6/13/2023</a:t>
+              <a:t>6/19/2023</a:t>
             </a:fld>
             <a:endParaRPr lang="en-US"/>
           </a:p>
@@ -31528,7 +29729,7 @@
           <a:p>
             <a:fld id="{EFBA5EAA-4DAB-45C1-9CCB-89B72C47B331}" type="datetimeFigureOut">
               <a:rPr lang="en-US" smtClean="0"/>
-              <a:t>6/13/2023</a:t>
+              <a:t>6/19/2023</a:t>
             </a:fld>
             <a:endParaRPr lang="en-US"/>
           </a:p>
@@ -32638,15 +30839,7 @@
             <a:pPr algn="l"/>
             <a:r>
               <a:rPr lang="en-US" sz="6000" dirty="0"/>
-              <a:t>Amit Peled, Daniel </a:t>
-            </a:r>
-            <a:r>
-              <a:rPr lang="en-US" sz="6000" dirty="0" err="1"/>
-              <a:t>Piro</a:t>
-            </a:r>
-            <a:r>
-              <a:rPr lang="en-US" sz="6000" dirty="0"/>
-              <a:t>, </a:t>
+              <a:t>Amit Peled, Daniel Piro, </a:t>
             </a:r>
             <a:br>
               <a:rPr lang="en-US" dirty="0"/>
@@ -32988,13 +31181,8 @@
           <a:p>
             <a:r>
               <a:rPr lang="en-US" dirty="0"/>
-              <a:t>Shahar Alon &amp; Nofar </a:t>
+              <a:t>Shahar Alon &amp; Nofar Rozenberg</a:t>
             </a:r>
-            <a:r>
-              <a:rPr lang="en-US" dirty="0" err="1"/>
-              <a:t>Rozenberg</a:t>
-            </a:r>
-            <a:endParaRPr lang="en-US" dirty="0"/>
           </a:p>
         </p:txBody>
       </p:sp>
@@ -33168,7 +31356,7 @@
             <p:ph idx="1"/>
             <p:extLst>
               <p:ext uri="{D42A27DB-BD31-4B8C-83A1-F6EECF244321}">
-                <p14:modId xmlns:p14="http://schemas.microsoft.com/office/powerpoint/2010/main" val="2081820981"/>
+                <p14:modId xmlns:p14="http://schemas.microsoft.com/office/powerpoint/2010/main" val="3284507424"/>
               </p:ext>
             </p:extLst>
           </p:nvPr>
@@ -33375,7 +31563,7 @@
             <p:ph idx="1"/>
             <p:extLst>
               <p:ext uri="{D42A27DB-BD31-4B8C-83A1-F6EECF244321}">
-                <p14:modId xmlns:p14="http://schemas.microsoft.com/office/powerpoint/2010/main" val="3432574836"/>
+                <p14:modId xmlns:p14="http://schemas.microsoft.com/office/powerpoint/2010/main" val="2962431214"/>
               </p:ext>
             </p:extLst>
           </p:nvPr>
@@ -33799,357 +31987,6 @@
           <a:p>
             <a:r>
               <a:rPr lang="en-US" sz="3200" b="1" u="sng" dirty="0"/>
-              <a:t>Time-codes for project demo presentation</a:t>
-            </a:r>
-          </a:p>
-        </p:txBody>
-      </p:sp>
-      <p:sp>
-        <p:nvSpPr>
-          <p:cNvPr id="3" name="Content Placeholder 2">
-            <a:extLst>
-              <a:ext uri="{FF2B5EF4-FFF2-40B4-BE49-F238E27FC236}">
-                <a16:creationId xmlns:a16="http://schemas.microsoft.com/office/drawing/2014/main" id="{A6BC5341-A928-9BC4-FADF-88E3B7BCF038}"/>
-              </a:ext>
-            </a:extLst>
-          </p:cNvPr>
-          <p:cNvSpPr>
-            <a:spLocks noGrp="1"/>
-          </p:cNvSpPr>
-          <p:nvPr>
-            <p:ph idx="1"/>
-          </p:nvPr>
-        </p:nvSpPr>
-        <p:spPr/>
-        <p:txBody>
-          <a:bodyPr anchor="ctr">
-            <a:normAutofit fontScale="92500" lnSpcReduction="20000"/>
-          </a:bodyPr>
-          <a:lstStyle/>
-          <a:p>
-            <a:pPr marL="0" marR="0" indent="0">
-              <a:lnSpc>
-                <a:spcPct val="107000"/>
-              </a:lnSpc>
-              <a:spcBef>
-                <a:spcPts val="0"/>
-              </a:spcBef>
-              <a:spcAft>
-                <a:spcPts val="0"/>
-              </a:spcAft>
-              <a:buNone/>
-            </a:pPr>
-            <a:r>
-              <a:rPr lang="en-US" b="1" u="sng" dirty="0">
-                <a:solidFill>
-                  <a:srgbClr val="1F2328"/>
-                </a:solidFill>
-                <a:latin typeface="-apple-system"/>
-              </a:rPr>
-              <a:t>Regular User</a:t>
-            </a:r>
-          </a:p>
-          <a:p>
-            <a:pPr marL="0" marR="0">
-              <a:lnSpc>
-                <a:spcPct val="107000"/>
-              </a:lnSpc>
-              <a:spcBef>
-                <a:spcPts val="0"/>
-              </a:spcBef>
-              <a:spcAft>
-                <a:spcPts val="0"/>
-              </a:spcAft>
-            </a:pPr>
-            <a:r>
-              <a:rPr lang="en-US" dirty="0">
-                <a:solidFill>
-                  <a:srgbClr val="1F2328"/>
-                </a:solidFill>
-                <a:latin typeface="-apple-system"/>
-              </a:rPr>
-              <a:t>00:00 – 03:15: Creating a new user + login with that user + web overview + alignment example with results + user profile + logout.</a:t>
-            </a:r>
-          </a:p>
-          <a:p>
-            <a:pPr marL="0" marR="0" indent="0">
-              <a:lnSpc>
-                <a:spcPct val="107000"/>
-              </a:lnSpc>
-              <a:spcBef>
-                <a:spcPts val="0"/>
-              </a:spcBef>
-              <a:spcAft>
-                <a:spcPts val="0"/>
-              </a:spcAft>
-              <a:buNone/>
-            </a:pPr>
-            <a:r>
-              <a:rPr lang="en-US" dirty="0">
-                <a:solidFill>
-                  <a:srgbClr val="1F2328"/>
-                </a:solidFill>
-                <a:latin typeface="-apple-system"/>
-              </a:rPr>
-              <a:t> </a:t>
-            </a:r>
-          </a:p>
-          <a:p>
-            <a:pPr marL="0" marR="0" indent="0">
-              <a:lnSpc>
-                <a:spcPct val="107000"/>
-              </a:lnSpc>
-              <a:spcBef>
-                <a:spcPts val="0"/>
-              </a:spcBef>
-              <a:spcAft>
-                <a:spcPts val="0"/>
-              </a:spcAft>
-              <a:buNone/>
-            </a:pPr>
-            <a:r>
-              <a:rPr lang="en-US" b="1" u="sng" dirty="0">
-                <a:solidFill>
-                  <a:srgbClr val="1F2328"/>
-                </a:solidFill>
-                <a:latin typeface="-apple-system"/>
-              </a:rPr>
-              <a:t>Admin User</a:t>
-            </a:r>
-          </a:p>
-          <a:p>
-            <a:pPr marL="0" marR="0">
-              <a:lnSpc>
-                <a:spcPct val="107000"/>
-              </a:lnSpc>
-              <a:spcBef>
-                <a:spcPts val="0"/>
-              </a:spcBef>
-              <a:spcAft>
-                <a:spcPts val="0"/>
-              </a:spcAft>
-            </a:pPr>
-            <a:r>
-              <a:rPr lang="en-US" sz="2400" dirty="0">
-                <a:solidFill>
-                  <a:srgbClr val="1F2328"/>
-                </a:solidFill>
-                <a:latin typeface="-apple-system"/>
-              </a:rPr>
-              <a:t>03:30 – 04:20: User Management (+ dynamic paging tables view).</a:t>
-            </a:r>
-          </a:p>
-          <a:p>
-            <a:pPr marL="0" marR="0">
-              <a:lnSpc>
-                <a:spcPct val="107000"/>
-              </a:lnSpc>
-              <a:spcBef>
-                <a:spcPts val="0"/>
-              </a:spcBef>
-              <a:spcAft>
-                <a:spcPts val="0"/>
-              </a:spcAft>
-            </a:pPr>
-            <a:r>
-              <a:rPr lang="en-US" dirty="0">
-                <a:solidFill>
-                  <a:srgbClr val="1F2328"/>
-                </a:solidFill>
-                <a:latin typeface="-apple-system"/>
-              </a:rPr>
-              <a:t>04:25 – 04:35: Statistics.</a:t>
-            </a:r>
-          </a:p>
-          <a:p>
-            <a:pPr marL="0" marR="0">
-              <a:lnSpc>
-                <a:spcPct val="107000"/>
-              </a:lnSpc>
-              <a:spcBef>
-                <a:spcPts val="0"/>
-              </a:spcBef>
-              <a:spcAft>
-                <a:spcPts val="0"/>
-              </a:spcAft>
-            </a:pPr>
-            <a:r>
-              <a:rPr lang="en-US" dirty="0">
-                <a:solidFill>
-                  <a:srgbClr val="1F2328"/>
-                </a:solidFill>
-                <a:latin typeface="-apple-system"/>
-              </a:rPr>
-              <a:t>04:35 – 06:40</a:t>
-            </a:r>
-            <a:r>
-              <a:rPr lang="en-US" sz="2400" dirty="0">
-                <a:solidFill>
-                  <a:srgbClr val="1F2328"/>
-                </a:solidFill>
-                <a:latin typeface="-apple-system"/>
-              </a:rPr>
-              <a:t>: Algorithm Runs.</a:t>
-            </a:r>
-          </a:p>
-          <a:p>
-            <a:pPr marL="0" marR="0">
-              <a:lnSpc>
-                <a:spcPct val="107000"/>
-              </a:lnSpc>
-              <a:spcBef>
-                <a:spcPts val="0"/>
-              </a:spcBef>
-              <a:spcAft>
-                <a:spcPts val="0"/>
-              </a:spcAft>
-            </a:pPr>
-            <a:r>
-              <a:rPr lang="en-US" dirty="0">
-                <a:solidFill>
-                  <a:srgbClr val="1F2328"/>
-                </a:solidFill>
-                <a:latin typeface="-apple-system"/>
-              </a:rPr>
-              <a:t>06:40 – 08:15:</a:t>
-            </a:r>
-            <a:r>
-              <a:rPr lang="en-US" sz="2400" dirty="0">
-                <a:solidFill>
-                  <a:srgbClr val="1F2328"/>
-                </a:solidFill>
-                <a:latin typeface="-apple-system"/>
-              </a:rPr>
-              <a:t> Runs Results.</a:t>
-            </a:r>
-          </a:p>
-          <a:p>
-            <a:pPr marL="0" marR="0">
-              <a:lnSpc>
-                <a:spcPct val="107000"/>
-              </a:lnSpc>
-              <a:spcBef>
-                <a:spcPts val="0"/>
-              </a:spcBef>
-              <a:spcAft>
-                <a:spcPts val="0"/>
-              </a:spcAft>
-            </a:pPr>
-            <a:r>
-              <a:rPr lang="en-US" dirty="0">
-                <a:solidFill>
-                  <a:srgbClr val="1F2328"/>
-                </a:solidFill>
-                <a:latin typeface="-apple-system"/>
-              </a:rPr>
-              <a:t>08:20 – 09:20: Tests.</a:t>
-            </a:r>
-            <a:endParaRPr lang="en-US" sz="2400" dirty="0">
-              <a:solidFill>
-                <a:srgbClr val="1F2328"/>
-              </a:solidFill>
-              <a:latin typeface="-apple-system"/>
-            </a:endParaRPr>
-          </a:p>
-          <a:p>
-            <a:pPr marL="0" marR="0">
-              <a:lnSpc>
-                <a:spcPct val="107000"/>
-              </a:lnSpc>
-              <a:spcBef>
-                <a:spcPts val="0"/>
-              </a:spcBef>
-              <a:spcAft>
-                <a:spcPts val="0"/>
-              </a:spcAft>
-            </a:pPr>
-            <a:endParaRPr lang="en-US" dirty="0">
-              <a:solidFill>
-                <a:srgbClr val="1F2328"/>
-              </a:solidFill>
-              <a:latin typeface="-apple-system"/>
-            </a:endParaRPr>
-          </a:p>
-        </p:txBody>
-      </p:sp>
-    </p:spTree>
-    <p:extLst>
-      <p:ext uri="{BB962C8B-B14F-4D97-AF65-F5344CB8AC3E}">
-        <p14:creationId xmlns:p14="http://schemas.microsoft.com/office/powerpoint/2010/main" val="2785329655"/>
-      </p:ext>
-    </p:extLst>
-  </p:cSld>
-  <p:clrMapOvr>
-    <a:masterClrMapping/>
-  </p:clrMapOvr>
-</p:sld>
-</file>
-
-<file path=ppt/slides/slide13.xml><?xml version="1.0" encoding="utf-8"?>
-<p:sld xmlns:a="http://schemas.openxmlformats.org/drawingml/2006/main" xmlns:r="http://schemas.openxmlformats.org/officeDocument/2006/relationships" xmlns:p="http://schemas.openxmlformats.org/presentationml/2006/main" show="0">
-  <p:cSld>
-    <p:bg>
-      <p:bgPr>
-        <a:blipFill rotWithShape="1">
-          <a:blip r:embed="rId3">
-            <a:duotone>
-              <a:schemeClr val="bg2">
-                <a:shade val="76000"/>
-                <a:satMod val="180000"/>
-              </a:schemeClr>
-              <a:schemeClr val="bg2">
-                <a:tint val="80000"/>
-                <a:satMod val="120000"/>
-                <a:lumMod val="180000"/>
-              </a:schemeClr>
-            </a:duotone>
-          </a:blip>
-          <a:stretch/>
-        </a:blipFill>
-        <a:effectLst/>
-      </p:bgPr>
-    </p:bg>
-    <p:spTree>
-      <p:nvGrpSpPr>
-        <p:cNvPr id="1" name=""/>
-        <p:cNvGrpSpPr/>
-        <p:nvPr/>
-      </p:nvGrpSpPr>
-      <p:grpSpPr>
-        <a:xfrm>
-          <a:off x="0" y="0"/>
-          <a:ext cx="0" cy="0"/>
-          <a:chOff x="0" y="0"/>
-          <a:chExt cx="0" cy="0"/>
-        </a:xfrm>
-      </p:grpSpPr>
-      <p:sp>
-        <p:nvSpPr>
-          <p:cNvPr id="2" name="Title 1">
-            <a:extLst>
-              <a:ext uri="{FF2B5EF4-FFF2-40B4-BE49-F238E27FC236}">
-                <a16:creationId xmlns:a16="http://schemas.microsoft.com/office/drawing/2014/main" id="{E8476F5E-8F6F-2960-0808-568FF632992E}"/>
-              </a:ext>
-            </a:extLst>
-          </p:cNvPr>
-          <p:cNvSpPr>
-            <a:spLocks noGrp="1"/>
-          </p:cNvSpPr>
-          <p:nvPr>
-            <p:ph type="title"/>
-          </p:nvPr>
-        </p:nvSpPr>
-        <p:spPr>
-          <a:effectLst/>
-        </p:spPr>
-        <p:txBody>
-          <a:bodyPr anchor="ctr">
-            <a:normAutofit/>
-          </a:bodyPr>
-          <a:lstStyle/>
-          <a:p>
-            <a:r>
-              <a:rPr lang="en-US" sz="3200" b="1" u="sng" dirty="0"/>
               <a:t>What is small fragment-based inhibitors?</a:t>
             </a:r>
           </a:p>
@@ -34444,7 +32281,7 @@
 </p:sld>
 </file>
 
-<file path=ppt/slides/slide14.xml><?xml version="1.0" encoding="utf-8"?>
+<file path=ppt/slides/slide13.xml><?xml version="1.0" encoding="utf-8"?>
 <p:sld xmlns:a="http://schemas.openxmlformats.org/drawingml/2006/main" xmlns:r="http://schemas.openxmlformats.org/officeDocument/2006/relationships" xmlns:p="http://schemas.openxmlformats.org/presentationml/2006/main" show="0">
   <p:cSld>
     <p:bg>
@@ -34831,6 +32668,357 @@
     <p:extLst>
       <p:ext uri="{BB962C8B-B14F-4D97-AF65-F5344CB8AC3E}">
         <p14:creationId xmlns:p14="http://schemas.microsoft.com/office/powerpoint/2010/main" val="2480007654"/>
+      </p:ext>
+    </p:extLst>
+  </p:cSld>
+  <p:clrMapOvr>
+    <a:masterClrMapping/>
+  </p:clrMapOvr>
+</p:sld>
+</file>
+
+<file path=ppt/slides/slide14.xml><?xml version="1.0" encoding="utf-8"?>
+<p:sld xmlns:a="http://schemas.openxmlformats.org/drawingml/2006/main" xmlns:r="http://schemas.openxmlformats.org/officeDocument/2006/relationships" xmlns:p="http://schemas.openxmlformats.org/presentationml/2006/main" show="0">
+  <p:cSld>
+    <p:bg>
+      <p:bgPr>
+        <a:blipFill rotWithShape="1">
+          <a:blip r:embed="rId3">
+            <a:duotone>
+              <a:schemeClr val="bg2">
+                <a:shade val="76000"/>
+                <a:satMod val="180000"/>
+              </a:schemeClr>
+              <a:schemeClr val="bg2">
+                <a:tint val="80000"/>
+                <a:satMod val="120000"/>
+                <a:lumMod val="180000"/>
+              </a:schemeClr>
+            </a:duotone>
+          </a:blip>
+          <a:stretch/>
+        </a:blipFill>
+        <a:effectLst/>
+      </p:bgPr>
+    </p:bg>
+    <p:spTree>
+      <p:nvGrpSpPr>
+        <p:cNvPr id="1" name=""/>
+        <p:cNvGrpSpPr/>
+        <p:nvPr/>
+      </p:nvGrpSpPr>
+      <p:grpSpPr>
+        <a:xfrm>
+          <a:off x="0" y="0"/>
+          <a:ext cx="0" cy="0"/>
+          <a:chOff x="0" y="0"/>
+          <a:chExt cx="0" cy="0"/>
+        </a:xfrm>
+      </p:grpSpPr>
+      <p:sp>
+        <p:nvSpPr>
+          <p:cNvPr id="2" name="Title 1">
+            <a:extLst>
+              <a:ext uri="{FF2B5EF4-FFF2-40B4-BE49-F238E27FC236}">
+                <a16:creationId xmlns:a16="http://schemas.microsoft.com/office/drawing/2014/main" id="{E8476F5E-8F6F-2960-0808-568FF632992E}"/>
+              </a:ext>
+            </a:extLst>
+          </p:cNvPr>
+          <p:cNvSpPr>
+            <a:spLocks noGrp="1"/>
+          </p:cNvSpPr>
+          <p:nvPr>
+            <p:ph type="title"/>
+          </p:nvPr>
+        </p:nvSpPr>
+        <p:spPr>
+          <a:effectLst/>
+        </p:spPr>
+        <p:txBody>
+          <a:bodyPr anchor="ctr">
+            <a:normAutofit/>
+          </a:bodyPr>
+          <a:lstStyle/>
+          <a:p>
+            <a:r>
+              <a:rPr lang="en-US" sz="3200" b="1" u="sng" dirty="0"/>
+              <a:t>Time-codes for project demo presentation</a:t>
+            </a:r>
+          </a:p>
+        </p:txBody>
+      </p:sp>
+      <p:sp>
+        <p:nvSpPr>
+          <p:cNvPr id="3" name="Content Placeholder 2">
+            <a:extLst>
+              <a:ext uri="{FF2B5EF4-FFF2-40B4-BE49-F238E27FC236}">
+                <a16:creationId xmlns:a16="http://schemas.microsoft.com/office/drawing/2014/main" id="{A6BC5341-A928-9BC4-FADF-88E3B7BCF038}"/>
+              </a:ext>
+            </a:extLst>
+          </p:cNvPr>
+          <p:cNvSpPr>
+            <a:spLocks noGrp="1"/>
+          </p:cNvSpPr>
+          <p:nvPr>
+            <p:ph idx="1"/>
+          </p:nvPr>
+        </p:nvSpPr>
+        <p:spPr/>
+        <p:txBody>
+          <a:bodyPr anchor="ctr">
+            <a:normAutofit fontScale="92500" lnSpcReduction="20000"/>
+          </a:bodyPr>
+          <a:lstStyle/>
+          <a:p>
+            <a:pPr marL="0" marR="0" indent="0">
+              <a:lnSpc>
+                <a:spcPct val="107000"/>
+              </a:lnSpc>
+              <a:spcBef>
+                <a:spcPts val="0"/>
+              </a:spcBef>
+              <a:spcAft>
+                <a:spcPts val="0"/>
+              </a:spcAft>
+              <a:buNone/>
+            </a:pPr>
+            <a:r>
+              <a:rPr lang="en-US" b="1" u="sng" dirty="0">
+                <a:solidFill>
+                  <a:srgbClr val="1F2328"/>
+                </a:solidFill>
+                <a:latin typeface="-apple-system"/>
+              </a:rPr>
+              <a:t>Regular User</a:t>
+            </a:r>
+          </a:p>
+          <a:p>
+            <a:pPr marL="0" marR="0">
+              <a:lnSpc>
+                <a:spcPct val="107000"/>
+              </a:lnSpc>
+              <a:spcBef>
+                <a:spcPts val="0"/>
+              </a:spcBef>
+              <a:spcAft>
+                <a:spcPts val="0"/>
+              </a:spcAft>
+            </a:pPr>
+            <a:r>
+              <a:rPr lang="en-US" dirty="0">
+                <a:solidFill>
+                  <a:srgbClr val="1F2328"/>
+                </a:solidFill>
+                <a:latin typeface="-apple-system"/>
+              </a:rPr>
+              <a:t>00:00 – 03:15: Creating a new user + login with that user + web overview + alignment example with results + user profile + logout.</a:t>
+            </a:r>
+          </a:p>
+          <a:p>
+            <a:pPr marL="0" marR="0" indent="0">
+              <a:lnSpc>
+                <a:spcPct val="107000"/>
+              </a:lnSpc>
+              <a:spcBef>
+                <a:spcPts val="0"/>
+              </a:spcBef>
+              <a:spcAft>
+                <a:spcPts val="0"/>
+              </a:spcAft>
+              <a:buNone/>
+            </a:pPr>
+            <a:r>
+              <a:rPr lang="en-US" dirty="0">
+                <a:solidFill>
+                  <a:srgbClr val="1F2328"/>
+                </a:solidFill>
+                <a:latin typeface="-apple-system"/>
+              </a:rPr>
+              <a:t> </a:t>
+            </a:r>
+          </a:p>
+          <a:p>
+            <a:pPr marL="0" marR="0" indent="0">
+              <a:lnSpc>
+                <a:spcPct val="107000"/>
+              </a:lnSpc>
+              <a:spcBef>
+                <a:spcPts val="0"/>
+              </a:spcBef>
+              <a:spcAft>
+                <a:spcPts val="0"/>
+              </a:spcAft>
+              <a:buNone/>
+            </a:pPr>
+            <a:r>
+              <a:rPr lang="en-US" b="1" u="sng" dirty="0">
+                <a:solidFill>
+                  <a:srgbClr val="1F2328"/>
+                </a:solidFill>
+                <a:latin typeface="-apple-system"/>
+              </a:rPr>
+              <a:t>Admin User</a:t>
+            </a:r>
+          </a:p>
+          <a:p>
+            <a:pPr marL="0" marR="0">
+              <a:lnSpc>
+                <a:spcPct val="107000"/>
+              </a:lnSpc>
+              <a:spcBef>
+                <a:spcPts val="0"/>
+              </a:spcBef>
+              <a:spcAft>
+                <a:spcPts val="0"/>
+              </a:spcAft>
+            </a:pPr>
+            <a:r>
+              <a:rPr lang="en-US" sz="2400" dirty="0">
+                <a:solidFill>
+                  <a:srgbClr val="1F2328"/>
+                </a:solidFill>
+                <a:latin typeface="-apple-system"/>
+              </a:rPr>
+              <a:t>03:30 – 04:20: User Management (+ dynamic paging tables view).</a:t>
+            </a:r>
+          </a:p>
+          <a:p>
+            <a:pPr marL="0" marR="0">
+              <a:lnSpc>
+                <a:spcPct val="107000"/>
+              </a:lnSpc>
+              <a:spcBef>
+                <a:spcPts val="0"/>
+              </a:spcBef>
+              <a:spcAft>
+                <a:spcPts val="0"/>
+              </a:spcAft>
+            </a:pPr>
+            <a:r>
+              <a:rPr lang="en-US" dirty="0">
+                <a:solidFill>
+                  <a:srgbClr val="1F2328"/>
+                </a:solidFill>
+                <a:latin typeface="-apple-system"/>
+              </a:rPr>
+              <a:t>04:25 – 04:35: Statistics.</a:t>
+            </a:r>
+          </a:p>
+          <a:p>
+            <a:pPr marL="0" marR="0">
+              <a:lnSpc>
+                <a:spcPct val="107000"/>
+              </a:lnSpc>
+              <a:spcBef>
+                <a:spcPts val="0"/>
+              </a:spcBef>
+              <a:spcAft>
+                <a:spcPts val="0"/>
+              </a:spcAft>
+            </a:pPr>
+            <a:r>
+              <a:rPr lang="en-US" dirty="0">
+                <a:solidFill>
+                  <a:srgbClr val="1F2328"/>
+                </a:solidFill>
+                <a:latin typeface="-apple-system"/>
+              </a:rPr>
+              <a:t>04:35 – 06:40</a:t>
+            </a:r>
+            <a:r>
+              <a:rPr lang="en-US" sz="2400" dirty="0">
+                <a:solidFill>
+                  <a:srgbClr val="1F2328"/>
+                </a:solidFill>
+                <a:latin typeface="-apple-system"/>
+              </a:rPr>
+              <a:t>: Algorithm Runs.</a:t>
+            </a:r>
+          </a:p>
+          <a:p>
+            <a:pPr marL="0" marR="0">
+              <a:lnSpc>
+                <a:spcPct val="107000"/>
+              </a:lnSpc>
+              <a:spcBef>
+                <a:spcPts val="0"/>
+              </a:spcBef>
+              <a:spcAft>
+                <a:spcPts val="0"/>
+              </a:spcAft>
+            </a:pPr>
+            <a:r>
+              <a:rPr lang="en-US" dirty="0">
+                <a:solidFill>
+                  <a:srgbClr val="1F2328"/>
+                </a:solidFill>
+                <a:latin typeface="-apple-system"/>
+              </a:rPr>
+              <a:t>06:40 – 08:15:</a:t>
+            </a:r>
+            <a:r>
+              <a:rPr lang="en-US" sz="2400" dirty="0">
+                <a:solidFill>
+                  <a:srgbClr val="1F2328"/>
+                </a:solidFill>
+                <a:latin typeface="-apple-system"/>
+              </a:rPr>
+              <a:t> Runs Results.</a:t>
+            </a:r>
+          </a:p>
+          <a:p>
+            <a:pPr marL="0" marR="0">
+              <a:lnSpc>
+                <a:spcPct val="107000"/>
+              </a:lnSpc>
+              <a:spcBef>
+                <a:spcPts val="0"/>
+              </a:spcBef>
+              <a:spcAft>
+                <a:spcPts val="0"/>
+              </a:spcAft>
+            </a:pPr>
+            <a:r>
+              <a:rPr lang="en-US" dirty="0">
+                <a:solidFill>
+                  <a:srgbClr val="1F2328"/>
+                </a:solidFill>
+                <a:latin typeface="-apple-system"/>
+              </a:rPr>
+              <a:t>08:20 – 09:20: Tests.</a:t>
+            </a:r>
+            <a:endParaRPr lang="en-US" sz="2400" dirty="0">
+              <a:solidFill>
+                <a:srgbClr val="1F2328"/>
+              </a:solidFill>
+              <a:latin typeface="-apple-system"/>
+            </a:endParaRPr>
+          </a:p>
+          <a:p>
+            <a:pPr marL="0" marR="0">
+              <a:lnSpc>
+                <a:spcPct val="107000"/>
+              </a:lnSpc>
+              <a:spcBef>
+                <a:spcPts val="0"/>
+              </a:spcBef>
+              <a:spcAft>
+                <a:spcPts val="0"/>
+              </a:spcAft>
+            </a:pPr>
+            <a:endParaRPr lang="en-US" dirty="0">
+              <a:solidFill>
+                <a:srgbClr val="1F2328"/>
+              </a:solidFill>
+              <a:latin typeface="-apple-system"/>
+            </a:endParaRPr>
+          </a:p>
+        </p:txBody>
+      </p:sp>
+    </p:spTree>
+    <p:extLst>
+      <p:ext uri="{BB962C8B-B14F-4D97-AF65-F5344CB8AC3E}">
+        <p14:creationId xmlns:p14="http://schemas.microsoft.com/office/powerpoint/2010/main" val="2785329655"/>
       </p:ext>
     </p:extLst>
   </p:cSld>
@@ -36056,6 +34244,1179 @@
           <a:chExt cx="0" cy="0"/>
         </a:xfrm>
       </p:grpSpPr>
+      <p:sp useBgFill="1">
+        <p:nvSpPr>
+          <p:cNvPr id="9" name="Rectangle 8">
+            <a:extLst>
+              <a:ext uri="{FF2B5EF4-FFF2-40B4-BE49-F238E27FC236}">
+                <a16:creationId xmlns:a16="http://schemas.microsoft.com/office/drawing/2014/main" id="{85428F22-76B3-4107-AADE-3F9EC95FD325}"/>
+              </a:ext>
+              <a:ext uri="{C183D7F6-B498-43B3-948B-1728B52AA6E4}">
+                <adec:decorative xmlns:adec="http://schemas.microsoft.com/office/drawing/2017/decorative" val="1"/>
+              </a:ext>
+            </a:extLst>
+          </p:cNvPr>
+          <p:cNvSpPr>
+            <a:spLocks noGrp="1" noRot="1" noChangeAspect="1" noMove="1" noResize="1" noEditPoints="1" noAdjustHandles="1" noChangeArrowheads="1" noChangeShapeType="1" noTextEdit="1"/>
+          </p:cNvSpPr>
+          <p:nvPr>
+            <p:extLst>
+              <p:ext uri="{386F3935-93C4-4BCD-93E2-E3B085C9AB24}">
+                <p16:designElem xmlns:p16="http://schemas.microsoft.com/office/powerpoint/2015/main" val="1"/>
+              </p:ext>
+            </p:extLst>
+          </p:nvPr>
+        </p:nvSpPr>
+        <p:spPr>
+          <a:xfrm>
+            <a:off x="0" y="0"/>
+            <a:ext cx="12192000" cy="6858000"/>
+          </a:xfrm>
+          <a:prstGeom prst="rect">
+            <a:avLst/>
+          </a:prstGeom>
+          <a:ln>
+            <a:noFill/>
+          </a:ln>
+        </p:spPr>
+        <p:style>
+          <a:lnRef idx="2">
+            <a:schemeClr val="accent1">
+              <a:shade val="50000"/>
+            </a:schemeClr>
+          </a:lnRef>
+          <a:fillRef idx="1">
+            <a:schemeClr val="accent1"/>
+          </a:fillRef>
+          <a:effectRef idx="0">
+            <a:schemeClr val="accent1"/>
+          </a:effectRef>
+          <a:fontRef idx="minor">
+            <a:schemeClr val="lt1"/>
+          </a:fontRef>
+        </p:style>
+        <p:txBody>
+          <a:bodyPr rtlCol="0" anchor="ctr"/>
+          <a:lstStyle/>
+          <a:p>
+            <a:pPr algn="ctr"/>
+            <a:endParaRPr lang="en-US"/>
+          </a:p>
+        </p:txBody>
+      </p:sp>
+      <p:grpSp>
+        <p:nvGrpSpPr>
+          <p:cNvPr id="11" name="Group 10">
+            <a:extLst>
+              <a:ext uri="{FF2B5EF4-FFF2-40B4-BE49-F238E27FC236}">
+                <a16:creationId xmlns:a16="http://schemas.microsoft.com/office/drawing/2014/main" id="{5346FBCF-5353-4172-96F5-4B7EB07777C4}"/>
+              </a:ext>
+              <a:ext uri="{C183D7F6-B498-43B3-948B-1728B52AA6E4}">
+                <adec:decorative xmlns:adec="http://schemas.microsoft.com/office/drawing/2017/decorative" val="1"/>
+              </a:ext>
+            </a:extLst>
+          </p:cNvPr>
+          <p:cNvGrpSpPr>
+            <a:grpSpLocks noGrp="1" noUngrp="1" noRot="1" noChangeAspect="1" noMove="1" noResize="1"/>
+          </p:cNvGrpSpPr>
+          <p:nvPr>
+            <p:extLst>
+              <p:ext uri="{386F3935-93C4-4BCD-93E2-E3B085C9AB24}">
+                <p16:designElem xmlns:p16="http://schemas.microsoft.com/office/powerpoint/2015/main" val="1"/>
+              </p:ext>
+            </p:extLst>
+          </p:nvPr>
+        </p:nvGrpSpPr>
+        <p:grpSpPr>
+          <a:xfrm>
+            <a:off x="2290265" y="-12875"/>
+            <a:ext cx="2604396" cy="6890194"/>
+            <a:chOff x="2199787" y="-12875"/>
+            <a:chExt cx="2679011" cy="6890194"/>
+          </a:xfrm>
+        </p:grpSpPr>
+        <p:sp useBgFill="1">
+          <p:nvSpPr>
+            <p:cNvPr id="12" name="Rectangle 19">
+              <a:extLst>
+                <a:ext uri="{FF2B5EF4-FFF2-40B4-BE49-F238E27FC236}">
+                  <a16:creationId xmlns:a16="http://schemas.microsoft.com/office/drawing/2014/main" id="{343F3E6D-808D-43AD-9485-AD0014BEAE2A}"/>
+                </a:ext>
+                <a:ext uri="{C183D7F6-B498-43B3-948B-1728B52AA6E4}">
+                  <adec:decorative xmlns:adec="http://schemas.microsoft.com/office/drawing/2017/decorative" val="1"/>
+                </a:ext>
+              </a:extLst>
+            </p:cNvPr>
+            <p:cNvSpPr/>
+            <p:nvPr>
+              <p:extLst>
+                <p:ext uri="{386F3935-93C4-4BCD-93E2-E3B085C9AB24}">
+                  <p16:designElem xmlns:p16="http://schemas.microsoft.com/office/powerpoint/2015/main" val="1"/>
+                </p:ext>
+              </p:extLst>
+            </p:nvPr>
+          </p:nvSpPr>
+          <p:spPr bwMode="white">
+            <a:xfrm>
+              <a:off x="2199787" y="-12875"/>
+              <a:ext cx="2679011" cy="5301468"/>
+            </a:xfrm>
+            <a:custGeom>
+              <a:avLst/>
+              <a:gdLst>
+                <a:gd name="connsiteX0" fmla="*/ 0 w 2570017"/>
+                <a:gd name="connsiteY0" fmla="*/ 0 h 2554287"/>
+                <a:gd name="connsiteX1" fmla="*/ 2570017 w 2570017"/>
+                <a:gd name="connsiteY1" fmla="*/ 0 h 2554287"/>
+                <a:gd name="connsiteX2" fmla="*/ 2570017 w 2570017"/>
+                <a:gd name="connsiteY2" fmla="*/ 2554287 h 2554287"/>
+                <a:gd name="connsiteX3" fmla="*/ 0 w 2570017"/>
+                <a:gd name="connsiteY3" fmla="*/ 2554287 h 2554287"/>
+                <a:gd name="connsiteX4" fmla="*/ 0 w 2570017"/>
+                <a:gd name="connsiteY4" fmla="*/ 0 h 2554287"/>
+                <a:gd name="connsiteX0" fmla="*/ 904009 w 2570017"/>
+                <a:gd name="connsiteY0" fmla="*/ 0 h 2554287"/>
+                <a:gd name="connsiteX1" fmla="*/ 2570017 w 2570017"/>
+                <a:gd name="connsiteY1" fmla="*/ 0 h 2554287"/>
+                <a:gd name="connsiteX2" fmla="*/ 2570017 w 2570017"/>
+                <a:gd name="connsiteY2" fmla="*/ 2554287 h 2554287"/>
+                <a:gd name="connsiteX3" fmla="*/ 0 w 2570017"/>
+                <a:gd name="connsiteY3" fmla="*/ 2554287 h 2554287"/>
+                <a:gd name="connsiteX4" fmla="*/ 904009 w 2570017"/>
+                <a:gd name="connsiteY4" fmla="*/ 0 h 2554287"/>
+                <a:gd name="connsiteX0" fmla="*/ 644236 w 2570017"/>
+                <a:gd name="connsiteY0" fmla="*/ 10391 h 2554287"/>
+                <a:gd name="connsiteX1" fmla="*/ 2570017 w 2570017"/>
+                <a:gd name="connsiteY1" fmla="*/ 0 h 2554287"/>
+                <a:gd name="connsiteX2" fmla="*/ 2570017 w 2570017"/>
+                <a:gd name="connsiteY2" fmla="*/ 2554287 h 2554287"/>
+                <a:gd name="connsiteX3" fmla="*/ 0 w 2570017"/>
+                <a:gd name="connsiteY3" fmla="*/ 2554287 h 2554287"/>
+                <a:gd name="connsiteX4" fmla="*/ 644236 w 2570017"/>
+                <a:gd name="connsiteY4" fmla="*/ 10391 h 2554287"/>
+                <a:gd name="connsiteX0" fmla="*/ 633845 w 2570017"/>
+                <a:gd name="connsiteY0" fmla="*/ 0 h 2554287"/>
+                <a:gd name="connsiteX1" fmla="*/ 2570017 w 2570017"/>
+                <a:gd name="connsiteY1" fmla="*/ 0 h 2554287"/>
+                <a:gd name="connsiteX2" fmla="*/ 2570017 w 2570017"/>
+                <a:gd name="connsiteY2" fmla="*/ 2554287 h 2554287"/>
+                <a:gd name="connsiteX3" fmla="*/ 0 w 2570017"/>
+                <a:gd name="connsiteY3" fmla="*/ 2554287 h 2554287"/>
+                <a:gd name="connsiteX4" fmla="*/ 633845 w 2570017"/>
+                <a:gd name="connsiteY4" fmla="*/ 0 h 2554287"/>
+                <a:gd name="connsiteX0" fmla="*/ 675409 w 2611581"/>
+                <a:gd name="connsiteY0" fmla="*/ 0 h 2554287"/>
+                <a:gd name="connsiteX1" fmla="*/ 2611581 w 2611581"/>
+                <a:gd name="connsiteY1" fmla="*/ 0 h 2554287"/>
+                <a:gd name="connsiteX2" fmla="*/ 2611581 w 2611581"/>
+                <a:gd name="connsiteY2" fmla="*/ 2554287 h 2554287"/>
+                <a:gd name="connsiteX3" fmla="*/ 0 w 2611581"/>
+                <a:gd name="connsiteY3" fmla="*/ 2554287 h 2554287"/>
+                <a:gd name="connsiteX4" fmla="*/ 675409 w 2611581"/>
+                <a:gd name="connsiteY4" fmla="*/ 0 h 2554287"/>
+                <a:gd name="connsiteX0" fmla="*/ 650979 w 2587151"/>
+                <a:gd name="connsiteY0" fmla="*/ 0 h 2554287"/>
+                <a:gd name="connsiteX1" fmla="*/ 2587151 w 2587151"/>
+                <a:gd name="connsiteY1" fmla="*/ 0 h 2554287"/>
+                <a:gd name="connsiteX2" fmla="*/ 2587151 w 2587151"/>
+                <a:gd name="connsiteY2" fmla="*/ 2554287 h 2554287"/>
+                <a:gd name="connsiteX3" fmla="*/ 0 w 2587151"/>
+                <a:gd name="connsiteY3" fmla="*/ 2548595 h 2554287"/>
+                <a:gd name="connsiteX4" fmla="*/ 650979 w 2587151"/>
+                <a:gd name="connsiteY4" fmla="*/ 0 h 2554287"/>
+                <a:gd name="connsiteX0" fmla="*/ 730379 w 2587151"/>
+                <a:gd name="connsiteY0" fmla="*/ 5692 h 2554287"/>
+                <a:gd name="connsiteX1" fmla="*/ 2587151 w 2587151"/>
+                <a:gd name="connsiteY1" fmla="*/ 0 h 2554287"/>
+                <a:gd name="connsiteX2" fmla="*/ 2587151 w 2587151"/>
+                <a:gd name="connsiteY2" fmla="*/ 2554287 h 2554287"/>
+                <a:gd name="connsiteX3" fmla="*/ 0 w 2587151"/>
+                <a:gd name="connsiteY3" fmla="*/ 2548595 h 2554287"/>
+                <a:gd name="connsiteX4" fmla="*/ 730379 w 2587151"/>
+                <a:gd name="connsiteY4" fmla="*/ 5692 h 2554287"/>
+                <a:gd name="connsiteX0" fmla="*/ 864750 w 2587151"/>
+                <a:gd name="connsiteY0" fmla="*/ 2847 h 2554287"/>
+                <a:gd name="connsiteX1" fmla="*/ 2587151 w 2587151"/>
+                <a:gd name="connsiteY1" fmla="*/ 0 h 2554287"/>
+                <a:gd name="connsiteX2" fmla="*/ 2587151 w 2587151"/>
+                <a:gd name="connsiteY2" fmla="*/ 2554287 h 2554287"/>
+                <a:gd name="connsiteX3" fmla="*/ 0 w 2587151"/>
+                <a:gd name="connsiteY3" fmla="*/ 2548595 h 2554287"/>
+                <a:gd name="connsiteX4" fmla="*/ 864750 w 2587151"/>
+                <a:gd name="connsiteY4" fmla="*/ 2847 h 2554287"/>
+                <a:gd name="connsiteX0" fmla="*/ 883073 w 2587151"/>
+                <a:gd name="connsiteY0" fmla="*/ 1 h 2554287"/>
+                <a:gd name="connsiteX1" fmla="*/ 2587151 w 2587151"/>
+                <a:gd name="connsiteY1" fmla="*/ 0 h 2554287"/>
+                <a:gd name="connsiteX2" fmla="*/ 2587151 w 2587151"/>
+                <a:gd name="connsiteY2" fmla="*/ 2554287 h 2554287"/>
+                <a:gd name="connsiteX3" fmla="*/ 0 w 2587151"/>
+                <a:gd name="connsiteY3" fmla="*/ 2548595 h 2554287"/>
+                <a:gd name="connsiteX4" fmla="*/ 883073 w 2587151"/>
+                <a:gd name="connsiteY4" fmla="*/ 1 h 2554287"/>
+                <a:gd name="connsiteX0" fmla="*/ 895288 w 2599366"/>
+                <a:gd name="connsiteY0" fmla="*/ 1 h 2554287"/>
+                <a:gd name="connsiteX1" fmla="*/ 2599366 w 2599366"/>
+                <a:gd name="connsiteY1" fmla="*/ 0 h 2554287"/>
+                <a:gd name="connsiteX2" fmla="*/ 2599366 w 2599366"/>
+                <a:gd name="connsiteY2" fmla="*/ 2554287 h 2554287"/>
+                <a:gd name="connsiteX3" fmla="*/ 0 w 2599366"/>
+                <a:gd name="connsiteY3" fmla="*/ 2542904 h 2554287"/>
+                <a:gd name="connsiteX4" fmla="*/ 895288 w 2599366"/>
+                <a:gd name="connsiteY4" fmla="*/ 1 h 2554287"/>
+                <a:gd name="connsiteX0" fmla="*/ 895288 w 2599366"/>
+                <a:gd name="connsiteY0" fmla="*/ 1 h 2554287"/>
+                <a:gd name="connsiteX1" fmla="*/ 2599366 w 2599366"/>
+                <a:gd name="connsiteY1" fmla="*/ 0 h 2554287"/>
+                <a:gd name="connsiteX2" fmla="*/ 2599366 w 2599366"/>
+                <a:gd name="connsiteY2" fmla="*/ 2554287 h 2554287"/>
+                <a:gd name="connsiteX3" fmla="*/ 0 w 2599366"/>
+                <a:gd name="connsiteY3" fmla="*/ 2542904 h 2554287"/>
+                <a:gd name="connsiteX4" fmla="*/ 895288 w 2599366"/>
+                <a:gd name="connsiteY4" fmla="*/ 1 h 2554287"/>
+                <a:gd name="connsiteX0" fmla="*/ 895288 w 2611581"/>
+                <a:gd name="connsiteY0" fmla="*/ 1 h 2565670"/>
+                <a:gd name="connsiteX1" fmla="*/ 2599366 w 2611581"/>
+                <a:gd name="connsiteY1" fmla="*/ 0 h 2565670"/>
+                <a:gd name="connsiteX2" fmla="*/ 2611581 w 2611581"/>
+                <a:gd name="connsiteY2" fmla="*/ 2565670 h 2565670"/>
+                <a:gd name="connsiteX3" fmla="*/ 0 w 2611581"/>
+                <a:gd name="connsiteY3" fmla="*/ 2542904 h 2565670"/>
+                <a:gd name="connsiteX4" fmla="*/ 895288 w 2611581"/>
+                <a:gd name="connsiteY4" fmla="*/ 1 h 2565670"/>
+                <a:gd name="connsiteX0" fmla="*/ 895288 w 2611581"/>
+                <a:gd name="connsiteY0" fmla="*/ 1 h 2565670"/>
+                <a:gd name="connsiteX1" fmla="*/ 2599366 w 2611581"/>
+                <a:gd name="connsiteY1" fmla="*/ 0 h 2565670"/>
+                <a:gd name="connsiteX2" fmla="*/ 2611581 w 2611581"/>
+                <a:gd name="connsiteY2" fmla="*/ 2565670 h 2565670"/>
+                <a:gd name="connsiteX3" fmla="*/ 0 w 2611581"/>
+                <a:gd name="connsiteY3" fmla="*/ 2542904 h 2565670"/>
+                <a:gd name="connsiteX4" fmla="*/ 895288 w 2611581"/>
+                <a:gd name="connsiteY4" fmla="*/ 1 h 2565670"/>
+                <a:gd name="connsiteX0" fmla="*/ 895288 w 2611581"/>
+                <a:gd name="connsiteY0" fmla="*/ 1 h 2565670"/>
+                <a:gd name="connsiteX1" fmla="*/ 2599366 w 2611581"/>
+                <a:gd name="connsiteY1" fmla="*/ 0 h 2565670"/>
+                <a:gd name="connsiteX2" fmla="*/ 2611581 w 2611581"/>
+                <a:gd name="connsiteY2" fmla="*/ 2565670 h 2565670"/>
+                <a:gd name="connsiteX3" fmla="*/ 0 w 2611581"/>
+                <a:gd name="connsiteY3" fmla="*/ 2545750 h 2565670"/>
+                <a:gd name="connsiteX4" fmla="*/ 895288 w 2611581"/>
+                <a:gd name="connsiteY4" fmla="*/ 1 h 2565670"/>
+                <a:gd name="connsiteX0" fmla="*/ 1544433 w 3260726"/>
+                <a:gd name="connsiteY0" fmla="*/ 1 h 2565670"/>
+                <a:gd name="connsiteX1" fmla="*/ 3248511 w 3260726"/>
+                <a:gd name="connsiteY1" fmla="*/ 0 h 2565670"/>
+                <a:gd name="connsiteX2" fmla="*/ 3260726 w 3260726"/>
+                <a:gd name="connsiteY2" fmla="*/ 2565670 h 2565670"/>
+                <a:gd name="connsiteX3" fmla="*/ 0 w 3260726"/>
+                <a:gd name="connsiteY3" fmla="*/ 2521058 h 2565670"/>
+                <a:gd name="connsiteX4" fmla="*/ 1544433 w 3260726"/>
+                <a:gd name="connsiteY4" fmla="*/ 1 h 2565670"/>
+                <a:gd name="connsiteX0" fmla="*/ 921784 w 3260726"/>
+                <a:gd name="connsiteY0" fmla="*/ 12347 h 2565670"/>
+                <a:gd name="connsiteX1" fmla="*/ 3248511 w 3260726"/>
+                <a:gd name="connsiteY1" fmla="*/ 0 h 2565670"/>
+                <a:gd name="connsiteX2" fmla="*/ 3260726 w 3260726"/>
+                <a:gd name="connsiteY2" fmla="*/ 2565670 h 2565670"/>
+                <a:gd name="connsiteX3" fmla="*/ 0 w 3260726"/>
+                <a:gd name="connsiteY3" fmla="*/ 2521058 h 2565670"/>
+                <a:gd name="connsiteX4" fmla="*/ 921784 w 3260726"/>
+                <a:gd name="connsiteY4" fmla="*/ 12347 h 2565670"/>
+                <a:gd name="connsiteX0" fmla="*/ 921784 w 3260726"/>
+                <a:gd name="connsiteY0" fmla="*/ 12347 h 2565670"/>
+                <a:gd name="connsiteX1" fmla="*/ 2321160 w 3260726"/>
+                <a:gd name="connsiteY1" fmla="*/ 0 h 2565670"/>
+                <a:gd name="connsiteX2" fmla="*/ 3260726 w 3260726"/>
+                <a:gd name="connsiteY2" fmla="*/ 2565670 h 2565670"/>
+                <a:gd name="connsiteX3" fmla="*/ 0 w 3260726"/>
+                <a:gd name="connsiteY3" fmla="*/ 2521058 h 2565670"/>
+                <a:gd name="connsiteX4" fmla="*/ 921784 w 3260726"/>
+                <a:gd name="connsiteY4" fmla="*/ 12347 h 2565670"/>
+                <a:gd name="connsiteX0" fmla="*/ 921784 w 2322228"/>
+                <a:gd name="connsiteY0" fmla="*/ 12347 h 2565670"/>
+                <a:gd name="connsiteX1" fmla="*/ 2321160 w 2322228"/>
+                <a:gd name="connsiteY1" fmla="*/ 0 h 2565670"/>
+                <a:gd name="connsiteX2" fmla="*/ 2320129 w 2322228"/>
+                <a:gd name="connsiteY2" fmla="*/ 2565670 h 2565670"/>
+                <a:gd name="connsiteX3" fmla="*/ 0 w 2322228"/>
+                <a:gd name="connsiteY3" fmla="*/ 2521058 h 2565670"/>
+                <a:gd name="connsiteX4" fmla="*/ 921784 w 2322228"/>
+                <a:gd name="connsiteY4" fmla="*/ 12347 h 2565670"/>
+                <a:gd name="connsiteX0" fmla="*/ 921784 w 2322228"/>
+                <a:gd name="connsiteY0" fmla="*/ 0 h 2571841"/>
+                <a:gd name="connsiteX1" fmla="*/ 2321160 w 2322228"/>
+                <a:gd name="connsiteY1" fmla="*/ 6171 h 2571841"/>
+                <a:gd name="connsiteX2" fmla="*/ 2320129 w 2322228"/>
+                <a:gd name="connsiteY2" fmla="*/ 2571841 h 2571841"/>
+                <a:gd name="connsiteX3" fmla="*/ 0 w 2322228"/>
+                <a:gd name="connsiteY3" fmla="*/ 2527229 h 2571841"/>
+                <a:gd name="connsiteX4" fmla="*/ 921784 w 2322228"/>
+                <a:gd name="connsiteY4" fmla="*/ 0 h 2571841"/>
+                <a:gd name="connsiteX0" fmla="*/ 921784 w 2611583"/>
+                <a:gd name="connsiteY0" fmla="*/ 0 h 2540977"/>
+                <a:gd name="connsiteX1" fmla="*/ 2321160 w 2611583"/>
+                <a:gd name="connsiteY1" fmla="*/ 6171 h 2540977"/>
+                <a:gd name="connsiteX2" fmla="*/ 2611583 w 2611583"/>
+                <a:gd name="connsiteY2" fmla="*/ 2540977 h 2540977"/>
+                <a:gd name="connsiteX3" fmla="*/ 0 w 2611583"/>
+                <a:gd name="connsiteY3" fmla="*/ 2527229 h 2540977"/>
+                <a:gd name="connsiteX4" fmla="*/ 921784 w 2611583"/>
+                <a:gd name="connsiteY4" fmla="*/ 0 h 2540977"/>
+                <a:gd name="connsiteX0" fmla="*/ 921784 w 2611583"/>
+                <a:gd name="connsiteY0" fmla="*/ 2 h 2540979"/>
+                <a:gd name="connsiteX1" fmla="*/ 2572870 w 2611583"/>
+                <a:gd name="connsiteY1" fmla="*/ 0 h 2540979"/>
+                <a:gd name="connsiteX2" fmla="*/ 2611583 w 2611583"/>
+                <a:gd name="connsiteY2" fmla="*/ 2540979 h 2540979"/>
+                <a:gd name="connsiteX3" fmla="*/ 0 w 2611583"/>
+                <a:gd name="connsiteY3" fmla="*/ 2527231 h 2540979"/>
+                <a:gd name="connsiteX4" fmla="*/ 921784 w 2611583"/>
+                <a:gd name="connsiteY4" fmla="*/ 2 h 2540979"/>
+                <a:gd name="connsiteX0" fmla="*/ 921784 w 2705467"/>
+                <a:gd name="connsiteY0" fmla="*/ 0 h 2540977"/>
+                <a:gd name="connsiteX1" fmla="*/ 2705349 w 2705467"/>
+                <a:gd name="connsiteY1" fmla="*/ 6171 h 2540977"/>
+                <a:gd name="connsiteX2" fmla="*/ 2611583 w 2705467"/>
+                <a:gd name="connsiteY2" fmla="*/ 2540977 h 2540977"/>
+                <a:gd name="connsiteX3" fmla="*/ 0 w 2705467"/>
+                <a:gd name="connsiteY3" fmla="*/ 2527229 h 2540977"/>
+                <a:gd name="connsiteX4" fmla="*/ 921784 w 2705467"/>
+                <a:gd name="connsiteY4" fmla="*/ 0 h 2540977"/>
+                <a:gd name="connsiteX0" fmla="*/ 921784 w 2718702"/>
+                <a:gd name="connsiteY0" fmla="*/ 2 h 2540979"/>
+                <a:gd name="connsiteX1" fmla="*/ 2718597 w 2718702"/>
+                <a:gd name="connsiteY1" fmla="*/ 0 h 2540979"/>
+                <a:gd name="connsiteX2" fmla="*/ 2611583 w 2718702"/>
+                <a:gd name="connsiteY2" fmla="*/ 2540979 h 2540979"/>
+                <a:gd name="connsiteX3" fmla="*/ 0 w 2718702"/>
+                <a:gd name="connsiteY3" fmla="*/ 2527231 h 2540979"/>
+                <a:gd name="connsiteX4" fmla="*/ 921784 w 2718702"/>
+                <a:gd name="connsiteY4" fmla="*/ 2 h 2540979"/>
+                <a:gd name="connsiteX0" fmla="*/ 921784 w 2679012"/>
+                <a:gd name="connsiteY0" fmla="*/ 0 h 2540977"/>
+                <a:gd name="connsiteX1" fmla="*/ 2678853 w 2679012"/>
+                <a:gd name="connsiteY1" fmla="*/ 6171 h 2540977"/>
+                <a:gd name="connsiteX2" fmla="*/ 2611583 w 2679012"/>
+                <a:gd name="connsiteY2" fmla="*/ 2540977 h 2540977"/>
+                <a:gd name="connsiteX3" fmla="*/ 0 w 2679012"/>
+                <a:gd name="connsiteY3" fmla="*/ 2527229 h 2540977"/>
+                <a:gd name="connsiteX4" fmla="*/ 921784 w 2679012"/>
+                <a:gd name="connsiteY4" fmla="*/ 0 h 2540977"/>
+              </a:gdLst>
+              <a:ahLst/>
+              <a:cxnLst>
+                <a:cxn ang="0">
+                  <a:pos x="connsiteX0" y="connsiteY0"/>
+                </a:cxn>
+                <a:cxn ang="0">
+                  <a:pos x="connsiteX1" y="connsiteY1"/>
+                </a:cxn>
+                <a:cxn ang="0">
+                  <a:pos x="connsiteX2" y="connsiteY2"/>
+                </a:cxn>
+                <a:cxn ang="0">
+                  <a:pos x="connsiteX3" y="connsiteY3"/>
+                </a:cxn>
+                <a:cxn ang="0">
+                  <a:pos x="connsiteX4" y="connsiteY4"/>
+                </a:cxn>
+              </a:cxnLst>
+              <a:rect l="l" t="t" r="r" b="b"/>
+              <a:pathLst>
+                <a:path w="2679012" h="2540977">
+                  <a:moveTo>
+                    <a:pt x="921784" y="0"/>
+                  </a:moveTo>
+                  <a:lnTo>
+                    <a:pt x="2678853" y="6171"/>
+                  </a:lnTo>
+                  <a:cubicBezTo>
+                    <a:pt x="2682925" y="861394"/>
+                    <a:pt x="2607511" y="1685754"/>
+                    <a:pt x="2611583" y="2540977"/>
+                  </a:cubicBezTo>
+                  <a:lnTo>
+                    <a:pt x="0" y="2527229"/>
+                  </a:lnTo>
+                  <a:lnTo>
+                    <a:pt x="921784" y="0"/>
+                  </a:lnTo>
+                  <a:close/>
+                </a:path>
+              </a:pathLst>
+            </a:custGeom>
+            <a:blipFill rotWithShape="0">
+              <a:blip r:embed="rId3">
+                <a:duotone>
+                  <a:schemeClr val="bg2">
+                    <a:shade val="76000"/>
+                    <a:satMod val="180000"/>
+                  </a:schemeClr>
+                  <a:schemeClr val="bg2">
+                    <a:tint val="80000"/>
+                    <a:satMod val="120000"/>
+                    <a:lumMod val="180000"/>
+                  </a:schemeClr>
+                </a:duotone>
+              </a:blip>
+              <a:stretch>
+                <a:fillRect l="-114598" r="-265621" b="-28686"/>
+              </a:stretch>
+            </a:blipFill>
+            <a:ln>
+              <a:noFill/>
+            </a:ln>
+          </p:spPr>
+          <p:style>
+            <a:lnRef idx="2">
+              <a:schemeClr val="accent1">
+                <a:shade val="50000"/>
+              </a:schemeClr>
+            </a:lnRef>
+            <a:fillRef idx="1">
+              <a:schemeClr val="accent1"/>
+            </a:fillRef>
+            <a:effectRef idx="0">
+              <a:schemeClr val="accent1"/>
+            </a:effectRef>
+            <a:fontRef idx="minor">
+              <a:schemeClr val="lt1"/>
+            </a:fontRef>
+          </p:style>
+          <p:txBody>
+            <a:bodyPr rtlCol="0" anchor="ctr"/>
+            <a:lstStyle/>
+            <a:p>
+              <a:pPr algn="ctr"/>
+              <a:endParaRPr lang="en-US"/>
+            </a:p>
+          </p:txBody>
+        </p:sp>
+        <p:sp useBgFill="1">
+          <p:nvSpPr>
+            <p:cNvPr id="13" name="Rectangle 20">
+              <a:extLst>
+                <a:ext uri="{FF2B5EF4-FFF2-40B4-BE49-F238E27FC236}">
+                  <a16:creationId xmlns:a16="http://schemas.microsoft.com/office/drawing/2014/main" id="{03DB1AC6-5430-4CD3-BD83-86E675A11A3F}"/>
+                </a:ext>
+                <a:ext uri="{C183D7F6-B498-43B3-948B-1728B52AA6E4}">
+                  <adec:decorative xmlns:adec="http://schemas.microsoft.com/office/drawing/2017/decorative" val="1"/>
+                </a:ext>
+              </a:extLst>
+            </p:cNvPr>
+            <p:cNvSpPr/>
+            <p:nvPr>
+              <p:extLst>
+                <p:ext uri="{386F3935-93C4-4BCD-93E2-E3B085C9AB24}">
+                  <p16:designElem xmlns:p16="http://schemas.microsoft.com/office/powerpoint/2015/main" val="1"/>
+                </p:ext>
+              </p:extLst>
+            </p:nvPr>
+          </p:nvSpPr>
+          <p:spPr bwMode="white">
+            <a:xfrm>
+              <a:off x="2211875" y="5257482"/>
+              <a:ext cx="2586931" cy="1619837"/>
+            </a:xfrm>
+            <a:custGeom>
+              <a:avLst/>
+              <a:gdLst>
+                <a:gd name="connsiteX0" fmla="*/ 0 w 2611581"/>
+                <a:gd name="connsiteY0" fmla="*/ 0 h 4303713"/>
+                <a:gd name="connsiteX1" fmla="*/ 2611581 w 2611581"/>
+                <a:gd name="connsiteY1" fmla="*/ 0 h 4303713"/>
+                <a:gd name="connsiteX2" fmla="*/ 2611581 w 2611581"/>
+                <a:gd name="connsiteY2" fmla="*/ 4303713 h 4303713"/>
+                <a:gd name="connsiteX3" fmla="*/ 0 w 2611581"/>
+                <a:gd name="connsiteY3" fmla="*/ 4303713 h 4303713"/>
+                <a:gd name="connsiteX4" fmla="*/ 0 w 2611581"/>
+                <a:gd name="connsiteY4" fmla="*/ 0 h 4303713"/>
+                <a:gd name="connsiteX0" fmla="*/ 0 w 2611581"/>
+                <a:gd name="connsiteY0" fmla="*/ 0 h 4314104"/>
+                <a:gd name="connsiteX1" fmla="*/ 2611581 w 2611581"/>
+                <a:gd name="connsiteY1" fmla="*/ 0 h 4314104"/>
+                <a:gd name="connsiteX2" fmla="*/ 2611581 w 2611581"/>
+                <a:gd name="connsiteY2" fmla="*/ 4303713 h 4314104"/>
+                <a:gd name="connsiteX3" fmla="*/ 1693718 w 2611581"/>
+                <a:gd name="connsiteY3" fmla="*/ 4314104 h 4314104"/>
+                <a:gd name="connsiteX4" fmla="*/ 0 w 2611581"/>
+                <a:gd name="connsiteY4" fmla="*/ 0 h 4314104"/>
+                <a:gd name="connsiteX0" fmla="*/ 0 w 2611581"/>
+                <a:gd name="connsiteY0" fmla="*/ 0 h 4314104"/>
+                <a:gd name="connsiteX1" fmla="*/ 2611581 w 2611581"/>
+                <a:gd name="connsiteY1" fmla="*/ 0 h 4314104"/>
+                <a:gd name="connsiteX2" fmla="*/ 2611581 w 2611581"/>
+                <a:gd name="connsiteY2" fmla="*/ 4303713 h 4314104"/>
+                <a:gd name="connsiteX3" fmla="*/ 1963882 w 2611581"/>
+                <a:gd name="connsiteY3" fmla="*/ 4314104 h 4314104"/>
+                <a:gd name="connsiteX4" fmla="*/ 0 w 2611581"/>
+                <a:gd name="connsiteY4" fmla="*/ 0 h 4314104"/>
+                <a:gd name="connsiteX0" fmla="*/ 0 w 2611581"/>
+                <a:gd name="connsiteY0" fmla="*/ 0 h 4303713"/>
+                <a:gd name="connsiteX1" fmla="*/ 2611581 w 2611581"/>
+                <a:gd name="connsiteY1" fmla="*/ 0 h 4303713"/>
+                <a:gd name="connsiteX2" fmla="*/ 2611581 w 2611581"/>
+                <a:gd name="connsiteY2" fmla="*/ 4303713 h 4303713"/>
+                <a:gd name="connsiteX3" fmla="*/ 2213264 w 2611581"/>
+                <a:gd name="connsiteY3" fmla="*/ 4293322 h 4303713"/>
+                <a:gd name="connsiteX4" fmla="*/ 0 w 2611581"/>
+                <a:gd name="connsiteY4" fmla="*/ 0 h 4303713"/>
+                <a:gd name="connsiteX0" fmla="*/ 0 w 2611581"/>
+                <a:gd name="connsiteY0" fmla="*/ 0 h 4303713"/>
+                <a:gd name="connsiteX1" fmla="*/ 2611581 w 2611581"/>
+                <a:gd name="connsiteY1" fmla="*/ 0 h 4303713"/>
+                <a:gd name="connsiteX2" fmla="*/ 2611581 w 2611581"/>
+                <a:gd name="connsiteY2" fmla="*/ 4303713 h 4303713"/>
+                <a:gd name="connsiteX3" fmla="*/ 2171701 w 2611581"/>
+                <a:gd name="connsiteY3" fmla="*/ 3638695 h 4303713"/>
+                <a:gd name="connsiteX4" fmla="*/ 0 w 2611581"/>
+                <a:gd name="connsiteY4" fmla="*/ 0 h 4303713"/>
+                <a:gd name="connsiteX0" fmla="*/ 0 w 2720934"/>
+                <a:gd name="connsiteY0" fmla="*/ 268283 h 4303713"/>
+                <a:gd name="connsiteX1" fmla="*/ 2720934 w 2720934"/>
+                <a:gd name="connsiteY1" fmla="*/ 0 h 4303713"/>
+                <a:gd name="connsiteX2" fmla="*/ 2720934 w 2720934"/>
+                <a:gd name="connsiteY2" fmla="*/ 4303713 h 4303713"/>
+                <a:gd name="connsiteX3" fmla="*/ 2281054 w 2720934"/>
+                <a:gd name="connsiteY3" fmla="*/ 3638695 h 4303713"/>
+                <a:gd name="connsiteX4" fmla="*/ 0 w 2720934"/>
+                <a:gd name="connsiteY4" fmla="*/ 268283 h 4303713"/>
+                <a:gd name="connsiteX0" fmla="*/ 0 w 2720934"/>
+                <a:gd name="connsiteY0" fmla="*/ 268283 h 4303713"/>
+                <a:gd name="connsiteX1" fmla="*/ 2720934 w 2720934"/>
+                <a:gd name="connsiteY1" fmla="*/ 0 h 4303713"/>
+                <a:gd name="connsiteX2" fmla="*/ 2720934 w 2720934"/>
+                <a:gd name="connsiteY2" fmla="*/ 4303713 h 4303713"/>
+                <a:gd name="connsiteX3" fmla="*/ 2264231 w 2720934"/>
+                <a:gd name="connsiteY3" fmla="*/ 3717600 h 4303713"/>
+                <a:gd name="connsiteX4" fmla="*/ 0 w 2720934"/>
+                <a:gd name="connsiteY4" fmla="*/ 268283 h 4303713"/>
+                <a:gd name="connsiteX0" fmla="*/ 0 w 2720934"/>
+                <a:gd name="connsiteY0" fmla="*/ 268283 h 4335275"/>
+                <a:gd name="connsiteX1" fmla="*/ 2720934 w 2720934"/>
+                <a:gd name="connsiteY1" fmla="*/ 0 h 4335275"/>
+                <a:gd name="connsiteX2" fmla="*/ 2653639 w 2720934"/>
+                <a:gd name="connsiteY2" fmla="*/ 4335275 h 4335275"/>
+                <a:gd name="connsiteX3" fmla="*/ 2264231 w 2720934"/>
+                <a:gd name="connsiteY3" fmla="*/ 3717600 h 4335275"/>
+                <a:gd name="connsiteX4" fmla="*/ 0 w 2720934"/>
+                <a:gd name="connsiteY4" fmla="*/ 268283 h 4335275"/>
+                <a:gd name="connsiteX0" fmla="*/ 0 w 2737757"/>
+                <a:gd name="connsiteY0" fmla="*/ 236721 h 4335275"/>
+                <a:gd name="connsiteX1" fmla="*/ 2737757 w 2737757"/>
+                <a:gd name="connsiteY1" fmla="*/ 0 h 4335275"/>
+                <a:gd name="connsiteX2" fmla="*/ 2670462 w 2737757"/>
+                <a:gd name="connsiteY2" fmla="*/ 4335275 h 4335275"/>
+                <a:gd name="connsiteX3" fmla="*/ 2281054 w 2737757"/>
+                <a:gd name="connsiteY3" fmla="*/ 3717600 h 4335275"/>
+                <a:gd name="connsiteX4" fmla="*/ 0 w 2737757"/>
+                <a:gd name="connsiteY4" fmla="*/ 236721 h 4335275"/>
+                <a:gd name="connsiteX0" fmla="*/ 0 w 2729346"/>
+                <a:gd name="connsiteY0" fmla="*/ 0 h 4098554"/>
+                <a:gd name="connsiteX1" fmla="*/ 2729346 w 2729346"/>
+                <a:gd name="connsiteY1" fmla="*/ 126250 h 4098554"/>
+                <a:gd name="connsiteX2" fmla="*/ 2670462 w 2729346"/>
+                <a:gd name="connsiteY2" fmla="*/ 4098554 h 4098554"/>
+                <a:gd name="connsiteX3" fmla="*/ 2281054 w 2729346"/>
+                <a:gd name="connsiteY3" fmla="*/ 3480879 h 4098554"/>
+                <a:gd name="connsiteX4" fmla="*/ 0 w 2729346"/>
+                <a:gd name="connsiteY4" fmla="*/ 0 h 4098554"/>
+                <a:gd name="connsiteX0" fmla="*/ 0 w 2720934"/>
+                <a:gd name="connsiteY0" fmla="*/ 0 h 4098554"/>
+                <a:gd name="connsiteX1" fmla="*/ 2720934 w 2720934"/>
+                <a:gd name="connsiteY1" fmla="*/ 31562 h 4098554"/>
+                <a:gd name="connsiteX2" fmla="*/ 2670462 w 2720934"/>
+                <a:gd name="connsiteY2" fmla="*/ 4098554 h 4098554"/>
+                <a:gd name="connsiteX3" fmla="*/ 2281054 w 2720934"/>
+                <a:gd name="connsiteY3" fmla="*/ 3480879 h 4098554"/>
+                <a:gd name="connsiteX4" fmla="*/ 0 w 2720934"/>
+                <a:gd name="connsiteY4" fmla="*/ 0 h 4098554"/>
+                <a:gd name="connsiteX0" fmla="*/ 0 w 2720934"/>
+                <a:gd name="connsiteY0" fmla="*/ 15782 h 4114336"/>
+                <a:gd name="connsiteX1" fmla="*/ 2720934 w 2720934"/>
+                <a:gd name="connsiteY1" fmla="*/ 0 h 4114336"/>
+                <a:gd name="connsiteX2" fmla="*/ 2670462 w 2720934"/>
+                <a:gd name="connsiteY2" fmla="*/ 4114336 h 4114336"/>
+                <a:gd name="connsiteX3" fmla="*/ 2281054 w 2720934"/>
+                <a:gd name="connsiteY3" fmla="*/ 3496661 h 4114336"/>
+                <a:gd name="connsiteX4" fmla="*/ 0 w 2720934"/>
+                <a:gd name="connsiteY4" fmla="*/ 15782 h 4114336"/>
+                <a:gd name="connsiteX0" fmla="*/ 0 w 2820289"/>
+                <a:gd name="connsiteY0" fmla="*/ 15782 h 4114336"/>
+                <a:gd name="connsiteX1" fmla="*/ 2820289 w 2820289"/>
+                <a:gd name="connsiteY1" fmla="*/ 0 h 4114336"/>
+                <a:gd name="connsiteX2" fmla="*/ 2769817 w 2820289"/>
+                <a:gd name="connsiteY2" fmla="*/ 4114336 h 4114336"/>
+                <a:gd name="connsiteX3" fmla="*/ 2380409 w 2820289"/>
+                <a:gd name="connsiteY3" fmla="*/ 3496661 h 4114336"/>
+                <a:gd name="connsiteX4" fmla="*/ 0 w 2820289"/>
+                <a:gd name="connsiteY4" fmla="*/ 15782 h 4114336"/>
+                <a:gd name="connsiteX0" fmla="*/ 0 w 2820289"/>
+                <a:gd name="connsiteY0" fmla="*/ 15782 h 4114336"/>
+                <a:gd name="connsiteX1" fmla="*/ 2820289 w 2820289"/>
+                <a:gd name="connsiteY1" fmla="*/ 0 h 4114336"/>
+                <a:gd name="connsiteX2" fmla="*/ 2769817 w 2820289"/>
+                <a:gd name="connsiteY2" fmla="*/ 4114336 h 4114336"/>
+                <a:gd name="connsiteX3" fmla="*/ 2362876 w 2820289"/>
+                <a:gd name="connsiteY3" fmla="*/ 3517980 h 4114336"/>
+                <a:gd name="connsiteX4" fmla="*/ 0 w 2820289"/>
+                <a:gd name="connsiteY4" fmla="*/ 15782 h 4114336"/>
+                <a:gd name="connsiteX0" fmla="*/ 0 w 2820289"/>
+                <a:gd name="connsiteY0" fmla="*/ 15782 h 4114336"/>
+                <a:gd name="connsiteX1" fmla="*/ 2820289 w 2820289"/>
+                <a:gd name="connsiteY1" fmla="*/ 0 h 4114336"/>
+                <a:gd name="connsiteX2" fmla="*/ 2763972 w 2820289"/>
+                <a:gd name="connsiteY2" fmla="*/ 4114336 h 4114336"/>
+                <a:gd name="connsiteX3" fmla="*/ 2362876 w 2820289"/>
+                <a:gd name="connsiteY3" fmla="*/ 3517980 h 4114336"/>
+                <a:gd name="connsiteX4" fmla="*/ 0 w 2820289"/>
+                <a:gd name="connsiteY4" fmla="*/ 15782 h 4114336"/>
+                <a:gd name="connsiteX0" fmla="*/ 0 w 3721149"/>
+                <a:gd name="connsiteY0" fmla="*/ 0 h 4269703"/>
+                <a:gd name="connsiteX1" fmla="*/ 3721149 w 3721149"/>
+                <a:gd name="connsiteY1" fmla="*/ 155367 h 4269703"/>
+                <a:gd name="connsiteX2" fmla="*/ 3664832 w 3721149"/>
+                <a:gd name="connsiteY2" fmla="*/ 4269703 h 4269703"/>
+                <a:gd name="connsiteX3" fmla="*/ 3263736 w 3721149"/>
+                <a:gd name="connsiteY3" fmla="*/ 3673347 h 4269703"/>
+                <a:gd name="connsiteX4" fmla="*/ 0 w 3721149"/>
+                <a:gd name="connsiteY4" fmla="*/ 0 h 4269703"/>
+                <a:gd name="connsiteX0" fmla="*/ 0 w 3721149"/>
+                <a:gd name="connsiteY0" fmla="*/ 0 h 4289488"/>
+                <a:gd name="connsiteX1" fmla="*/ 3721149 w 3721149"/>
+                <a:gd name="connsiteY1" fmla="*/ 155367 h 4289488"/>
+                <a:gd name="connsiteX2" fmla="*/ 3664832 w 3721149"/>
+                <a:gd name="connsiteY2" fmla="*/ 4269703 h 4289488"/>
+                <a:gd name="connsiteX3" fmla="*/ 1705997 w 3721149"/>
+                <a:gd name="connsiteY3" fmla="*/ 4289488 h 4289488"/>
+                <a:gd name="connsiteX4" fmla="*/ 0 w 3721149"/>
+                <a:gd name="connsiteY4" fmla="*/ 0 h 4289488"/>
+                <a:gd name="connsiteX0" fmla="*/ 0 w 3664846"/>
+                <a:gd name="connsiteY0" fmla="*/ 15785 h 4305273"/>
+                <a:gd name="connsiteX1" fmla="*/ 3664846 w 3664846"/>
+                <a:gd name="connsiteY1" fmla="*/ 0 h 4305273"/>
+                <a:gd name="connsiteX2" fmla="*/ 3664832 w 3664846"/>
+                <a:gd name="connsiteY2" fmla="*/ 4285488 h 4305273"/>
+                <a:gd name="connsiteX3" fmla="*/ 1705997 w 3664846"/>
+                <a:gd name="connsiteY3" fmla="*/ 4305273 h 4305273"/>
+                <a:gd name="connsiteX4" fmla="*/ 0 w 3664846"/>
+                <a:gd name="connsiteY4" fmla="*/ 15785 h 4305273"/>
+              </a:gdLst>
+              <a:ahLst/>
+              <a:cxnLst>
+                <a:cxn ang="0">
+                  <a:pos x="connsiteX0" y="connsiteY0"/>
+                </a:cxn>
+                <a:cxn ang="0">
+                  <a:pos x="connsiteX1" y="connsiteY1"/>
+                </a:cxn>
+                <a:cxn ang="0">
+                  <a:pos x="connsiteX2" y="connsiteY2"/>
+                </a:cxn>
+                <a:cxn ang="0">
+                  <a:pos x="connsiteX3" y="connsiteY3"/>
+                </a:cxn>
+                <a:cxn ang="0">
+                  <a:pos x="connsiteX4" y="connsiteY4"/>
+                </a:cxn>
+              </a:cxnLst>
+              <a:rect l="l" t="t" r="r" b="b"/>
+              <a:pathLst>
+                <a:path w="3664846" h="4305273">
+                  <a:moveTo>
+                    <a:pt x="0" y="15785"/>
+                  </a:moveTo>
+                  <a:lnTo>
+                    <a:pt x="3664846" y="0"/>
+                  </a:lnTo>
+                  <a:cubicBezTo>
+                    <a:pt x="3664841" y="1428496"/>
+                    <a:pt x="3664837" y="2856992"/>
+                    <a:pt x="3664832" y="4285488"/>
+                  </a:cubicBezTo>
+                  <a:lnTo>
+                    <a:pt x="1705997" y="4305273"/>
+                  </a:lnTo>
+                  <a:lnTo>
+                    <a:pt x="0" y="15785"/>
+                  </a:lnTo>
+                  <a:close/>
+                </a:path>
+              </a:pathLst>
+            </a:custGeom>
+            <a:blipFill rotWithShape="0">
+              <a:blip r:embed="rId3">
+                <a:duotone>
+                  <a:schemeClr val="bg2">
+                    <a:shade val="76000"/>
+                    <a:satMod val="180000"/>
+                  </a:schemeClr>
+                  <a:schemeClr val="bg2">
+                    <a:tint val="80000"/>
+                    <a:satMod val="120000"/>
+                    <a:lumMod val="180000"/>
+                  </a:schemeClr>
+                </a:duotone>
+              </a:blip>
+              <a:stretch>
+                <a:fillRect l="-163116" t="-323529" r="-398251"/>
+              </a:stretch>
+            </a:blipFill>
+            <a:ln>
+              <a:noFill/>
+            </a:ln>
+          </p:spPr>
+          <p:style>
+            <a:lnRef idx="2">
+              <a:schemeClr val="accent1">
+                <a:shade val="50000"/>
+              </a:schemeClr>
+            </a:lnRef>
+            <a:fillRef idx="1">
+              <a:schemeClr val="accent1"/>
+            </a:fillRef>
+            <a:effectRef idx="0">
+              <a:schemeClr val="accent1"/>
+            </a:effectRef>
+            <a:fontRef idx="minor">
+              <a:schemeClr val="lt1"/>
+            </a:fontRef>
+          </p:style>
+          <p:txBody>
+            <a:bodyPr rtlCol="0" anchor="ctr"/>
+            <a:lstStyle/>
+            <a:p>
+              <a:pPr algn="ctr"/>
+              <a:endParaRPr lang="en-US"/>
+            </a:p>
+          </p:txBody>
+        </p:sp>
+      </p:grpSp>
+      <p:grpSp>
+        <p:nvGrpSpPr>
+          <p:cNvPr id="15" name="Group 14">
+            <a:extLst>
+              <a:ext uri="{FF2B5EF4-FFF2-40B4-BE49-F238E27FC236}">
+                <a16:creationId xmlns:a16="http://schemas.microsoft.com/office/drawing/2014/main" id="{78326E10-C8CB-487F-A110-F861268DE619}"/>
+              </a:ext>
+              <a:ext uri="{C183D7F6-B498-43B3-948B-1728B52AA6E4}">
+                <adec:decorative xmlns:adec="http://schemas.microsoft.com/office/drawing/2017/decorative" val="1"/>
+              </a:ext>
+            </a:extLst>
+          </p:cNvPr>
+          <p:cNvGrpSpPr>
+            <a:grpSpLocks noGrp="1" noUngrp="1" noRot="1" noChangeAspect="1" noMove="1" noResize="1"/>
+          </p:cNvGrpSpPr>
+          <p:nvPr>
+            <p:extLst>
+              <p:ext uri="{386F3935-93C4-4BCD-93E2-E3B085C9AB24}">
+                <p16:designElem xmlns:p16="http://schemas.microsoft.com/office/powerpoint/2015/main" val="1"/>
+              </p:ext>
+            </p:extLst>
+          </p:nvPr>
+        </p:nvGrpSpPr>
+        <p:grpSpPr>
+          <a:xfrm>
+            <a:off x="2360612" y="0"/>
+            <a:ext cx="2436813" cy="6858001"/>
+            <a:chOff x="1320800" y="0"/>
+            <a:chExt cx="2436813" cy="6858001"/>
+          </a:xfrm>
+        </p:grpSpPr>
+        <p:sp>
+          <p:nvSpPr>
+            <p:cNvPr id="16" name="Freeform 6">
+              <a:extLst>
+                <a:ext uri="{FF2B5EF4-FFF2-40B4-BE49-F238E27FC236}">
+                  <a16:creationId xmlns:a16="http://schemas.microsoft.com/office/drawing/2014/main" id="{3279962B-46D2-4E19-B632-39B80D1E80AA}"/>
+                </a:ext>
+                <a:ext uri="{C183D7F6-B498-43B3-948B-1728B52AA6E4}">
+                  <adec:decorative xmlns:adec="http://schemas.microsoft.com/office/drawing/2017/decorative" val="1"/>
+                </a:ext>
+              </a:extLst>
+            </p:cNvPr>
+            <p:cNvSpPr/>
+            <p:nvPr>
+              <p:extLst>
+                <p:ext uri="{386F3935-93C4-4BCD-93E2-E3B085C9AB24}">
+                  <p16:designElem xmlns:p16="http://schemas.microsoft.com/office/powerpoint/2015/main" val="1"/>
+                </p:ext>
+              </p:extLst>
+            </p:nvPr>
+          </p:nvSpPr>
+          <p:spPr bwMode="auto">
+            <a:xfrm>
+              <a:off x="1627188" y="0"/>
+              <a:ext cx="1122363" cy="5329238"/>
+            </a:xfrm>
+            <a:custGeom>
+              <a:avLst/>
+              <a:gdLst/>
+              <a:ahLst/>
+              <a:cxnLst/>
+              <a:rect l="0" t="0" r="r" b="b"/>
+              <a:pathLst>
+                <a:path w="707" h="3357">
+                  <a:moveTo>
+                    <a:pt x="0" y="3330"/>
+                  </a:moveTo>
+                  <a:lnTo>
+                    <a:pt x="156" y="3357"/>
+                  </a:lnTo>
+                  <a:lnTo>
+                    <a:pt x="707" y="0"/>
+                  </a:lnTo>
+                  <a:lnTo>
+                    <a:pt x="547" y="0"/>
+                  </a:lnTo>
+                  <a:lnTo>
+                    <a:pt x="0" y="3330"/>
+                  </a:lnTo>
+                  <a:close/>
+                </a:path>
+              </a:pathLst>
+            </a:custGeom>
+            <a:solidFill>
+              <a:schemeClr val="accent1"/>
+            </a:solidFill>
+            <a:ln>
+              <a:noFill/>
+            </a:ln>
+          </p:spPr>
+        </p:sp>
+        <p:sp>
+          <p:nvSpPr>
+            <p:cNvPr id="17" name="Freeform 7">
+              <a:extLst>
+                <a:ext uri="{FF2B5EF4-FFF2-40B4-BE49-F238E27FC236}">
+                  <a16:creationId xmlns:a16="http://schemas.microsoft.com/office/drawing/2014/main" id="{321A335A-53CB-4C17-AB51-5D9C2DCB45E0}"/>
+                </a:ext>
+                <a:ext uri="{C183D7F6-B498-43B3-948B-1728B52AA6E4}">
+                  <adec:decorative xmlns:adec="http://schemas.microsoft.com/office/drawing/2017/decorative" val="1"/>
+                </a:ext>
+              </a:extLst>
+            </p:cNvPr>
+            <p:cNvSpPr/>
+            <p:nvPr>
+              <p:extLst>
+                <p:ext uri="{386F3935-93C4-4BCD-93E2-E3B085C9AB24}">
+                  <p16:designElem xmlns:p16="http://schemas.microsoft.com/office/powerpoint/2015/main" val="1"/>
+                </p:ext>
+              </p:extLst>
+            </p:nvPr>
+          </p:nvSpPr>
+          <p:spPr bwMode="auto">
+            <a:xfrm>
+              <a:off x="1320800" y="0"/>
+              <a:ext cx="1117600" cy="5276850"/>
+            </a:xfrm>
+            <a:custGeom>
+              <a:avLst/>
+              <a:gdLst/>
+              <a:ahLst/>
+              <a:cxnLst/>
+              <a:rect l="0" t="0" r="r" b="b"/>
+              <a:pathLst>
+                <a:path w="704" h="3324">
+                  <a:moveTo>
+                    <a:pt x="704" y="0"/>
+                  </a:moveTo>
+                  <a:lnTo>
+                    <a:pt x="545" y="0"/>
+                  </a:lnTo>
+                  <a:lnTo>
+                    <a:pt x="0" y="3300"/>
+                  </a:lnTo>
+                  <a:lnTo>
+                    <a:pt x="157" y="3324"/>
+                  </a:lnTo>
+                  <a:lnTo>
+                    <a:pt x="704" y="0"/>
+                  </a:lnTo>
+                  <a:close/>
+                </a:path>
+              </a:pathLst>
+            </a:custGeom>
+            <a:solidFill>
+              <a:schemeClr val="tx1">
+                <a:lumMod val="65000"/>
+                <a:lumOff val="35000"/>
+              </a:schemeClr>
+            </a:solidFill>
+            <a:ln>
+              <a:noFill/>
+            </a:ln>
+          </p:spPr>
+        </p:sp>
+        <p:sp>
+          <p:nvSpPr>
+            <p:cNvPr id="18" name="Freeform 8">
+              <a:extLst>
+                <a:ext uri="{FF2B5EF4-FFF2-40B4-BE49-F238E27FC236}">
+                  <a16:creationId xmlns:a16="http://schemas.microsoft.com/office/drawing/2014/main" id="{A0E0D557-405B-469F-AEDE-4E3404AA416D}"/>
+                </a:ext>
+                <a:ext uri="{C183D7F6-B498-43B3-948B-1728B52AA6E4}">
+                  <adec:decorative xmlns:adec="http://schemas.microsoft.com/office/drawing/2017/decorative" val="1"/>
+                </a:ext>
+              </a:extLst>
+            </p:cNvPr>
+            <p:cNvSpPr/>
+            <p:nvPr>
+              <p:extLst>
+                <p:ext uri="{386F3935-93C4-4BCD-93E2-E3B085C9AB24}">
+                  <p16:designElem xmlns:p16="http://schemas.microsoft.com/office/powerpoint/2015/main" val="1"/>
+                </p:ext>
+              </p:extLst>
+            </p:nvPr>
+          </p:nvSpPr>
+          <p:spPr bwMode="auto">
+            <a:xfrm>
+              <a:off x="1320800" y="5238750"/>
+              <a:ext cx="1228725" cy="1619250"/>
+            </a:xfrm>
+            <a:custGeom>
+              <a:avLst/>
+              <a:gdLst/>
+              <a:ahLst/>
+              <a:cxnLst/>
+              <a:rect l="0" t="0" r="r" b="b"/>
+              <a:pathLst>
+                <a:path w="774" h="1020">
+                  <a:moveTo>
+                    <a:pt x="0" y="0"/>
+                  </a:moveTo>
+                  <a:lnTo>
+                    <a:pt x="740" y="1020"/>
+                  </a:lnTo>
+                  <a:lnTo>
+                    <a:pt x="774" y="1020"/>
+                  </a:lnTo>
+                  <a:lnTo>
+                    <a:pt x="0" y="0"/>
+                  </a:lnTo>
+                  <a:close/>
+                </a:path>
+              </a:pathLst>
+            </a:custGeom>
+            <a:solidFill>
+              <a:schemeClr val="tx1">
+                <a:lumMod val="85000"/>
+                <a:lumOff val="15000"/>
+              </a:schemeClr>
+            </a:solidFill>
+            <a:ln>
+              <a:noFill/>
+            </a:ln>
+          </p:spPr>
+        </p:sp>
+        <p:sp>
+          <p:nvSpPr>
+            <p:cNvPr id="19" name="Freeform 9">
+              <a:extLst>
+                <a:ext uri="{FF2B5EF4-FFF2-40B4-BE49-F238E27FC236}">
+                  <a16:creationId xmlns:a16="http://schemas.microsoft.com/office/drawing/2014/main" id="{D8D4E62F-9393-40A6-9E85-9F3B59C4628C}"/>
+                </a:ext>
+                <a:ext uri="{C183D7F6-B498-43B3-948B-1728B52AA6E4}">
+                  <adec:decorative xmlns:adec="http://schemas.microsoft.com/office/drawing/2017/decorative" val="1"/>
+                </a:ext>
+              </a:extLst>
+            </p:cNvPr>
+            <p:cNvSpPr/>
+            <p:nvPr>
+              <p:extLst>
+                <p:ext uri="{386F3935-93C4-4BCD-93E2-E3B085C9AB24}">
+                  <p16:designElem xmlns:p16="http://schemas.microsoft.com/office/powerpoint/2015/main" val="1"/>
+                </p:ext>
+              </p:extLst>
+            </p:nvPr>
+          </p:nvSpPr>
+          <p:spPr bwMode="auto">
+            <a:xfrm>
+              <a:off x="1627188" y="5291138"/>
+              <a:ext cx="1495425" cy="1566863"/>
+            </a:xfrm>
+            <a:custGeom>
+              <a:avLst/>
+              <a:gdLst/>
+              <a:ahLst/>
+              <a:cxnLst/>
+              <a:rect l="0" t="0" r="r" b="b"/>
+              <a:pathLst>
+                <a:path w="942" h="987">
+                  <a:moveTo>
+                    <a:pt x="0" y="0"/>
+                  </a:moveTo>
+                  <a:lnTo>
+                    <a:pt x="909" y="987"/>
+                  </a:lnTo>
+                  <a:lnTo>
+                    <a:pt x="942" y="987"/>
+                  </a:lnTo>
+                  <a:lnTo>
+                    <a:pt x="0" y="0"/>
+                  </a:lnTo>
+                  <a:close/>
+                </a:path>
+              </a:pathLst>
+            </a:custGeom>
+            <a:solidFill>
+              <a:schemeClr val="accent1">
+                <a:lumMod val="50000"/>
+              </a:schemeClr>
+            </a:solidFill>
+            <a:ln>
+              <a:noFill/>
+            </a:ln>
+          </p:spPr>
+        </p:sp>
+        <p:sp>
+          <p:nvSpPr>
+            <p:cNvPr id="20" name="Freeform 10">
+              <a:extLst>
+                <a:ext uri="{FF2B5EF4-FFF2-40B4-BE49-F238E27FC236}">
+                  <a16:creationId xmlns:a16="http://schemas.microsoft.com/office/drawing/2014/main" id="{FABD11B1-DE89-45BC-8204-968C88AADC31}"/>
+                </a:ext>
+                <a:ext uri="{C183D7F6-B498-43B3-948B-1728B52AA6E4}">
+                  <adec:decorative xmlns:adec="http://schemas.microsoft.com/office/drawing/2017/decorative" val="1"/>
+                </a:ext>
+              </a:extLst>
+            </p:cNvPr>
+            <p:cNvSpPr/>
+            <p:nvPr>
+              <p:extLst>
+                <p:ext uri="{386F3935-93C4-4BCD-93E2-E3B085C9AB24}">
+                  <p16:designElem xmlns:p16="http://schemas.microsoft.com/office/powerpoint/2015/main" val="1"/>
+                </p:ext>
+              </p:extLst>
+            </p:nvPr>
+          </p:nvSpPr>
+          <p:spPr bwMode="auto">
+            <a:xfrm>
+              <a:off x="1627188" y="5286375"/>
+              <a:ext cx="2130425" cy="1571625"/>
+            </a:xfrm>
+            <a:custGeom>
+              <a:avLst/>
+              <a:gdLst/>
+              <a:ahLst/>
+              <a:cxnLst/>
+              <a:rect l="0" t="0" r="r" b="b"/>
+              <a:pathLst>
+                <a:path w="1342" h="990">
+                  <a:moveTo>
+                    <a:pt x="0" y="3"/>
+                  </a:moveTo>
+                  <a:lnTo>
+                    <a:pt x="942" y="990"/>
+                  </a:lnTo>
+                  <a:lnTo>
+                    <a:pt x="1342" y="990"/>
+                  </a:lnTo>
+                  <a:lnTo>
+                    <a:pt x="156" y="27"/>
+                  </a:lnTo>
+                  <a:lnTo>
+                    <a:pt x="0" y="0"/>
+                  </a:lnTo>
+                  <a:lnTo>
+                    <a:pt x="0" y="3"/>
+                  </a:lnTo>
+                  <a:close/>
+                </a:path>
+              </a:pathLst>
+            </a:custGeom>
+            <a:solidFill>
+              <a:schemeClr val="accent1">
+                <a:lumMod val="75000"/>
+              </a:schemeClr>
+            </a:solidFill>
+            <a:ln>
+              <a:noFill/>
+            </a:ln>
+          </p:spPr>
+        </p:sp>
+        <p:sp>
+          <p:nvSpPr>
+            <p:cNvPr id="21" name="Freeform 11">
+              <a:extLst>
+                <a:ext uri="{FF2B5EF4-FFF2-40B4-BE49-F238E27FC236}">
+                  <a16:creationId xmlns:a16="http://schemas.microsoft.com/office/drawing/2014/main" id="{AFA4965A-1FBC-44B8-B96A-3F5275C3AEF7}"/>
+                </a:ext>
+                <a:ext uri="{C183D7F6-B498-43B3-948B-1728B52AA6E4}">
+                  <adec:decorative xmlns:adec="http://schemas.microsoft.com/office/drawing/2017/decorative" val="1"/>
+                </a:ext>
+              </a:extLst>
+            </p:cNvPr>
+            <p:cNvSpPr/>
+            <p:nvPr>
+              <p:extLst>
+                <p:ext uri="{386F3935-93C4-4BCD-93E2-E3B085C9AB24}">
+                  <p16:designElem xmlns:p16="http://schemas.microsoft.com/office/powerpoint/2015/main" val="1"/>
+                </p:ext>
+              </p:extLst>
+            </p:nvPr>
+          </p:nvSpPr>
+          <p:spPr bwMode="auto">
+            <a:xfrm>
+              <a:off x="1320800" y="5238750"/>
+              <a:ext cx="1695450" cy="1619250"/>
+            </a:xfrm>
+            <a:custGeom>
+              <a:avLst/>
+              <a:gdLst/>
+              <a:ahLst/>
+              <a:cxnLst/>
+              <a:rect l="0" t="0" r="r" b="b"/>
+              <a:pathLst>
+                <a:path w="1068" h="1020">
+                  <a:moveTo>
+                    <a:pt x="1068" y="1020"/>
+                  </a:moveTo>
+                  <a:lnTo>
+                    <a:pt x="184" y="60"/>
+                  </a:lnTo>
+                  <a:lnTo>
+                    <a:pt x="154" y="27"/>
+                  </a:lnTo>
+                  <a:lnTo>
+                    <a:pt x="157" y="27"/>
+                  </a:lnTo>
+                  <a:lnTo>
+                    <a:pt x="157" y="24"/>
+                  </a:lnTo>
+                  <a:lnTo>
+                    <a:pt x="154" y="24"/>
+                  </a:lnTo>
+                  <a:lnTo>
+                    <a:pt x="0" y="0"/>
+                  </a:lnTo>
+                  <a:lnTo>
+                    <a:pt x="0" y="0"/>
+                  </a:lnTo>
+                  <a:lnTo>
+                    <a:pt x="774" y="1020"/>
+                  </a:lnTo>
+                  <a:lnTo>
+                    <a:pt x="1068" y="1020"/>
+                  </a:lnTo>
+                  <a:close/>
+                </a:path>
+              </a:pathLst>
+            </a:custGeom>
+            <a:solidFill>
+              <a:schemeClr val="tx1">
+                <a:lumMod val="75000"/>
+                <a:lumOff val="25000"/>
+              </a:schemeClr>
+            </a:solidFill>
+            <a:ln>
+              <a:noFill/>
+            </a:ln>
+          </p:spPr>
+        </p:sp>
+      </p:grpSp>
       <p:sp>
         <p:nvSpPr>
           <p:cNvPr id="2" name="Title 1">
@@ -36073,21 +35434,84 @@
           </p:nvPr>
         </p:nvSpPr>
         <p:spPr>
-          <a:effectLst/>
+          <a:xfrm>
+            <a:off x="3962399" y="685800"/>
+            <a:ext cx="7345891" cy="1413933"/>
+          </a:xfrm>
         </p:spPr>
         <p:txBody>
-          <a:bodyPr anchor="ctr">
+          <a:bodyPr>
             <a:normAutofit/>
           </a:bodyPr>
           <a:lstStyle/>
           <a:p>
             <a:r>
-              <a:rPr lang="en-US" sz="3200" b="1" u="sng" dirty="0"/>
+              <a:rPr lang="en-US" b="1" u="sng"/>
               <a:t>Project’s Motivation</a:t>
             </a:r>
           </a:p>
         </p:txBody>
       </p:sp>
+      <p:pic>
+        <p:nvPicPr>
+          <p:cNvPr id="5" name="Picture 4" descr="A world map made of pins and strings">
+            <a:extLst>
+              <a:ext uri="{FF2B5EF4-FFF2-40B4-BE49-F238E27FC236}">
+                <a16:creationId xmlns:a16="http://schemas.microsoft.com/office/drawing/2014/main" id="{E24B0565-AB0C-F2C4-F638-76515D9F39C6}"/>
+              </a:ext>
+            </a:extLst>
+          </p:cNvPr>
+          <p:cNvPicPr>
+            <a:picLocks noChangeAspect="1"/>
+          </p:cNvPicPr>
+          <p:nvPr/>
+        </p:nvPicPr>
+        <p:blipFill rotWithShape="1">
+          <a:blip r:embed="rId4"/>
+          <a:srcRect l="34289" r="32042" b="-1"/>
+          <a:stretch/>
+        </p:blipFill>
+        <p:spPr>
+          <a:xfrm>
+            <a:off x="20" y="10"/>
+            <a:ext cx="3459143" cy="6857990"/>
+          </a:xfrm>
+          <a:custGeom>
+            <a:avLst/>
+            <a:gdLst/>
+            <a:ahLst/>
+            <a:cxnLst/>
+            <a:rect l="l" t="t" r="r" b="b"/>
+            <a:pathLst>
+              <a:path w="3458633" h="6858000">
+                <a:moveTo>
+                  <a:pt x="0" y="0"/>
+                </a:moveTo>
+                <a:lnTo>
+                  <a:pt x="3174999" y="0"/>
+                </a:lnTo>
+                <a:lnTo>
+                  <a:pt x="2294466" y="5223932"/>
+                </a:lnTo>
+                <a:lnTo>
+                  <a:pt x="3458633" y="6853767"/>
+                </a:lnTo>
+                <a:lnTo>
+                  <a:pt x="0" y="6858000"/>
+                </a:lnTo>
+                <a:lnTo>
+                  <a:pt x="0" y="0"/>
+                </a:lnTo>
+                <a:close/>
+              </a:path>
+            </a:pathLst>
+          </a:custGeom>
+          <a:ln w="38100">
+            <a:noFill/>
+          </a:ln>
+          <a:effectLst/>
+        </p:spPr>
+      </p:pic>
       <p:sp>
         <p:nvSpPr>
           <p:cNvPr id="3" name="Content Placeholder 2">
@@ -36104,87 +35528,48 @@
             <p:ph idx="1"/>
           </p:nvPr>
         </p:nvSpPr>
-        <p:spPr/>
+        <p:spPr>
+          <a:xfrm>
+            <a:off x="3843867" y="2048933"/>
+            <a:ext cx="7659156" cy="3742267"/>
+          </a:xfrm>
+        </p:spPr>
         <p:txBody>
-          <a:bodyPr anchor="ctr">
+          <a:bodyPr>
             <a:normAutofit/>
           </a:bodyPr>
           <a:lstStyle/>
           <a:p>
             <a:pPr marL="0" marR="0">
-              <a:lnSpc>
-                <a:spcPct val="107000"/>
-              </a:lnSpc>
               <a:spcBef>
                 <a:spcPts val="0"/>
               </a:spcBef>
-              <a:spcAft>
-                <a:spcPts val="0"/>
-              </a:spcAft>
             </a:pPr>
             <a:r>
-              <a:rPr lang="en-US" dirty="0">
-                <a:solidFill>
-                  <a:srgbClr val="1F2328"/>
-                </a:solidFill>
+              <a:rPr lang="en-US">
                 <a:latin typeface="-apple-system"/>
               </a:rPr>
-              <a:t>Our motivation was to create the most user-friendly, easy to use </a:t>
-            </a:r>
-            <a:br>
-              <a:rPr lang="en-US" dirty="0">
-                <a:solidFill>
-                  <a:srgbClr val="1F2328"/>
-                </a:solidFill>
-                <a:latin typeface="-apple-system"/>
-              </a:rPr>
-            </a:br>
-            <a:r>
-              <a:rPr lang="en-US" dirty="0">
-                <a:solidFill>
-                  <a:srgbClr val="1F2328"/>
-                </a:solidFill>
-                <a:latin typeface="-apple-system"/>
-              </a:rPr>
-              <a:t>web-application that will allow users from all over the globe to use the MolOptimizer tool.</a:t>
+              <a:t>Create the most user-friendly, easy to use web-application that will allow users from all over the globe to use the MolOptimizer tool.</a:t>
             </a:r>
           </a:p>
           <a:p>
             <a:pPr marL="0" marR="0">
-              <a:lnSpc>
-                <a:spcPct val="107000"/>
-              </a:lnSpc>
               <a:spcBef>
                 <a:spcPts val="0"/>
               </a:spcBef>
-              <a:spcAft>
-                <a:spcPts val="0"/>
-              </a:spcAft>
             </a:pPr>
-            <a:endParaRPr lang="en-US" dirty="0">
-              <a:solidFill>
-                <a:srgbClr val="1F2328"/>
-              </a:solidFill>
+            <a:endParaRPr lang="en-US">
               <a:latin typeface="-apple-system"/>
             </a:endParaRPr>
           </a:p>
           <a:p>
             <a:pPr marL="0" marR="0">
-              <a:lnSpc>
-                <a:spcPct val="107000"/>
-              </a:lnSpc>
               <a:spcBef>
                 <a:spcPts val="0"/>
               </a:spcBef>
-              <a:spcAft>
-                <a:spcPts val="0"/>
-              </a:spcAft>
             </a:pPr>
             <a:r>
-              <a:rPr lang="en-US" dirty="0">
-                <a:solidFill>
-                  <a:srgbClr val="1F2328"/>
-                </a:solidFill>
+              <a:rPr lang="en-US">
                 <a:latin typeface="-apple-system"/>
               </a:rPr>
               <a:t>We hope that this web-application will help anyone who use it, to achieve the best results he can get in the field of small fragment-based inhibitors.</a:t>
@@ -36300,7 +35685,7 @@
             <p:ph idx="1"/>
             <p:extLst>
               <p:ext uri="{D42A27DB-BD31-4B8C-83A1-F6EECF244321}">
-                <p14:modId xmlns:p14="http://schemas.microsoft.com/office/powerpoint/2010/main" val="668083786"/>
+                <p14:modId xmlns:p14="http://schemas.microsoft.com/office/powerpoint/2010/main" val="3087640060"/>
               </p:ext>
             </p:extLst>
           </p:nvPr>
@@ -36417,6 +35802,349 @@
 </file>
 
 <file path=ppt/slides/slide5.xml><?xml version="1.0" encoding="utf-8"?>
+<p:sld xmlns:a="http://schemas.openxmlformats.org/drawingml/2006/main" xmlns:r="http://schemas.openxmlformats.org/officeDocument/2006/relationships" xmlns:p="http://schemas.openxmlformats.org/presentationml/2006/main">
+  <p:cSld>
+    <p:bg>
+      <p:bgPr>
+        <a:gradFill rotWithShape="1">
+          <a:gsLst>
+            <a:gs pos="0">
+              <a:schemeClr val="bg2">
+                <a:tint val="90000"/>
+                <a:lumMod val="110000"/>
+              </a:schemeClr>
+            </a:gs>
+            <a:gs pos="100000">
+              <a:schemeClr val="bg2">
+                <a:shade val="64000"/>
+                <a:lumMod val="98000"/>
+              </a:schemeClr>
+            </a:gs>
+          </a:gsLst>
+          <a:lin ang="5400000" scaled="0"/>
+        </a:gradFill>
+        <a:effectLst/>
+      </p:bgPr>
+    </p:bg>
+    <p:spTree>
+      <p:nvGrpSpPr>
+        <p:cNvPr id="1" name=""/>
+        <p:cNvGrpSpPr/>
+        <p:nvPr/>
+      </p:nvGrpSpPr>
+      <p:grpSpPr>
+        <a:xfrm>
+          <a:off x="0" y="0"/>
+          <a:ext cx="0" cy="0"/>
+          <a:chOff x="0" y="0"/>
+          <a:chExt cx="0" cy="0"/>
+        </a:xfrm>
+      </p:grpSpPr>
+      <p:sp>
+        <p:nvSpPr>
+          <p:cNvPr id="2" name="Title 1">
+            <a:extLst>
+              <a:ext uri="{FF2B5EF4-FFF2-40B4-BE49-F238E27FC236}">
+                <a16:creationId xmlns:a16="http://schemas.microsoft.com/office/drawing/2014/main" id="{E8476F5E-8F6F-2960-0808-568FF632992E}"/>
+              </a:ext>
+            </a:extLst>
+          </p:cNvPr>
+          <p:cNvSpPr>
+            <a:spLocks noGrp="1"/>
+          </p:cNvSpPr>
+          <p:nvPr>
+            <p:ph type="title"/>
+          </p:nvPr>
+        </p:nvSpPr>
+        <p:spPr>
+          <a:xfrm>
+            <a:off x="1760706" y="685800"/>
+            <a:ext cx="9742318" cy="1752599"/>
+          </a:xfrm>
+        </p:spPr>
+        <p:txBody>
+          <a:bodyPr>
+            <a:normAutofit/>
+          </a:bodyPr>
+          <a:lstStyle/>
+          <a:p>
+            <a:r>
+              <a:rPr lang="en-US" b="1" dirty="0"/>
+              <a:t>Project’s Challenges &amp; Overcomes</a:t>
+            </a:r>
+            <a:endParaRPr lang="en-US" b="1" u="sng" dirty="0"/>
+          </a:p>
+        </p:txBody>
+      </p:sp>
+      <p:graphicFrame>
+        <p:nvGraphicFramePr>
+          <p:cNvPr id="5" name="Content Placeholder 2">
+            <a:extLst>
+              <a:ext uri="{FF2B5EF4-FFF2-40B4-BE49-F238E27FC236}">
+                <a16:creationId xmlns:a16="http://schemas.microsoft.com/office/drawing/2014/main" id="{6AE58B37-51F9-75D4-EA1E-2DE42F7B981E}"/>
+              </a:ext>
+            </a:extLst>
+          </p:cNvPr>
+          <p:cNvGraphicFramePr>
+            <a:graphicFrameLocks noGrp="1"/>
+          </p:cNvGraphicFramePr>
+          <p:nvPr>
+            <p:ph idx="1"/>
+            <p:extLst>
+              <p:ext uri="{D42A27DB-BD31-4B8C-83A1-F6EECF244321}">
+                <p14:modId xmlns:p14="http://schemas.microsoft.com/office/powerpoint/2010/main" val="2606166805"/>
+              </p:ext>
+            </p:extLst>
+          </p:nvPr>
+        </p:nvGraphicFramePr>
+        <p:xfrm>
+          <a:off x="1760706" y="1880681"/>
+          <a:ext cx="9742319" cy="3096638"/>
+        </p:xfrm>
+        <a:graphic>
+          <a:graphicData uri="http://schemas.openxmlformats.org/drawingml/2006/diagram">
+            <dgm:relIds xmlns:dgm="http://schemas.openxmlformats.org/drawingml/2006/diagram" xmlns:r="http://schemas.openxmlformats.org/officeDocument/2006/relationships" r:dm="rId3" r:lo="rId4" r:qs="rId5" r:cs="rId6"/>
+          </a:graphicData>
+        </a:graphic>
+      </p:graphicFrame>
+      <p:sp>
+        <p:nvSpPr>
+          <p:cNvPr id="6" name="TextBox 5">
+            <a:extLst>
+              <a:ext uri="{FF2B5EF4-FFF2-40B4-BE49-F238E27FC236}">
+                <a16:creationId xmlns:a16="http://schemas.microsoft.com/office/drawing/2014/main" id="{6365C943-F81E-A385-4924-94DF6E73755E}"/>
+              </a:ext>
+            </a:extLst>
+          </p:cNvPr>
+          <p:cNvSpPr txBox="1"/>
+          <p:nvPr/>
+        </p:nvSpPr>
+        <p:spPr>
+          <a:xfrm>
+            <a:off x="1760706" y="5214026"/>
+            <a:ext cx="9742318" cy="369332"/>
+          </a:xfrm>
+          <a:prstGeom prst="rect">
+            <a:avLst/>
+          </a:prstGeom>
+          <a:noFill/>
+        </p:spPr>
+        <p:txBody>
+          <a:bodyPr wrap="square" rtlCol="0">
+            <a:spAutoFit/>
+          </a:bodyPr>
+          <a:lstStyle/>
+          <a:p>
+            <a:pPr algn="ctr"/>
+            <a:r>
+              <a:rPr lang="en-US" b="1" dirty="0"/>
+              <a:t>All of those, handled on the best side, with the assistance of Barak.</a:t>
+            </a:r>
+          </a:p>
+        </p:txBody>
+      </p:sp>
+    </p:spTree>
+    <p:extLst>
+      <p:ext uri="{BB962C8B-B14F-4D97-AF65-F5344CB8AC3E}">
+        <p14:creationId xmlns:p14="http://schemas.microsoft.com/office/powerpoint/2010/main" val="928910466"/>
+      </p:ext>
+    </p:extLst>
+  </p:cSld>
+  <p:clrMapOvr>
+    <a:masterClrMapping/>
+  </p:clrMapOvr>
+  <p:timing>
+    <p:tnLst>
+      <p:par>
+        <p:cTn id="1" dur="indefinite" restart="never" nodeType="tmRoot">
+          <p:childTnLst>
+            <p:seq concurrent="1" nextAc="seek">
+              <p:cTn id="2" dur="indefinite" nodeType="mainSeq">
+                <p:childTnLst>
+                  <p:par>
+                    <p:cTn id="3" fill="hold">
+                      <p:stCondLst>
+                        <p:cond delay="indefinite"/>
+                      </p:stCondLst>
+                      <p:childTnLst>
+                        <p:par>
+                          <p:cTn id="4" fill="hold">
+                            <p:stCondLst>
+                              <p:cond delay="0"/>
+                            </p:stCondLst>
+                            <p:childTnLst>
+                              <p:par>
+                                <p:cTn id="5" presetID="53" presetClass="entr" presetSubtype="16" fill="hold" grpId="0" nodeType="clickEffect">
+                                  <p:stCondLst>
+                                    <p:cond delay="0"/>
+                                  </p:stCondLst>
+                                  <p:childTnLst>
+                                    <p:set>
+                                      <p:cBhvr>
+                                        <p:cTn id="6" dur="1" fill="hold">
+                                          <p:stCondLst>
+                                            <p:cond delay="0"/>
+                                          </p:stCondLst>
+                                        </p:cTn>
+                                        <p:tgtEl>
+                                          <p:spTgt spid="5"/>
+                                        </p:tgtEl>
+                                        <p:attrNameLst>
+                                          <p:attrName>style.visibility</p:attrName>
+                                        </p:attrNameLst>
+                                      </p:cBhvr>
+                                      <p:to>
+                                        <p:strVal val="visible"/>
+                                      </p:to>
+                                    </p:set>
+                                    <p:anim calcmode="lin" valueType="num">
+                                      <p:cBhvr>
+                                        <p:cTn id="7" dur="500" fill="hold"/>
+                                        <p:tgtEl>
+                                          <p:spTgt spid="5"/>
+                                        </p:tgtEl>
+                                        <p:attrNameLst>
+                                          <p:attrName>ppt_w</p:attrName>
+                                        </p:attrNameLst>
+                                      </p:cBhvr>
+                                      <p:tavLst>
+                                        <p:tav tm="0">
+                                          <p:val>
+                                            <p:fltVal val="0"/>
+                                          </p:val>
+                                        </p:tav>
+                                        <p:tav tm="100000">
+                                          <p:val>
+                                            <p:strVal val="#ppt_w"/>
+                                          </p:val>
+                                        </p:tav>
+                                      </p:tavLst>
+                                    </p:anim>
+                                    <p:anim calcmode="lin" valueType="num">
+                                      <p:cBhvr>
+                                        <p:cTn id="8" dur="500" fill="hold"/>
+                                        <p:tgtEl>
+                                          <p:spTgt spid="5"/>
+                                        </p:tgtEl>
+                                        <p:attrNameLst>
+                                          <p:attrName>ppt_h</p:attrName>
+                                        </p:attrNameLst>
+                                      </p:cBhvr>
+                                      <p:tavLst>
+                                        <p:tav tm="0">
+                                          <p:val>
+                                            <p:fltVal val="0"/>
+                                          </p:val>
+                                        </p:tav>
+                                        <p:tav tm="100000">
+                                          <p:val>
+                                            <p:strVal val="#ppt_h"/>
+                                          </p:val>
+                                        </p:tav>
+                                      </p:tavLst>
+                                    </p:anim>
+                                    <p:animEffect transition="in" filter="fade">
+                                      <p:cBhvr>
+                                        <p:cTn id="9" dur="500"/>
+                                        <p:tgtEl>
+                                          <p:spTgt spid="5"/>
+                                        </p:tgtEl>
+                                      </p:cBhvr>
+                                    </p:animEffect>
+                                  </p:childTnLst>
+                                </p:cTn>
+                              </p:par>
+                            </p:childTnLst>
+                          </p:cTn>
+                        </p:par>
+                      </p:childTnLst>
+                    </p:cTn>
+                  </p:par>
+                  <p:par>
+                    <p:cTn id="10" fill="hold">
+                      <p:stCondLst>
+                        <p:cond delay="indefinite"/>
+                      </p:stCondLst>
+                      <p:childTnLst>
+                        <p:par>
+                          <p:cTn id="11" fill="hold">
+                            <p:stCondLst>
+                              <p:cond delay="0"/>
+                            </p:stCondLst>
+                            <p:childTnLst>
+                              <p:par>
+                                <p:cTn id="12" presetID="16" presetClass="entr" presetSubtype="21" fill="hold" grpId="0" nodeType="clickEffect">
+                                  <p:stCondLst>
+                                    <p:cond delay="0"/>
+                                  </p:stCondLst>
+                                  <p:childTnLst>
+                                    <p:set>
+                                      <p:cBhvr>
+                                        <p:cTn id="13" dur="1" fill="hold">
+                                          <p:stCondLst>
+                                            <p:cond delay="0"/>
+                                          </p:stCondLst>
+                                        </p:cTn>
+                                        <p:tgtEl>
+                                          <p:spTgt spid="6"/>
+                                        </p:tgtEl>
+                                        <p:attrNameLst>
+                                          <p:attrName>style.visibility</p:attrName>
+                                        </p:attrNameLst>
+                                      </p:cBhvr>
+                                      <p:to>
+                                        <p:strVal val="visible"/>
+                                      </p:to>
+                                    </p:set>
+                                    <p:animEffect transition="in" filter="barn(inVertical)">
+                                      <p:cBhvr>
+                                        <p:cTn id="14" dur="500"/>
+                                        <p:tgtEl>
+                                          <p:spTgt spid="6"/>
+                                        </p:tgtEl>
+                                      </p:cBhvr>
+                                    </p:animEffect>
+                                  </p:childTnLst>
+                                </p:cTn>
+                              </p:par>
+                            </p:childTnLst>
+                          </p:cTn>
+                        </p:par>
+                      </p:childTnLst>
+                    </p:cTn>
+                  </p:par>
+                </p:childTnLst>
+              </p:cTn>
+              <p:prevCondLst>
+                <p:cond evt="onPrev" delay="0">
+                  <p:tgtEl>
+                    <p:sldTgt/>
+                  </p:tgtEl>
+                </p:cond>
+              </p:prevCondLst>
+              <p:nextCondLst>
+                <p:cond evt="onNext" delay="0">
+                  <p:tgtEl>
+                    <p:sldTgt/>
+                  </p:tgtEl>
+                </p:cond>
+              </p:nextCondLst>
+            </p:seq>
+          </p:childTnLst>
+        </p:cTn>
+      </p:par>
+    </p:tnLst>
+    <p:bldLst>
+      <p:bldGraphic spid="5" grpId="0">
+        <p:bldAsOne/>
+      </p:bldGraphic>
+      <p:bldP spid="6" grpId="0"/>
+    </p:bldLst>
+  </p:timing>
+</p:sld>
+</file>
+
+<file path=ppt/slides/slide6.xml><?xml version="1.0" encoding="utf-8"?>
 <p:sld xmlns:a="http://schemas.openxmlformats.org/drawingml/2006/main" xmlns:r="http://schemas.openxmlformats.org/officeDocument/2006/relationships" xmlns:p="http://schemas.openxmlformats.org/presentationml/2006/main">
   <p:cSld>
     <p:bg>
@@ -36964,7 +36692,7 @@
 </p:sld>
 </file>
 
-<file path=ppt/slides/slide6.xml><?xml version="1.0" encoding="utf-8"?>
+<file path=ppt/slides/slide7.xml><?xml version="1.0" encoding="utf-8"?>
 <p:sld xmlns:a="http://schemas.openxmlformats.org/drawingml/2006/main" xmlns:r="http://schemas.openxmlformats.org/officeDocument/2006/relationships" xmlns:p="http://schemas.openxmlformats.org/presentationml/2006/main">
   <p:cSld>
     <p:bg>
@@ -37054,7 +36782,7 @@
             <p:ph idx="1"/>
             <p:extLst>
               <p:ext uri="{D42A27DB-BD31-4B8C-83A1-F6EECF244321}">
-                <p14:modId xmlns:p14="http://schemas.microsoft.com/office/powerpoint/2010/main" val="1231908457"/>
+                <p14:modId xmlns:p14="http://schemas.microsoft.com/office/powerpoint/2010/main" val="1015142852"/>
               </p:ext>
             </p:extLst>
           </p:nvPr>
@@ -37216,7 +36944,7 @@
 </p:sld>
 </file>
 
-<file path=ppt/slides/slide7.xml><?xml version="1.0" encoding="utf-8"?>
+<file path=ppt/slides/slide8.xml><?xml version="1.0" encoding="utf-8"?>
 <p:sld xmlns:a="http://schemas.openxmlformats.org/drawingml/2006/main" xmlns:r="http://schemas.openxmlformats.org/officeDocument/2006/relationships" xmlns:p="http://schemas.openxmlformats.org/presentationml/2006/main">
   <p:cSld>
     <p:bg>
@@ -38527,8 +38255,8 @@
 </p:sld>
 </file>
 
-<file path=ppt/slides/slide8.xml><?xml version="1.0" encoding="utf-8"?>
-<p:sld xmlns:a="http://schemas.openxmlformats.org/drawingml/2006/main" xmlns:r="http://schemas.openxmlformats.org/officeDocument/2006/relationships" xmlns:p="http://schemas.openxmlformats.org/presentationml/2006/main">
+<file path=ppt/slides/slide9.xml><?xml version="1.0" encoding="utf-8"?>
+<p:sld xmlns:a="http://schemas.openxmlformats.org/drawingml/2006/main" xmlns:r="http://schemas.openxmlformats.org/officeDocument/2006/relationships" xmlns:p="http://schemas.openxmlformats.org/presentationml/2006/main" show="0">
   <p:cSld>
     <p:bg>
       <p:bgPr>
@@ -38776,131 +38504,6 @@
       </p:bldGraphic>
     </p:bldLst>
   </p:timing>
-</p:sld>
-</file>
-
-<file path=ppt/slides/slide9.xml><?xml version="1.0" encoding="utf-8"?>
-<p:sld xmlns:a="http://schemas.openxmlformats.org/drawingml/2006/main" xmlns:r="http://schemas.openxmlformats.org/officeDocument/2006/relationships" xmlns:p="http://schemas.openxmlformats.org/presentationml/2006/main">
-  <p:cSld>
-    <p:bg>
-      <p:bgPr>
-        <a:gradFill rotWithShape="1">
-          <a:gsLst>
-            <a:gs pos="0">
-              <a:schemeClr val="bg2">
-                <a:tint val="90000"/>
-                <a:lumMod val="110000"/>
-              </a:schemeClr>
-            </a:gs>
-            <a:gs pos="100000">
-              <a:schemeClr val="bg2">
-                <a:shade val="64000"/>
-                <a:lumMod val="98000"/>
-              </a:schemeClr>
-            </a:gs>
-          </a:gsLst>
-          <a:lin ang="5400000" scaled="0"/>
-        </a:gradFill>
-        <a:effectLst/>
-      </p:bgPr>
-    </p:bg>
-    <p:spTree>
-      <p:nvGrpSpPr>
-        <p:cNvPr id="1" name=""/>
-        <p:cNvGrpSpPr/>
-        <p:nvPr/>
-      </p:nvGrpSpPr>
-      <p:grpSpPr>
-        <a:xfrm>
-          <a:off x="0" y="0"/>
-          <a:ext cx="0" cy="0"/>
-          <a:chOff x="0" y="0"/>
-          <a:chExt cx="0" cy="0"/>
-        </a:xfrm>
-      </p:grpSpPr>
-      <p:sp>
-        <p:nvSpPr>
-          <p:cNvPr id="2" name="Title 1">
-            <a:extLst>
-              <a:ext uri="{FF2B5EF4-FFF2-40B4-BE49-F238E27FC236}">
-                <a16:creationId xmlns:a16="http://schemas.microsoft.com/office/drawing/2014/main" id="{E8476F5E-8F6F-2960-0808-568FF632992E}"/>
-              </a:ext>
-            </a:extLst>
-          </p:cNvPr>
-          <p:cNvSpPr>
-            <a:spLocks noGrp="1"/>
-          </p:cNvSpPr>
-          <p:nvPr>
-            <p:ph type="title"/>
-          </p:nvPr>
-        </p:nvSpPr>
-        <p:spPr>
-          <a:xfrm>
-            <a:off x="1760706" y="685800"/>
-            <a:ext cx="9742318" cy="1752599"/>
-          </a:xfrm>
-        </p:spPr>
-        <p:txBody>
-          <a:bodyPr>
-            <a:normAutofit/>
-          </a:bodyPr>
-          <a:lstStyle/>
-          <a:p>
-            <a:r>
-              <a:rPr lang="en-US" b="1" u="sng" dirty="0"/>
-              <a:t>Converting The Application Into </a:t>
-            </a:r>
-            <a:br>
-              <a:rPr lang="en-US" b="1" u="sng" dirty="0"/>
-            </a:br>
-            <a:r>
-              <a:rPr lang="en-US" b="1" u="sng" dirty="0"/>
-              <a:t>Global &amp; Accessible Web-Application</a:t>
-            </a:r>
-          </a:p>
-        </p:txBody>
-      </p:sp>
-      <p:graphicFrame>
-        <p:nvGraphicFramePr>
-          <p:cNvPr id="5" name="Content Placeholder 2">
-            <a:extLst>
-              <a:ext uri="{FF2B5EF4-FFF2-40B4-BE49-F238E27FC236}">
-                <a16:creationId xmlns:a16="http://schemas.microsoft.com/office/drawing/2014/main" id="{4F340884-7CDA-36CE-2D74-B99CFF2B4C10}"/>
-              </a:ext>
-            </a:extLst>
-          </p:cNvPr>
-          <p:cNvGraphicFramePr>
-            <a:graphicFrameLocks noGrp="1"/>
-          </p:cNvGraphicFramePr>
-          <p:nvPr>
-            <p:ph idx="1"/>
-            <p:extLst>
-              <p:ext uri="{D42A27DB-BD31-4B8C-83A1-F6EECF244321}">
-                <p14:modId xmlns:p14="http://schemas.microsoft.com/office/powerpoint/2010/main" val="1424243274"/>
-              </p:ext>
-            </p:extLst>
-          </p:nvPr>
-        </p:nvGraphicFramePr>
-        <p:xfrm>
-          <a:off x="1760705" y="2694562"/>
-          <a:ext cx="9742319" cy="3096638"/>
-        </p:xfrm>
-        <a:graphic>
-          <a:graphicData uri="http://schemas.openxmlformats.org/drawingml/2006/diagram">
-            <dgm:relIds xmlns:dgm="http://schemas.openxmlformats.org/drawingml/2006/diagram" xmlns:r="http://schemas.openxmlformats.org/officeDocument/2006/relationships" r:dm="rId3" r:lo="rId4" r:qs="rId5" r:cs="rId6"/>
-          </a:graphicData>
-        </a:graphic>
-      </p:graphicFrame>
-    </p:spTree>
-    <p:extLst>
-      <p:ext uri="{BB962C8B-B14F-4D97-AF65-F5344CB8AC3E}">
-        <p14:creationId xmlns:p14="http://schemas.microsoft.com/office/powerpoint/2010/main" val="3368272000"/>
-      </p:ext>
-    </p:extLst>
-  </p:cSld>
-  <p:clrMapOvr>
-    <a:masterClrMapping/>
-  </p:clrMapOvr>
 </p:sld>
 </file>
 
